--- a/poster/KICS Poster.pptx
+++ b/poster/KICS Poster.pptx
@@ -1,9 +1,12 @@
 
 <file path=ppt/presentation.xml><?xml version="1.0" encoding="utf-8"?>
-<p:presentation xmlns:a="http://schemas.openxmlformats.org/drawingml/2006/main" xmlns:r="http://schemas.openxmlformats.org/officeDocument/2006/relationships" xmlns:p="http://schemas.openxmlformats.org/presentationml/2006/main" saveSubsetFonts="1">
+<p:presentation xmlns:a="http://schemas.openxmlformats.org/drawingml/2006/main" xmlns:r="http://schemas.openxmlformats.org/officeDocument/2006/relationships" xmlns:p="http://schemas.openxmlformats.org/presentationml/2006/main" embedTrueTypeFonts="1" saveSubsetFonts="1">
   <p:sldMasterIdLst>
-    <p:sldMasterId id="2147483672" r:id="rId1"/>
+    <p:sldMasterId id="2147483708" r:id="rId1"/>
   </p:sldMasterIdLst>
+  <p:notesMasterIdLst>
+    <p:notesMasterId r:id="rId11"/>
+  </p:notesMasterIdLst>
   <p:sldIdLst>
     <p:sldId id="256" r:id="rId2"/>
     <p:sldId id="257" r:id="rId3"/>
@@ -12,9 +15,22 @@
     <p:sldId id="260" r:id="rId6"/>
     <p:sldId id="261" r:id="rId7"/>
     <p:sldId id="262" r:id="rId8"/>
+    <p:sldId id="263" r:id="rId9"/>
+    <p:sldId id="264" r:id="rId10"/>
   </p:sldIdLst>
-  <p:sldSz cx="4319588" cy="6480175"/>
+  <p:sldSz cx="15119350" cy="10691813"/>
   <p:notesSz cx="6858000" cy="9144000"/>
+  <p:embeddedFontLst>
+    <p:embeddedFont>
+      <p:font typeface="a옛날사진관3" panose="02020600000000000000" pitchFamily="18" charset="-127"/>
+      <p:regular r:id="rId12"/>
+    </p:embeddedFont>
+    <p:embeddedFont>
+      <p:font typeface="맑은 고딕" panose="020B0503020000020004" pitchFamily="50" charset="-127"/>
+      <p:regular r:id="rId13"/>
+      <p:bold r:id="rId14"/>
+    </p:embeddedFont>
+  </p:embeddedFontLst>
   <p:defaultTextStyle>
     <a:defPPr>
       <a:defRPr lang="en-US"/>
@@ -110,7 +126,365 @@
       </a:defRPr>
     </a:lvl9pPr>
   </p:defaultTextStyle>
+  <p:extLst>
+    <p:ext uri="{EFAFB233-063F-42B5-8137-9DF3F51BA10A}">
+      <p15:sldGuideLst xmlns:p15="http://schemas.microsoft.com/office/powerpoint/2012/main"/>
+    </p:ext>
+  </p:extLst>
 </p:presentation>
+</file>
+
+<file path=ppt/revisionInfo.xml><?xml version="1.0" encoding="utf-8"?>
+<p1510:revInfo xmlns:a="http://schemas.openxmlformats.org/drawingml/2006/main" xmlns:r="http://schemas.openxmlformats.org/officeDocument/2006/relationships" xmlns:p1510="http://schemas.microsoft.com/office/powerpoint/2015/10/main"/>
+</file>
+
+<file path=ppt/notesMasters/notesMaster1.xml><?xml version="1.0" encoding="utf-8"?>
+<p:notesMaster xmlns:a="http://schemas.openxmlformats.org/drawingml/2006/main" xmlns:r="http://schemas.openxmlformats.org/officeDocument/2006/relationships" xmlns:p="http://schemas.openxmlformats.org/presentationml/2006/main">
+  <p:cSld>
+    <p:bg>
+      <p:bgRef idx="1001">
+        <a:schemeClr val="bg1"/>
+      </p:bgRef>
+    </p:bg>
+    <p:spTree>
+      <p:nvGrpSpPr>
+        <p:cNvPr id="1" name=""/>
+        <p:cNvGrpSpPr/>
+        <p:nvPr/>
+      </p:nvGrpSpPr>
+      <p:grpSpPr>
+        <a:xfrm>
+          <a:off x="0" y="0"/>
+          <a:ext cx="0" cy="0"/>
+          <a:chOff x="0" y="0"/>
+          <a:chExt cx="0" cy="0"/>
+        </a:xfrm>
+      </p:grpSpPr>
+      <p:sp>
+        <p:nvSpPr>
+          <p:cNvPr id="2" name="머리글 개체 틀 1"/>
+          <p:cNvSpPr>
+            <a:spLocks noGrp="1"/>
+          </p:cNvSpPr>
+          <p:nvPr>
+            <p:ph type="hdr" sz="quarter"/>
+          </p:nvPr>
+        </p:nvSpPr>
+        <p:spPr>
+          <a:xfrm>
+            <a:off x="0" y="0"/>
+            <a:ext cx="2971800" cy="458788"/>
+          </a:xfrm>
+          <a:prstGeom prst="rect">
+            <a:avLst/>
+          </a:prstGeom>
+        </p:spPr>
+        <p:txBody>
+          <a:bodyPr vert="horz" lIns="91440" tIns="45720" rIns="91440" bIns="45720" rtlCol="0"/>
+          <a:lstStyle>
+            <a:lvl1pPr algn="l">
+              <a:defRPr sz="1200"/>
+            </a:lvl1pPr>
+          </a:lstStyle>
+          <a:p>
+            <a:endParaRPr lang="ko-KR" altLang="en-US"/>
+          </a:p>
+        </p:txBody>
+      </p:sp>
+      <p:sp>
+        <p:nvSpPr>
+          <p:cNvPr id="3" name="날짜 개체 틀 2"/>
+          <p:cNvSpPr>
+            <a:spLocks noGrp="1"/>
+          </p:cNvSpPr>
+          <p:nvPr>
+            <p:ph type="dt" idx="1"/>
+          </p:nvPr>
+        </p:nvSpPr>
+        <p:spPr>
+          <a:xfrm>
+            <a:off x="3884613" y="0"/>
+            <a:ext cx="2971800" cy="458788"/>
+          </a:xfrm>
+          <a:prstGeom prst="rect">
+            <a:avLst/>
+          </a:prstGeom>
+        </p:spPr>
+        <p:txBody>
+          <a:bodyPr vert="horz" lIns="91440" tIns="45720" rIns="91440" bIns="45720" rtlCol="0"/>
+          <a:lstStyle>
+            <a:lvl1pPr algn="r">
+              <a:defRPr sz="1200"/>
+            </a:lvl1pPr>
+          </a:lstStyle>
+          <a:p>
+            <a:fld id="{CAC1DC00-6026-4A91-BD43-3953843801F6}" type="datetimeFigureOut">
+              <a:rPr lang="ko-KR" altLang="en-US" smtClean="0"/>
+              <a:t>2017-11-08</a:t>
+            </a:fld>
+            <a:endParaRPr lang="ko-KR" altLang="en-US"/>
+          </a:p>
+        </p:txBody>
+      </p:sp>
+      <p:sp>
+        <p:nvSpPr>
+          <p:cNvPr id="4" name="슬라이드 이미지 개체 틀 3"/>
+          <p:cNvSpPr>
+            <a:spLocks noGrp="1" noRot="1" noChangeAspect="1"/>
+          </p:cNvSpPr>
+          <p:nvPr>
+            <p:ph type="sldImg" idx="2"/>
+          </p:nvPr>
+        </p:nvSpPr>
+        <p:spPr>
+          <a:xfrm>
+            <a:off x="1246188" y="1143000"/>
+            <a:ext cx="4365625" cy="3086100"/>
+          </a:xfrm>
+          <a:prstGeom prst="rect">
+            <a:avLst/>
+          </a:prstGeom>
+          <a:noFill/>
+          <a:ln w="12700">
+            <a:solidFill>
+              <a:prstClr val="black"/>
+            </a:solidFill>
+          </a:ln>
+        </p:spPr>
+        <p:txBody>
+          <a:bodyPr vert="horz" lIns="91440" tIns="45720" rIns="91440" bIns="45720" rtlCol="0" anchor="ctr"/>
+          <a:lstStyle/>
+          <a:p>
+            <a:endParaRPr lang="ko-KR" altLang="en-US"/>
+          </a:p>
+        </p:txBody>
+      </p:sp>
+      <p:sp>
+        <p:nvSpPr>
+          <p:cNvPr id="5" name="슬라이드 노트 개체 틀 4"/>
+          <p:cNvSpPr>
+            <a:spLocks noGrp="1"/>
+          </p:cNvSpPr>
+          <p:nvPr>
+            <p:ph type="body" sz="quarter" idx="3"/>
+          </p:nvPr>
+        </p:nvSpPr>
+        <p:spPr>
+          <a:xfrm>
+            <a:off x="685800" y="4400550"/>
+            <a:ext cx="5486400" cy="3600450"/>
+          </a:xfrm>
+          <a:prstGeom prst="rect">
+            <a:avLst/>
+          </a:prstGeom>
+        </p:spPr>
+        <p:txBody>
+          <a:bodyPr vert="horz" lIns="91440" tIns="45720" rIns="91440" bIns="45720" rtlCol="0"/>
+          <a:lstStyle/>
+          <a:p>
+            <a:pPr lvl="0"/>
+            <a:r>
+              <a:rPr lang="ko-KR" altLang="en-US"/>
+              <a:t>마스터 텍스트 스타일 편집</a:t>
+            </a:r>
+          </a:p>
+          <a:p>
+            <a:pPr lvl="1"/>
+            <a:r>
+              <a:rPr lang="ko-KR" altLang="en-US"/>
+              <a:t>둘째 수준</a:t>
+            </a:r>
+          </a:p>
+          <a:p>
+            <a:pPr lvl="2"/>
+            <a:r>
+              <a:rPr lang="ko-KR" altLang="en-US"/>
+              <a:t>셋째 수준</a:t>
+            </a:r>
+          </a:p>
+          <a:p>
+            <a:pPr lvl="3"/>
+            <a:r>
+              <a:rPr lang="ko-KR" altLang="en-US"/>
+              <a:t>넷째 수준</a:t>
+            </a:r>
+          </a:p>
+          <a:p>
+            <a:pPr lvl="4"/>
+            <a:r>
+              <a:rPr lang="ko-KR" altLang="en-US"/>
+              <a:t>다섯째 수준</a:t>
+            </a:r>
+          </a:p>
+        </p:txBody>
+      </p:sp>
+      <p:sp>
+        <p:nvSpPr>
+          <p:cNvPr id="6" name="바닥글 개체 틀 5"/>
+          <p:cNvSpPr>
+            <a:spLocks noGrp="1"/>
+          </p:cNvSpPr>
+          <p:nvPr>
+            <p:ph type="ftr" sz="quarter" idx="4"/>
+          </p:nvPr>
+        </p:nvSpPr>
+        <p:spPr>
+          <a:xfrm>
+            <a:off x="0" y="8685213"/>
+            <a:ext cx="2971800" cy="458787"/>
+          </a:xfrm>
+          <a:prstGeom prst="rect">
+            <a:avLst/>
+          </a:prstGeom>
+        </p:spPr>
+        <p:txBody>
+          <a:bodyPr vert="horz" lIns="91440" tIns="45720" rIns="91440" bIns="45720" rtlCol="0" anchor="b"/>
+          <a:lstStyle>
+            <a:lvl1pPr algn="l">
+              <a:defRPr sz="1200"/>
+            </a:lvl1pPr>
+          </a:lstStyle>
+          <a:p>
+            <a:endParaRPr lang="ko-KR" altLang="en-US"/>
+          </a:p>
+        </p:txBody>
+      </p:sp>
+      <p:sp>
+        <p:nvSpPr>
+          <p:cNvPr id="7" name="슬라이드 번호 개체 틀 6"/>
+          <p:cNvSpPr>
+            <a:spLocks noGrp="1"/>
+          </p:cNvSpPr>
+          <p:nvPr>
+            <p:ph type="sldNum" sz="quarter" idx="5"/>
+          </p:nvPr>
+        </p:nvSpPr>
+        <p:spPr>
+          <a:xfrm>
+            <a:off x="3884613" y="8685213"/>
+            <a:ext cx="2971800" cy="458787"/>
+          </a:xfrm>
+          <a:prstGeom prst="rect">
+            <a:avLst/>
+          </a:prstGeom>
+        </p:spPr>
+        <p:txBody>
+          <a:bodyPr vert="horz" lIns="91440" tIns="45720" rIns="91440" bIns="45720" rtlCol="0" anchor="b"/>
+          <a:lstStyle>
+            <a:lvl1pPr algn="r">
+              <a:defRPr sz="1200"/>
+            </a:lvl1pPr>
+          </a:lstStyle>
+          <a:p>
+            <a:fld id="{33031047-757A-4E3F-BC68-44F83CC312A0}" type="slidenum">
+              <a:rPr lang="ko-KR" altLang="en-US" smtClean="0"/>
+              <a:t>‹#›</a:t>
+            </a:fld>
+            <a:endParaRPr lang="ko-KR" altLang="en-US"/>
+          </a:p>
+        </p:txBody>
+      </p:sp>
+    </p:spTree>
+    <p:extLst>
+      <p:ext uri="{BB962C8B-B14F-4D97-AF65-F5344CB8AC3E}">
+        <p14:creationId xmlns:p14="http://schemas.microsoft.com/office/powerpoint/2010/main" val="2534957800"/>
+      </p:ext>
+    </p:extLst>
+  </p:cSld>
+  <p:clrMap bg1="lt1" tx1="dk1" bg2="lt2" tx2="dk2" accent1="accent1" accent2="accent2" accent3="accent3" accent4="accent4" accent5="accent5" accent6="accent6" hlink="hlink" folHlink="folHlink"/>
+  <p:notesStyle>
+    <a:lvl1pPr marL="0" algn="l" defTabSz="2185325" rtl="0" eaLnBrk="1" latinLnBrk="1" hangingPunct="1">
+      <a:defRPr sz="2868" kern="1200">
+        <a:solidFill>
+          <a:schemeClr val="tx1"/>
+        </a:solidFill>
+        <a:latin typeface="+mn-lt"/>
+        <a:ea typeface="+mn-ea"/>
+        <a:cs typeface="+mn-cs"/>
+      </a:defRPr>
+    </a:lvl1pPr>
+    <a:lvl2pPr marL="1092662" algn="l" defTabSz="2185325" rtl="0" eaLnBrk="1" latinLnBrk="1" hangingPunct="1">
+      <a:defRPr sz="2868" kern="1200">
+        <a:solidFill>
+          <a:schemeClr val="tx1"/>
+        </a:solidFill>
+        <a:latin typeface="+mn-lt"/>
+        <a:ea typeface="+mn-ea"/>
+        <a:cs typeface="+mn-cs"/>
+      </a:defRPr>
+    </a:lvl2pPr>
+    <a:lvl3pPr marL="2185325" algn="l" defTabSz="2185325" rtl="0" eaLnBrk="1" latinLnBrk="1" hangingPunct="1">
+      <a:defRPr sz="2868" kern="1200">
+        <a:solidFill>
+          <a:schemeClr val="tx1"/>
+        </a:solidFill>
+        <a:latin typeface="+mn-lt"/>
+        <a:ea typeface="+mn-ea"/>
+        <a:cs typeface="+mn-cs"/>
+      </a:defRPr>
+    </a:lvl3pPr>
+    <a:lvl4pPr marL="3277987" algn="l" defTabSz="2185325" rtl="0" eaLnBrk="1" latinLnBrk="1" hangingPunct="1">
+      <a:defRPr sz="2868" kern="1200">
+        <a:solidFill>
+          <a:schemeClr val="tx1"/>
+        </a:solidFill>
+        <a:latin typeface="+mn-lt"/>
+        <a:ea typeface="+mn-ea"/>
+        <a:cs typeface="+mn-cs"/>
+      </a:defRPr>
+    </a:lvl4pPr>
+    <a:lvl5pPr marL="4370649" algn="l" defTabSz="2185325" rtl="0" eaLnBrk="1" latinLnBrk="1" hangingPunct="1">
+      <a:defRPr sz="2868" kern="1200">
+        <a:solidFill>
+          <a:schemeClr val="tx1"/>
+        </a:solidFill>
+        <a:latin typeface="+mn-lt"/>
+        <a:ea typeface="+mn-ea"/>
+        <a:cs typeface="+mn-cs"/>
+      </a:defRPr>
+    </a:lvl5pPr>
+    <a:lvl6pPr marL="5463311" algn="l" defTabSz="2185325" rtl="0" eaLnBrk="1" latinLnBrk="1" hangingPunct="1">
+      <a:defRPr sz="2868" kern="1200">
+        <a:solidFill>
+          <a:schemeClr val="tx1"/>
+        </a:solidFill>
+        <a:latin typeface="+mn-lt"/>
+        <a:ea typeface="+mn-ea"/>
+        <a:cs typeface="+mn-cs"/>
+      </a:defRPr>
+    </a:lvl6pPr>
+    <a:lvl7pPr marL="6555974" algn="l" defTabSz="2185325" rtl="0" eaLnBrk="1" latinLnBrk="1" hangingPunct="1">
+      <a:defRPr sz="2868" kern="1200">
+        <a:solidFill>
+          <a:schemeClr val="tx1"/>
+        </a:solidFill>
+        <a:latin typeface="+mn-lt"/>
+        <a:ea typeface="+mn-ea"/>
+        <a:cs typeface="+mn-cs"/>
+      </a:defRPr>
+    </a:lvl7pPr>
+    <a:lvl8pPr marL="7648636" algn="l" defTabSz="2185325" rtl="0" eaLnBrk="1" latinLnBrk="1" hangingPunct="1">
+      <a:defRPr sz="2868" kern="1200">
+        <a:solidFill>
+          <a:schemeClr val="tx1"/>
+        </a:solidFill>
+        <a:latin typeface="+mn-lt"/>
+        <a:ea typeface="+mn-ea"/>
+        <a:cs typeface="+mn-cs"/>
+      </a:defRPr>
+    </a:lvl8pPr>
+    <a:lvl9pPr marL="8741298" algn="l" defTabSz="2185325" rtl="0" eaLnBrk="1" latinLnBrk="1" hangingPunct="1">
+      <a:defRPr sz="2868" kern="1200">
+        <a:solidFill>
+          <a:schemeClr val="tx1"/>
+        </a:solidFill>
+        <a:latin typeface="+mn-lt"/>
+        <a:ea typeface="+mn-ea"/>
+        <a:cs typeface="+mn-cs"/>
+      </a:defRPr>
+    </a:lvl9pPr>
+  </p:notesStyle>
+</p:notesMaster>
 </file>
 
 <file path=ppt/slideLayouts/slideLayout1.xml><?xml version="1.0" encoding="utf-8"?>
@@ -142,15 +516,15 @@
         </p:nvSpPr>
         <p:spPr>
           <a:xfrm>
-            <a:off x="323969" y="1060529"/>
-            <a:ext cx="3671650" cy="2256061"/>
+            <a:off x="1133951" y="1749795"/>
+            <a:ext cx="12851448" cy="3722335"/>
           </a:xfrm>
         </p:spPr>
         <p:txBody>
           <a:bodyPr anchor="b"/>
           <a:lstStyle>
             <a:lvl1pPr algn="ctr">
-              <a:defRPr sz="2834"/>
+              <a:defRPr sz="9354"/>
             </a:lvl1pPr>
           </a:lstStyle>
           <a:p>
@@ -174,8 +548,8 @@
         </p:nvSpPr>
         <p:spPr>
           <a:xfrm>
-            <a:off x="539949" y="3403592"/>
-            <a:ext cx="3239691" cy="1564542"/>
+            <a:off x="1889919" y="5615678"/>
+            <a:ext cx="11339513" cy="2581379"/>
           </a:xfrm>
         </p:spPr>
         <p:txBody>
@@ -183,39 +557,39 @@
           <a:lstStyle>
             <a:lvl1pPr marL="0" indent="0" algn="ctr">
               <a:buNone/>
-              <a:defRPr sz="1134"/>
+              <a:defRPr sz="3742"/>
             </a:lvl1pPr>
-            <a:lvl2pPr marL="215981" indent="0" algn="ctr">
+            <a:lvl2pPr marL="712775" indent="0" algn="ctr">
               <a:buNone/>
-              <a:defRPr sz="945"/>
+              <a:defRPr sz="3118"/>
             </a:lvl2pPr>
-            <a:lvl3pPr marL="431963" indent="0" algn="ctr">
+            <a:lvl3pPr marL="1425550" indent="0" algn="ctr">
               <a:buNone/>
-              <a:defRPr sz="850"/>
+              <a:defRPr sz="2806"/>
             </a:lvl3pPr>
-            <a:lvl4pPr marL="647944" indent="0" algn="ctr">
+            <a:lvl4pPr marL="2138324" indent="0" algn="ctr">
               <a:buNone/>
-              <a:defRPr sz="756"/>
+              <a:defRPr sz="2494"/>
             </a:lvl4pPr>
-            <a:lvl5pPr marL="863925" indent="0" algn="ctr">
+            <a:lvl5pPr marL="2851099" indent="0" algn="ctr">
               <a:buNone/>
-              <a:defRPr sz="756"/>
+              <a:defRPr sz="2494"/>
             </a:lvl5pPr>
-            <a:lvl6pPr marL="1079906" indent="0" algn="ctr">
+            <a:lvl6pPr marL="3563874" indent="0" algn="ctr">
               <a:buNone/>
-              <a:defRPr sz="756"/>
+              <a:defRPr sz="2494"/>
             </a:lvl6pPr>
-            <a:lvl7pPr marL="1295888" indent="0" algn="ctr">
+            <a:lvl7pPr marL="4276649" indent="0" algn="ctr">
               <a:buNone/>
-              <a:defRPr sz="756"/>
+              <a:defRPr sz="2494"/>
             </a:lvl7pPr>
-            <a:lvl8pPr marL="1511869" indent="0" algn="ctr">
+            <a:lvl8pPr marL="4989424" indent="0" algn="ctr">
               <a:buNone/>
-              <a:defRPr sz="756"/>
+              <a:defRPr sz="2494"/>
             </a:lvl8pPr>
-            <a:lvl9pPr marL="1727850" indent="0" algn="ctr">
+            <a:lvl9pPr marL="5702198" indent="0" algn="ctr">
               <a:buNone/>
-              <a:defRPr sz="756"/>
+              <a:defRPr sz="2494"/>
             </a:lvl9pPr>
           </a:lstStyle>
           <a:p>
@@ -244,7 +618,7 @@
           <a:p>
             <a:fld id="{4DE62FE5-406D-44E8-AE22-8D7D05530733}" type="datetimeFigureOut">
               <a:rPr lang="ko-KR" altLang="en-US" smtClean="0"/>
-              <a:t>2017-11-06</a:t>
+              <a:t>2017-11-08</a:t>
             </a:fld>
             <a:endParaRPr lang="ko-KR" altLang="en-US"/>
           </a:p>
@@ -295,7 +669,7 @@
     </p:spTree>
     <p:extLst>
       <p:ext uri="{BB962C8B-B14F-4D97-AF65-F5344CB8AC3E}">
-        <p14:creationId xmlns:p14="http://schemas.microsoft.com/office/powerpoint/2010/main" val="1572738100"/>
+        <p14:creationId xmlns:p14="http://schemas.microsoft.com/office/powerpoint/2010/main" val="2199227162"/>
       </p:ext>
     </p:extLst>
   </p:cSld>
@@ -414,7 +788,7 @@
           <a:p>
             <a:fld id="{4DE62FE5-406D-44E8-AE22-8D7D05530733}" type="datetimeFigureOut">
               <a:rPr lang="ko-KR" altLang="en-US" smtClean="0"/>
-              <a:t>2017-11-06</a:t>
+              <a:t>2017-11-08</a:t>
             </a:fld>
             <a:endParaRPr lang="ko-KR" altLang="en-US"/>
           </a:p>
@@ -465,7 +839,7 @@
     </p:spTree>
     <p:extLst>
       <p:ext uri="{BB962C8B-B14F-4D97-AF65-F5344CB8AC3E}">
-        <p14:creationId xmlns:p14="http://schemas.microsoft.com/office/powerpoint/2010/main" val="2141160719"/>
+        <p14:creationId xmlns:p14="http://schemas.microsoft.com/office/powerpoint/2010/main" val="973539983"/>
       </p:ext>
     </p:extLst>
   </p:cSld>
@@ -504,8 +878,8 @@
         </p:nvSpPr>
         <p:spPr>
           <a:xfrm>
-            <a:off x="3091205" y="345009"/>
-            <a:ext cx="931411" cy="5491649"/>
+            <a:off x="10819786" y="569240"/>
+            <a:ext cx="3260110" cy="9060817"/>
           </a:xfrm>
         </p:spPr>
         <p:txBody>
@@ -532,8 +906,8 @@
         </p:nvSpPr>
         <p:spPr>
           <a:xfrm>
-            <a:off x="296972" y="345009"/>
-            <a:ext cx="2740239" cy="5491649"/>
+            <a:off x="1039456" y="569240"/>
+            <a:ext cx="9591338" cy="9060817"/>
           </a:xfrm>
         </p:spPr>
         <p:txBody>
@@ -594,7 +968,7 @@
           <a:p>
             <a:fld id="{4DE62FE5-406D-44E8-AE22-8D7D05530733}" type="datetimeFigureOut">
               <a:rPr lang="ko-KR" altLang="en-US" smtClean="0"/>
-              <a:t>2017-11-06</a:t>
+              <a:t>2017-11-08</a:t>
             </a:fld>
             <a:endParaRPr lang="ko-KR" altLang="en-US"/>
           </a:p>
@@ -645,7 +1019,7 @@
     </p:spTree>
     <p:extLst>
       <p:ext uri="{BB962C8B-B14F-4D97-AF65-F5344CB8AC3E}">
-        <p14:creationId xmlns:p14="http://schemas.microsoft.com/office/powerpoint/2010/main" val="1238319942"/>
+        <p14:creationId xmlns:p14="http://schemas.microsoft.com/office/powerpoint/2010/main" val="707787208"/>
       </p:ext>
     </p:extLst>
   </p:cSld>
@@ -764,7 +1138,7 @@
           <a:p>
             <a:fld id="{4DE62FE5-406D-44E8-AE22-8D7D05530733}" type="datetimeFigureOut">
               <a:rPr lang="ko-KR" altLang="en-US" smtClean="0"/>
-              <a:t>2017-11-06</a:t>
+              <a:t>2017-11-08</a:t>
             </a:fld>
             <a:endParaRPr lang="ko-KR" altLang="en-US"/>
           </a:p>
@@ -815,7 +1189,7 @@
     </p:spTree>
     <p:extLst>
       <p:ext uri="{BB962C8B-B14F-4D97-AF65-F5344CB8AC3E}">
-        <p14:creationId xmlns:p14="http://schemas.microsoft.com/office/powerpoint/2010/main" val="324657834"/>
+        <p14:creationId xmlns:p14="http://schemas.microsoft.com/office/powerpoint/2010/main" val="4135412813"/>
       </p:ext>
     </p:extLst>
   </p:cSld>
@@ -854,15 +1228,15 @@
         </p:nvSpPr>
         <p:spPr>
           <a:xfrm>
-            <a:off x="294722" y="1615546"/>
-            <a:ext cx="3725645" cy="2695572"/>
+            <a:off x="1031582" y="2665532"/>
+            <a:ext cx="13040439" cy="4447496"/>
           </a:xfrm>
         </p:spPr>
         <p:txBody>
           <a:bodyPr anchor="b"/>
           <a:lstStyle>
             <a:lvl1pPr>
-              <a:defRPr sz="2834"/>
+              <a:defRPr sz="9354"/>
             </a:lvl1pPr>
           </a:lstStyle>
           <a:p>
@@ -886,8 +1260,8 @@
         </p:nvSpPr>
         <p:spPr>
           <a:xfrm>
-            <a:off x="294722" y="4336619"/>
-            <a:ext cx="3725645" cy="1417538"/>
+            <a:off x="1031582" y="7155103"/>
+            <a:ext cx="13040439" cy="2338833"/>
           </a:xfrm>
         </p:spPr>
         <p:txBody>
@@ -895,15 +1269,15 @@
           <a:lstStyle>
             <a:lvl1pPr marL="0" indent="0">
               <a:buNone/>
-              <a:defRPr sz="1134">
+              <a:defRPr sz="3742">
                 <a:solidFill>
                   <a:schemeClr val="tx1"/>
                 </a:solidFill>
               </a:defRPr>
             </a:lvl1pPr>
-            <a:lvl2pPr marL="215981" indent="0">
+            <a:lvl2pPr marL="712775" indent="0">
               <a:buNone/>
-              <a:defRPr sz="945">
+              <a:defRPr sz="3118">
                 <a:solidFill>
                   <a:schemeClr val="tx1">
                     <a:tint val="75000"/>
@@ -911,9 +1285,9 @@
                 </a:solidFill>
               </a:defRPr>
             </a:lvl2pPr>
-            <a:lvl3pPr marL="431963" indent="0">
+            <a:lvl3pPr marL="1425550" indent="0">
               <a:buNone/>
-              <a:defRPr sz="850">
+              <a:defRPr sz="2806">
                 <a:solidFill>
                   <a:schemeClr val="tx1">
                     <a:tint val="75000"/>
@@ -921,9 +1295,9 @@
                 </a:solidFill>
               </a:defRPr>
             </a:lvl3pPr>
-            <a:lvl4pPr marL="647944" indent="0">
+            <a:lvl4pPr marL="2138324" indent="0">
               <a:buNone/>
-              <a:defRPr sz="756">
+              <a:defRPr sz="2494">
                 <a:solidFill>
                   <a:schemeClr val="tx1">
                     <a:tint val="75000"/>
@@ -931,9 +1305,9 @@
                 </a:solidFill>
               </a:defRPr>
             </a:lvl4pPr>
-            <a:lvl5pPr marL="863925" indent="0">
+            <a:lvl5pPr marL="2851099" indent="0">
               <a:buNone/>
-              <a:defRPr sz="756">
+              <a:defRPr sz="2494">
                 <a:solidFill>
                   <a:schemeClr val="tx1">
                     <a:tint val="75000"/>
@@ -941,9 +1315,9 @@
                 </a:solidFill>
               </a:defRPr>
             </a:lvl5pPr>
-            <a:lvl6pPr marL="1079906" indent="0">
+            <a:lvl6pPr marL="3563874" indent="0">
               <a:buNone/>
-              <a:defRPr sz="756">
+              <a:defRPr sz="2494">
                 <a:solidFill>
                   <a:schemeClr val="tx1">
                     <a:tint val="75000"/>
@@ -951,9 +1325,9 @@
                 </a:solidFill>
               </a:defRPr>
             </a:lvl6pPr>
-            <a:lvl7pPr marL="1295888" indent="0">
+            <a:lvl7pPr marL="4276649" indent="0">
               <a:buNone/>
-              <a:defRPr sz="756">
+              <a:defRPr sz="2494">
                 <a:solidFill>
                   <a:schemeClr val="tx1">
                     <a:tint val="75000"/>
@@ -961,9 +1335,9 @@
                 </a:solidFill>
               </a:defRPr>
             </a:lvl7pPr>
-            <a:lvl8pPr marL="1511869" indent="0">
+            <a:lvl8pPr marL="4989424" indent="0">
               <a:buNone/>
-              <a:defRPr sz="756">
+              <a:defRPr sz="2494">
                 <a:solidFill>
                   <a:schemeClr val="tx1">
                     <a:tint val="75000"/>
@@ -971,9 +1345,9 @@
                 </a:solidFill>
               </a:defRPr>
             </a:lvl8pPr>
-            <a:lvl9pPr marL="1727850" indent="0">
+            <a:lvl9pPr marL="5702198" indent="0">
               <a:buNone/>
-              <a:defRPr sz="756">
+              <a:defRPr sz="2494">
                 <a:solidFill>
                   <a:schemeClr val="tx1">
                     <a:tint val="75000"/>
@@ -1008,7 +1382,7 @@
           <a:p>
             <a:fld id="{4DE62FE5-406D-44E8-AE22-8D7D05530733}" type="datetimeFigureOut">
               <a:rPr lang="ko-KR" altLang="en-US" smtClean="0"/>
-              <a:t>2017-11-06</a:t>
+              <a:t>2017-11-08</a:t>
             </a:fld>
             <a:endParaRPr lang="ko-KR" altLang="en-US"/>
           </a:p>
@@ -1059,7 +1433,7 @@
     </p:spTree>
     <p:extLst>
       <p:ext uri="{BB962C8B-B14F-4D97-AF65-F5344CB8AC3E}">
-        <p14:creationId xmlns:p14="http://schemas.microsoft.com/office/powerpoint/2010/main" val="1499702556"/>
+        <p14:creationId xmlns:p14="http://schemas.microsoft.com/office/powerpoint/2010/main" val="4249701559"/>
       </p:ext>
     </p:extLst>
   </p:cSld>
@@ -1121,8 +1495,8 @@
         </p:nvSpPr>
         <p:spPr>
           <a:xfrm>
-            <a:off x="296972" y="1725046"/>
-            <a:ext cx="1835825" cy="4111612"/>
+            <a:off x="1039455" y="2846200"/>
+            <a:ext cx="6425724" cy="6783857"/>
           </a:xfrm>
         </p:spPr>
         <p:txBody>
@@ -1178,8 +1552,8 @@
         </p:nvSpPr>
         <p:spPr>
           <a:xfrm>
-            <a:off x="2186791" y="1725046"/>
-            <a:ext cx="1835825" cy="4111612"/>
+            <a:off x="7654171" y="2846200"/>
+            <a:ext cx="6425724" cy="6783857"/>
           </a:xfrm>
         </p:spPr>
         <p:txBody>
@@ -1240,7 +1614,7 @@
           <a:p>
             <a:fld id="{4DE62FE5-406D-44E8-AE22-8D7D05530733}" type="datetimeFigureOut">
               <a:rPr lang="ko-KR" altLang="en-US" smtClean="0"/>
-              <a:t>2017-11-06</a:t>
+              <a:t>2017-11-08</a:t>
             </a:fld>
             <a:endParaRPr lang="ko-KR" altLang="en-US"/>
           </a:p>
@@ -1291,7 +1665,7 @@
     </p:spTree>
     <p:extLst>
       <p:ext uri="{BB962C8B-B14F-4D97-AF65-F5344CB8AC3E}">
-        <p14:creationId xmlns:p14="http://schemas.microsoft.com/office/powerpoint/2010/main" val="2563649162"/>
+        <p14:creationId xmlns:p14="http://schemas.microsoft.com/office/powerpoint/2010/main" val="1367323595"/>
       </p:ext>
     </p:extLst>
   </p:cSld>
@@ -1330,8 +1704,8 @@
         </p:nvSpPr>
         <p:spPr>
           <a:xfrm>
-            <a:off x="297534" y="345011"/>
-            <a:ext cx="3725645" cy="1252534"/>
+            <a:off x="1041425" y="569242"/>
+            <a:ext cx="13040439" cy="2066590"/>
           </a:xfrm>
         </p:spPr>
         <p:txBody>
@@ -1358,8 +1732,8 @@
         </p:nvSpPr>
         <p:spPr>
           <a:xfrm>
-            <a:off x="297535" y="1588543"/>
-            <a:ext cx="1827388" cy="778521"/>
+            <a:off x="1041426" y="2620980"/>
+            <a:ext cx="6396193" cy="1284502"/>
           </a:xfrm>
         </p:spPr>
         <p:txBody>
@@ -1367,39 +1741,39 @@
           <a:lstStyle>
             <a:lvl1pPr marL="0" indent="0">
               <a:buNone/>
-              <a:defRPr sz="1134" b="1"/>
+              <a:defRPr sz="3742" b="1"/>
             </a:lvl1pPr>
-            <a:lvl2pPr marL="215981" indent="0">
+            <a:lvl2pPr marL="712775" indent="0">
               <a:buNone/>
-              <a:defRPr sz="945" b="1"/>
+              <a:defRPr sz="3118" b="1"/>
             </a:lvl2pPr>
-            <a:lvl3pPr marL="431963" indent="0">
+            <a:lvl3pPr marL="1425550" indent="0">
               <a:buNone/>
-              <a:defRPr sz="850" b="1"/>
+              <a:defRPr sz="2806" b="1"/>
             </a:lvl3pPr>
-            <a:lvl4pPr marL="647944" indent="0">
+            <a:lvl4pPr marL="2138324" indent="0">
               <a:buNone/>
-              <a:defRPr sz="756" b="1"/>
+              <a:defRPr sz="2494" b="1"/>
             </a:lvl4pPr>
-            <a:lvl5pPr marL="863925" indent="0">
+            <a:lvl5pPr marL="2851099" indent="0">
               <a:buNone/>
-              <a:defRPr sz="756" b="1"/>
+              <a:defRPr sz="2494" b="1"/>
             </a:lvl5pPr>
-            <a:lvl6pPr marL="1079906" indent="0">
+            <a:lvl6pPr marL="3563874" indent="0">
               <a:buNone/>
-              <a:defRPr sz="756" b="1"/>
+              <a:defRPr sz="2494" b="1"/>
             </a:lvl6pPr>
-            <a:lvl7pPr marL="1295888" indent="0">
+            <a:lvl7pPr marL="4276649" indent="0">
               <a:buNone/>
-              <a:defRPr sz="756" b="1"/>
+              <a:defRPr sz="2494" b="1"/>
             </a:lvl7pPr>
-            <a:lvl8pPr marL="1511869" indent="0">
+            <a:lvl8pPr marL="4989424" indent="0">
               <a:buNone/>
-              <a:defRPr sz="756" b="1"/>
+              <a:defRPr sz="2494" b="1"/>
             </a:lvl8pPr>
-            <a:lvl9pPr marL="1727850" indent="0">
+            <a:lvl9pPr marL="5702198" indent="0">
               <a:buNone/>
-              <a:defRPr sz="756" b="1"/>
+              <a:defRPr sz="2494" b="1"/>
             </a:lvl9pPr>
           </a:lstStyle>
           <a:p>
@@ -1423,8 +1797,8 @@
         </p:nvSpPr>
         <p:spPr>
           <a:xfrm>
-            <a:off x="297535" y="2367064"/>
-            <a:ext cx="1827388" cy="3481594"/>
+            <a:off x="1041426" y="3905482"/>
+            <a:ext cx="6396193" cy="5744375"/>
           </a:xfrm>
         </p:spPr>
         <p:txBody>
@@ -1480,8 +1854,8 @@
         </p:nvSpPr>
         <p:spPr>
           <a:xfrm>
-            <a:off x="2186791" y="1588543"/>
-            <a:ext cx="1836388" cy="778521"/>
+            <a:off x="7654172" y="2620980"/>
+            <a:ext cx="6427693" cy="1284502"/>
           </a:xfrm>
         </p:spPr>
         <p:txBody>
@@ -1489,39 +1863,39 @@
           <a:lstStyle>
             <a:lvl1pPr marL="0" indent="0">
               <a:buNone/>
-              <a:defRPr sz="1134" b="1"/>
+              <a:defRPr sz="3742" b="1"/>
             </a:lvl1pPr>
-            <a:lvl2pPr marL="215981" indent="0">
+            <a:lvl2pPr marL="712775" indent="0">
               <a:buNone/>
-              <a:defRPr sz="945" b="1"/>
+              <a:defRPr sz="3118" b="1"/>
             </a:lvl2pPr>
-            <a:lvl3pPr marL="431963" indent="0">
+            <a:lvl3pPr marL="1425550" indent="0">
               <a:buNone/>
-              <a:defRPr sz="850" b="1"/>
+              <a:defRPr sz="2806" b="1"/>
             </a:lvl3pPr>
-            <a:lvl4pPr marL="647944" indent="0">
+            <a:lvl4pPr marL="2138324" indent="0">
               <a:buNone/>
-              <a:defRPr sz="756" b="1"/>
+              <a:defRPr sz="2494" b="1"/>
             </a:lvl4pPr>
-            <a:lvl5pPr marL="863925" indent="0">
+            <a:lvl5pPr marL="2851099" indent="0">
               <a:buNone/>
-              <a:defRPr sz="756" b="1"/>
+              <a:defRPr sz="2494" b="1"/>
             </a:lvl5pPr>
-            <a:lvl6pPr marL="1079906" indent="0">
+            <a:lvl6pPr marL="3563874" indent="0">
               <a:buNone/>
-              <a:defRPr sz="756" b="1"/>
+              <a:defRPr sz="2494" b="1"/>
             </a:lvl6pPr>
-            <a:lvl7pPr marL="1295888" indent="0">
+            <a:lvl7pPr marL="4276649" indent="0">
               <a:buNone/>
-              <a:defRPr sz="756" b="1"/>
+              <a:defRPr sz="2494" b="1"/>
             </a:lvl7pPr>
-            <a:lvl8pPr marL="1511869" indent="0">
+            <a:lvl8pPr marL="4989424" indent="0">
               <a:buNone/>
-              <a:defRPr sz="756" b="1"/>
+              <a:defRPr sz="2494" b="1"/>
             </a:lvl8pPr>
-            <a:lvl9pPr marL="1727850" indent="0">
+            <a:lvl9pPr marL="5702198" indent="0">
               <a:buNone/>
-              <a:defRPr sz="756" b="1"/>
+              <a:defRPr sz="2494" b="1"/>
             </a:lvl9pPr>
           </a:lstStyle>
           <a:p>
@@ -1545,8 +1919,8 @@
         </p:nvSpPr>
         <p:spPr>
           <a:xfrm>
-            <a:off x="2186791" y="2367064"/>
-            <a:ext cx="1836388" cy="3481594"/>
+            <a:off x="7654172" y="3905482"/>
+            <a:ext cx="6427693" cy="5744375"/>
           </a:xfrm>
         </p:spPr>
         <p:txBody>
@@ -1607,7 +1981,7 @@
           <a:p>
             <a:fld id="{4DE62FE5-406D-44E8-AE22-8D7D05530733}" type="datetimeFigureOut">
               <a:rPr lang="ko-KR" altLang="en-US" smtClean="0"/>
-              <a:t>2017-11-06</a:t>
+              <a:t>2017-11-08</a:t>
             </a:fld>
             <a:endParaRPr lang="ko-KR" altLang="en-US"/>
           </a:p>
@@ -1658,7 +2032,7 @@
     </p:spTree>
     <p:extLst>
       <p:ext uri="{BB962C8B-B14F-4D97-AF65-F5344CB8AC3E}">
-        <p14:creationId xmlns:p14="http://schemas.microsoft.com/office/powerpoint/2010/main" val="2922934762"/>
+        <p14:creationId xmlns:p14="http://schemas.microsoft.com/office/powerpoint/2010/main" val="4261474108"/>
       </p:ext>
     </p:extLst>
   </p:cSld>
@@ -1725,7 +2099,7 @@
           <a:p>
             <a:fld id="{4DE62FE5-406D-44E8-AE22-8D7D05530733}" type="datetimeFigureOut">
               <a:rPr lang="ko-KR" altLang="en-US" smtClean="0"/>
-              <a:t>2017-11-06</a:t>
+              <a:t>2017-11-08</a:t>
             </a:fld>
             <a:endParaRPr lang="ko-KR" altLang="en-US"/>
           </a:p>
@@ -1776,7 +2150,7 @@
     </p:spTree>
     <p:extLst>
       <p:ext uri="{BB962C8B-B14F-4D97-AF65-F5344CB8AC3E}">
-        <p14:creationId xmlns:p14="http://schemas.microsoft.com/office/powerpoint/2010/main" val="1567968649"/>
+        <p14:creationId xmlns:p14="http://schemas.microsoft.com/office/powerpoint/2010/main" val="4079130933"/>
       </p:ext>
     </p:extLst>
   </p:cSld>
@@ -1820,7 +2194,7 @@
           <a:p>
             <a:fld id="{4DE62FE5-406D-44E8-AE22-8D7D05530733}" type="datetimeFigureOut">
               <a:rPr lang="ko-KR" altLang="en-US" smtClean="0"/>
-              <a:t>2017-11-06</a:t>
+              <a:t>2017-11-08</a:t>
             </a:fld>
             <a:endParaRPr lang="ko-KR" altLang="en-US"/>
           </a:p>
@@ -1871,7 +2245,7 @@
     </p:spTree>
     <p:extLst>
       <p:ext uri="{BB962C8B-B14F-4D97-AF65-F5344CB8AC3E}">
-        <p14:creationId xmlns:p14="http://schemas.microsoft.com/office/powerpoint/2010/main" val="2148351109"/>
+        <p14:creationId xmlns:p14="http://schemas.microsoft.com/office/powerpoint/2010/main" val="2241660198"/>
       </p:ext>
     </p:extLst>
   </p:cSld>
@@ -1910,20 +2284,20 @@
         </p:nvSpPr>
         <p:spPr>
           <a:xfrm>
-            <a:off x="297534" y="432012"/>
-            <a:ext cx="1393180" cy="1512041"/>
+            <a:off x="1041425" y="712788"/>
+            <a:ext cx="4876384" cy="2494756"/>
           </a:xfrm>
         </p:spPr>
         <p:txBody>
-          <a:bodyPr anchor="b"/>
+          <a:bodyPr anchor="ctr"/>
           <a:lstStyle>
             <a:lvl1pPr>
-              <a:defRPr sz="1512"/>
+              <a:defRPr sz="4989"/>
             </a:lvl1pPr>
           </a:lstStyle>
           <a:p>
             <a:r>
-              <a:rPr lang="ko-KR" altLang="en-US"/>
+              <a:rPr lang="ko-KR" altLang="en-US" dirty="0"/>
               <a:t>마스터 제목 스타일 편집</a:t>
             </a:r>
             <a:endParaRPr lang="en-US" dirty="0"/>
@@ -1942,39 +2316,39 @@
         </p:nvSpPr>
         <p:spPr>
           <a:xfrm>
-            <a:off x="1836388" y="933027"/>
-            <a:ext cx="2186791" cy="4605124"/>
+            <a:off x="6427693" y="1539425"/>
+            <a:ext cx="7654171" cy="7598117"/>
           </a:xfrm>
         </p:spPr>
         <p:txBody>
           <a:bodyPr/>
           <a:lstStyle>
             <a:lvl1pPr>
-              <a:defRPr sz="1512"/>
+              <a:defRPr sz="4989"/>
             </a:lvl1pPr>
             <a:lvl2pPr>
-              <a:defRPr sz="1323"/>
+              <a:defRPr sz="4365"/>
             </a:lvl2pPr>
             <a:lvl3pPr>
-              <a:defRPr sz="1134"/>
+              <a:defRPr sz="3742"/>
             </a:lvl3pPr>
             <a:lvl4pPr>
-              <a:defRPr sz="945"/>
+              <a:defRPr sz="3118"/>
             </a:lvl4pPr>
             <a:lvl5pPr>
-              <a:defRPr sz="945"/>
+              <a:defRPr sz="3118"/>
             </a:lvl5pPr>
             <a:lvl6pPr>
-              <a:defRPr sz="945"/>
+              <a:defRPr sz="3118"/>
             </a:lvl6pPr>
             <a:lvl7pPr>
-              <a:defRPr sz="945"/>
+              <a:defRPr sz="3118"/>
             </a:lvl7pPr>
             <a:lvl8pPr>
-              <a:defRPr sz="945"/>
+              <a:defRPr sz="3118"/>
             </a:lvl8pPr>
             <a:lvl9pPr>
-              <a:defRPr sz="945"/>
+              <a:defRPr sz="3118"/>
             </a:lvl9pPr>
           </a:lstStyle>
           <a:p>
@@ -2027,8 +2401,8 @@
         </p:nvSpPr>
         <p:spPr>
           <a:xfrm>
-            <a:off x="297534" y="1944052"/>
-            <a:ext cx="1393180" cy="3601598"/>
+            <a:off x="1041425" y="3207544"/>
+            <a:ext cx="4876384" cy="5942372"/>
           </a:xfrm>
         </p:spPr>
         <p:txBody>
@@ -2036,39 +2410,39 @@
           <a:lstStyle>
             <a:lvl1pPr marL="0" indent="0">
               <a:buNone/>
-              <a:defRPr sz="756"/>
+              <a:defRPr sz="2494"/>
             </a:lvl1pPr>
-            <a:lvl2pPr marL="215981" indent="0">
+            <a:lvl2pPr marL="712775" indent="0">
               <a:buNone/>
-              <a:defRPr sz="661"/>
+              <a:defRPr sz="2183"/>
             </a:lvl2pPr>
-            <a:lvl3pPr marL="431963" indent="0">
+            <a:lvl3pPr marL="1425550" indent="0">
               <a:buNone/>
-              <a:defRPr sz="567"/>
+              <a:defRPr sz="1871"/>
             </a:lvl3pPr>
-            <a:lvl4pPr marL="647944" indent="0">
+            <a:lvl4pPr marL="2138324" indent="0">
               <a:buNone/>
-              <a:defRPr sz="472"/>
+              <a:defRPr sz="1559"/>
             </a:lvl4pPr>
-            <a:lvl5pPr marL="863925" indent="0">
+            <a:lvl5pPr marL="2851099" indent="0">
               <a:buNone/>
-              <a:defRPr sz="472"/>
+              <a:defRPr sz="1559"/>
             </a:lvl5pPr>
-            <a:lvl6pPr marL="1079906" indent="0">
+            <a:lvl6pPr marL="3563874" indent="0">
               <a:buNone/>
-              <a:defRPr sz="472"/>
+              <a:defRPr sz="1559"/>
             </a:lvl6pPr>
-            <a:lvl7pPr marL="1295888" indent="0">
+            <a:lvl7pPr marL="4276649" indent="0">
               <a:buNone/>
-              <a:defRPr sz="472"/>
+              <a:defRPr sz="1559"/>
             </a:lvl7pPr>
-            <a:lvl8pPr marL="1511869" indent="0">
+            <a:lvl8pPr marL="4989424" indent="0">
               <a:buNone/>
-              <a:defRPr sz="472"/>
+              <a:defRPr sz="1559"/>
             </a:lvl8pPr>
-            <a:lvl9pPr marL="1727850" indent="0">
+            <a:lvl9pPr marL="5702198" indent="0">
               <a:buNone/>
-              <a:defRPr sz="472"/>
+              <a:defRPr sz="1559"/>
             </a:lvl9pPr>
           </a:lstStyle>
           <a:p>
@@ -2097,7 +2471,7 @@
           <a:p>
             <a:fld id="{4DE62FE5-406D-44E8-AE22-8D7D05530733}" type="datetimeFigureOut">
               <a:rPr lang="ko-KR" altLang="en-US" smtClean="0"/>
-              <a:t>2017-11-06</a:t>
+              <a:t>2017-11-08</a:t>
             </a:fld>
             <a:endParaRPr lang="ko-KR" altLang="en-US"/>
           </a:p>
@@ -2148,7 +2522,7 @@
     </p:spTree>
     <p:extLst>
       <p:ext uri="{BB962C8B-B14F-4D97-AF65-F5344CB8AC3E}">
-        <p14:creationId xmlns:p14="http://schemas.microsoft.com/office/powerpoint/2010/main" val="3816946510"/>
+        <p14:creationId xmlns:p14="http://schemas.microsoft.com/office/powerpoint/2010/main" val="1702487837"/>
       </p:ext>
     </p:extLst>
   </p:cSld>
@@ -2187,20 +2561,20 @@
         </p:nvSpPr>
         <p:spPr>
           <a:xfrm>
-            <a:off x="297534" y="432012"/>
-            <a:ext cx="1393180" cy="1512041"/>
+            <a:off x="1041425" y="712788"/>
+            <a:ext cx="4876384" cy="2494756"/>
           </a:xfrm>
         </p:spPr>
         <p:txBody>
-          <a:bodyPr anchor="b"/>
+          <a:bodyPr anchor="ctr"/>
           <a:lstStyle>
             <a:lvl1pPr>
-              <a:defRPr sz="1512"/>
+              <a:defRPr sz="4989"/>
             </a:lvl1pPr>
           </a:lstStyle>
           <a:p>
             <a:r>
-              <a:rPr lang="ko-KR" altLang="en-US"/>
+              <a:rPr lang="ko-KR" altLang="en-US" dirty="0"/>
               <a:t>마스터 제목 스타일 편집</a:t>
             </a:r>
             <a:endParaRPr lang="en-US" dirty="0"/>
@@ -2219,8 +2593,8 @@
         </p:nvSpPr>
         <p:spPr>
           <a:xfrm>
-            <a:off x="1836388" y="933027"/>
-            <a:ext cx="2186791" cy="4605124"/>
+            <a:off x="6427693" y="1539425"/>
+            <a:ext cx="7654171" cy="7598117"/>
           </a:xfrm>
         </p:spPr>
         <p:txBody>
@@ -2228,39 +2602,39 @@
           <a:lstStyle>
             <a:lvl1pPr marL="0" indent="0">
               <a:buNone/>
-              <a:defRPr sz="1512"/>
+              <a:defRPr sz="4989"/>
             </a:lvl1pPr>
-            <a:lvl2pPr marL="215981" indent="0">
+            <a:lvl2pPr marL="712775" indent="0">
               <a:buNone/>
-              <a:defRPr sz="1323"/>
+              <a:defRPr sz="4365"/>
             </a:lvl2pPr>
-            <a:lvl3pPr marL="431963" indent="0">
+            <a:lvl3pPr marL="1425550" indent="0">
               <a:buNone/>
-              <a:defRPr sz="1134"/>
+              <a:defRPr sz="3742"/>
             </a:lvl3pPr>
-            <a:lvl4pPr marL="647944" indent="0">
+            <a:lvl4pPr marL="2138324" indent="0">
               <a:buNone/>
-              <a:defRPr sz="945"/>
+              <a:defRPr sz="3118"/>
             </a:lvl4pPr>
-            <a:lvl5pPr marL="863925" indent="0">
+            <a:lvl5pPr marL="2851099" indent="0">
               <a:buNone/>
-              <a:defRPr sz="945"/>
+              <a:defRPr sz="3118"/>
             </a:lvl5pPr>
-            <a:lvl6pPr marL="1079906" indent="0">
+            <a:lvl6pPr marL="3563874" indent="0">
               <a:buNone/>
-              <a:defRPr sz="945"/>
+              <a:defRPr sz="3118"/>
             </a:lvl6pPr>
-            <a:lvl7pPr marL="1295888" indent="0">
+            <a:lvl7pPr marL="4276649" indent="0">
               <a:buNone/>
-              <a:defRPr sz="945"/>
+              <a:defRPr sz="3118"/>
             </a:lvl7pPr>
-            <a:lvl8pPr marL="1511869" indent="0">
+            <a:lvl8pPr marL="4989424" indent="0">
               <a:buNone/>
-              <a:defRPr sz="945"/>
+              <a:defRPr sz="3118"/>
             </a:lvl8pPr>
-            <a:lvl9pPr marL="1727850" indent="0">
+            <a:lvl9pPr marL="5702198" indent="0">
               <a:buNone/>
-              <a:defRPr sz="945"/>
+              <a:defRPr sz="3118"/>
             </a:lvl9pPr>
           </a:lstStyle>
           <a:p>
@@ -2284,8 +2658,8 @@
         </p:nvSpPr>
         <p:spPr>
           <a:xfrm>
-            <a:off x="297534" y="1944052"/>
-            <a:ext cx="1393180" cy="3601598"/>
+            <a:off x="1041425" y="3207544"/>
+            <a:ext cx="4876384" cy="5942372"/>
           </a:xfrm>
         </p:spPr>
         <p:txBody>
@@ -2293,39 +2667,39 @@
           <a:lstStyle>
             <a:lvl1pPr marL="0" indent="0">
               <a:buNone/>
-              <a:defRPr sz="756"/>
+              <a:defRPr sz="2494"/>
             </a:lvl1pPr>
-            <a:lvl2pPr marL="215981" indent="0">
+            <a:lvl2pPr marL="712775" indent="0">
               <a:buNone/>
-              <a:defRPr sz="661"/>
+              <a:defRPr sz="2183"/>
             </a:lvl2pPr>
-            <a:lvl3pPr marL="431963" indent="0">
+            <a:lvl3pPr marL="1425550" indent="0">
               <a:buNone/>
-              <a:defRPr sz="567"/>
+              <a:defRPr sz="1871"/>
             </a:lvl3pPr>
-            <a:lvl4pPr marL="647944" indent="0">
+            <a:lvl4pPr marL="2138324" indent="0">
               <a:buNone/>
-              <a:defRPr sz="472"/>
+              <a:defRPr sz="1559"/>
             </a:lvl4pPr>
-            <a:lvl5pPr marL="863925" indent="0">
+            <a:lvl5pPr marL="2851099" indent="0">
               <a:buNone/>
-              <a:defRPr sz="472"/>
+              <a:defRPr sz="1559"/>
             </a:lvl5pPr>
-            <a:lvl6pPr marL="1079906" indent="0">
+            <a:lvl6pPr marL="3563874" indent="0">
               <a:buNone/>
-              <a:defRPr sz="472"/>
+              <a:defRPr sz="1559"/>
             </a:lvl6pPr>
-            <a:lvl7pPr marL="1295888" indent="0">
+            <a:lvl7pPr marL="4276649" indent="0">
               <a:buNone/>
-              <a:defRPr sz="472"/>
+              <a:defRPr sz="1559"/>
             </a:lvl7pPr>
-            <a:lvl8pPr marL="1511869" indent="0">
+            <a:lvl8pPr marL="4989424" indent="0">
               <a:buNone/>
-              <a:defRPr sz="472"/>
+              <a:defRPr sz="1559"/>
             </a:lvl8pPr>
-            <a:lvl9pPr marL="1727850" indent="0">
+            <a:lvl9pPr marL="5702198" indent="0">
               <a:buNone/>
-              <a:defRPr sz="472"/>
+              <a:defRPr sz="1559"/>
             </a:lvl9pPr>
           </a:lstStyle>
           <a:p>
@@ -2354,7 +2728,7 @@
           <a:p>
             <a:fld id="{4DE62FE5-406D-44E8-AE22-8D7D05530733}" type="datetimeFigureOut">
               <a:rPr lang="ko-KR" altLang="en-US" smtClean="0"/>
-              <a:t>2017-11-06</a:t>
+              <a:t>2017-11-08</a:t>
             </a:fld>
             <a:endParaRPr lang="ko-KR" altLang="en-US"/>
           </a:p>
@@ -2405,7 +2779,7 @@
     </p:spTree>
     <p:extLst>
       <p:ext uri="{BB962C8B-B14F-4D97-AF65-F5344CB8AC3E}">
-        <p14:creationId xmlns:p14="http://schemas.microsoft.com/office/powerpoint/2010/main" val="2584956126"/>
+        <p14:creationId xmlns:p14="http://schemas.microsoft.com/office/powerpoint/2010/main" val="330792969"/>
       </p:ext>
     </p:extLst>
   </p:cSld>
@@ -2449,8 +2823,8 @@
         </p:nvSpPr>
         <p:spPr>
           <a:xfrm>
-            <a:off x="296972" y="345011"/>
-            <a:ext cx="3725645" cy="1252534"/>
+            <a:off x="1039456" y="569242"/>
+            <a:ext cx="13040439" cy="2066590"/>
           </a:xfrm>
           <a:prstGeom prst="rect">
             <a:avLst/>
@@ -2482,8 +2856,8 @@
         </p:nvSpPr>
         <p:spPr>
           <a:xfrm>
-            <a:off x="296972" y="1725046"/>
-            <a:ext cx="3725645" cy="4111612"/>
+            <a:off x="1039456" y="2846200"/>
+            <a:ext cx="13040439" cy="6783857"/>
           </a:xfrm>
           <a:prstGeom prst="rect">
             <a:avLst/>
@@ -2544,8 +2918,8 @@
         </p:nvSpPr>
         <p:spPr>
           <a:xfrm>
-            <a:off x="296972" y="6006164"/>
-            <a:ext cx="971907" cy="345009"/>
+            <a:off x="1039455" y="9909729"/>
+            <a:ext cx="3401854" cy="569240"/>
           </a:xfrm>
           <a:prstGeom prst="rect">
             <a:avLst/>
@@ -2555,7 +2929,7 @@
           <a:bodyPr vert="horz" lIns="91440" tIns="45720" rIns="91440" bIns="45720" rtlCol="0" anchor="ctr"/>
           <a:lstStyle>
             <a:lvl1pPr algn="l">
-              <a:defRPr sz="567">
+              <a:defRPr sz="1871">
                 <a:solidFill>
                   <a:schemeClr val="tx1">
                     <a:tint val="75000"/>
@@ -2567,7 +2941,7 @@
           <a:p>
             <a:fld id="{4DE62FE5-406D-44E8-AE22-8D7D05530733}" type="datetimeFigureOut">
               <a:rPr lang="ko-KR" altLang="en-US" smtClean="0"/>
-              <a:t>2017-11-06</a:t>
+              <a:t>2017-11-08</a:t>
             </a:fld>
             <a:endParaRPr lang="ko-KR" altLang="en-US"/>
           </a:p>
@@ -2585,8 +2959,8 @@
         </p:nvSpPr>
         <p:spPr>
           <a:xfrm>
-            <a:off x="1430864" y="6006164"/>
-            <a:ext cx="1457861" cy="345009"/>
+            <a:off x="5008285" y="9909729"/>
+            <a:ext cx="5102781" cy="569240"/>
           </a:xfrm>
           <a:prstGeom prst="rect">
             <a:avLst/>
@@ -2596,7 +2970,7 @@
           <a:bodyPr vert="horz" lIns="91440" tIns="45720" rIns="91440" bIns="45720" rtlCol="0" anchor="ctr"/>
           <a:lstStyle>
             <a:lvl1pPr algn="ctr">
-              <a:defRPr sz="567">
+              <a:defRPr sz="1871">
                 <a:solidFill>
                   <a:schemeClr val="tx1">
                     <a:tint val="75000"/>
@@ -2622,8 +2996,8 @@
         </p:nvSpPr>
         <p:spPr>
           <a:xfrm>
-            <a:off x="3050709" y="6006164"/>
-            <a:ext cx="971907" cy="345009"/>
+            <a:off x="10678041" y="9909729"/>
+            <a:ext cx="3401854" cy="569240"/>
           </a:xfrm>
           <a:prstGeom prst="rect">
             <a:avLst/>
@@ -2633,7 +3007,7 @@
           <a:bodyPr vert="horz" lIns="91440" tIns="45720" rIns="91440" bIns="45720" rtlCol="0" anchor="ctr"/>
           <a:lstStyle>
             <a:lvl1pPr algn="r">
-              <a:defRPr sz="567">
+              <a:defRPr sz="1871">
                 <a:solidFill>
                   <a:schemeClr val="tx1">
                     <a:tint val="75000"/>
@@ -2654,27 +3028,27 @@
     </p:spTree>
     <p:extLst>
       <p:ext uri="{BB962C8B-B14F-4D97-AF65-F5344CB8AC3E}">
-        <p14:creationId xmlns:p14="http://schemas.microsoft.com/office/powerpoint/2010/main" val="313726543"/>
+        <p14:creationId xmlns:p14="http://schemas.microsoft.com/office/powerpoint/2010/main" val="3249924598"/>
       </p:ext>
     </p:extLst>
   </p:cSld>
   <p:clrMap bg1="lt1" tx1="dk1" bg2="lt2" tx2="dk2" accent1="accent1" accent2="accent2" accent3="accent3" accent4="accent4" accent5="accent5" accent6="accent6" hlink="hlink" folHlink="folHlink"/>
   <p:sldLayoutIdLst>
-    <p:sldLayoutId id="2147483673" r:id="rId1"/>
-    <p:sldLayoutId id="2147483674" r:id="rId2"/>
-    <p:sldLayoutId id="2147483675" r:id="rId3"/>
-    <p:sldLayoutId id="2147483676" r:id="rId4"/>
-    <p:sldLayoutId id="2147483677" r:id="rId5"/>
-    <p:sldLayoutId id="2147483678" r:id="rId6"/>
-    <p:sldLayoutId id="2147483679" r:id="rId7"/>
-    <p:sldLayoutId id="2147483680" r:id="rId8"/>
-    <p:sldLayoutId id="2147483681" r:id="rId9"/>
-    <p:sldLayoutId id="2147483682" r:id="rId10"/>
-    <p:sldLayoutId id="2147483683" r:id="rId11"/>
+    <p:sldLayoutId id="2147483709" r:id="rId1"/>
+    <p:sldLayoutId id="2147483710" r:id="rId2"/>
+    <p:sldLayoutId id="2147483711" r:id="rId3"/>
+    <p:sldLayoutId id="2147483712" r:id="rId4"/>
+    <p:sldLayoutId id="2147483713" r:id="rId5"/>
+    <p:sldLayoutId id="2147483714" r:id="rId6"/>
+    <p:sldLayoutId id="2147483715" r:id="rId7"/>
+    <p:sldLayoutId id="2147483716" r:id="rId8"/>
+    <p:sldLayoutId id="2147483717" r:id="rId9"/>
+    <p:sldLayoutId id="2147483718" r:id="rId10"/>
+    <p:sldLayoutId id="2147483719" r:id="rId11"/>
   </p:sldLayoutIdLst>
   <p:txStyles>
     <p:titleStyle>
-      <a:lvl1pPr algn="l" defTabSz="431963" rtl="0" eaLnBrk="1" latinLnBrk="1" hangingPunct="1">
+      <a:lvl1pPr algn="l" defTabSz="1425550" rtl="0" eaLnBrk="1" latinLnBrk="1" hangingPunct="1">
         <a:lnSpc>
           <a:spcPct val="90000"/>
         </a:lnSpc>
@@ -2682,7 +3056,7 @@
           <a:spcPct val="0"/>
         </a:spcBef>
         <a:buNone/>
-        <a:defRPr sz="2079" kern="1200">
+        <a:defRPr sz="6860" kern="1200">
           <a:solidFill>
             <a:schemeClr val="tx1"/>
           </a:solidFill>
@@ -2693,16 +3067,16 @@
       </a:lvl1pPr>
     </p:titleStyle>
     <p:bodyStyle>
-      <a:lvl1pPr marL="107991" indent="-107991" algn="l" defTabSz="431963" rtl="0" eaLnBrk="1" latinLnBrk="1" hangingPunct="1">
+      <a:lvl1pPr marL="356387" indent="-356387" algn="l" defTabSz="1425550" rtl="0" eaLnBrk="1" latinLnBrk="1" hangingPunct="1">
         <a:lnSpc>
           <a:spcPct val="90000"/>
         </a:lnSpc>
         <a:spcBef>
-          <a:spcPts val="472"/>
+          <a:spcPts val="1559"/>
         </a:spcBef>
         <a:buFont typeface="Arial" panose="020B0604020202020204" pitchFamily="34" charset="0"/>
         <a:buChar char="•"/>
-        <a:defRPr sz="1323" kern="1200">
+        <a:defRPr sz="4365" kern="1200">
           <a:solidFill>
             <a:schemeClr val="tx1"/>
           </a:solidFill>
@@ -2711,16 +3085,16 @@
           <a:cs typeface="+mn-cs"/>
         </a:defRPr>
       </a:lvl1pPr>
-      <a:lvl2pPr marL="323972" indent="-107991" algn="l" defTabSz="431963" rtl="0" eaLnBrk="1" latinLnBrk="1" hangingPunct="1">
+      <a:lvl2pPr marL="1069162" indent="-356387" algn="l" defTabSz="1425550" rtl="0" eaLnBrk="1" latinLnBrk="1" hangingPunct="1">
         <a:lnSpc>
           <a:spcPct val="90000"/>
         </a:lnSpc>
         <a:spcBef>
-          <a:spcPts val="236"/>
+          <a:spcPts val="780"/>
         </a:spcBef>
         <a:buFont typeface="Arial" panose="020B0604020202020204" pitchFamily="34" charset="0"/>
         <a:buChar char="•"/>
-        <a:defRPr sz="1134" kern="1200">
+        <a:defRPr sz="3742" kern="1200">
           <a:solidFill>
             <a:schemeClr val="tx1"/>
           </a:solidFill>
@@ -2729,16 +3103,16 @@
           <a:cs typeface="+mn-cs"/>
         </a:defRPr>
       </a:lvl2pPr>
-      <a:lvl3pPr marL="539953" indent="-107991" algn="l" defTabSz="431963" rtl="0" eaLnBrk="1" latinLnBrk="1" hangingPunct="1">
+      <a:lvl3pPr marL="1781937" indent="-356387" algn="l" defTabSz="1425550" rtl="0" eaLnBrk="1" latinLnBrk="1" hangingPunct="1">
         <a:lnSpc>
           <a:spcPct val="90000"/>
         </a:lnSpc>
         <a:spcBef>
-          <a:spcPts val="236"/>
+          <a:spcPts val="780"/>
         </a:spcBef>
         <a:buFont typeface="Arial" panose="020B0604020202020204" pitchFamily="34" charset="0"/>
         <a:buChar char="•"/>
-        <a:defRPr sz="945" kern="1200">
+        <a:defRPr sz="3118" kern="1200">
           <a:solidFill>
             <a:schemeClr val="tx1"/>
           </a:solidFill>
@@ -2747,16 +3121,16 @@
           <a:cs typeface="+mn-cs"/>
         </a:defRPr>
       </a:lvl3pPr>
-      <a:lvl4pPr marL="755934" indent="-107991" algn="l" defTabSz="431963" rtl="0" eaLnBrk="1" latinLnBrk="1" hangingPunct="1">
+      <a:lvl4pPr marL="2494712" indent="-356387" algn="l" defTabSz="1425550" rtl="0" eaLnBrk="1" latinLnBrk="1" hangingPunct="1">
         <a:lnSpc>
           <a:spcPct val="90000"/>
         </a:lnSpc>
         <a:spcBef>
-          <a:spcPts val="236"/>
+          <a:spcPts val="780"/>
         </a:spcBef>
         <a:buFont typeface="Arial" panose="020B0604020202020204" pitchFamily="34" charset="0"/>
         <a:buChar char="•"/>
-        <a:defRPr sz="850" kern="1200">
+        <a:defRPr sz="2806" kern="1200">
           <a:solidFill>
             <a:schemeClr val="tx1"/>
           </a:solidFill>
@@ -2765,16 +3139,16 @@
           <a:cs typeface="+mn-cs"/>
         </a:defRPr>
       </a:lvl4pPr>
-      <a:lvl5pPr marL="971916" indent="-107991" algn="l" defTabSz="431963" rtl="0" eaLnBrk="1" latinLnBrk="1" hangingPunct="1">
+      <a:lvl5pPr marL="3207487" indent="-356387" algn="l" defTabSz="1425550" rtl="0" eaLnBrk="1" latinLnBrk="1" hangingPunct="1">
         <a:lnSpc>
           <a:spcPct val="90000"/>
         </a:lnSpc>
         <a:spcBef>
-          <a:spcPts val="236"/>
+          <a:spcPts val="780"/>
         </a:spcBef>
         <a:buFont typeface="Arial" panose="020B0604020202020204" pitchFamily="34" charset="0"/>
         <a:buChar char="•"/>
-        <a:defRPr sz="850" kern="1200">
+        <a:defRPr sz="2806" kern="1200">
           <a:solidFill>
             <a:schemeClr val="tx1"/>
           </a:solidFill>
@@ -2783,16 +3157,16 @@
           <a:cs typeface="+mn-cs"/>
         </a:defRPr>
       </a:lvl5pPr>
-      <a:lvl6pPr marL="1187897" indent="-107991" algn="l" defTabSz="431963" rtl="0" eaLnBrk="1" latinLnBrk="1" hangingPunct="1">
+      <a:lvl6pPr marL="3920261" indent="-356387" algn="l" defTabSz="1425550" rtl="0" eaLnBrk="1" latinLnBrk="1" hangingPunct="1">
         <a:lnSpc>
           <a:spcPct val="90000"/>
         </a:lnSpc>
         <a:spcBef>
-          <a:spcPts val="236"/>
+          <a:spcPts val="780"/>
         </a:spcBef>
         <a:buFont typeface="Arial" panose="020B0604020202020204" pitchFamily="34" charset="0"/>
         <a:buChar char="•"/>
-        <a:defRPr sz="850" kern="1200">
+        <a:defRPr sz="2806" kern="1200">
           <a:solidFill>
             <a:schemeClr val="tx1"/>
           </a:solidFill>
@@ -2801,16 +3175,16 @@
           <a:cs typeface="+mn-cs"/>
         </a:defRPr>
       </a:lvl6pPr>
-      <a:lvl7pPr marL="1403878" indent="-107991" algn="l" defTabSz="431963" rtl="0" eaLnBrk="1" latinLnBrk="1" hangingPunct="1">
+      <a:lvl7pPr marL="4633036" indent="-356387" algn="l" defTabSz="1425550" rtl="0" eaLnBrk="1" latinLnBrk="1" hangingPunct="1">
         <a:lnSpc>
           <a:spcPct val="90000"/>
         </a:lnSpc>
         <a:spcBef>
-          <a:spcPts val="236"/>
+          <a:spcPts val="780"/>
         </a:spcBef>
         <a:buFont typeface="Arial" panose="020B0604020202020204" pitchFamily="34" charset="0"/>
         <a:buChar char="•"/>
-        <a:defRPr sz="850" kern="1200">
+        <a:defRPr sz="2806" kern="1200">
           <a:solidFill>
             <a:schemeClr val="tx1"/>
           </a:solidFill>
@@ -2819,16 +3193,16 @@
           <a:cs typeface="+mn-cs"/>
         </a:defRPr>
       </a:lvl7pPr>
-      <a:lvl8pPr marL="1619860" indent="-107991" algn="l" defTabSz="431963" rtl="0" eaLnBrk="1" latinLnBrk="1" hangingPunct="1">
+      <a:lvl8pPr marL="5345811" indent="-356387" algn="l" defTabSz="1425550" rtl="0" eaLnBrk="1" latinLnBrk="1" hangingPunct="1">
         <a:lnSpc>
           <a:spcPct val="90000"/>
         </a:lnSpc>
         <a:spcBef>
-          <a:spcPts val="236"/>
+          <a:spcPts val="780"/>
         </a:spcBef>
         <a:buFont typeface="Arial" panose="020B0604020202020204" pitchFamily="34" charset="0"/>
         <a:buChar char="•"/>
-        <a:defRPr sz="850" kern="1200">
+        <a:defRPr sz="2806" kern="1200">
           <a:solidFill>
             <a:schemeClr val="tx1"/>
           </a:solidFill>
@@ -2837,16 +3211,16 @@
           <a:cs typeface="+mn-cs"/>
         </a:defRPr>
       </a:lvl8pPr>
-      <a:lvl9pPr marL="1835841" indent="-107991" algn="l" defTabSz="431963" rtl="0" eaLnBrk="1" latinLnBrk="1" hangingPunct="1">
+      <a:lvl9pPr marL="6058586" indent="-356387" algn="l" defTabSz="1425550" rtl="0" eaLnBrk="1" latinLnBrk="1" hangingPunct="1">
         <a:lnSpc>
           <a:spcPct val="90000"/>
         </a:lnSpc>
         <a:spcBef>
-          <a:spcPts val="236"/>
+          <a:spcPts val="780"/>
         </a:spcBef>
         <a:buFont typeface="Arial" panose="020B0604020202020204" pitchFamily="34" charset="0"/>
         <a:buChar char="•"/>
-        <a:defRPr sz="850" kern="1200">
+        <a:defRPr sz="2806" kern="1200">
           <a:solidFill>
             <a:schemeClr val="tx1"/>
           </a:solidFill>
@@ -2860,8 +3234,8 @@
       <a:defPPr>
         <a:defRPr lang="en-US"/>
       </a:defPPr>
-      <a:lvl1pPr marL="0" algn="l" defTabSz="431963" rtl="0" eaLnBrk="1" latinLnBrk="1" hangingPunct="1">
-        <a:defRPr sz="850" kern="1200">
+      <a:lvl1pPr marL="0" algn="l" defTabSz="1425550" rtl="0" eaLnBrk="1" latinLnBrk="1" hangingPunct="1">
+        <a:defRPr sz="2806" kern="1200">
           <a:solidFill>
             <a:schemeClr val="tx1"/>
           </a:solidFill>
@@ -2870,8 +3244,8 @@
           <a:cs typeface="+mn-cs"/>
         </a:defRPr>
       </a:lvl1pPr>
-      <a:lvl2pPr marL="215981" algn="l" defTabSz="431963" rtl="0" eaLnBrk="1" latinLnBrk="1" hangingPunct="1">
-        <a:defRPr sz="850" kern="1200">
+      <a:lvl2pPr marL="712775" algn="l" defTabSz="1425550" rtl="0" eaLnBrk="1" latinLnBrk="1" hangingPunct="1">
+        <a:defRPr sz="2806" kern="1200">
           <a:solidFill>
             <a:schemeClr val="tx1"/>
           </a:solidFill>
@@ -2880,8 +3254,8 @@
           <a:cs typeface="+mn-cs"/>
         </a:defRPr>
       </a:lvl2pPr>
-      <a:lvl3pPr marL="431963" algn="l" defTabSz="431963" rtl="0" eaLnBrk="1" latinLnBrk="1" hangingPunct="1">
-        <a:defRPr sz="850" kern="1200">
+      <a:lvl3pPr marL="1425550" algn="l" defTabSz="1425550" rtl="0" eaLnBrk="1" latinLnBrk="1" hangingPunct="1">
+        <a:defRPr sz="2806" kern="1200">
           <a:solidFill>
             <a:schemeClr val="tx1"/>
           </a:solidFill>
@@ -2890,8 +3264,8 @@
           <a:cs typeface="+mn-cs"/>
         </a:defRPr>
       </a:lvl3pPr>
-      <a:lvl4pPr marL="647944" algn="l" defTabSz="431963" rtl="0" eaLnBrk="1" latinLnBrk="1" hangingPunct="1">
-        <a:defRPr sz="850" kern="1200">
+      <a:lvl4pPr marL="2138324" algn="l" defTabSz="1425550" rtl="0" eaLnBrk="1" latinLnBrk="1" hangingPunct="1">
+        <a:defRPr sz="2806" kern="1200">
           <a:solidFill>
             <a:schemeClr val="tx1"/>
           </a:solidFill>
@@ -2900,8 +3274,8 @@
           <a:cs typeface="+mn-cs"/>
         </a:defRPr>
       </a:lvl4pPr>
-      <a:lvl5pPr marL="863925" algn="l" defTabSz="431963" rtl="0" eaLnBrk="1" latinLnBrk="1" hangingPunct="1">
-        <a:defRPr sz="850" kern="1200">
+      <a:lvl5pPr marL="2851099" algn="l" defTabSz="1425550" rtl="0" eaLnBrk="1" latinLnBrk="1" hangingPunct="1">
+        <a:defRPr sz="2806" kern="1200">
           <a:solidFill>
             <a:schemeClr val="tx1"/>
           </a:solidFill>
@@ -2910,8 +3284,8 @@
           <a:cs typeface="+mn-cs"/>
         </a:defRPr>
       </a:lvl5pPr>
-      <a:lvl6pPr marL="1079906" algn="l" defTabSz="431963" rtl="0" eaLnBrk="1" latinLnBrk="1" hangingPunct="1">
-        <a:defRPr sz="850" kern="1200">
+      <a:lvl6pPr marL="3563874" algn="l" defTabSz="1425550" rtl="0" eaLnBrk="1" latinLnBrk="1" hangingPunct="1">
+        <a:defRPr sz="2806" kern="1200">
           <a:solidFill>
             <a:schemeClr val="tx1"/>
           </a:solidFill>
@@ -2920,8 +3294,8 @@
           <a:cs typeface="+mn-cs"/>
         </a:defRPr>
       </a:lvl6pPr>
-      <a:lvl7pPr marL="1295888" algn="l" defTabSz="431963" rtl="0" eaLnBrk="1" latinLnBrk="1" hangingPunct="1">
-        <a:defRPr sz="850" kern="1200">
+      <a:lvl7pPr marL="4276649" algn="l" defTabSz="1425550" rtl="0" eaLnBrk="1" latinLnBrk="1" hangingPunct="1">
+        <a:defRPr sz="2806" kern="1200">
           <a:solidFill>
             <a:schemeClr val="tx1"/>
           </a:solidFill>
@@ -2930,8 +3304,8 @@
           <a:cs typeface="+mn-cs"/>
         </a:defRPr>
       </a:lvl7pPr>
-      <a:lvl8pPr marL="1511869" algn="l" defTabSz="431963" rtl="0" eaLnBrk="1" latinLnBrk="1" hangingPunct="1">
-        <a:defRPr sz="850" kern="1200">
+      <a:lvl8pPr marL="4989424" algn="l" defTabSz="1425550" rtl="0" eaLnBrk="1" latinLnBrk="1" hangingPunct="1">
+        <a:defRPr sz="2806" kern="1200">
           <a:solidFill>
             <a:schemeClr val="tx1"/>
           </a:solidFill>
@@ -2940,8 +3314,8 @@
           <a:cs typeface="+mn-cs"/>
         </a:defRPr>
       </a:lvl8pPr>
-      <a:lvl9pPr marL="1727850" algn="l" defTabSz="431963" rtl="0" eaLnBrk="1" latinLnBrk="1" hangingPunct="1">
-        <a:defRPr sz="850" kern="1200">
+      <a:lvl9pPr marL="5702198" algn="l" defTabSz="1425550" rtl="0" eaLnBrk="1" latinLnBrk="1" hangingPunct="1">
+        <a:defRPr sz="2806" kern="1200">
           <a:solidFill>
             <a:schemeClr val="tx1"/>
           </a:solidFill>
@@ -2974,613 +3348,115 @@
       </p:grpSpPr>
       <p:sp>
         <p:nvSpPr>
-          <p:cNvPr id="4" name="직사각형 3">
+          <p:cNvPr id="4" name="제목 3">
             <a:extLst>
               <a:ext uri="{FF2B5EF4-FFF2-40B4-BE49-F238E27FC236}">
-                <a16:creationId xmlns:a16="http://schemas.microsoft.com/office/drawing/2014/main" id="{E65855C9-600B-4BCE-AB23-B20336C00A5F}"/>
+                <a16:creationId xmlns:a16="http://schemas.microsoft.com/office/drawing/2014/main" id="{CCFCA752-AE09-488A-9A38-FB932A960682}"/>
               </a:ext>
             </a:extLst>
           </p:cNvPr>
-          <p:cNvSpPr/>
-          <p:nvPr/>
-        </p:nvSpPr>
-        <p:spPr>
-          <a:xfrm>
-            <a:off x="-1645270" y="263388"/>
-            <a:ext cx="756000" cy="1069200"/>
-          </a:xfrm>
-          <a:prstGeom prst="rect">
-            <a:avLst/>
-          </a:prstGeom>
-        </p:spPr>
-        <p:style>
-          <a:lnRef idx="2">
-            <a:schemeClr val="accent1">
-              <a:shade val="50000"/>
-            </a:schemeClr>
-          </a:lnRef>
-          <a:fillRef idx="1">
-            <a:schemeClr val="accent1"/>
-          </a:fillRef>
-          <a:effectRef idx="0">
-            <a:schemeClr val="accent1"/>
-          </a:effectRef>
-          <a:fontRef idx="minor">
-            <a:schemeClr val="lt1"/>
-          </a:fontRef>
-        </p:style>
-        <p:txBody>
-          <a:bodyPr rot="0" spcFirstLastPara="0" vertOverflow="overflow" horzOverflow="overflow" vert="horz" wrap="square" lIns="12191" tIns="6096" rIns="12191" bIns="6096" numCol="1" spcCol="0" rtlCol="0" fromWordArt="0" anchor="ctr" anchorCtr="0" forceAA="0" compatLnSpc="1">
-            <a:prstTxWarp prst="textNoShape">
-              <a:avLst/>
-            </a:prstTxWarp>
-            <a:noAutofit/>
+          <p:cNvSpPr>
+            <a:spLocks noGrp="1"/>
+          </p:cNvSpPr>
+          <p:nvPr>
+            <p:ph type="ctrTitle"/>
+          </p:nvPr>
+        </p:nvSpPr>
+        <p:spPr/>
+        <p:txBody>
+          <a:bodyPr anchor="ctr">
+            <a:normAutofit/>
           </a:bodyPr>
           <a:lstStyle/>
           <a:p>
-            <a:pPr algn="ctr"/>
-            <a:r>
-              <a:rPr lang="en-US" altLang="ko-KR" sz="2000" dirty="0"/>
-              <a:t>A4</a:t>
-            </a:r>
-            <a:endParaRPr lang="ko-KR" altLang="en-US" sz="2000" dirty="0"/>
-          </a:p>
-        </p:txBody>
-      </p:sp>
-      <p:sp>
-        <p:nvSpPr>
-          <p:cNvPr id="11" name="직사각형 10">
+            <a:pPr fontAlgn="base" latinLnBrk="0"/>
+            <a:r>
+              <a:rPr lang="ko-KR" altLang="en-US" sz="8000" b="1" dirty="0">
+                <a:latin typeface="a옛날사진관3" panose="02020600000000000000" pitchFamily="18" charset="-127"/>
+                <a:ea typeface="a옛날사진관3" panose="02020600000000000000" pitchFamily="18" charset="-127"/>
+              </a:rPr>
+              <a:t>트래픽 분석을 통한 네트워크 장비 이상 행위 탐지 기술 </a:t>
+            </a:r>
+            <a:endParaRPr lang="ko-KR" altLang="en-US" sz="8000" dirty="0">
+              <a:latin typeface="a옛날사진관3" panose="02020600000000000000" pitchFamily="18" charset="-127"/>
+              <a:ea typeface="a옛날사진관3" panose="02020600000000000000" pitchFamily="18" charset="-127"/>
+            </a:endParaRPr>
+          </a:p>
+        </p:txBody>
+      </p:sp>
+      <p:sp>
+        <p:nvSpPr>
+          <p:cNvPr id="5" name="부제목 4">
             <a:extLst>
               <a:ext uri="{FF2B5EF4-FFF2-40B4-BE49-F238E27FC236}">
-                <a16:creationId xmlns:a16="http://schemas.microsoft.com/office/drawing/2014/main" id="{9CDAC4B1-E01C-4F74-8627-A7F451AB80AA}"/>
+                <a16:creationId xmlns:a16="http://schemas.microsoft.com/office/drawing/2014/main" id="{1C43A07F-784F-483E-AE8A-CF3AC85355B5}"/>
               </a:ext>
             </a:extLst>
           </p:cNvPr>
-          <p:cNvSpPr/>
-          <p:nvPr/>
-        </p:nvSpPr>
-        <p:spPr>
-          <a:xfrm>
-            <a:off x="-2127295" y="1938696"/>
-            <a:ext cx="1069200" cy="1512000"/>
-          </a:xfrm>
-          <a:prstGeom prst="rect">
-            <a:avLst/>
-          </a:prstGeom>
-        </p:spPr>
-        <p:style>
-          <a:lnRef idx="2">
-            <a:schemeClr val="accent1">
-              <a:shade val="50000"/>
-            </a:schemeClr>
-          </a:lnRef>
-          <a:fillRef idx="1">
-            <a:schemeClr val="accent1"/>
-          </a:fillRef>
-          <a:effectRef idx="0">
-            <a:schemeClr val="accent1"/>
-          </a:effectRef>
-          <a:fontRef idx="minor">
-            <a:schemeClr val="lt1"/>
-          </a:fontRef>
-        </p:style>
-        <p:txBody>
-          <a:bodyPr rot="0" spcFirstLastPara="0" vertOverflow="overflow" horzOverflow="overflow" vert="horz" wrap="square" lIns="12191" tIns="6096" rIns="12191" bIns="6096" numCol="1" spcCol="0" rtlCol="0" fromWordArt="0" anchor="ctr" anchorCtr="0" forceAA="0" compatLnSpc="1">
-            <a:prstTxWarp prst="textNoShape">
-              <a:avLst/>
-            </a:prstTxWarp>
-            <a:noAutofit/>
+          <p:cNvSpPr>
+            <a:spLocks noGrp="1"/>
+          </p:cNvSpPr>
+          <p:nvPr>
+            <p:ph type="subTitle" idx="1"/>
+          </p:nvPr>
+        </p:nvSpPr>
+        <p:spPr/>
+        <p:txBody>
+          <a:bodyPr>
+            <a:normAutofit/>
           </a:bodyPr>
           <a:lstStyle/>
           <a:p>
-            <a:pPr algn="ctr"/>
-            <a:r>
-              <a:rPr lang="en-US" altLang="ko-KR" sz="2000" dirty="0"/>
-              <a:t>A3</a:t>
-            </a:r>
-            <a:endParaRPr lang="ko-KR" altLang="en-US" sz="2000" dirty="0"/>
-          </a:p>
-        </p:txBody>
-      </p:sp>
-      <p:sp>
-        <p:nvSpPr>
-          <p:cNvPr id="12" name="직사각형 11">
-            <a:extLst>
-              <a:ext uri="{FF2B5EF4-FFF2-40B4-BE49-F238E27FC236}">
-                <a16:creationId xmlns:a16="http://schemas.microsoft.com/office/drawing/2014/main" id="{8FEA3F7D-8756-45B4-B0B3-2DE43E50049D}"/>
-              </a:ext>
-            </a:extLst>
-          </p:cNvPr>
-          <p:cNvSpPr/>
-          <p:nvPr/>
-        </p:nvSpPr>
-        <p:spPr>
-          <a:xfrm>
-            <a:off x="-1512000" y="3901056"/>
-            <a:ext cx="1512000" cy="2138400"/>
-          </a:xfrm>
-          <a:prstGeom prst="rect">
-            <a:avLst/>
-          </a:prstGeom>
-        </p:spPr>
-        <p:style>
-          <a:lnRef idx="2">
-            <a:schemeClr val="accent1">
-              <a:shade val="50000"/>
-            </a:schemeClr>
-          </a:lnRef>
-          <a:fillRef idx="1">
-            <a:schemeClr val="accent1"/>
-          </a:fillRef>
-          <a:effectRef idx="0">
-            <a:schemeClr val="accent1"/>
-          </a:effectRef>
-          <a:fontRef idx="minor">
-            <a:schemeClr val="lt1"/>
-          </a:fontRef>
-        </p:style>
-        <p:txBody>
-          <a:bodyPr rot="0" spcFirstLastPara="0" vertOverflow="overflow" horzOverflow="overflow" vert="horz" wrap="square" lIns="12191" tIns="6096" rIns="12191" bIns="6096" numCol="1" spcCol="0" rtlCol="0" fromWordArt="0" anchor="ctr" anchorCtr="0" forceAA="0" compatLnSpc="1">
-            <a:prstTxWarp prst="textNoShape">
-              <a:avLst/>
-            </a:prstTxWarp>
-            <a:noAutofit/>
-          </a:bodyPr>
-          <a:lstStyle/>
-          <a:p>
-            <a:pPr algn="ctr"/>
-            <a:r>
-              <a:rPr lang="en-US" altLang="ko-KR" sz="2000" dirty="0"/>
-              <a:t>A2</a:t>
-            </a:r>
-            <a:endParaRPr lang="ko-KR" altLang="en-US" sz="2000" dirty="0"/>
-          </a:p>
-        </p:txBody>
-      </p:sp>
-      <p:sp>
-        <p:nvSpPr>
-          <p:cNvPr id="15" name="직사각형 14">
-            <a:extLst>
-              <a:ext uri="{FF2B5EF4-FFF2-40B4-BE49-F238E27FC236}">
-                <a16:creationId xmlns:a16="http://schemas.microsoft.com/office/drawing/2014/main" id="{58FF6B78-E40C-40A7-966D-543856AE2C75}"/>
-              </a:ext>
-            </a:extLst>
-          </p:cNvPr>
-          <p:cNvSpPr/>
-          <p:nvPr/>
-        </p:nvSpPr>
-        <p:spPr>
-          <a:xfrm rot="5400000">
-            <a:off x="493985" y="-81024"/>
-            <a:ext cx="1069200" cy="1512000"/>
-          </a:xfrm>
-          <a:prstGeom prst="rect">
-            <a:avLst/>
-          </a:prstGeom>
-        </p:spPr>
-        <p:style>
-          <a:lnRef idx="2">
-            <a:schemeClr val="accent1">
-              <a:shade val="50000"/>
-            </a:schemeClr>
-          </a:lnRef>
-          <a:fillRef idx="1">
-            <a:schemeClr val="accent1"/>
-          </a:fillRef>
-          <a:effectRef idx="0">
-            <a:schemeClr val="accent1"/>
-          </a:effectRef>
-          <a:fontRef idx="minor">
-            <a:schemeClr val="lt1"/>
-          </a:fontRef>
-        </p:style>
-        <p:txBody>
-          <a:bodyPr rot="0" spcFirstLastPara="0" vertOverflow="overflow" horzOverflow="overflow" vert="horz" wrap="square" lIns="12191" tIns="6096" rIns="12191" bIns="6096" numCol="1" spcCol="0" rtlCol="0" fromWordArt="0" anchor="ctr" anchorCtr="0" forceAA="0" compatLnSpc="1">
-            <a:prstTxWarp prst="textNoShape">
-              <a:avLst/>
-            </a:prstTxWarp>
-            <a:noAutofit/>
-          </a:bodyPr>
-          <a:lstStyle/>
-          <a:p>
-            <a:pPr algn="ctr"/>
-            <a:r>
-              <a:rPr lang="en-US" altLang="ko-KR" sz="2000" dirty="0"/>
-              <a:t>A3</a:t>
-            </a:r>
-            <a:endParaRPr lang="ko-KR" altLang="en-US" sz="2000" dirty="0"/>
-          </a:p>
-        </p:txBody>
-      </p:sp>
-      <p:sp>
-        <p:nvSpPr>
-          <p:cNvPr id="16" name="직사각형 15">
-            <a:extLst>
-              <a:ext uri="{FF2B5EF4-FFF2-40B4-BE49-F238E27FC236}">
-                <a16:creationId xmlns:a16="http://schemas.microsoft.com/office/drawing/2014/main" id="{131C4FEF-4E2E-47C5-AE0E-A9953EFF261B}"/>
-              </a:ext>
-            </a:extLst>
-          </p:cNvPr>
-          <p:cNvSpPr/>
-          <p:nvPr/>
-        </p:nvSpPr>
-        <p:spPr>
-          <a:xfrm rot="5400000">
-            <a:off x="2723185" y="-81024"/>
-            <a:ext cx="1069200" cy="1512000"/>
-          </a:xfrm>
-          <a:prstGeom prst="rect">
-            <a:avLst/>
-          </a:prstGeom>
-        </p:spPr>
-        <p:style>
-          <a:lnRef idx="2">
-            <a:schemeClr val="accent1">
-              <a:shade val="50000"/>
-            </a:schemeClr>
-          </a:lnRef>
-          <a:fillRef idx="1">
-            <a:schemeClr val="accent1"/>
-          </a:fillRef>
-          <a:effectRef idx="0">
-            <a:schemeClr val="accent1"/>
-          </a:effectRef>
-          <a:fontRef idx="minor">
-            <a:schemeClr val="lt1"/>
-          </a:fontRef>
-        </p:style>
-        <p:txBody>
-          <a:bodyPr rot="0" spcFirstLastPara="0" vertOverflow="overflow" horzOverflow="overflow" vert="horz" wrap="square" lIns="12191" tIns="6096" rIns="12191" bIns="6096" numCol="1" spcCol="0" rtlCol="0" fromWordArt="0" anchor="ctr" anchorCtr="0" forceAA="0" compatLnSpc="1">
-            <a:prstTxWarp prst="textNoShape">
-              <a:avLst/>
-            </a:prstTxWarp>
-            <a:noAutofit/>
-          </a:bodyPr>
-          <a:lstStyle/>
-          <a:p>
-            <a:pPr algn="ctr"/>
-            <a:r>
-              <a:rPr lang="en-US" altLang="ko-KR" sz="2000" dirty="0"/>
-              <a:t>A3</a:t>
-            </a:r>
-            <a:endParaRPr lang="ko-KR" altLang="en-US" sz="2000" dirty="0"/>
-          </a:p>
-        </p:txBody>
-      </p:sp>
-      <p:sp>
-        <p:nvSpPr>
-          <p:cNvPr id="17" name="직사각형 16">
-            <a:extLst>
-              <a:ext uri="{FF2B5EF4-FFF2-40B4-BE49-F238E27FC236}">
-                <a16:creationId xmlns:a16="http://schemas.microsoft.com/office/drawing/2014/main" id="{65BC0121-99B3-4FFE-B9A2-5B4513FC03FA}"/>
-              </a:ext>
-            </a:extLst>
-          </p:cNvPr>
-          <p:cNvSpPr/>
-          <p:nvPr/>
-        </p:nvSpPr>
-        <p:spPr>
-          <a:xfrm rot="5400000">
-            <a:off x="493985" y="1636016"/>
-            <a:ext cx="1069200" cy="1512000"/>
-          </a:xfrm>
-          <a:prstGeom prst="rect">
-            <a:avLst/>
-          </a:prstGeom>
-        </p:spPr>
-        <p:style>
-          <a:lnRef idx="2">
-            <a:schemeClr val="accent1">
-              <a:shade val="50000"/>
-            </a:schemeClr>
-          </a:lnRef>
-          <a:fillRef idx="1">
-            <a:schemeClr val="accent1"/>
-          </a:fillRef>
-          <a:effectRef idx="0">
-            <a:schemeClr val="accent1"/>
-          </a:effectRef>
-          <a:fontRef idx="minor">
-            <a:schemeClr val="lt1"/>
-          </a:fontRef>
-        </p:style>
-        <p:txBody>
-          <a:bodyPr rot="0" spcFirstLastPara="0" vertOverflow="overflow" horzOverflow="overflow" vert="horz" wrap="square" lIns="12191" tIns="6096" rIns="12191" bIns="6096" numCol="1" spcCol="0" rtlCol="0" fromWordArt="0" anchor="ctr" anchorCtr="0" forceAA="0" compatLnSpc="1">
-            <a:prstTxWarp prst="textNoShape">
-              <a:avLst/>
-            </a:prstTxWarp>
-            <a:noAutofit/>
-          </a:bodyPr>
-          <a:lstStyle/>
-          <a:p>
-            <a:pPr algn="ctr"/>
-            <a:r>
-              <a:rPr lang="en-US" altLang="ko-KR" sz="2000" dirty="0"/>
-              <a:t>A3</a:t>
-            </a:r>
-            <a:endParaRPr lang="ko-KR" altLang="en-US" sz="2000" dirty="0"/>
-          </a:p>
-        </p:txBody>
-      </p:sp>
-      <p:sp>
-        <p:nvSpPr>
-          <p:cNvPr id="18" name="직사각형 17">
-            <a:extLst>
-              <a:ext uri="{FF2B5EF4-FFF2-40B4-BE49-F238E27FC236}">
-                <a16:creationId xmlns:a16="http://schemas.microsoft.com/office/drawing/2014/main" id="{35AB7032-A910-4097-B14C-04D64571584F}"/>
-              </a:ext>
-            </a:extLst>
-          </p:cNvPr>
-          <p:cNvSpPr/>
-          <p:nvPr/>
-        </p:nvSpPr>
-        <p:spPr>
-          <a:xfrm rot="5400000">
-            <a:off x="2723185" y="1636016"/>
-            <a:ext cx="1069200" cy="1512000"/>
-          </a:xfrm>
-          <a:prstGeom prst="rect">
-            <a:avLst/>
-          </a:prstGeom>
-        </p:spPr>
-        <p:style>
-          <a:lnRef idx="2">
-            <a:schemeClr val="accent1">
-              <a:shade val="50000"/>
-            </a:schemeClr>
-          </a:lnRef>
-          <a:fillRef idx="1">
-            <a:schemeClr val="accent1"/>
-          </a:fillRef>
-          <a:effectRef idx="0">
-            <a:schemeClr val="accent1"/>
-          </a:effectRef>
-          <a:fontRef idx="minor">
-            <a:schemeClr val="lt1"/>
-          </a:fontRef>
-        </p:style>
-        <p:txBody>
-          <a:bodyPr rot="0" spcFirstLastPara="0" vertOverflow="overflow" horzOverflow="overflow" vert="horz" wrap="square" lIns="12191" tIns="6096" rIns="12191" bIns="6096" numCol="1" spcCol="0" rtlCol="0" fromWordArt="0" anchor="ctr" anchorCtr="0" forceAA="0" compatLnSpc="1">
-            <a:prstTxWarp prst="textNoShape">
-              <a:avLst/>
-            </a:prstTxWarp>
-            <a:noAutofit/>
-          </a:bodyPr>
-          <a:lstStyle/>
-          <a:p>
-            <a:pPr algn="ctr"/>
-            <a:r>
-              <a:rPr lang="en-US" altLang="ko-KR" sz="2000" dirty="0"/>
-              <a:t>A3</a:t>
-            </a:r>
-            <a:endParaRPr lang="ko-KR" altLang="en-US" sz="2000" dirty="0"/>
-          </a:p>
-        </p:txBody>
-      </p:sp>
-      <p:sp>
-        <p:nvSpPr>
-          <p:cNvPr id="19" name="직사각형 18">
-            <a:extLst>
-              <a:ext uri="{FF2B5EF4-FFF2-40B4-BE49-F238E27FC236}">
-                <a16:creationId xmlns:a16="http://schemas.microsoft.com/office/drawing/2014/main" id="{263DBDEE-36B1-45F9-B178-DC649E5E24B6}"/>
-              </a:ext>
-            </a:extLst>
-          </p:cNvPr>
-          <p:cNvSpPr/>
-          <p:nvPr/>
-        </p:nvSpPr>
-        <p:spPr>
-          <a:xfrm rot="5400000">
-            <a:off x="493985" y="3353056"/>
-            <a:ext cx="1069200" cy="1512000"/>
-          </a:xfrm>
-          <a:prstGeom prst="rect">
-            <a:avLst/>
-          </a:prstGeom>
-        </p:spPr>
-        <p:style>
-          <a:lnRef idx="2">
-            <a:schemeClr val="accent1">
-              <a:shade val="50000"/>
-            </a:schemeClr>
-          </a:lnRef>
-          <a:fillRef idx="1">
-            <a:schemeClr val="accent1"/>
-          </a:fillRef>
-          <a:effectRef idx="0">
-            <a:schemeClr val="accent1"/>
-          </a:effectRef>
-          <a:fontRef idx="minor">
-            <a:schemeClr val="lt1"/>
-          </a:fontRef>
-        </p:style>
-        <p:txBody>
-          <a:bodyPr rot="0" spcFirstLastPara="0" vertOverflow="overflow" horzOverflow="overflow" vert="horz" wrap="square" lIns="12191" tIns="6096" rIns="12191" bIns="6096" numCol="1" spcCol="0" rtlCol="0" fromWordArt="0" anchor="ctr" anchorCtr="0" forceAA="0" compatLnSpc="1">
-            <a:prstTxWarp prst="textNoShape">
-              <a:avLst/>
-            </a:prstTxWarp>
-            <a:noAutofit/>
-          </a:bodyPr>
-          <a:lstStyle/>
-          <a:p>
-            <a:pPr algn="ctr"/>
-            <a:r>
-              <a:rPr lang="en-US" altLang="ko-KR" sz="2000" dirty="0"/>
-              <a:t>A3</a:t>
-            </a:r>
-            <a:endParaRPr lang="ko-KR" altLang="en-US" sz="2000" dirty="0"/>
-          </a:p>
-        </p:txBody>
-      </p:sp>
-      <p:sp>
-        <p:nvSpPr>
-          <p:cNvPr id="20" name="직사각형 19">
-            <a:extLst>
-              <a:ext uri="{FF2B5EF4-FFF2-40B4-BE49-F238E27FC236}">
-                <a16:creationId xmlns:a16="http://schemas.microsoft.com/office/drawing/2014/main" id="{C84E4513-69FA-458A-9034-4CA60F8F48A4}"/>
-              </a:ext>
-            </a:extLst>
-          </p:cNvPr>
-          <p:cNvSpPr/>
-          <p:nvPr/>
-        </p:nvSpPr>
-        <p:spPr>
-          <a:xfrm rot="5400000">
-            <a:off x="2723185" y="3353056"/>
-            <a:ext cx="1069200" cy="1512000"/>
-          </a:xfrm>
-          <a:prstGeom prst="rect">
-            <a:avLst/>
-          </a:prstGeom>
-        </p:spPr>
-        <p:style>
-          <a:lnRef idx="2">
-            <a:schemeClr val="accent1">
-              <a:shade val="50000"/>
-            </a:schemeClr>
-          </a:lnRef>
-          <a:fillRef idx="1">
-            <a:schemeClr val="accent1"/>
-          </a:fillRef>
-          <a:effectRef idx="0">
-            <a:schemeClr val="accent1"/>
-          </a:effectRef>
-          <a:fontRef idx="minor">
-            <a:schemeClr val="lt1"/>
-          </a:fontRef>
-        </p:style>
-        <p:txBody>
-          <a:bodyPr rot="0" spcFirstLastPara="0" vertOverflow="overflow" horzOverflow="overflow" vert="horz" wrap="square" lIns="12191" tIns="6096" rIns="12191" bIns="6096" numCol="1" spcCol="0" rtlCol="0" fromWordArt="0" anchor="ctr" anchorCtr="0" forceAA="0" compatLnSpc="1">
-            <a:prstTxWarp prst="textNoShape">
-              <a:avLst/>
-            </a:prstTxWarp>
-            <a:noAutofit/>
-          </a:bodyPr>
-          <a:lstStyle/>
-          <a:p>
-            <a:pPr algn="ctr"/>
-            <a:r>
-              <a:rPr lang="en-US" altLang="ko-KR" sz="2000" dirty="0"/>
-              <a:t>A3</a:t>
-            </a:r>
-            <a:endParaRPr lang="ko-KR" altLang="en-US" sz="2000" dirty="0"/>
-          </a:p>
-        </p:txBody>
-      </p:sp>
-      <p:sp>
-        <p:nvSpPr>
-          <p:cNvPr id="21" name="직사각형 20">
-            <a:extLst>
-              <a:ext uri="{FF2B5EF4-FFF2-40B4-BE49-F238E27FC236}">
-                <a16:creationId xmlns:a16="http://schemas.microsoft.com/office/drawing/2014/main" id="{52250382-0DBC-4E85-B243-6307B9A84E67}"/>
-              </a:ext>
-            </a:extLst>
-          </p:cNvPr>
-          <p:cNvSpPr/>
-          <p:nvPr/>
-        </p:nvSpPr>
-        <p:spPr>
-          <a:xfrm rot="5400000">
-            <a:off x="493985" y="4748856"/>
-            <a:ext cx="1069200" cy="1512000"/>
-          </a:xfrm>
-          <a:prstGeom prst="rect">
-            <a:avLst/>
-          </a:prstGeom>
-        </p:spPr>
-        <p:style>
-          <a:lnRef idx="2">
-            <a:schemeClr val="accent1">
-              <a:shade val="50000"/>
-            </a:schemeClr>
-          </a:lnRef>
-          <a:fillRef idx="1">
-            <a:schemeClr val="accent1"/>
-          </a:fillRef>
-          <a:effectRef idx="0">
-            <a:schemeClr val="accent1"/>
-          </a:effectRef>
-          <a:fontRef idx="minor">
-            <a:schemeClr val="lt1"/>
-          </a:fontRef>
-        </p:style>
-        <p:txBody>
-          <a:bodyPr rot="0" spcFirstLastPara="0" vertOverflow="overflow" horzOverflow="overflow" vert="horz" wrap="square" lIns="12191" tIns="6096" rIns="12191" bIns="6096" numCol="1" spcCol="0" rtlCol="0" fromWordArt="0" anchor="ctr" anchorCtr="0" forceAA="0" compatLnSpc="1">
-            <a:prstTxWarp prst="textNoShape">
-              <a:avLst/>
-            </a:prstTxWarp>
-            <a:noAutofit/>
-          </a:bodyPr>
-          <a:lstStyle/>
-          <a:p>
-            <a:pPr algn="ctr"/>
-            <a:r>
-              <a:rPr lang="en-US" altLang="ko-KR" sz="2000" dirty="0"/>
-              <a:t>A3</a:t>
-            </a:r>
-            <a:endParaRPr lang="ko-KR" altLang="en-US" sz="2000" dirty="0"/>
-          </a:p>
-        </p:txBody>
-      </p:sp>
-      <p:sp>
-        <p:nvSpPr>
-          <p:cNvPr id="22" name="직사각형 21">
-            <a:extLst>
-              <a:ext uri="{FF2B5EF4-FFF2-40B4-BE49-F238E27FC236}">
-                <a16:creationId xmlns:a16="http://schemas.microsoft.com/office/drawing/2014/main" id="{2F391EB1-5FE2-4F9D-863F-AA1F90153D99}"/>
-              </a:ext>
-            </a:extLst>
-          </p:cNvPr>
-          <p:cNvSpPr/>
-          <p:nvPr/>
-        </p:nvSpPr>
-        <p:spPr>
-          <a:xfrm rot="5400000">
-            <a:off x="2723185" y="4748856"/>
-            <a:ext cx="1069200" cy="1512000"/>
-          </a:xfrm>
-          <a:prstGeom prst="rect">
-            <a:avLst/>
-          </a:prstGeom>
-        </p:spPr>
-        <p:style>
-          <a:lnRef idx="2">
-            <a:schemeClr val="accent1">
-              <a:shade val="50000"/>
-            </a:schemeClr>
-          </a:lnRef>
-          <a:fillRef idx="1">
-            <a:schemeClr val="accent1"/>
-          </a:fillRef>
-          <a:effectRef idx="0">
-            <a:schemeClr val="accent1"/>
-          </a:effectRef>
-          <a:fontRef idx="minor">
-            <a:schemeClr val="lt1"/>
-          </a:fontRef>
-        </p:style>
-        <p:txBody>
-          <a:bodyPr rot="0" spcFirstLastPara="0" vertOverflow="overflow" horzOverflow="overflow" vert="horz" wrap="square" lIns="12191" tIns="6096" rIns="12191" bIns="6096" numCol="1" spcCol="0" rtlCol="0" fromWordArt="0" anchor="ctr" anchorCtr="0" forceAA="0" compatLnSpc="1">
-            <a:prstTxWarp prst="textNoShape">
-              <a:avLst/>
-            </a:prstTxWarp>
-            <a:noAutofit/>
-          </a:bodyPr>
-          <a:lstStyle/>
-          <a:p>
-            <a:pPr algn="ctr"/>
-            <a:r>
-              <a:rPr lang="en-US" altLang="ko-KR" sz="2000" dirty="0"/>
-              <a:t>A3</a:t>
-            </a:r>
-            <a:endParaRPr lang="ko-KR" altLang="en-US" sz="2000" dirty="0"/>
+            <a:r>
+              <a:rPr lang="ko-KR" altLang="en-US" sz="3600" dirty="0">
+                <a:latin typeface="a옛날사진관3" panose="02020600000000000000" pitchFamily="18" charset="-127"/>
+                <a:ea typeface="a옛날사진관3" panose="02020600000000000000" pitchFamily="18" charset="-127"/>
+              </a:rPr>
+              <a:t>정동호</a:t>
+            </a:r>
+            <a:r>
+              <a:rPr lang="en-US" altLang="ko-KR" sz="3600" dirty="0">
+                <a:latin typeface="a옛날사진관3" panose="02020600000000000000" pitchFamily="18" charset="-127"/>
+                <a:ea typeface="a옛날사진관3" panose="02020600000000000000" pitchFamily="18" charset="-127"/>
+              </a:rPr>
+              <a:t>, </a:t>
+            </a:r>
+            <a:r>
+              <a:rPr lang="ko-KR" altLang="en-US" sz="3600" dirty="0" err="1">
+                <a:latin typeface="a옛날사진관3" panose="02020600000000000000" pitchFamily="18" charset="-127"/>
+                <a:ea typeface="a옛날사진관3" panose="02020600000000000000" pitchFamily="18" charset="-127"/>
+              </a:rPr>
+              <a:t>신영주</a:t>
+            </a:r>
+            <a:endParaRPr lang="ko-KR" altLang="en-US" sz="3600" dirty="0">
+              <a:latin typeface="a옛날사진관3" panose="02020600000000000000" pitchFamily="18" charset="-127"/>
+              <a:ea typeface="a옛날사진관3" panose="02020600000000000000" pitchFamily="18" charset="-127"/>
+            </a:endParaRPr>
+          </a:p>
+          <a:p>
+            <a:r>
+              <a:rPr lang="ko-KR" altLang="en-US" sz="3600" dirty="0">
+                <a:latin typeface="a옛날사진관3" panose="02020600000000000000" pitchFamily="18" charset="-127"/>
+                <a:ea typeface="a옛날사진관3" panose="02020600000000000000" pitchFamily="18" charset="-127"/>
+              </a:rPr>
+              <a:t>광운대학교 컴퓨터공학과</a:t>
+            </a:r>
+          </a:p>
+          <a:p>
+            <a:r>
+              <a:rPr lang="en-US" altLang="ko-KR" sz="3600" dirty="0">
+                <a:latin typeface="a옛날사진관3" panose="02020600000000000000" pitchFamily="18" charset="-127"/>
+                <a:ea typeface="a옛날사진관3" panose="02020600000000000000" pitchFamily="18" charset="-127"/>
+              </a:rPr>
+              <a:t>dongho971220@gmail.com,  yjshin@kw.ac.kr</a:t>
+            </a:r>
           </a:p>
         </p:txBody>
       </p:sp>
     </p:spTree>
     <p:extLst>
       <p:ext uri="{BB962C8B-B14F-4D97-AF65-F5344CB8AC3E}">
-        <p14:creationId xmlns:p14="http://schemas.microsoft.com/office/powerpoint/2010/main" val="2590013859"/>
+        <p14:creationId xmlns:p14="http://schemas.microsoft.com/office/powerpoint/2010/main" val="3567589042"/>
       </p:ext>
     </p:extLst>
   </p:cSld>
@@ -3609,59 +3485,266 @@
       </p:grpSpPr>
       <p:sp>
         <p:nvSpPr>
-          <p:cNvPr id="4" name="직사각형 3">
+          <p:cNvPr id="4" name="제목 3">
             <a:extLst>
               <a:ext uri="{FF2B5EF4-FFF2-40B4-BE49-F238E27FC236}">
-                <a16:creationId xmlns:a16="http://schemas.microsoft.com/office/drawing/2014/main" id="{58B22EB3-E2B6-4565-9D13-1AA8B597E824}"/>
+                <a16:creationId xmlns:a16="http://schemas.microsoft.com/office/drawing/2014/main" id="{0AE26133-E6C3-4B10-9761-8FA6AFDE2158}"/>
               </a:ext>
             </a:extLst>
           </p:cNvPr>
-          <p:cNvSpPr/>
-          <p:nvPr/>
+          <p:cNvSpPr>
+            <a:spLocks noGrp="1"/>
+          </p:cNvSpPr>
+          <p:nvPr>
+            <p:ph type="title"/>
+          </p:nvPr>
         </p:nvSpPr>
         <p:spPr>
           <a:xfrm>
-            <a:off x="141543" y="386697"/>
-            <a:ext cx="4036503" cy="5706781"/>
+            <a:off x="540000" y="0"/>
+            <a:ext cx="4876384" cy="2494756"/>
+          </a:xfrm>
+        </p:spPr>
+        <p:txBody>
+          <a:bodyPr>
+            <a:normAutofit/>
+          </a:bodyPr>
+          <a:lstStyle/>
+          <a:p>
+            <a:r>
+              <a:rPr lang="en-US" altLang="ko-KR" sz="6600" dirty="0"/>
+              <a:t>1.</a:t>
+            </a:r>
+            <a:r>
+              <a:rPr lang="ko-KR" altLang="en-US" sz="6600" dirty="0"/>
+              <a:t> 연구 동기</a:t>
+            </a:r>
+          </a:p>
+        </p:txBody>
+      </p:sp>
+      <p:pic>
+        <p:nvPicPr>
+          <p:cNvPr id="8" name="그림 7">
+            <a:extLst>
+              <a:ext uri="{FF2B5EF4-FFF2-40B4-BE49-F238E27FC236}">
+                <a16:creationId xmlns:a16="http://schemas.microsoft.com/office/drawing/2014/main" id="{F882E534-CF4F-46D1-B98A-977FD16D66D9}"/>
+              </a:ext>
+            </a:extLst>
+          </p:cNvPr>
+          <p:cNvPicPr>
+            <a:picLocks noChangeAspect="1"/>
+          </p:cNvPicPr>
+          <p:nvPr/>
+        </p:nvPicPr>
+        <p:blipFill>
+          <a:blip r:embed="rId2">
+            <a:extLst>
+              <a:ext uri="{28A0092B-C50C-407E-A947-70E740481C1C}">
+                <a14:useLocalDpi xmlns:a14="http://schemas.microsoft.com/office/drawing/2010/main" val="0"/>
+              </a:ext>
+            </a:extLst>
+          </a:blip>
+          <a:stretch>
+            <a:fillRect/>
+          </a:stretch>
+        </p:blipFill>
+        <p:spPr>
+          <a:xfrm>
+            <a:off x="11436063" y="3207544"/>
+            <a:ext cx="2402902" cy="2402902"/>
           </a:xfrm>
           <a:prstGeom prst="rect">
             <a:avLst/>
           </a:prstGeom>
         </p:spPr>
-        <p:style>
-          <a:lnRef idx="2">
-            <a:schemeClr val="accent1">
-              <a:shade val="50000"/>
-            </a:schemeClr>
-          </a:lnRef>
-          <a:fillRef idx="1">
-            <a:schemeClr val="accent1"/>
-          </a:fillRef>
-          <a:effectRef idx="0">
-            <a:schemeClr val="accent1"/>
-          </a:effectRef>
-          <a:fontRef idx="minor">
-            <a:schemeClr val="lt1"/>
-          </a:fontRef>
-        </p:style>
-        <p:txBody>
-          <a:bodyPr rot="0" spcFirstLastPara="0" vertOverflow="overflow" horzOverflow="overflow" vert="horz" wrap="square" lIns="12191" tIns="6096" rIns="12191" bIns="6096" numCol="1" spcCol="0" rtlCol="0" fromWordArt="0" anchor="ctr" anchorCtr="0" forceAA="0" compatLnSpc="1">
-            <a:prstTxWarp prst="textNoShape">
-              <a:avLst/>
-            </a:prstTxWarp>
-            <a:noAutofit/>
+      </p:pic>
+      <p:sp>
+        <p:nvSpPr>
+          <p:cNvPr id="9" name="TextBox 8">
+            <a:extLst>
+              <a:ext uri="{FF2B5EF4-FFF2-40B4-BE49-F238E27FC236}">
+                <a16:creationId xmlns:a16="http://schemas.microsoft.com/office/drawing/2014/main" id="{26206317-3391-4831-B802-6FF9D66EAB57}"/>
+              </a:ext>
+            </a:extLst>
+          </p:cNvPr>
+          <p:cNvSpPr txBox="1"/>
+          <p:nvPr/>
+        </p:nvSpPr>
+        <p:spPr>
+          <a:xfrm>
+            <a:off x="960473" y="3671454"/>
+            <a:ext cx="9898865" cy="1938992"/>
+          </a:xfrm>
+          <a:prstGeom prst="rect">
+            <a:avLst/>
+          </a:prstGeom>
+          <a:noFill/>
+        </p:spPr>
+        <p:txBody>
+          <a:bodyPr wrap="none" rtlCol="0">
+            <a:spAutoFit/>
           </a:bodyPr>
           <a:lstStyle/>
           <a:p>
             <a:pPr algn="ctr"/>
-            <a:endParaRPr lang="ko-KR" altLang="en-US" sz="100"/>
-          </a:p>
-        </p:txBody>
-      </p:sp>
+            <a:r>
+              <a:rPr lang="ko-KR" altLang="en-US" sz="4000" dirty="0"/>
+              <a:t>네트워크 장비는 공격이 한번 이뤄지면</a:t>
+            </a:r>
+            <a:endParaRPr lang="en-US" altLang="ko-KR" sz="4000" dirty="0"/>
+          </a:p>
+          <a:p>
+            <a:pPr algn="ctr"/>
+            <a:r>
+              <a:rPr lang="ko-KR" altLang="en-US" sz="4000" dirty="0"/>
+              <a:t>해당 장비를 경유하는 </a:t>
+            </a:r>
+            <a:r>
+              <a:rPr lang="ko-KR" altLang="en-US" sz="4000" dirty="0">
+                <a:solidFill>
+                  <a:srgbClr val="FF0000"/>
+                </a:solidFill>
+              </a:rPr>
+              <a:t>모든 패킷이 도청될 수</a:t>
+            </a:r>
+            <a:endParaRPr lang="en-US" altLang="ko-KR" sz="4000" dirty="0">
+              <a:solidFill>
+                <a:srgbClr val="FF0000"/>
+              </a:solidFill>
+            </a:endParaRPr>
+          </a:p>
+          <a:p>
+            <a:pPr algn="ctr"/>
+            <a:r>
+              <a:rPr lang="ko-KR" altLang="en-US" sz="4000" dirty="0">
+                <a:solidFill>
+                  <a:srgbClr val="FF0000"/>
+                </a:solidFill>
+              </a:rPr>
+              <a:t>있다는 점</a:t>
+            </a:r>
+            <a:r>
+              <a:rPr lang="ko-KR" altLang="en-US" sz="4000" dirty="0"/>
+              <a:t>에서 큰 위험이 있다</a:t>
+            </a:r>
+            <a:r>
+              <a:rPr lang="en-US" altLang="ko-KR" sz="4000" dirty="0"/>
+              <a:t>.</a:t>
+            </a:r>
+          </a:p>
+        </p:txBody>
+      </p:sp>
+      <p:sp>
+        <p:nvSpPr>
+          <p:cNvPr id="10" name="TextBox 9">
+            <a:extLst>
+              <a:ext uri="{FF2B5EF4-FFF2-40B4-BE49-F238E27FC236}">
+                <a16:creationId xmlns:a16="http://schemas.microsoft.com/office/drawing/2014/main" id="{F618A571-7C12-44EE-B344-47CA2FC96DBA}"/>
+              </a:ext>
+            </a:extLst>
+          </p:cNvPr>
+          <p:cNvSpPr txBox="1"/>
+          <p:nvPr/>
+        </p:nvSpPr>
+        <p:spPr>
+          <a:xfrm>
+            <a:off x="299357" y="7729050"/>
+            <a:ext cx="11525912" cy="1323439"/>
+          </a:xfrm>
+          <a:prstGeom prst="rect">
+            <a:avLst/>
+          </a:prstGeom>
+          <a:noFill/>
+        </p:spPr>
+        <p:txBody>
+          <a:bodyPr wrap="none" rtlCol="0">
+            <a:spAutoFit/>
+          </a:bodyPr>
+          <a:lstStyle/>
+          <a:p>
+            <a:pPr algn="ctr"/>
+            <a:r>
+              <a:rPr lang="ko-KR" altLang="en-US" sz="4000" dirty="0"/>
+              <a:t>공격을 </a:t>
+            </a:r>
+            <a:r>
+              <a:rPr lang="en-US" altLang="ko-KR" sz="4000" dirty="0"/>
+              <a:t>100%</a:t>
+            </a:r>
+            <a:r>
+              <a:rPr lang="ko-KR" altLang="en-US" sz="4000" dirty="0"/>
+              <a:t>까지 막을 수 없다면</a:t>
+            </a:r>
+            <a:r>
+              <a:rPr lang="en-US" altLang="ko-KR" sz="4000" dirty="0"/>
+              <a:t>,</a:t>
+            </a:r>
+          </a:p>
+          <a:p>
+            <a:pPr algn="ctr"/>
+            <a:r>
+              <a:rPr lang="ko-KR" altLang="en-US" sz="4000" dirty="0"/>
+              <a:t>적어도 이상행위를 탐지하여 </a:t>
+            </a:r>
+            <a:r>
+              <a:rPr lang="ko-KR" altLang="en-US" sz="4000" dirty="0">
+                <a:solidFill>
+                  <a:srgbClr val="FF0000"/>
+                </a:solidFill>
+              </a:rPr>
+              <a:t>더 큰 피해를 막아보자</a:t>
+            </a:r>
+            <a:r>
+              <a:rPr lang="en-US" altLang="ko-KR" sz="4000" dirty="0">
+                <a:solidFill>
+                  <a:srgbClr val="FF0000"/>
+                </a:solidFill>
+              </a:rPr>
+              <a:t>.</a:t>
+            </a:r>
+          </a:p>
+        </p:txBody>
+      </p:sp>
+      <p:pic>
+        <p:nvPicPr>
+          <p:cNvPr id="12" name="그림 11">
+            <a:extLst>
+              <a:ext uri="{FF2B5EF4-FFF2-40B4-BE49-F238E27FC236}">
+                <a16:creationId xmlns:a16="http://schemas.microsoft.com/office/drawing/2014/main" id="{04E36680-48A9-4D88-A80C-CB6278DCBA0B}"/>
+              </a:ext>
+            </a:extLst>
+          </p:cNvPr>
+          <p:cNvPicPr>
+            <a:picLocks noChangeAspect="1"/>
+          </p:cNvPicPr>
+          <p:nvPr/>
+        </p:nvPicPr>
+        <p:blipFill>
+          <a:blip r:embed="rId3">
+            <a:extLst>
+              <a:ext uri="{28A0092B-C50C-407E-A947-70E740481C1C}">
+                <a14:useLocalDpi xmlns:a14="http://schemas.microsoft.com/office/drawing/2010/main" val="0"/>
+              </a:ext>
+            </a:extLst>
+          </a:blip>
+          <a:stretch>
+            <a:fillRect/>
+          </a:stretch>
+        </p:blipFill>
+        <p:spPr>
+          <a:xfrm>
+            <a:off x="11436062" y="6649586"/>
+            <a:ext cx="2402903" cy="2402903"/>
+          </a:xfrm>
+          <a:prstGeom prst="rect">
+            <a:avLst/>
+          </a:prstGeom>
+        </p:spPr>
+      </p:pic>
     </p:spTree>
     <p:extLst>
       <p:ext uri="{BB962C8B-B14F-4D97-AF65-F5344CB8AC3E}">
-        <p14:creationId xmlns:p14="http://schemas.microsoft.com/office/powerpoint/2010/main" val="1249629382"/>
+        <p14:creationId xmlns:p14="http://schemas.microsoft.com/office/powerpoint/2010/main" val="3353765104"/>
       </p:ext>
     </p:extLst>
   </p:cSld>
@@ -3674,16 +3757,6 @@
 <file path=ppt/slides/slide3.xml><?xml version="1.0" encoding="utf-8"?>
 <p:sld xmlns:a="http://schemas.openxmlformats.org/drawingml/2006/main" xmlns:r="http://schemas.openxmlformats.org/officeDocument/2006/relationships" xmlns:p="http://schemas.openxmlformats.org/presentationml/2006/main">
   <p:cSld>
-    <p:bg>
-      <p:bgPr>
-        <a:solidFill>
-          <a:schemeClr val="bg1">
-            <a:lumMod val="85000"/>
-          </a:schemeClr>
-        </a:solidFill>
-        <a:effectLst/>
-      </p:bgPr>
-    </p:bg>
     <p:spTree>
       <p:nvGrpSpPr>
         <p:cNvPr id="1" name=""/>
@@ -3700,10 +3773,332 @@
       </p:grpSpPr>
       <p:sp>
         <p:nvSpPr>
-          <p:cNvPr id="4" name="직사각형 3">
+          <p:cNvPr id="5" name="제목 3">
             <a:extLst>
               <a:ext uri="{FF2B5EF4-FFF2-40B4-BE49-F238E27FC236}">
-                <a16:creationId xmlns:a16="http://schemas.microsoft.com/office/drawing/2014/main" id="{C02E11AF-2EC9-4AFB-8254-F7C9D40EBD61}"/>
+                <a16:creationId xmlns:a16="http://schemas.microsoft.com/office/drawing/2014/main" id="{67E28148-E221-4352-AAF6-6992AAA142C1}"/>
+              </a:ext>
+            </a:extLst>
+          </p:cNvPr>
+          <p:cNvSpPr>
+            <a:spLocks noGrp="1"/>
+          </p:cNvSpPr>
+          <p:nvPr>
+            <p:ph type="title"/>
+          </p:nvPr>
+        </p:nvSpPr>
+        <p:spPr>
+          <a:xfrm>
+            <a:off x="540000" y="0"/>
+            <a:ext cx="5885848" cy="2494756"/>
+          </a:xfrm>
+        </p:spPr>
+        <p:txBody>
+          <a:bodyPr>
+            <a:normAutofit/>
+          </a:bodyPr>
+          <a:lstStyle/>
+          <a:p>
+            <a:r>
+              <a:rPr lang="en-US" altLang="ko-KR" sz="6600" dirty="0"/>
+              <a:t>2.</a:t>
+            </a:r>
+            <a:r>
+              <a:rPr lang="ko-KR" altLang="en-US" sz="6600" dirty="0"/>
+              <a:t> 탐지 배경 </a:t>
+            </a:r>
+            <a:r>
+              <a:rPr lang="en-US" altLang="ko-KR" sz="6600" dirty="0"/>
+              <a:t>0</a:t>
+            </a:r>
+            <a:endParaRPr lang="ko-KR" altLang="en-US" sz="6600" dirty="0"/>
+          </a:p>
+        </p:txBody>
+      </p:sp>
+      <p:sp>
+        <p:nvSpPr>
+          <p:cNvPr id="6" name="TextBox 5">
+            <a:extLst>
+              <a:ext uri="{FF2B5EF4-FFF2-40B4-BE49-F238E27FC236}">
+                <a16:creationId xmlns:a16="http://schemas.microsoft.com/office/drawing/2014/main" id="{0C1836E8-B717-4034-9979-05FC72F0F6C6}"/>
+              </a:ext>
+            </a:extLst>
+          </p:cNvPr>
+          <p:cNvSpPr txBox="1"/>
+          <p:nvPr/>
+        </p:nvSpPr>
+        <p:spPr>
+          <a:xfrm>
+            <a:off x="339601" y="8535772"/>
+            <a:ext cx="14440171" cy="1938992"/>
+          </a:xfrm>
+          <a:prstGeom prst="rect">
+            <a:avLst/>
+          </a:prstGeom>
+          <a:noFill/>
+        </p:spPr>
+        <p:txBody>
+          <a:bodyPr wrap="none" rtlCol="0">
+            <a:spAutoFit/>
+          </a:bodyPr>
+          <a:lstStyle/>
+          <a:p>
+            <a:pPr algn="ctr"/>
+            <a:r>
+              <a:rPr lang="ko-KR" altLang="en-US" sz="4000" dirty="0"/>
+              <a:t>이는 라우터의 </a:t>
+            </a:r>
+            <a:r>
+              <a:rPr lang="en-US" altLang="ko-KR" sz="4000" dirty="0"/>
+              <a:t>I/O(Input/Output) </a:t>
+            </a:r>
+            <a:r>
+              <a:rPr lang="ko-KR" altLang="en-US" sz="4000" dirty="0">
+                <a:solidFill>
+                  <a:srgbClr val="FF0000"/>
+                </a:solidFill>
+              </a:rPr>
+              <a:t>트래픽에 영향을</a:t>
+            </a:r>
+            <a:r>
+              <a:rPr lang="en-US" altLang="ko-KR" sz="4000" dirty="0">
+                <a:solidFill>
+                  <a:srgbClr val="FF0000"/>
+                </a:solidFill>
+              </a:rPr>
+              <a:t> </a:t>
+            </a:r>
+            <a:r>
+              <a:rPr lang="ko-KR" altLang="en-US" sz="4000" dirty="0">
+                <a:solidFill>
+                  <a:srgbClr val="FF0000"/>
+                </a:solidFill>
+              </a:rPr>
+              <a:t>줄 것</a:t>
+            </a:r>
+            <a:r>
+              <a:rPr lang="ko-KR" altLang="en-US" sz="4000" dirty="0"/>
+              <a:t>이며</a:t>
+            </a:r>
+            <a:endParaRPr lang="en-US" altLang="ko-KR" sz="4000" dirty="0"/>
+          </a:p>
+          <a:p>
+            <a:pPr algn="ctr"/>
+            <a:r>
+              <a:rPr lang="ko-KR" altLang="en-US" sz="4000" dirty="0"/>
+              <a:t>따라서 라우터 인터페이스의 트래픽을 모니터링 하여</a:t>
+            </a:r>
+            <a:endParaRPr lang="en-US" altLang="ko-KR" sz="4000" dirty="0"/>
+          </a:p>
+          <a:p>
+            <a:pPr algn="ctr"/>
+            <a:r>
+              <a:rPr lang="ko-KR" altLang="en-US" sz="4000" dirty="0"/>
+              <a:t>동적 분석을 통해 도청 행위를 식별하는 것이 본 논문의 목표이다</a:t>
+            </a:r>
+            <a:r>
+              <a:rPr lang="en-US" altLang="ko-KR" sz="4000" dirty="0"/>
+              <a:t>.</a:t>
+            </a:r>
+          </a:p>
+        </p:txBody>
+      </p:sp>
+      <p:sp>
+        <p:nvSpPr>
+          <p:cNvPr id="7" name="TextBox 6">
+            <a:extLst>
+              <a:ext uri="{FF2B5EF4-FFF2-40B4-BE49-F238E27FC236}">
+                <a16:creationId xmlns:a16="http://schemas.microsoft.com/office/drawing/2014/main" id="{8CE1AA03-A5DB-40CE-8939-4BFC402E8D1A}"/>
+              </a:ext>
+            </a:extLst>
+          </p:cNvPr>
+          <p:cNvSpPr txBox="1"/>
+          <p:nvPr/>
+        </p:nvSpPr>
+        <p:spPr>
+          <a:xfrm>
+            <a:off x="1149105" y="3055144"/>
+            <a:ext cx="12821139" cy="1323439"/>
+          </a:xfrm>
+          <a:prstGeom prst="rect">
+            <a:avLst/>
+          </a:prstGeom>
+          <a:noFill/>
+        </p:spPr>
+        <p:txBody>
+          <a:bodyPr wrap="none" rtlCol="0">
+            <a:spAutoFit/>
+          </a:bodyPr>
+          <a:lstStyle/>
+          <a:p>
+            <a:pPr algn="ctr"/>
+            <a:r>
+              <a:rPr lang="ko-KR" altLang="en-US" sz="4000" dirty="0">
+                <a:solidFill>
+                  <a:srgbClr val="FF0000"/>
+                </a:solidFill>
+              </a:rPr>
+              <a:t>라우터의 메모리가 유한하다는 점</a:t>
+            </a:r>
+            <a:r>
+              <a:rPr lang="ko-KR" altLang="en-US" sz="4000" dirty="0"/>
+              <a:t>에서</a:t>
+            </a:r>
+            <a:endParaRPr lang="en-US" altLang="ko-KR" sz="4000" dirty="0"/>
+          </a:p>
+          <a:p>
+            <a:pPr algn="ctr"/>
+            <a:r>
+              <a:rPr lang="ko-KR" altLang="en-US" sz="4000" dirty="0"/>
+              <a:t>도청된 데이터는 주기적으로 공격자에게</a:t>
+            </a:r>
+            <a:r>
+              <a:rPr lang="en-US" altLang="ko-KR" sz="4000" dirty="0"/>
+              <a:t> </a:t>
+            </a:r>
+            <a:r>
+              <a:rPr lang="ko-KR" altLang="en-US" sz="4000" dirty="0"/>
+              <a:t>전달되어야 한다</a:t>
+            </a:r>
+            <a:r>
+              <a:rPr lang="en-US" altLang="ko-KR" sz="4000" dirty="0"/>
+              <a:t>.</a:t>
+            </a:r>
+          </a:p>
+        </p:txBody>
+      </p:sp>
+      <p:pic>
+        <p:nvPicPr>
+          <p:cNvPr id="10" name="그림 9">
+            <a:extLst>
+              <a:ext uri="{FF2B5EF4-FFF2-40B4-BE49-F238E27FC236}">
+                <a16:creationId xmlns:a16="http://schemas.microsoft.com/office/drawing/2014/main" id="{D62E35DE-47BA-4117-8536-78B511241516}"/>
+              </a:ext>
+            </a:extLst>
+          </p:cNvPr>
+          <p:cNvPicPr>
+            <a:picLocks noChangeAspect="1"/>
+          </p:cNvPicPr>
+          <p:nvPr/>
+        </p:nvPicPr>
+        <p:blipFill>
+          <a:blip r:embed="rId2">
+            <a:extLst>
+              <a:ext uri="{28A0092B-C50C-407E-A947-70E740481C1C}">
+                <a14:useLocalDpi xmlns:a14="http://schemas.microsoft.com/office/drawing/2010/main" val="0"/>
+              </a:ext>
+            </a:extLst>
+          </a:blip>
+          <a:stretch>
+            <a:fillRect/>
+          </a:stretch>
+        </p:blipFill>
+        <p:spPr>
+          <a:xfrm>
+            <a:off x="3323347" y="5642112"/>
+            <a:ext cx="2340867" cy="2340867"/>
+          </a:xfrm>
+          <a:prstGeom prst="rect">
+            <a:avLst/>
+          </a:prstGeom>
+        </p:spPr>
+      </p:pic>
+      <p:pic>
+        <p:nvPicPr>
+          <p:cNvPr id="12" name="Picture 4" descr="D:\Download\bad-emoticon-square-face.png">
+            <a:extLst>
+              <a:ext uri="{FF2B5EF4-FFF2-40B4-BE49-F238E27FC236}">
+                <a16:creationId xmlns:a16="http://schemas.microsoft.com/office/drawing/2014/main" id="{D36FC47F-9797-4F60-AFB5-DA9ECA4FF612}"/>
+              </a:ext>
+            </a:extLst>
+          </p:cNvPr>
+          <p:cNvPicPr>
+            <a:picLocks noChangeAspect="1" noChangeArrowheads="1"/>
+          </p:cNvPicPr>
+          <p:nvPr/>
+        </p:nvPicPr>
+        <p:blipFill>
+          <a:blip r:embed="rId3">
+            <a:duotone>
+              <a:schemeClr val="accent2">
+                <a:shade val="45000"/>
+                <a:satMod val="135000"/>
+              </a:schemeClr>
+              <a:prstClr val="white"/>
+            </a:duotone>
+            <a:extLst>
+              <a:ext uri="{28A0092B-C50C-407E-A947-70E740481C1C}">
+                <a14:useLocalDpi xmlns:a14="http://schemas.microsoft.com/office/drawing/2010/main" val="0"/>
+              </a:ext>
+            </a:extLst>
+          </a:blip>
+          <a:srcRect/>
+          <a:stretch>
+            <a:fillRect/>
+          </a:stretch>
+        </p:blipFill>
+        <p:spPr bwMode="auto">
+          <a:xfrm>
+            <a:off x="9760937" y="5646831"/>
+            <a:ext cx="2148218" cy="2148216"/>
+          </a:xfrm>
+          <a:prstGeom prst="rect">
+            <a:avLst/>
+          </a:prstGeom>
+          <a:noFill/>
+          <a:extLst>
+            <a:ext uri="{909E8E84-426E-40DD-AFC4-6F175D3DCCD1}">
+              <a14:hiddenFill xmlns:a14="http://schemas.microsoft.com/office/drawing/2010/main">
+                <a:solidFill>
+                  <a:srgbClr val="FFFFFF"/>
+                </a:solidFill>
+              </a14:hiddenFill>
+            </a:ext>
+          </a:extLst>
+        </p:spPr>
+      </p:pic>
+      <p:pic>
+        <p:nvPicPr>
+          <p:cNvPr id="14" name="그림 13">
+            <a:extLst>
+              <a:ext uri="{FF2B5EF4-FFF2-40B4-BE49-F238E27FC236}">
+                <a16:creationId xmlns:a16="http://schemas.microsoft.com/office/drawing/2014/main" id="{6524E2BC-94ED-46F2-8878-3DFA3B71CBD4}"/>
+              </a:ext>
+            </a:extLst>
+          </p:cNvPr>
+          <p:cNvPicPr>
+            <a:picLocks noChangeAspect="1"/>
+          </p:cNvPicPr>
+          <p:nvPr/>
+        </p:nvPicPr>
+        <p:blipFill>
+          <a:blip r:embed="rId4">
+            <a:extLst>
+              <a:ext uri="{28A0092B-C50C-407E-A947-70E740481C1C}">
+                <a14:useLocalDpi xmlns:a14="http://schemas.microsoft.com/office/drawing/2010/main" val="0"/>
+              </a:ext>
+            </a:extLst>
+          </a:blip>
+          <a:stretch>
+            <a:fillRect/>
+          </a:stretch>
+        </p:blipFill>
+        <p:spPr>
+          <a:xfrm>
+            <a:off x="6429857" y="5213348"/>
+            <a:ext cx="822802" cy="822802"/>
+          </a:xfrm>
+          <a:prstGeom prst="rect">
+            <a:avLst/>
+          </a:prstGeom>
+        </p:spPr>
+      </p:pic>
+      <p:sp>
+        <p:nvSpPr>
+          <p:cNvPr id="16" name="화살표: 오른쪽 15">
+            <a:extLst>
+              <a:ext uri="{FF2B5EF4-FFF2-40B4-BE49-F238E27FC236}">
+                <a16:creationId xmlns:a16="http://schemas.microsoft.com/office/drawing/2014/main" id="{ECE0A486-5437-4BB3-A976-DDBC485C8494}"/>
               </a:ext>
             </a:extLst>
           </p:cNvPr>
@@ -3712,56 +4107,345 @@
         </p:nvSpPr>
         <p:spPr>
           <a:xfrm>
-            <a:off x="141543" y="386697"/>
-            <a:ext cx="4036503" cy="5706781"/>
+            <a:off x="6484173" y="6173481"/>
+            <a:ext cx="2546158" cy="748116"/>
           </a:xfrm>
-          <a:prstGeom prst="rect">
+          <a:prstGeom prst="rightArrow">
             <a:avLst/>
           </a:prstGeom>
-          <a:solidFill>
-            <a:schemeClr val="bg1"/>
-          </a:solidFill>
         </p:spPr>
         <p:style>
           <a:lnRef idx="2">
-            <a:schemeClr val="accent3">
+            <a:schemeClr val="dk1">
               <a:shade val="50000"/>
             </a:schemeClr>
           </a:lnRef>
           <a:fillRef idx="1">
-            <a:schemeClr val="accent3"/>
+            <a:schemeClr val="dk1"/>
           </a:fillRef>
           <a:effectRef idx="0">
-            <a:schemeClr val="accent3"/>
+            <a:schemeClr val="dk1"/>
           </a:effectRef>
           <a:fontRef idx="minor">
             <a:schemeClr val="lt1"/>
           </a:fontRef>
         </p:style>
         <p:txBody>
-          <a:bodyPr rot="0" spcFirstLastPara="0" vertOverflow="overflow" horzOverflow="overflow" vert="horz" wrap="square" lIns="12191" tIns="6096" rIns="12191" bIns="6096" numCol="1" spcCol="0" rtlCol="0" fromWordArt="0" anchor="ctr" anchorCtr="0" forceAA="0" compatLnSpc="1">
-            <a:prstTxWarp prst="textNoShape">
-              <a:avLst/>
-            </a:prstTxWarp>
-            <a:noAutofit/>
+          <a:bodyPr rtlCol="0" anchor="ctr"/>
+          <a:lstStyle/>
+          <a:p>
+            <a:pPr algn="ctr"/>
+            <a:endParaRPr lang="ko-KR" altLang="en-US"/>
+          </a:p>
+        </p:txBody>
+      </p:sp>
+      <p:pic>
+        <p:nvPicPr>
+          <p:cNvPr id="19" name="그림 18">
+            <a:extLst>
+              <a:ext uri="{FF2B5EF4-FFF2-40B4-BE49-F238E27FC236}">
+                <a16:creationId xmlns:a16="http://schemas.microsoft.com/office/drawing/2014/main" id="{86EA0933-9730-4334-8402-BA6103D45E98}"/>
+              </a:ext>
+            </a:extLst>
+          </p:cNvPr>
+          <p:cNvPicPr>
+            <a:picLocks noChangeAspect="1"/>
+          </p:cNvPicPr>
+          <p:nvPr/>
+        </p:nvPicPr>
+        <p:blipFill>
+          <a:blip r:embed="rId4">
+            <a:extLst>
+              <a:ext uri="{28A0092B-C50C-407E-A947-70E740481C1C}">
+                <a14:useLocalDpi xmlns:a14="http://schemas.microsoft.com/office/drawing/2010/main" val="0"/>
+              </a:ext>
+            </a:extLst>
+          </a:blip>
+          <a:stretch>
+            <a:fillRect/>
+          </a:stretch>
+        </p:blipFill>
+        <p:spPr>
+          <a:xfrm>
+            <a:off x="7250003" y="4852387"/>
+            <a:ext cx="822802" cy="822802"/>
+          </a:xfrm>
+          <a:prstGeom prst="rect">
+            <a:avLst/>
+          </a:prstGeom>
+        </p:spPr>
+      </p:pic>
+      <p:pic>
+        <p:nvPicPr>
+          <p:cNvPr id="20" name="그림 19">
+            <a:extLst>
+              <a:ext uri="{FF2B5EF4-FFF2-40B4-BE49-F238E27FC236}">
+                <a16:creationId xmlns:a16="http://schemas.microsoft.com/office/drawing/2014/main" id="{01F03A09-C4C7-4A82-B9CB-61476986CEE7}"/>
+              </a:ext>
+            </a:extLst>
+          </p:cNvPr>
+          <p:cNvPicPr>
+            <a:picLocks noChangeAspect="1"/>
+          </p:cNvPicPr>
+          <p:nvPr/>
+        </p:nvPicPr>
+        <p:blipFill>
+          <a:blip r:embed="rId4">
+            <a:extLst>
+              <a:ext uri="{28A0092B-C50C-407E-A947-70E740481C1C}">
+                <a14:useLocalDpi xmlns:a14="http://schemas.microsoft.com/office/drawing/2010/main" val="0"/>
+              </a:ext>
+            </a:extLst>
+          </a:blip>
+          <a:stretch>
+            <a:fillRect/>
+          </a:stretch>
+        </p:blipFill>
+        <p:spPr>
+          <a:xfrm>
+            <a:off x="7689491" y="5317136"/>
+            <a:ext cx="822802" cy="822802"/>
+          </a:xfrm>
+          <a:prstGeom prst="rect">
+            <a:avLst/>
+          </a:prstGeom>
+        </p:spPr>
+      </p:pic>
+      <p:pic>
+        <p:nvPicPr>
+          <p:cNvPr id="21" name="그림 20">
+            <a:extLst>
+              <a:ext uri="{FF2B5EF4-FFF2-40B4-BE49-F238E27FC236}">
+                <a16:creationId xmlns:a16="http://schemas.microsoft.com/office/drawing/2014/main" id="{FCA95E4E-D8AB-4AD6-B6F0-78D72A9BF890}"/>
+              </a:ext>
+            </a:extLst>
+          </p:cNvPr>
+          <p:cNvPicPr>
+            <a:picLocks noChangeAspect="1"/>
+          </p:cNvPicPr>
+          <p:nvPr/>
+        </p:nvPicPr>
+        <p:blipFill>
+          <a:blip r:embed="rId4">
+            <a:extLst>
+              <a:ext uri="{28A0092B-C50C-407E-A947-70E740481C1C}">
+                <a14:useLocalDpi xmlns:a14="http://schemas.microsoft.com/office/drawing/2010/main" val="0"/>
+              </a:ext>
+            </a:extLst>
+          </a:blip>
+          <a:stretch>
+            <a:fillRect/>
+          </a:stretch>
+        </p:blipFill>
+        <p:spPr>
+          <a:xfrm>
+            <a:off x="8455134" y="4992176"/>
+            <a:ext cx="822802" cy="822802"/>
+          </a:xfrm>
+          <a:prstGeom prst="rect">
+            <a:avLst/>
+          </a:prstGeom>
+        </p:spPr>
+      </p:pic>
+      <p:sp>
+        <p:nvSpPr>
+          <p:cNvPr id="17" name="TextBox 16">
+            <a:extLst>
+              <a:ext uri="{FF2B5EF4-FFF2-40B4-BE49-F238E27FC236}">
+                <a16:creationId xmlns:a16="http://schemas.microsoft.com/office/drawing/2014/main" id="{ED9DD2B6-5609-4450-B7D2-D9D2102553B6}"/>
+              </a:ext>
+            </a:extLst>
+          </p:cNvPr>
+          <p:cNvSpPr txBox="1"/>
+          <p:nvPr/>
+        </p:nvSpPr>
+        <p:spPr>
+          <a:xfrm>
+            <a:off x="3159033" y="4907996"/>
+            <a:ext cx="2648482" cy="584775"/>
+          </a:xfrm>
+          <a:prstGeom prst="rect">
+            <a:avLst/>
+          </a:prstGeom>
+          <a:noFill/>
+        </p:spPr>
+        <p:txBody>
+          <a:bodyPr wrap="none" rtlCol="0">
+            <a:spAutoFit/>
           </a:bodyPr>
           <a:lstStyle/>
           <a:p>
-            <a:pPr algn="ctr"/>
-            <a:endParaRPr lang="ko-KR" altLang="en-US" sz="100"/>
-          </a:p>
-        </p:txBody>
-      </p:sp>
+            <a:r>
+              <a:rPr lang="ko-KR" altLang="en-US" sz="3200" dirty="0"/>
+              <a:t>탈취된 라우터</a:t>
+            </a:r>
+          </a:p>
+        </p:txBody>
+      </p:sp>
+      <p:sp>
+        <p:nvSpPr>
+          <p:cNvPr id="23" name="TextBox 22">
+            <a:extLst>
+              <a:ext uri="{FF2B5EF4-FFF2-40B4-BE49-F238E27FC236}">
+                <a16:creationId xmlns:a16="http://schemas.microsoft.com/office/drawing/2014/main" id="{5305270F-420A-4638-945C-A87CA2C71A3D}"/>
+              </a:ext>
+            </a:extLst>
+          </p:cNvPr>
+          <p:cNvSpPr txBox="1"/>
+          <p:nvPr/>
+        </p:nvSpPr>
+        <p:spPr>
+          <a:xfrm>
+            <a:off x="10156731" y="4852045"/>
+            <a:ext cx="1353256" cy="584775"/>
+          </a:xfrm>
+          <a:prstGeom prst="rect">
+            <a:avLst/>
+          </a:prstGeom>
+          <a:noFill/>
+        </p:spPr>
+        <p:txBody>
+          <a:bodyPr wrap="none" rtlCol="0">
+            <a:spAutoFit/>
+          </a:bodyPr>
+          <a:lstStyle/>
+          <a:p>
+            <a:r>
+              <a:rPr lang="ko-KR" altLang="en-US" sz="3200" dirty="0"/>
+              <a:t>공격자</a:t>
+            </a:r>
+          </a:p>
+        </p:txBody>
+      </p:sp>
+      <p:pic>
+        <p:nvPicPr>
+          <p:cNvPr id="24" name="그림 23">
+            <a:extLst>
+              <a:ext uri="{FF2B5EF4-FFF2-40B4-BE49-F238E27FC236}">
+                <a16:creationId xmlns:a16="http://schemas.microsoft.com/office/drawing/2014/main" id="{490ED85A-6439-4F10-BC5B-D40AC15570C7}"/>
+              </a:ext>
+            </a:extLst>
+          </p:cNvPr>
+          <p:cNvPicPr>
+            <a:picLocks noChangeAspect="1"/>
+          </p:cNvPicPr>
+          <p:nvPr/>
+        </p:nvPicPr>
+        <p:blipFill>
+          <a:blip r:embed="rId5">
+            <a:extLst>
+              <a:ext uri="{28A0092B-C50C-407E-A947-70E740481C1C}">
+                <a14:useLocalDpi xmlns:a14="http://schemas.microsoft.com/office/drawing/2010/main" val="0"/>
+              </a:ext>
+            </a:extLst>
+          </a:blip>
+          <a:stretch>
+            <a:fillRect/>
+          </a:stretch>
+        </p:blipFill>
+        <p:spPr>
+          <a:xfrm>
+            <a:off x="7163208" y="6914206"/>
+            <a:ext cx="996391" cy="996391"/>
+          </a:xfrm>
+          <a:prstGeom prst="rect">
+            <a:avLst/>
+          </a:prstGeom>
+        </p:spPr>
+      </p:pic>
     </p:spTree>
     <p:extLst>
       <p:ext uri="{BB962C8B-B14F-4D97-AF65-F5344CB8AC3E}">
-        <p14:creationId xmlns:p14="http://schemas.microsoft.com/office/powerpoint/2010/main" val="2215300628"/>
+        <p14:creationId xmlns:p14="http://schemas.microsoft.com/office/powerpoint/2010/main" val="2704136055"/>
       </p:ext>
     </p:extLst>
   </p:cSld>
   <p:clrMapOvr>
     <a:masterClrMapping/>
   </p:clrMapOvr>
+  <p:timing>
+    <p:tnLst>
+      <p:par>
+        <p:cTn id="1" dur="indefinite" restart="never" nodeType="tmRoot">
+          <p:childTnLst>
+            <p:seq concurrent="1" nextAc="seek">
+              <p:cTn id="2" dur="indefinite" nodeType="mainSeq">
+                <p:childTnLst>
+                  <p:par>
+                    <p:cTn id="3" fill="hold">
+                      <p:stCondLst>
+                        <p:cond delay="indefinite"/>
+                      </p:stCondLst>
+                      <p:childTnLst>
+                        <p:par>
+                          <p:cTn id="4" fill="hold">
+                            <p:stCondLst>
+                              <p:cond delay="0"/>
+                            </p:stCondLst>
+                            <p:childTnLst>
+                              <p:par>
+                                <p:cTn id="5" presetID="10" presetClass="entr" presetSubtype="0" fill="hold" nodeType="clickEffect">
+                                  <p:stCondLst>
+                                    <p:cond delay="0"/>
+                                  </p:stCondLst>
+                                  <p:childTnLst>
+                                    <p:set>
+                                      <p:cBhvr>
+                                        <p:cTn id="6" dur="1" fill="hold">
+                                          <p:stCondLst>
+                                            <p:cond delay="0"/>
+                                          </p:stCondLst>
+                                        </p:cTn>
+                                        <p:tgtEl>
+                                          <p:spTgt spid="12"/>
+                                        </p:tgtEl>
+                                        <p:attrNameLst>
+                                          <p:attrName>style.visibility</p:attrName>
+                                        </p:attrNameLst>
+                                      </p:cBhvr>
+                                      <p:to>
+                                        <p:strVal val="visible"/>
+                                      </p:to>
+                                    </p:set>
+                                    <p:animEffect transition="in" filter="fade">
+                                      <p:cBhvr>
+                                        <p:cTn id="7" dur="500"/>
+                                        <p:tgtEl>
+                                          <p:spTgt spid="12"/>
+                                        </p:tgtEl>
+                                      </p:cBhvr>
+                                    </p:animEffect>
+                                  </p:childTnLst>
+                                </p:cTn>
+                              </p:par>
+                            </p:childTnLst>
+                          </p:cTn>
+                        </p:par>
+                      </p:childTnLst>
+                    </p:cTn>
+                  </p:par>
+                </p:childTnLst>
+              </p:cTn>
+              <p:prevCondLst>
+                <p:cond evt="onPrev" delay="0">
+                  <p:tgtEl>
+                    <p:sldTgt/>
+                  </p:tgtEl>
+                </p:cond>
+              </p:prevCondLst>
+              <p:nextCondLst>
+                <p:cond evt="onNext" delay="0">
+                  <p:tgtEl>
+                    <p:sldTgt/>
+                  </p:tgtEl>
+                </p:cond>
+              </p:nextCondLst>
+            </p:seq>
+          </p:childTnLst>
+        </p:cTn>
+      </p:par>
+    </p:tnLst>
+  </p:timing>
 </p:sld>
 </file>
 
@@ -3784,64 +4468,54 @@
       </p:grpSpPr>
       <p:sp>
         <p:nvSpPr>
-          <p:cNvPr id="4" name="직사각형 3">
+          <p:cNvPr id="5" name="제목 3">
             <a:extLst>
               <a:ext uri="{FF2B5EF4-FFF2-40B4-BE49-F238E27FC236}">
-                <a16:creationId xmlns:a16="http://schemas.microsoft.com/office/drawing/2014/main" id="{C02E11AF-2EC9-4AFB-8254-F7C9D40EBD61}"/>
+                <a16:creationId xmlns:a16="http://schemas.microsoft.com/office/drawing/2014/main" id="{783D8FE7-0BA4-4AB6-9AE9-D6D2E04172A6}"/>
               </a:ext>
             </a:extLst>
           </p:cNvPr>
-          <p:cNvSpPr/>
-          <p:nvPr/>
+          <p:cNvSpPr>
+            <a:spLocks noGrp="1"/>
+          </p:cNvSpPr>
+          <p:nvPr>
+            <p:ph type="title"/>
+          </p:nvPr>
         </p:nvSpPr>
         <p:spPr>
           <a:xfrm>
-            <a:off x="153734" y="386697"/>
-            <a:ext cx="4036503" cy="5706781"/>
+            <a:off x="540000" y="0"/>
+            <a:ext cx="5594902" cy="2494756"/>
           </a:xfrm>
-          <a:prstGeom prst="rect">
-            <a:avLst/>
-          </a:prstGeom>
-          <a:solidFill>
-            <a:schemeClr val="bg1"/>
-          </a:solidFill>
         </p:spPr>
-        <p:style>
-          <a:lnRef idx="2">
-            <a:schemeClr val="accent3">
-              <a:shade val="50000"/>
-            </a:schemeClr>
-          </a:lnRef>
-          <a:fillRef idx="1">
-            <a:schemeClr val="accent3"/>
-          </a:fillRef>
-          <a:effectRef idx="0">
-            <a:schemeClr val="accent3"/>
-          </a:effectRef>
-          <a:fontRef idx="minor">
-            <a:schemeClr val="lt1"/>
-          </a:fontRef>
-        </p:style>
-        <p:txBody>
-          <a:bodyPr rot="0" spcFirstLastPara="0" vertOverflow="overflow" horzOverflow="overflow" vert="horz" wrap="square" lIns="12191" tIns="6096" rIns="12191" bIns="6096" numCol="1" spcCol="0" rtlCol="0" fromWordArt="0" anchor="ctr" anchorCtr="0" forceAA="0" compatLnSpc="1">
-            <a:prstTxWarp prst="textNoShape">
-              <a:avLst/>
-            </a:prstTxWarp>
-            <a:noAutofit/>
+        <p:txBody>
+          <a:bodyPr>
+            <a:normAutofit/>
           </a:bodyPr>
           <a:lstStyle/>
           <a:p>
-            <a:pPr algn="ctr"/>
-            <a:endParaRPr lang="ko-KR" altLang="en-US" sz="100" dirty="0"/>
-          </a:p>
-        </p:txBody>
-      </p:sp>
-      <p:sp>
-        <p:nvSpPr>
-          <p:cNvPr id="2" name="TextBox 1">
+            <a:r>
+              <a:rPr lang="en-US" altLang="ko-KR" sz="6600" dirty="0"/>
+              <a:t>3.</a:t>
+            </a:r>
+            <a:r>
+              <a:rPr lang="ko-KR" altLang="en-US" sz="6600" dirty="0"/>
+              <a:t> 탐지 배경 </a:t>
+            </a:r>
+            <a:r>
+              <a:rPr lang="en-US" altLang="ko-KR" sz="6600" dirty="0"/>
+              <a:t>1</a:t>
+            </a:r>
+            <a:endParaRPr lang="ko-KR" altLang="en-US" sz="6600" dirty="0"/>
+          </a:p>
+        </p:txBody>
+      </p:sp>
+      <p:sp>
+        <p:nvSpPr>
+          <p:cNvPr id="7" name="TextBox 6">
             <a:extLst>
               <a:ext uri="{FF2B5EF4-FFF2-40B4-BE49-F238E27FC236}">
-                <a16:creationId xmlns:a16="http://schemas.microsoft.com/office/drawing/2014/main" id="{578CE8D4-D04C-4796-8F7E-24FE5168DD0A}"/>
+                <a16:creationId xmlns:a16="http://schemas.microsoft.com/office/drawing/2014/main" id="{75CF8C13-AC0B-4E27-BE90-A8D928CAAE6C}"/>
               </a:ext>
             </a:extLst>
           </p:cNvPr>
@@ -3850,8 +4524,8 @@
         </p:nvSpPr>
         <p:spPr>
           <a:xfrm>
-            <a:off x="774640" y="461701"/>
-            <a:ext cx="2770310" cy="814710"/>
+            <a:off x="1431244" y="2902744"/>
+            <a:ext cx="12256880" cy="1323439"/>
           </a:xfrm>
           <a:prstGeom prst="rect">
             <a:avLst/>
@@ -3859,76 +4533,104 @@
           <a:noFill/>
         </p:spPr>
         <p:txBody>
-          <a:bodyPr wrap="none" rtlCol="0">
+          <a:bodyPr wrap="square" rtlCol="0">
             <a:spAutoFit/>
           </a:bodyPr>
           <a:lstStyle/>
           <a:p>
             <a:pPr algn="ctr"/>
             <a:r>
-              <a:rPr lang="ko-KR" altLang="en-US" sz="1280" b="1" dirty="0"/>
-              <a:t>트래픽 분석을 통한 네트워크 장비 </a:t>
-            </a:r>
-            <a:endParaRPr lang="en-US" altLang="ko-KR" sz="1280" b="1" dirty="0"/>
+              <a:rPr lang="ko-KR" altLang="en-US" sz="4000" dirty="0"/>
+              <a:t>라우터를 경유하는 트래픽 상태를 모니터링 하기 위해 </a:t>
+            </a:r>
+            <a:endParaRPr lang="en-US" altLang="ko-KR" sz="4000" dirty="0"/>
           </a:p>
           <a:p>
             <a:pPr algn="ctr"/>
             <a:r>
-              <a:rPr lang="ko-KR" altLang="en-US" sz="1280" b="1" dirty="0"/>
-              <a:t>이상 행위 탐지 기술</a:t>
-            </a:r>
-            <a:br>
-              <a:rPr lang="en-US" altLang="ko-KR" sz="1280" b="1" dirty="0"/>
-            </a:br>
-            <a:r>
-              <a:rPr lang="ko-KR" altLang="en-US" sz="587" b="1" dirty="0"/>
+              <a:rPr lang="en-US" altLang="ko-KR" sz="4000" dirty="0"/>
+              <a:t>SNMP(</a:t>
+            </a:r>
+            <a:r>
+              <a:rPr lang="en-US" altLang="ko-KR" sz="2800" dirty="0"/>
+              <a:t>Simple Network Management Protocol</a:t>
+            </a:r>
+            <a:r>
+              <a:rPr lang="en-US" altLang="ko-KR" sz="4000" dirty="0"/>
+              <a:t>)</a:t>
+            </a:r>
+            <a:r>
+              <a:rPr lang="ko-KR" altLang="en-US" sz="4000" dirty="0"/>
+              <a:t>을</a:t>
+            </a:r>
+            <a:r>
+              <a:rPr lang="en-US" altLang="ko-KR" sz="4000" dirty="0"/>
               <a:t> </a:t>
             </a:r>
-            <a:endParaRPr lang="en-US" altLang="ko-KR" sz="587" b="1" dirty="0"/>
-          </a:p>
-          <a:p>
-            <a:pPr algn="ctr"/>
-            <a:r>
-              <a:rPr lang="ko-KR" altLang="en-US" sz="960" dirty="0"/>
-              <a:t>정동호</a:t>
-            </a:r>
-            <a:r>
-              <a:rPr lang="en-US" altLang="ko-KR" sz="960" dirty="0"/>
-              <a:t>( </a:t>
-            </a:r>
-            <a:r>
-              <a:rPr lang="ko-KR" altLang="en-US" sz="960" dirty="0"/>
-              <a:t>광운대학교 컴퓨터 공학과</a:t>
-            </a:r>
-            <a:r>
-              <a:rPr lang="en-US" altLang="ko-KR" sz="960" dirty="0"/>
-              <a:t> ), </a:t>
-            </a:r>
-            <a:r>
-              <a:rPr lang="ko-KR" altLang="en-US" sz="960" dirty="0" err="1"/>
-              <a:t>신영주</a:t>
-            </a:r>
-            <a:r>
-              <a:rPr lang="en-US" altLang="ko-KR" sz="960" dirty="0"/>
-              <a:t>()</a:t>
-            </a:r>
-            <a:br>
-              <a:rPr lang="en-US" altLang="ko-KR" sz="960" dirty="0"/>
-            </a:br>
-            <a:r>
-              <a:rPr lang="en-US" altLang="ko-KR" sz="587" dirty="0"/>
-              <a:t>dongho971220@gmail.com, yjshin@kw.ac.kr</a:t>
-            </a:r>
-            <a:endParaRPr lang="ko-KR" altLang="en-US" sz="587" dirty="0"/>
-          </a:p>
-        </p:txBody>
-      </p:sp>
-      <p:sp>
-        <p:nvSpPr>
-          <p:cNvPr id="3" name="TextBox 2">
+            <a:r>
+              <a:rPr lang="ko-KR" altLang="en-US" sz="4000" dirty="0"/>
+              <a:t>사용한다</a:t>
+            </a:r>
+            <a:r>
+              <a:rPr lang="en-US" altLang="ko-KR" sz="4000" dirty="0"/>
+              <a:t>.</a:t>
+            </a:r>
+          </a:p>
+        </p:txBody>
+      </p:sp>
+      <p:pic>
+        <p:nvPicPr>
+          <p:cNvPr id="2050" name="Picture 2" descr="maxresdefault.jpg (1920×1080)">
             <a:extLst>
               <a:ext uri="{FF2B5EF4-FFF2-40B4-BE49-F238E27FC236}">
-                <a16:creationId xmlns:a16="http://schemas.microsoft.com/office/drawing/2014/main" id="{C555BE5C-5DC4-4560-BF10-59EE93922FBB}"/>
+                <a16:creationId xmlns:a16="http://schemas.microsoft.com/office/drawing/2014/main" id="{7B6D5EBB-C6E1-4CF5-83C4-EAF1DE416A9E}"/>
+              </a:ext>
+            </a:extLst>
+          </p:cNvPr>
+          <p:cNvPicPr>
+            <a:picLocks noChangeAspect="1" noChangeArrowheads="1"/>
+          </p:cNvPicPr>
+          <p:nvPr/>
+        </p:nvPicPr>
+        <p:blipFill>
+          <a:blip r:embed="rId2">
+            <a:extLst>
+              <a:ext uri="{28A0092B-C50C-407E-A947-70E740481C1C}">
+                <a14:useLocalDpi xmlns:a14="http://schemas.microsoft.com/office/drawing/2010/main" val="0"/>
+              </a:ext>
+            </a:extLst>
+          </a:blip>
+          <a:srcRect/>
+          <a:stretch>
+            <a:fillRect/>
+          </a:stretch>
+        </p:blipFill>
+        <p:spPr bwMode="auto">
+          <a:xfrm>
+            <a:off x="376407" y="4226183"/>
+            <a:ext cx="6481593" cy="4329473"/>
+          </a:xfrm>
+          <a:prstGeom prst="rect">
+            <a:avLst/>
+          </a:prstGeom>
+          <a:noFill/>
+          <a:extLst>
+            <a:ext uri="{909E8E84-426E-40DD-AFC4-6F175D3DCCD1}">
+              <a14:hiddenFill xmlns:a14="http://schemas.microsoft.com/office/drawing/2010/main">
+                <a:solidFill>
+                  <a:srgbClr val="FFFFFF"/>
+                </a:solidFill>
+              </a14:hiddenFill>
+            </a:ext>
+          </a:extLst>
+        </p:spPr>
+      </p:pic>
+      <p:sp>
+        <p:nvSpPr>
+          <p:cNvPr id="9" name="TextBox 8">
+            <a:extLst>
+              <a:ext uri="{FF2B5EF4-FFF2-40B4-BE49-F238E27FC236}">
+                <a16:creationId xmlns:a16="http://schemas.microsoft.com/office/drawing/2014/main" id="{43A2A134-461B-4C53-8598-AAA7ADDBAEB3}"/>
               </a:ext>
             </a:extLst>
           </p:cNvPr>
@@ -3937,8 +4639,8 @@
         </p:nvSpPr>
         <p:spPr>
           <a:xfrm>
-            <a:off x="-1219110" y="1269797"/>
-            <a:ext cx="579005" cy="272832"/>
+            <a:off x="6636327" y="4561076"/>
+            <a:ext cx="8483023" cy="5016758"/>
           </a:xfrm>
           <a:prstGeom prst="rect">
             <a:avLst/>
@@ -3946,29 +4648,176 @@
           <a:noFill/>
         </p:spPr>
         <p:txBody>
-          <a:bodyPr wrap="none" rtlCol="0">
+          <a:bodyPr wrap="square" rtlCol="0">
             <a:spAutoFit/>
           </a:bodyPr>
           <a:lstStyle/>
           <a:p>
             <a:r>
-              <a:rPr lang="ko-KR" altLang="en-US" sz="1173"/>
-              <a:t>목적</a:t>
-            </a:r>
-            <a:r>
-              <a:rPr lang="en-US" altLang="ko-KR" sz="1173"/>
+              <a:rPr lang="en-US" altLang="ko-KR" sz="3200" dirty="0">
+                <a:solidFill>
+                  <a:srgbClr val="FF0000"/>
+                </a:solidFill>
+              </a:rPr>
+              <a:t>SNMP</a:t>
+            </a:r>
+            <a:r>
+              <a:rPr lang="ko-KR" altLang="en-US" sz="3200" dirty="0">
+                <a:solidFill>
+                  <a:srgbClr val="FF0000"/>
+                </a:solidFill>
+              </a:rPr>
+              <a:t>는 네트워크를 관리하기 위한 프로토콜</a:t>
+            </a:r>
+            <a:r>
+              <a:rPr lang="ko-KR" altLang="en-US" sz="3200" dirty="0"/>
+              <a:t>로 상태 모니터링</a:t>
+            </a:r>
+            <a:r>
+              <a:rPr lang="en-US" altLang="ko-KR" sz="3200" dirty="0"/>
               <a:t>, </a:t>
             </a:r>
-            <a:endParaRPr lang="ko-KR" altLang="en-US" sz="1173" dirty="0"/>
-          </a:p>
-        </p:txBody>
-      </p:sp>
-      <p:sp>
-        <p:nvSpPr>
-          <p:cNvPr id="5" name="사각형: 둥근 모서리 4">
+            <a:r>
+              <a:rPr lang="ko-KR" altLang="en-US" sz="3200" dirty="0"/>
+              <a:t>제어 등 다양한 기능을 </a:t>
+            </a:r>
+            <a:r>
+              <a:rPr lang="en-US" altLang="ko-KR" sz="3200" dirty="0"/>
+              <a:t> MIB(</a:t>
+            </a:r>
+            <a:r>
+              <a:rPr lang="en-US" altLang="ko-KR" sz="2000" dirty="0"/>
+              <a:t>Management </a:t>
+            </a:r>
+            <a:r>
+              <a:rPr lang="en-US" altLang="ko-KR" sz="2000" dirty="0" err="1"/>
+              <a:t>Inforamation</a:t>
+            </a:r>
+            <a:r>
+              <a:rPr lang="en-US" altLang="ko-KR" sz="2000" dirty="0"/>
+              <a:t> Base</a:t>
+            </a:r>
+            <a:r>
+              <a:rPr lang="en-US" altLang="ko-KR" sz="3200" dirty="0"/>
+              <a:t>)</a:t>
+            </a:r>
+            <a:r>
+              <a:rPr lang="ko-KR" altLang="en-US" sz="3200" dirty="0"/>
+              <a:t>를 통해 제공한다</a:t>
+            </a:r>
+            <a:r>
+              <a:rPr lang="en-US" altLang="ko-KR" sz="3200" dirty="0"/>
+              <a:t>.</a:t>
+            </a:r>
+          </a:p>
+          <a:p>
+            <a:endParaRPr lang="en-US" altLang="ko-KR" sz="3200" dirty="0"/>
+          </a:p>
+          <a:p>
+            <a:r>
+              <a:rPr lang="ko-KR" altLang="en-US" sz="3200" dirty="0" err="1"/>
+              <a:t>여기선</a:t>
+            </a:r>
+            <a:r>
+              <a:rPr lang="ko-KR" altLang="en-US" sz="3200" dirty="0"/>
+              <a:t> 인터페이스별 트래픽을 모니터링 하므로 </a:t>
+            </a:r>
+            <a:endParaRPr lang="en-US" altLang="ko-KR" sz="3200" dirty="0"/>
+          </a:p>
+          <a:p>
+            <a:r>
+              <a:rPr lang="en-US" altLang="ko-KR" sz="3200" dirty="0"/>
+              <a:t>IF-MIB</a:t>
+            </a:r>
+            <a:r>
+              <a:rPr lang="ko-KR" altLang="en-US" sz="3200" dirty="0"/>
+              <a:t>의 </a:t>
+            </a:r>
+            <a:r>
+              <a:rPr lang="en-US" altLang="ko-KR" sz="3200" dirty="0"/>
+              <a:t>OID(</a:t>
+            </a:r>
+            <a:r>
+              <a:rPr lang="en-US" altLang="ko-KR" sz="2000" dirty="0"/>
+              <a:t>Object Ids</a:t>
+            </a:r>
+            <a:r>
+              <a:rPr lang="en-US" altLang="ko-KR" sz="3200" dirty="0"/>
+              <a:t>) </a:t>
+            </a:r>
+            <a:r>
+              <a:rPr lang="ko-KR" altLang="en-US" sz="3200" dirty="0"/>
+              <a:t>밑 </a:t>
+            </a:r>
+            <a:r>
+              <a:rPr lang="en-US" altLang="ko-KR" sz="3200" dirty="0"/>
+              <a:t>1.3.6.1.2.1.2.2.1</a:t>
+            </a:r>
+          </a:p>
+          <a:p>
+            <a:r>
+              <a:rPr lang="ko-KR" altLang="en-US" sz="3200" dirty="0"/>
+              <a:t>에 존재하는 </a:t>
+            </a:r>
+            <a:r>
+              <a:rPr lang="en-US" altLang="ko-KR" sz="2400" dirty="0" err="1"/>
+              <a:t>InUpkt</a:t>
+            </a:r>
+            <a:r>
+              <a:rPr lang="en-US" altLang="ko-KR" sz="2400" dirty="0"/>
+              <a:t>, </a:t>
+            </a:r>
+            <a:r>
+              <a:rPr lang="en-US" altLang="ko-KR" sz="2400" dirty="0" err="1"/>
+              <a:t>OutUpkt</a:t>
+            </a:r>
+            <a:r>
+              <a:rPr lang="en-US" altLang="ko-KR" sz="2400" dirty="0"/>
+              <a:t>, </a:t>
+            </a:r>
+            <a:r>
+              <a:rPr lang="en-US" altLang="ko-KR" sz="2400" dirty="0" err="1"/>
+              <a:t>InOctet</a:t>
+            </a:r>
+            <a:r>
+              <a:rPr lang="en-US" altLang="ko-KR" sz="2400" dirty="0"/>
+              <a:t>, </a:t>
+            </a:r>
+            <a:r>
+              <a:rPr lang="en-US" altLang="ko-KR" sz="2400" dirty="0" err="1"/>
+              <a:t>OutOctet</a:t>
+            </a:r>
+            <a:r>
+              <a:rPr lang="ko-KR" altLang="en-US" sz="3200" dirty="0"/>
+              <a:t>를</a:t>
+            </a:r>
+            <a:endParaRPr lang="en-US" altLang="ko-KR" sz="3200" dirty="0"/>
+          </a:p>
+          <a:p>
+            <a:r>
+              <a:rPr lang="ko-KR" altLang="en-US" sz="3200" dirty="0"/>
+              <a:t>대상으로 실험을 진행하였다</a:t>
+            </a:r>
+            <a:r>
+              <a:rPr lang="en-US" altLang="ko-KR" sz="3200" dirty="0"/>
+              <a:t>.</a:t>
+            </a:r>
+            <a:endParaRPr lang="en-US" altLang="ko-KR" dirty="0"/>
+          </a:p>
+          <a:p>
+            <a:endParaRPr lang="en-US" altLang="ko-KR" sz="3200" dirty="0"/>
+          </a:p>
+          <a:p>
+            <a:endParaRPr lang="en-US" altLang="ko-KR" sz="3200" dirty="0"/>
+          </a:p>
+        </p:txBody>
+      </p:sp>
+      <p:sp>
+        <p:nvSpPr>
+          <p:cNvPr id="10" name="직사각형 9">
             <a:extLst>
               <a:ext uri="{FF2B5EF4-FFF2-40B4-BE49-F238E27FC236}">
-                <a16:creationId xmlns:a16="http://schemas.microsoft.com/office/drawing/2014/main" id="{188508EB-9069-4AD8-AFF9-E64111C6ACB7}"/>
+                <a16:creationId xmlns:a16="http://schemas.microsoft.com/office/drawing/2014/main" id="{4DDD5E4F-1415-4F73-BEF1-3CE827DD7EF7}"/>
               </a:ext>
             </a:extLst>
           </p:cNvPr>
@@ -3977,288 +4826,91 @@
         </p:nvSpPr>
         <p:spPr>
           <a:xfrm>
-            <a:off x="243822" y="1269797"/>
-            <a:ext cx="1247557" cy="2276253"/>
-          </a:xfrm>
-          <a:prstGeom prst="roundRect">
-            <a:avLst/>
-          </a:prstGeom>
-          <a:ln w="76200">
-            <a:solidFill>
-              <a:schemeClr val="tx1"/>
-            </a:solidFill>
-          </a:ln>
-        </p:spPr>
-        <p:style>
-          <a:lnRef idx="2">
-            <a:schemeClr val="accent6"/>
-          </a:lnRef>
-          <a:fillRef idx="1">
-            <a:schemeClr val="lt1"/>
-          </a:fillRef>
-          <a:effectRef idx="0">
-            <a:schemeClr val="accent6"/>
-          </a:effectRef>
-          <a:fontRef idx="minor">
-            <a:schemeClr val="dk1"/>
-          </a:fontRef>
-        </p:style>
-        <p:txBody>
-          <a:bodyPr rot="0" spcFirstLastPara="0" vertOverflow="overflow" horzOverflow="overflow" vert="horz" wrap="square" lIns="4800" tIns="0" rIns="4800" bIns="0" numCol="1" spcCol="0" rtlCol="0" fromWordArt="0" anchor="b" anchorCtr="0" forceAA="0" compatLnSpc="1">
-            <a:prstTxWarp prst="textNoShape">
-              <a:avLst/>
-            </a:prstTxWarp>
-            <a:noAutofit/>
-          </a:bodyPr>
-          <a:lstStyle/>
-          <a:p>
-            <a:pPr fontAlgn="base" latinLnBrk="1"/>
-            <a:r>
-              <a:rPr lang="en-US" altLang="ko-KR" sz="427" dirty="0"/>
-              <a:t>	</a:t>
-            </a:r>
-            <a:r>
-              <a:rPr lang="ko-KR" altLang="en-US" sz="427" dirty="0"/>
-              <a:t>기하급수적으로 발전하는 네트워크는 현대 사회에 필수적인 존재가 되었다</a:t>
-            </a:r>
-            <a:r>
-              <a:rPr lang="en-US" altLang="ko-KR" sz="427" dirty="0"/>
-              <a:t>. </a:t>
-            </a:r>
-            <a:r>
-              <a:rPr lang="ko-KR" altLang="en-US" sz="427" dirty="0"/>
-              <a:t>따라서 개인의 생각</a:t>
-            </a:r>
-            <a:r>
-              <a:rPr lang="en-US" altLang="ko-KR" sz="427" dirty="0"/>
-              <a:t>, </a:t>
-            </a:r>
-            <a:r>
-              <a:rPr lang="ko-KR" altLang="en-US" sz="427" dirty="0"/>
-              <a:t>계획</a:t>
-            </a:r>
-            <a:r>
-              <a:rPr lang="en-US" altLang="ko-KR" sz="427" dirty="0"/>
-              <a:t>, </a:t>
-            </a:r>
-            <a:r>
-              <a:rPr lang="ko-KR" altLang="en-US" sz="427" dirty="0"/>
-              <a:t>사상이나 조직 간의 기밀</a:t>
-            </a:r>
-            <a:r>
-              <a:rPr lang="en-US" altLang="ko-KR" sz="427" dirty="0"/>
-              <a:t>, </a:t>
-            </a:r>
-            <a:r>
-              <a:rPr lang="ko-KR" altLang="en-US" sz="427" dirty="0"/>
-              <a:t>중요한 내용 또한 네트워크를 통해 흐를 수 있으며 본 논문에서 제기하는 문제는 이전부터 제기되어 왔던 소위 빅 </a:t>
-            </a:r>
-            <a:r>
-              <a:rPr lang="ko-KR" altLang="en-US" sz="427" dirty="0" err="1"/>
-              <a:t>브라더라</a:t>
-            </a:r>
-            <a:r>
-              <a:rPr lang="ko-KR" altLang="en-US" sz="427" dirty="0"/>
-              <a:t> 불리는 국가의 감시이다</a:t>
-            </a:r>
-            <a:r>
-              <a:rPr lang="en-US" altLang="ko-KR" sz="427" dirty="0"/>
-              <a:t>. </a:t>
-            </a:r>
-            <a:r>
-              <a:rPr lang="ko-KR" altLang="en-US" sz="427" dirty="0"/>
-              <a:t>이는 </a:t>
-            </a:r>
-            <a:r>
-              <a:rPr lang="en-US" altLang="ko-KR" sz="427" dirty="0"/>
-              <a:t>2013</a:t>
-            </a:r>
-            <a:r>
-              <a:rPr lang="ko-KR" altLang="en-US" sz="427" dirty="0"/>
-              <a:t>년 </a:t>
-            </a:r>
-            <a:r>
-              <a:rPr lang="en-US" altLang="ko-KR" sz="427" dirty="0"/>
-              <a:t>6</a:t>
-            </a:r>
-            <a:r>
-              <a:rPr lang="ko-KR" altLang="en-US" sz="427" dirty="0"/>
-              <a:t>월 </a:t>
-            </a:r>
-            <a:r>
-              <a:rPr lang="en-US" altLang="ko-KR" sz="427" dirty="0"/>
-              <a:t>NSA(National Security Agency)</a:t>
-            </a:r>
-            <a:r>
-              <a:rPr lang="ko-KR" altLang="en-US" sz="427" dirty="0"/>
-              <a:t>와 </a:t>
-            </a:r>
-            <a:r>
-              <a:rPr lang="en-US" altLang="ko-KR" sz="427" dirty="0"/>
-              <a:t>GCHQ(Government Communications Headquarters)</a:t>
-            </a:r>
-            <a:r>
-              <a:rPr lang="ko-KR" altLang="en-US" sz="427" dirty="0"/>
-              <a:t>등의 정보기관들이 전 세계 통화기록과 인터넷 사용정보 등의 개인 정보를 </a:t>
-            </a:r>
-            <a:r>
-              <a:rPr lang="en-US" altLang="ko-KR" sz="427" dirty="0"/>
-              <a:t>PRISM</a:t>
-            </a:r>
-            <a:r>
-              <a:rPr lang="ko-KR" altLang="en-US" sz="427" dirty="0"/>
-              <a:t>이라는 프로그램을 통해 무차별 수집 및 사찰해온 사실이 폭로된 사례로 확인할 수 있다</a:t>
-            </a:r>
-            <a:r>
-              <a:rPr lang="en-US" altLang="ko-KR" sz="427" dirty="0"/>
-              <a:t>.</a:t>
-            </a:r>
-            <a:endParaRPr lang="ko-KR" altLang="en-US" sz="427" dirty="0"/>
-          </a:p>
-          <a:p>
-            <a:pPr fontAlgn="base" latinLnBrk="1"/>
-            <a:r>
-              <a:rPr lang="en-US" altLang="ko-KR" sz="427" dirty="0"/>
-              <a:t>	</a:t>
-            </a:r>
-            <a:r>
-              <a:rPr lang="ko-KR" altLang="en-US" sz="427" dirty="0"/>
-              <a:t>이처럼 국가나 어떤 집단에 의해 네트워크가 도청될 수 있다는 것은 큰 문제이다</a:t>
-            </a:r>
-            <a:r>
-              <a:rPr lang="en-US" altLang="ko-KR" sz="427" dirty="0"/>
-              <a:t>. </a:t>
-            </a:r>
-            <a:r>
-              <a:rPr lang="ko-KR" altLang="en-US" sz="427" dirty="0"/>
-              <a:t>그러므로 이를 해결하기 위해 라우터 상에서 동작하는 백도어를 탐지하는 것이 이번 연구의 궁극적인 목표이다</a:t>
-            </a:r>
-            <a:r>
-              <a:rPr lang="en-US" altLang="ko-KR" sz="427" dirty="0"/>
-              <a:t>. </a:t>
-            </a:r>
-            <a:r>
-              <a:rPr lang="ko-KR" altLang="en-US" sz="427" dirty="0"/>
-              <a:t>라우터에 숨어있는 백도어를 탐지하기 위해 여기서는 </a:t>
-            </a:r>
-            <a:r>
-              <a:rPr lang="en-US" altLang="ko-KR" sz="427" dirty="0"/>
-              <a:t>SNMP </a:t>
-            </a:r>
-            <a:r>
-              <a:rPr lang="ko-KR" altLang="en-US" sz="427" dirty="0"/>
-              <a:t>프로토콜을 활용하여 라우터 인터페이스 간 흐르는 트래픽을 분석해 백도어를 식별하는 동적인 접근 방법을 택하였다</a:t>
-            </a:r>
-            <a:r>
-              <a:rPr lang="en-US" altLang="ko-KR" sz="427" dirty="0"/>
-              <a:t>.</a:t>
-            </a:r>
-            <a:endParaRPr lang="ko-KR" altLang="en-US" sz="427" dirty="0"/>
-          </a:p>
-          <a:p>
-            <a:pPr fontAlgn="base" latinLnBrk="1"/>
-            <a:r>
-              <a:rPr lang="en-US" altLang="ko-KR" sz="427" dirty="0"/>
-              <a:t>	</a:t>
-            </a:r>
-            <a:r>
-              <a:rPr lang="ko-KR" altLang="en-US" sz="427" dirty="0"/>
-              <a:t>정상적인 라우터라면 인풋과 아웃풋이 크게 차이 나지 않겠지만 도청을 위한 라우터의 경우 모든 트래픽을 수용할 수 없으므로 주기적으로 이를 어딘가로 내보내거나 실시간으로 </a:t>
-            </a:r>
-            <a:r>
-              <a:rPr lang="ko-KR" altLang="en-US" sz="427" dirty="0" err="1"/>
-              <a:t>미러링</a:t>
-            </a:r>
-            <a:r>
-              <a:rPr lang="ko-KR" altLang="en-US" sz="427" dirty="0"/>
-              <a:t> 해야 한다</a:t>
-            </a:r>
-            <a:r>
-              <a:rPr lang="en-US" altLang="ko-KR" sz="427" dirty="0"/>
-              <a:t>. </a:t>
-            </a:r>
-            <a:r>
-              <a:rPr lang="ko-KR" altLang="en-US" sz="427" dirty="0"/>
-              <a:t>이 때 인풋과 </a:t>
-            </a:r>
-            <a:r>
-              <a:rPr lang="ko-KR" altLang="en-US" sz="427" dirty="0" err="1"/>
-              <a:t>아웃풋값에</a:t>
-            </a:r>
-            <a:r>
-              <a:rPr lang="ko-KR" altLang="en-US" sz="427" dirty="0"/>
-              <a:t> 특정 패턴이 나타날 것이라 예상하고 실험을 진행하였다</a:t>
-            </a:r>
-            <a:r>
-              <a:rPr lang="en-US" altLang="ko-KR" sz="427" dirty="0"/>
-              <a:t>.</a:t>
-            </a:r>
-            <a:endParaRPr lang="ko-KR" altLang="en-US" sz="427" dirty="0"/>
-          </a:p>
-        </p:txBody>
-      </p:sp>
-      <p:sp>
-        <p:nvSpPr>
-          <p:cNvPr id="6" name="직사각형 5">
-            <a:extLst>
-              <a:ext uri="{FF2B5EF4-FFF2-40B4-BE49-F238E27FC236}">
-                <a16:creationId xmlns:a16="http://schemas.microsoft.com/office/drawing/2014/main" id="{239B2AE1-8ECD-4B1A-93CF-EA1CBCAC775A}"/>
-              </a:ext>
-            </a:extLst>
-          </p:cNvPr>
-          <p:cNvSpPr/>
-          <p:nvPr/>
-        </p:nvSpPr>
-        <p:spPr>
-          <a:xfrm>
-            <a:off x="460275" y="1317462"/>
-            <a:ext cx="794413" cy="225183"/>
+            <a:off x="1611354" y="8890550"/>
+            <a:ext cx="8157993" cy="1569660"/>
           </a:xfrm>
           <a:prstGeom prst="rect">
             <a:avLst/>
           </a:prstGeom>
         </p:spPr>
-        <p:style>
-          <a:lnRef idx="2">
-            <a:schemeClr val="accent4">
-              <a:shade val="50000"/>
-            </a:schemeClr>
-          </a:lnRef>
-          <a:fillRef idx="1">
-            <a:schemeClr val="accent4"/>
-          </a:fillRef>
-          <a:effectRef idx="0">
-            <a:schemeClr val="accent4"/>
-          </a:effectRef>
-          <a:fontRef idx="minor">
-            <a:schemeClr val="lt1"/>
-          </a:fontRef>
-        </p:style>
-        <p:txBody>
-          <a:bodyPr rot="0" spcFirstLastPara="0" vertOverflow="overflow" horzOverflow="overflow" vert="horz" wrap="square" lIns="12191" tIns="6096" rIns="12191" bIns="6096" numCol="1" spcCol="0" rtlCol="0" fromWordArt="0" anchor="ctr" anchorCtr="0" forceAA="0" compatLnSpc="1">
-            <a:prstTxWarp prst="textNoShape">
-              <a:avLst/>
-            </a:prstTxWarp>
-            <a:noAutofit/>
+        <p:txBody>
+          <a:bodyPr wrap="square">
+            <a:spAutoFit/>
           </a:bodyPr>
           <a:lstStyle/>
           <a:p>
-            <a:pPr algn="ctr"/>
-            <a:r>
-              <a:rPr lang="en-US" altLang="ko-KR" sz="880" b="1" dirty="0">
+            <a:pPr lvl="0"/>
+            <a:r>
+              <a:rPr lang="en-US" altLang="ko-KR" sz="3200" dirty="0">
                 <a:solidFill>
-                  <a:schemeClr val="tx1"/>
+                  <a:prstClr val="black"/>
                 </a:solidFill>
               </a:rPr>
-              <a:t>Ⅰ. </a:t>
-            </a:r>
-            <a:r>
-              <a:rPr lang="ko-KR" altLang="en-US" sz="880" b="1" dirty="0">
+              <a:t>SNMP</a:t>
+            </a:r>
+            <a:r>
+              <a:rPr lang="ko-KR" altLang="en-US" sz="3200" dirty="0">
                 <a:solidFill>
-                  <a:schemeClr val="tx1"/>
+                  <a:prstClr val="black"/>
                 </a:solidFill>
               </a:rPr>
-              <a:t>서 론</a:t>
+              <a:t>에는 여러 버전이 있지만 본 논문에서는 최신 버전인 </a:t>
+            </a:r>
+            <a:r>
+              <a:rPr lang="en-US" altLang="ko-KR" sz="3200" dirty="0">
+                <a:solidFill>
+                  <a:prstClr val="black"/>
+                </a:solidFill>
+              </a:rPr>
+              <a:t>v3</a:t>
+            </a:r>
+            <a:r>
+              <a:rPr lang="ko-KR" altLang="en-US" sz="3200" dirty="0">
+                <a:solidFill>
+                  <a:prstClr val="black"/>
+                </a:solidFill>
+              </a:rPr>
+              <a:t>에 보안 수준은 </a:t>
+            </a:r>
+            <a:r>
+              <a:rPr lang="en-US" altLang="ko-KR" sz="3200" dirty="0" err="1">
+                <a:solidFill>
+                  <a:prstClr val="black"/>
+                </a:solidFill>
+              </a:rPr>
+              <a:t>authPriv</a:t>
+            </a:r>
+            <a:r>
+              <a:rPr lang="ko-KR" altLang="en-US" sz="3200" dirty="0">
+                <a:solidFill>
+                  <a:prstClr val="black"/>
+                </a:solidFill>
+              </a:rPr>
+              <a:t>를</a:t>
+            </a:r>
+            <a:endParaRPr lang="en-US" altLang="ko-KR" sz="3200" dirty="0">
+              <a:solidFill>
+                <a:prstClr val="black"/>
+              </a:solidFill>
+            </a:endParaRPr>
+          </a:p>
+          <a:p>
+            <a:pPr lvl="0"/>
+            <a:r>
+              <a:rPr lang="ko-KR" altLang="en-US" sz="3200" dirty="0">
+                <a:solidFill>
+                  <a:prstClr val="black"/>
+                </a:solidFill>
+              </a:rPr>
+              <a:t>사용하여 실험을 진행하였다</a:t>
+            </a:r>
+            <a:r>
+              <a:rPr lang="en-US" altLang="ko-KR" sz="3200" dirty="0">
+                <a:solidFill>
+                  <a:prstClr val="black"/>
+                </a:solidFill>
+              </a:rPr>
+              <a:t>.</a:t>
             </a:r>
           </a:p>
         </p:txBody>
@@ -4266,7 +4918,7 @@
     </p:spTree>
     <p:extLst>
       <p:ext uri="{BB962C8B-B14F-4D97-AF65-F5344CB8AC3E}">
-        <p14:creationId xmlns:p14="http://schemas.microsoft.com/office/powerpoint/2010/main" val="2800121099"/>
+        <p14:creationId xmlns:p14="http://schemas.microsoft.com/office/powerpoint/2010/main" val="4036577469"/>
       </p:ext>
     </p:extLst>
   </p:cSld>
@@ -4295,1352 +4947,10 @@
       </p:grpSpPr>
       <p:sp>
         <p:nvSpPr>
-          <p:cNvPr id="4" name="직사각형 3">
+          <p:cNvPr id="5" name="Rectangle 2">
             <a:extLst>
               <a:ext uri="{FF2B5EF4-FFF2-40B4-BE49-F238E27FC236}">
-                <a16:creationId xmlns:a16="http://schemas.microsoft.com/office/drawing/2014/main" id="{5C4C4846-BCE3-4812-B577-130490F12A55}"/>
-              </a:ext>
-            </a:extLst>
-          </p:cNvPr>
-          <p:cNvSpPr/>
-          <p:nvPr/>
-        </p:nvSpPr>
-        <p:spPr>
-          <a:xfrm>
-            <a:off x="1151868" y="224845"/>
-            <a:ext cx="2015852" cy="1425495"/>
-          </a:xfrm>
-          <a:prstGeom prst="rect">
-            <a:avLst/>
-          </a:prstGeom>
-          <a:solidFill>
-            <a:schemeClr val="bg1"/>
-          </a:solidFill>
-        </p:spPr>
-        <p:style>
-          <a:lnRef idx="2">
-            <a:schemeClr val="accent1">
-              <a:shade val="50000"/>
-            </a:schemeClr>
-          </a:lnRef>
-          <a:fillRef idx="1">
-            <a:schemeClr val="accent1"/>
-          </a:fillRef>
-          <a:effectRef idx="0">
-            <a:schemeClr val="accent1"/>
-          </a:effectRef>
-          <a:fontRef idx="minor">
-            <a:schemeClr val="lt1"/>
-          </a:fontRef>
-        </p:style>
-        <p:txBody>
-          <a:bodyPr rot="0" spcFirstLastPara="0" vertOverflow="overflow" horzOverflow="overflow" vert="horz" wrap="square" lIns="12191" tIns="6096" rIns="12191" bIns="6096" numCol="1" spcCol="0" rtlCol="0" fromWordArt="0" anchor="ctr" anchorCtr="0" forceAA="0" compatLnSpc="1">
-            <a:prstTxWarp prst="textNoShape">
-              <a:avLst/>
-            </a:prstTxWarp>
-            <a:noAutofit/>
-          </a:bodyPr>
-          <a:lstStyle/>
-          <a:p>
-            <a:pPr algn="ctr"/>
-            <a:endParaRPr lang="ko-KR" altLang="en-US" sz="100"/>
-          </a:p>
-        </p:txBody>
-      </p:sp>
-      <p:sp>
-        <p:nvSpPr>
-          <p:cNvPr id="5" name="직사각형 4">
-            <a:extLst>
-              <a:ext uri="{FF2B5EF4-FFF2-40B4-BE49-F238E27FC236}">
-                <a16:creationId xmlns:a16="http://schemas.microsoft.com/office/drawing/2014/main" id="{F0FF1930-1A5A-4A92-B5DB-6E4B93E842B3}"/>
-              </a:ext>
-            </a:extLst>
-          </p:cNvPr>
-          <p:cNvSpPr/>
-          <p:nvPr/>
-        </p:nvSpPr>
-        <p:spPr>
-          <a:xfrm>
-            <a:off x="95993" y="2249439"/>
-            <a:ext cx="2015852" cy="1425495"/>
-          </a:xfrm>
-          <a:prstGeom prst="rect">
-            <a:avLst/>
-          </a:prstGeom>
-          <a:solidFill>
-            <a:schemeClr val="bg1"/>
-          </a:solidFill>
-        </p:spPr>
-        <p:style>
-          <a:lnRef idx="2">
-            <a:schemeClr val="accent1">
-              <a:shade val="50000"/>
-            </a:schemeClr>
-          </a:lnRef>
-          <a:fillRef idx="1">
-            <a:schemeClr val="accent1"/>
-          </a:fillRef>
-          <a:effectRef idx="0">
-            <a:schemeClr val="accent1"/>
-          </a:effectRef>
-          <a:fontRef idx="minor">
-            <a:schemeClr val="lt1"/>
-          </a:fontRef>
-        </p:style>
-        <p:txBody>
-          <a:bodyPr rot="0" spcFirstLastPara="0" vertOverflow="overflow" horzOverflow="overflow" vert="horz" wrap="square" lIns="12191" tIns="6096" rIns="12191" bIns="6096" numCol="1" spcCol="0" rtlCol="0" fromWordArt="0" anchor="ctr" anchorCtr="0" forceAA="0" compatLnSpc="1">
-            <a:prstTxWarp prst="textNoShape">
-              <a:avLst/>
-            </a:prstTxWarp>
-            <a:noAutofit/>
-          </a:bodyPr>
-          <a:lstStyle/>
-          <a:p>
-            <a:pPr algn="ctr"/>
-            <a:endParaRPr lang="ko-KR" altLang="en-US" sz="100"/>
-          </a:p>
-        </p:txBody>
-      </p:sp>
-      <p:sp>
-        <p:nvSpPr>
-          <p:cNvPr id="6" name="직사각형 5">
-            <a:extLst>
-              <a:ext uri="{FF2B5EF4-FFF2-40B4-BE49-F238E27FC236}">
-                <a16:creationId xmlns:a16="http://schemas.microsoft.com/office/drawing/2014/main" id="{C3247D69-BDDB-473E-ACE6-5FCCE58EBFE6}"/>
-              </a:ext>
-            </a:extLst>
-          </p:cNvPr>
-          <p:cNvSpPr/>
-          <p:nvPr/>
-        </p:nvSpPr>
-        <p:spPr>
-          <a:xfrm>
-            <a:off x="2207743" y="2249439"/>
-            <a:ext cx="2015852" cy="1425495"/>
-          </a:xfrm>
-          <a:prstGeom prst="rect">
-            <a:avLst/>
-          </a:prstGeom>
-          <a:solidFill>
-            <a:schemeClr val="bg1"/>
-          </a:solidFill>
-        </p:spPr>
-        <p:style>
-          <a:lnRef idx="2">
-            <a:schemeClr val="accent1">
-              <a:shade val="50000"/>
-            </a:schemeClr>
-          </a:lnRef>
-          <a:fillRef idx="1">
-            <a:schemeClr val="accent1"/>
-          </a:fillRef>
-          <a:effectRef idx="0">
-            <a:schemeClr val="accent1"/>
-          </a:effectRef>
-          <a:fontRef idx="minor">
-            <a:schemeClr val="lt1"/>
-          </a:fontRef>
-        </p:style>
-        <p:txBody>
-          <a:bodyPr rot="0" spcFirstLastPara="0" vertOverflow="overflow" horzOverflow="overflow" vert="horz" wrap="square" lIns="12191" tIns="6096" rIns="12191" bIns="6096" numCol="1" spcCol="0" rtlCol="0" fromWordArt="0" anchor="ctr" anchorCtr="0" forceAA="0" compatLnSpc="1">
-            <a:prstTxWarp prst="textNoShape">
-              <a:avLst/>
-            </a:prstTxWarp>
-            <a:noAutofit/>
-          </a:bodyPr>
-          <a:lstStyle/>
-          <a:p>
-            <a:pPr algn="ctr"/>
-            <a:endParaRPr lang="ko-KR" altLang="en-US" sz="100"/>
-          </a:p>
-        </p:txBody>
-      </p:sp>
-      <p:sp>
-        <p:nvSpPr>
-          <p:cNvPr id="12" name="직사각형 11">
-            <a:extLst>
-              <a:ext uri="{FF2B5EF4-FFF2-40B4-BE49-F238E27FC236}">
-                <a16:creationId xmlns:a16="http://schemas.microsoft.com/office/drawing/2014/main" id="{C1E9305F-EA4B-4EF5-A45E-A50C48CC089B}"/>
-              </a:ext>
-            </a:extLst>
-          </p:cNvPr>
-          <p:cNvSpPr/>
-          <p:nvPr/>
-        </p:nvSpPr>
-        <p:spPr>
-          <a:xfrm>
-            <a:off x="95993" y="4098423"/>
-            <a:ext cx="2015852" cy="1425495"/>
-          </a:xfrm>
-          <a:prstGeom prst="rect">
-            <a:avLst/>
-          </a:prstGeom>
-          <a:solidFill>
-            <a:schemeClr val="bg1"/>
-          </a:solidFill>
-        </p:spPr>
-        <p:style>
-          <a:lnRef idx="2">
-            <a:schemeClr val="accent1">
-              <a:shade val="50000"/>
-            </a:schemeClr>
-          </a:lnRef>
-          <a:fillRef idx="1">
-            <a:schemeClr val="accent1"/>
-          </a:fillRef>
-          <a:effectRef idx="0">
-            <a:schemeClr val="accent1"/>
-          </a:effectRef>
-          <a:fontRef idx="minor">
-            <a:schemeClr val="lt1"/>
-          </a:fontRef>
-        </p:style>
-        <p:txBody>
-          <a:bodyPr rot="0" spcFirstLastPara="0" vertOverflow="overflow" horzOverflow="overflow" vert="horz" wrap="square" lIns="12191" tIns="6096" rIns="12191" bIns="6096" numCol="1" spcCol="0" rtlCol="0" fromWordArt="0" anchor="ctr" anchorCtr="0" forceAA="0" compatLnSpc="1">
-            <a:prstTxWarp prst="textNoShape">
-              <a:avLst/>
-            </a:prstTxWarp>
-            <a:noAutofit/>
-          </a:bodyPr>
-          <a:lstStyle/>
-          <a:p>
-            <a:pPr algn="ctr"/>
-            <a:endParaRPr lang="ko-KR" altLang="en-US" sz="100"/>
-          </a:p>
-        </p:txBody>
-      </p:sp>
-      <p:sp>
-        <p:nvSpPr>
-          <p:cNvPr id="13" name="직사각형 12">
-            <a:extLst>
-              <a:ext uri="{FF2B5EF4-FFF2-40B4-BE49-F238E27FC236}">
-                <a16:creationId xmlns:a16="http://schemas.microsoft.com/office/drawing/2014/main" id="{B8DCA31A-DBF5-4905-81D8-C8B58A9A15EF}"/>
-              </a:ext>
-            </a:extLst>
-          </p:cNvPr>
-          <p:cNvSpPr/>
-          <p:nvPr/>
-        </p:nvSpPr>
-        <p:spPr>
-          <a:xfrm>
-            <a:off x="2207743" y="4098423"/>
-            <a:ext cx="2015852" cy="1425495"/>
-          </a:xfrm>
-          <a:prstGeom prst="rect">
-            <a:avLst/>
-          </a:prstGeom>
-          <a:solidFill>
-            <a:schemeClr val="bg1"/>
-          </a:solidFill>
-        </p:spPr>
-        <p:style>
-          <a:lnRef idx="2">
-            <a:schemeClr val="accent1">
-              <a:shade val="50000"/>
-            </a:schemeClr>
-          </a:lnRef>
-          <a:fillRef idx="1">
-            <a:schemeClr val="accent1"/>
-          </a:fillRef>
-          <a:effectRef idx="0">
-            <a:schemeClr val="accent1"/>
-          </a:effectRef>
-          <a:fontRef idx="minor">
-            <a:schemeClr val="lt1"/>
-          </a:fontRef>
-        </p:style>
-        <p:txBody>
-          <a:bodyPr rot="0" spcFirstLastPara="0" vertOverflow="overflow" horzOverflow="overflow" vert="horz" wrap="square" lIns="12191" tIns="6096" rIns="12191" bIns="6096" numCol="1" spcCol="0" rtlCol="0" fromWordArt="0" anchor="ctr" anchorCtr="0" forceAA="0" compatLnSpc="1">
-            <a:prstTxWarp prst="textNoShape">
-              <a:avLst/>
-            </a:prstTxWarp>
-            <a:noAutofit/>
-          </a:bodyPr>
-          <a:lstStyle/>
-          <a:p>
-            <a:pPr algn="ctr"/>
-            <a:endParaRPr lang="ko-KR" altLang="en-US" sz="100"/>
-          </a:p>
-        </p:txBody>
-      </p:sp>
-    </p:spTree>
-    <p:extLst>
-      <p:ext uri="{BB962C8B-B14F-4D97-AF65-F5344CB8AC3E}">
-        <p14:creationId xmlns:p14="http://schemas.microsoft.com/office/powerpoint/2010/main" val="3135368771"/>
-      </p:ext>
-    </p:extLst>
-  </p:cSld>
-  <p:clrMapOvr>
-    <a:masterClrMapping/>
-  </p:clrMapOvr>
-</p:sld>
-</file>
-
-<file path=ppt/slides/slide6.xml><?xml version="1.0" encoding="utf-8"?>
-<p:sld xmlns:a="http://schemas.openxmlformats.org/drawingml/2006/main" xmlns:r="http://schemas.openxmlformats.org/officeDocument/2006/relationships" xmlns:p="http://schemas.openxmlformats.org/presentationml/2006/main">
-  <p:cSld>
-    <p:spTree>
-      <p:nvGrpSpPr>
-        <p:cNvPr id="1" name=""/>
-        <p:cNvGrpSpPr/>
-        <p:nvPr/>
-      </p:nvGrpSpPr>
-      <p:grpSpPr>
-        <a:xfrm>
-          <a:off x="0" y="0"/>
-          <a:ext cx="0" cy="0"/>
-          <a:chOff x="0" y="0"/>
-          <a:chExt cx="0" cy="0"/>
-        </a:xfrm>
-      </p:grpSpPr>
-      <p:sp>
-        <p:nvSpPr>
-          <p:cNvPr id="4" name="직사각형 3">
-            <a:extLst>
-              <a:ext uri="{FF2B5EF4-FFF2-40B4-BE49-F238E27FC236}">
-                <a16:creationId xmlns:a16="http://schemas.microsoft.com/office/drawing/2014/main" id="{5C4C4846-BCE3-4812-B577-130490F12A55}"/>
-              </a:ext>
-            </a:extLst>
-          </p:cNvPr>
-          <p:cNvSpPr/>
-          <p:nvPr/>
-        </p:nvSpPr>
-        <p:spPr>
-          <a:xfrm>
-            <a:off x="1151868" y="224845"/>
-            <a:ext cx="2015852" cy="1425495"/>
-          </a:xfrm>
-          <a:prstGeom prst="rect">
-            <a:avLst/>
-          </a:prstGeom>
-          <a:solidFill>
-            <a:schemeClr val="bg1"/>
-          </a:solidFill>
-        </p:spPr>
-        <p:style>
-          <a:lnRef idx="2">
-            <a:schemeClr val="accent1">
-              <a:shade val="50000"/>
-            </a:schemeClr>
-          </a:lnRef>
-          <a:fillRef idx="1">
-            <a:schemeClr val="accent1"/>
-          </a:fillRef>
-          <a:effectRef idx="0">
-            <a:schemeClr val="accent1"/>
-          </a:effectRef>
-          <a:fontRef idx="minor">
-            <a:schemeClr val="lt1"/>
-          </a:fontRef>
-        </p:style>
-        <p:txBody>
-          <a:bodyPr rot="0" spcFirstLastPara="0" vertOverflow="overflow" horzOverflow="overflow" vert="horz" wrap="square" lIns="12191" tIns="6096" rIns="12191" bIns="6096" numCol="1" spcCol="0" rtlCol="0" fromWordArt="0" anchor="ctr" anchorCtr="0" forceAA="0" compatLnSpc="1">
-            <a:prstTxWarp prst="textNoShape">
-              <a:avLst/>
-            </a:prstTxWarp>
-            <a:noAutofit/>
-          </a:bodyPr>
-          <a:lstStyle/>
-          <a:p>
-            <a:pPr algn="ctr"/>
-            <a:endParaRPr lang="ko-KR" altLang="en-US" sz="100" dirty="0"/>
-          </a:p>
-        </p:txBody>
-      </p:sp>
-      <p:sp>
-        <p:nvSpPr>
-          <p:cNvPr id="5" name="직사각형 4">
-            <a:extLst>
-              <a:ext uri="{FF2B5EF4-FFF2-40B4-BE49-F238E27FC236}">
-                <a16:creationId xmlns:a16="http://schemas.microsoft.com/office/drawing/2014/main" id="{F0FF1930-1A5A-4A92-B5DB-6E4B93E842B3}"/>
-              </a:ext>
-            </a:extLst>
-          </p:cNvPr>
-          <p:cNvSpPr/>
-          <p:nvPr/>
-        </p:nvSpPr>
-        <p:spPr>
-          <a:xfrm>
-            <a:off x="95993" y="2249439"/>
-            <a:ext cx="2015852" cy="1425495"/>
-          </a:xfrm>
-          <a:prstGeom prst="rect">
-            <a:avLst/>
-          </a:prstGeom>
-          <a:solidFill>
-            <a:schemeClr val="bg1"/>
-          </a:solidFill>
-        </p:spPr>
-        <p:style>
-          <a:lnRef idx="2">
-            <a:schemeClr val="accent1">
-              <a:shade val="50000"/>
-            </a:schemeClr>
-          </a:lnRef>
-          <a:fillRef idx="1">
-            <a:schemeClr val="accent1"/>
-          </a:fillRef>
-          <a:effectRef idx="0">
-            <a:schemeClr val="accent1"/>
-          </a:effectRef>
-          <a:fontRef idx="minor">
-            <a:schemeClr val="lt1"/>
-          </a:fontRef>
-        </p:style>
-        <p:txBody>
-          <a:bodyPr rot="0" spcFirstLastPara="0" vertOverflow="overflow" horzOverflow="overflow" vert="horz" wrap="square" lIns="12191" tIns="6096" rIns="12191" bIns="6096" numCol="1" spcCol="0" rtlCol="0" fromWordArt="0" anchor="ctr" anchorCtr="0" forceAA="0" compatLnSpc="1">
-            <a:prstTxWarp prst="textNoShape">
-              <a:avLst/>
-            </a:prstTxWarp>
-            <a:noAutofit/>
-          </a:bodyPr>
-          <a:lstStyle/>
-          <a:p>
-            <a:pPr algn="ctr"/>
-            <a:endParaRPr lang="ko-KR" altLang="en-US" sz="100"/>
-          </a:p>
-        </p:txBody>
-      </p:sp>
-      <p:sp>
-        <p:nvSpPr>
-          <p:cNvPr id="6" name="직사각형 5">
-            <a:extLst>
-              <a:ext uri="{FF2B5EF4-FFF2-40B4-BE49-F238E27FC236}">
-                <a16:creationId xmlns:a16="http://schemas.microsoft.com/office/drawing/2014/main" id="{C3247D69-BDDB-473E-ACE6-5FCCE58EBFE6}"/>
-              </a:ext>
-            </a:extLst>
-          </p:cNvPr>
-          <p:cNvSpPr/>
-          <p:nvPr/>
-        </p:nvSpPr>
-        <p:spPr>
-          <a:xfrm>
-            <a:off x="2207743" y="2249439"/>
-            <a:ext cx="2015852" cy="1425495"/>
-          </a:xfrm>
-          <a:prstGeom prst="rect">
-            <a:avLst/>
-          </a:prstGeom>
-          <a:solidFill>
-            <a:schemeClr val="bg1"/>
-          </a:solidFill>
-        </p:spPr>
-        <p:style>
-          <a:lnRef idx="2">
-            <a:schemeClr val="accent1">
-              <a:shade val="50000"/>
-            </a:schemeClr>
-          </a:lnRef>
-          <a:fillRef idx="1">
-            <a:schemeClr val="accent1"/>
-          </a:fillRef>
-          <a:effectRef idx="0">
-            <a:schemeClr val="accent1"/>
-          </a:effectRef>
-          <a:fontRef idx="minor">
-            <a:schemeClr val="lt1"/>
-          </a:fontRef>
-        </p:style>
-        <p:txBody>
-          <a:bodyPr rot="0" spcFirstLastPara="0" vertOverflow="overflow" horzOverflow="overflow" vert="horz" wrap="square" lIns="12191" tIns="6096" rIns="12191" bIns="6096" numCol="1" spcCol="0" rtlCol="0" fromWordArt="0" anchor="ctr" anchorCtr="0" forceAA="0" compatLnSpc="1">
-            <a:prstTxWarp prst="textNoShape">
-              <a:avLst/>
-            </a:prstTxWarp>
-            <a:noAutofit/>
-          </a:bodyPr>
-          <a:lstStyle/>
-          <a:p>
-            <a:pPr algn="ctr"/>
-            <a:endParaRPr lang="ko-KR" altLang="en-US" sz="100"/>
-          </a:p>
-        </p:txBody>
-      </p:sp>
-      <p:sp>
-        <p:nvSpPr>
-          <p:cNvPr id="12" name="직사각형 11">
-            <a:extLst>
-              <a:ext uri="{FF2B5EF4-FFF2-40B4-BE49-F238E27FC236}">
-                <a16:creationId xmlns:a16="http://schemas.microsoft.com/office/drawing/2014/main" id="{C1E9305F-EA4B-4EF5-A45E-A50C48CC089B}"/>
-              </a:ext>
-            </a:extLst>
-          </p:cNvPr>
-          <p:cNvSpPr/>
-          <p:nvPr/>
-        </p:nvSpPr>
-        <p:spPr>
-          <a:xfrm>
-            <a:off x="95993" y="4098423"/>
-            <a:ext cx="2015852" cy="1425495"/>
-          </a:xfrm>
-          <a:prstGeom prst="rect">
-            <a:avLst/>
-          </a:prstGeom>
-          <a:solidFill>
-            <a:schemeClr val="bg1"/>
-          </a:solidFill>
-        </p:spPr>
-        <p:style>
-          <a:lnRef idx="2">
-            <a:schemeClr val="accent1">
-              <a:shade val="50000"/>
-            </a:schemeClr>
-          </a:lnRef>
-          <a:fillRef idx="1">
-            <a:schemeClr val="accent1"/>
-          </a:fillRef>
-          <a:effectRef idx="0">
-            <a:schemeClr val="accent1"/>
-          </a:effectRef>
-          <a:fontRef idx="minor">
-            <a:schemeClr val="lt1"/>
-          </a:fontRef>
-        </p:style>
-        <p:txBody>
-          <a:bodyPr rot="0" spcFirstLastPara="0" vertOverflow="overflow" horzOverflow="overflow" vert="horz" wrap="square" lIns="12191" tIns="6096" rIns="12191" bIns="6096" numCol="1" spcCol="0" rtlCol="0" fromWordArt="0" anchor="ctr" anchorCtr="0" forceAA="0" compatLnSpc="1">
-            <a:prstTxWarp prst="textNoShape">
-              <a:avLst/>
-            </a:prstTxWarp>
-            <a:noAutofit/>
-          </a:bodyPr>
-          <a:lstStyle/>
-          <a:p>
-            <a:pPr algn="ctr"/>
-            <a:endParaRPr lang="ko-KR" altLang="en-US" sz="100"/>
-          </a:p>
-        </p:txBody>
-      </p:sp>
-      <p:sp>
-        <p:nvSpPr>
-          <p:cNvPr id="13" name="직사각형 12">
-            <a:extLst>
-              <a:ext uri="{FF2B5EF4-FFF2-40B4-BE49-F238E27FC236}">
-                <a16:creationId xmlns:a16="http://schemas.microsoft.com/office/drawing/2014/main" id="{B8DCA31A-DBF5-4905-81D8-C8B58A9A15EF}"/>
-              </a:ext>
-            </a:extLst>
-          </p:cNvPr>
-          <p:cNvSpPr/>
-          <p:nvPr/>
-        </p:nvSpPr>
-        <p:spPr>
-          <a:xfrm>
-            <a:off x="2207743" y="4098423"/>
-            <a:ext cx="2015852" cy="1425495"/>
-          </a:xfrm>
-          <a:prstGeom prst="rect">
-            <a:avLst/>
-          </a:prstGeom>
-          <a:solidFill>
-            <a:schemeClr val="bg1"/>
-          </a:solidFill>
-        </p:spPr>
-        <p:style>
-          <a:lnRef idx="2">
-            <a:schemeClr val="accent1">
-              <a:shade val="50000"/>
-            </a:schemeClr>
-          </a:lnRef>
-          <a:fillRef idx="1">
-            <a:schemeClr val="accent1"/>
-          </a:fillRef>
-          <a:effectRef idx="0">
-            <a:schemeClr val="accent1"/>
-          </a:effectRef>
-          <a:fontRef idx="minor">
-            <a:schemeClr val="lt1"/>
-          </a:fontRef>
-        </p:style>
-        <p:txBody>
-          <a:bodyPr rot="0" spcFirstLastPara="0" vertOverflow="overflow" horzOverflow="overflow" vert="horz" wrap="square" lIns="12191" tIns="6096" rIns="12191" bIns="6096" numCol="1" spcCol="0" rtlCol="0" fromWordArt="0" anchor="ctr" anchorCtr="0" forceAA="0" compatLnSpc="1">
-            <a:prstTxWarp prst="textNoShape">
-              <a:avLst/>
-            </a:prstTxWarp>
-            <a:noAutofit/>
-          </a:bodyPr>
-          <a:lstStyle/>
-          <a:p>
-            <a:pPr algn="ctr"/>
-            <a:endParaRPr lang="ko-KR" altLang="en-US" sz="100"/>
-          </a:p>
-        </p:txBody>
-      </p:sp>
-      <p:sp>
-        <p:nvSpPr>
-          <p:cNvPr id="7" name="TextBox 6">
-            <a:extLst>
-              <a:ext uri="{FF2B5EF4-FFF2-40B4-BE49-F238E27FC236}">
-                <a16:creationId xmlns:a16="http://schemas.microsoft.com/office/drawing/2014/main" id="{5E3EA41C-42BD-4891-9F23-D8BA425E1C0B}"/>
-              </a:ext>
-            </a:extLst>
-          </p:cNvPr>
-          <p:cNvSpPr txBox="1"/>
-          <p:nvPr/>
-        </p:nvSpPr>
-        <p:spPr>
-          <a:xfrm>
-            <a:off x="1094438" y="270707"/>
-            <a:ext cx="2130713" cy="638188"/>
-          </a:xfrm>
-          <a:prstGeom prst="rect">
-            <a:avLst/>
-          </a:prstGeom>
-          <a:noFill/>
-        </p:spPr>
-        <p:txBody>
-          <a:bodyPr wrap="none" rtlCol="0">
-            <a:spAutoFit/>
-          </a:bodyPr>
-          <a:lstStyle/>
-          <a:p>
-            <a:pPr algn="ctr"/>
-            <a:r>
-              <a:rPr lang="ko-KR" altLang="en-US" sz="960" b="1" dirty="0"/>
-              <a:t>트래픽 분석을 통한 네트워크 장비 </a:t>
-            </a:r>
-            <a:endParaRPr lang="en-US" altLang="ko-KR" sz="960" b="1" dirty="0"/>
-          </a:p>
-          <a:p>
-            <a:pPr algn="ctr"/>
-            <a:r>
-              <a:rPr lang="ko-KR" altLang="en-US" sz="960" b="1" dirty="0"/>
-              <a:t>이상 행위 탐지 기술</a:t>
-            </a:r>
-            <a:br>
-              <a:rPr lang="en-US" altLang="ko-KR" sz="960" b="1" dirty="0"/>
-            </a:br>
-            <a:r>
-              <a:rPr lang="ko-KR" altLang="en-US" sz="427" b="1" dirty="0"/>
-              <a:t> </a:t>
-            </a:r>
-            <a:endParaRPr lang="en-US" altLang="ko-KR" sz="427" b="1" dirty="0"/>
-          </a:p>
-          <a:p>
-            <a:pPr algn="ctr"/>
-            <a:r>
-              <a:rPr lang="ko-KR" altLang="en-US" sz="720" dirty="0"/>
-              <a:t>정동호</a:t>
-            </a:r>
-            <a:r>
-              <a:rPr lang="en-US" altLang="ko-KR" sz="720" dirty="0"/>
-              <a:t>( </a:t>
-            </a:r>
-            <a:r>
-              <a:rPr lang="ko-KR" altLang="en-US" sz="720" dirty="0"/>
-              <a:t>광운대학교 컴퓨터 공학과</a:t>
-            </a:r>
-            <a:r>
-              <a:rPr lang="en-US" altLang="ko-KR" sz="720" dirty="0"/>
-              <a:t> ), </a:t>
-            </a:r>
-            <a:r>
-              <a:rPr lang="ko-KR" altLang="en-US" sz="720" dirty="0" err="1"/>
-              <a:t>신영주</a:t>
-            </a:r>
-            <a:r>
-              <a:rPr lang="en-US" altLang="ko-KR" sz="720" dirty="0"/>
-              <a:t>()</a:t>
-            </a:r>
-            <a:br>
-              <a:rPr lang="en-US" altLang="ko-KR" sz="720" dirty="0"/>
-            </a:br>
-            <a:r>
-              <a:rPr lang="en-US" altLang="ko-KR" sz="480" dirty="0"/>
-              <a:t>dongho971220@gmail.com, yjshin@kw.ac.kr</a:t>
-            </a:r>
-            <a:endParaRPr lang="ko-KR" altLang="en-US" sz="427" dirty="0"/>
-          </a:p>
-        </p:txBody>
-      </p:sp>
-      <p:sp>
-        <p:nvSpPr>
-          <p:cNvPr id="2" name="직사각형 1">
-            <a:extLst>
-              <a:ext uri="{FF2B5EF4-FFF2-40B4-BE49-F238E27FC236}">
-                <a16:creationId xmlns:a16="http://schemas.microsoft.com/office/drawing/2014/main" id="{15C9FEB3-0375-4D9A-B192-641EF8FF5D10}"/>
-              </a:ext>
-            </a:extLst>
-          </p:cNvPr>
-          <p:cNvSpPr/>
-          <p:nvPr/>
-        </p:nvSpPr>
-        <p:spPr>
-          <a:xfrm>
-            <a:off x="1179983" y="1008105"/>
-            <a:ext cx="1928749" cy="666401"/>
-          </a:xfrm>
-          <a:prstGeom prst="rect">
-            <a:avLst/>
-          </a:prstGeom>
-        </p:spPr>
-        <p:txBody>
-          <a:bodyPr wrap="square">
-            <a:spAutoFit/>
-          </a:bodyPr>
-          <a:lstStyle/>
-          <a:p>
-            <a:pPr fontAlgn="base" latinLnBrk="1"/>
-            <a:r>
-              <a:rPr lang="en-US" altLang="ko-KR" sz="533" dirty="0"/>
-              <a:t>	</a:t>
-            </a:r>
-            <a:r>
-              <a:rPr lang="ko-KR" altLang="en-US" sz="533" dirty="0"/>
-              <a:t>네트워크 장비는 한번 공격이 이루어지면 장비를 경유하는 모든 패킷을 도청할 수 있게 되는 점에서 커다란 위험을 가지고 있다</a:t>
-            </a:r>
-            <a:r>
-              <a:rPr lang="en-US" altLang="ko-KR" sz="533" dirty="0"/>
-              <a:t>. </a:t>
-            </a:r>
-            <a:r>
-              <a:rPr lang="ko-KR" altLang="en-US" sz="533" dirty="0"/>
-              <a:t>본 논문에서는 이러한 도청 행위가 반드시 네트워크 장비의 인풋</a:t>
-            </a:r>
-            <a:r>
-              <a:rPr lang="en-US" altLang="ko-KR" sz="533" dirty="0"/>
-              <a:t>/</a:t>
-            </a:r>
-            <a:r>
-              <a:rPr lang="ko-KR" altLang="en-US" sz="533" dirty="0"/>
-              <a:t>아웃풋 트래픽에 영향을 줄 것이라 가정하고 </a:t>
-            </a:r>
-            <a:r>
-              <a:rPr lang="en-US" altLang="ko-KR" sz="533" dirty="0"/>
-              <a:t>SNMP(Simple Network Management Protocol)</a:t>
-            </a:r>
-            <a:r>
-              <a:rPr lang="ko-KR" altLang="en-US" sz="533" dirty="0"/>
-              <a:t>를 이용하여 동적 분석을 통한 해결책을 제시한다</a:t>
-            </a:r>
-            <a:r>
-              <a:rPr lang="en-US" altLang="ko-KR" sz="533" dirty="0"/>
-              <a:t>. </a:t>
-            </a:r>
-            <a:endParaRPr lang="ko-KR" altLang="en-US" sz="533" dirty="0"/>
-          </a:p>
-        </p:txBody>
-      </p:sp>
-    </p:spTree>
-    <p:extLst>
-      <p:ext uri="{BB962C8B-B14F-4D97-AF65-F5344CB8AC3E}">
-        <p14:creationId xmlns:p14="http://schemas.microsoft.com/office/powerpoint/2010/main" val="4195282430"/>
-      </p:ext>
-    </p:extLst>
-  </p:cSld>
-  <p:clrMapOvr>
-    <a:masterClrMapping/>
-  </p:clrMapOvr>
-</p:sld>
-</file>
-
-<file path=ppt/slides/slide7.xml><?xml version="1.0" encoding="utf-8"?>
-<p:sld xmlns:a="http://schemas.openxmlformats.org/drawingml/2006/main" xmlns:r="http://schemas.openxmlformats.org/officeDocument/2006/relationships" xmlns:p="http://schemas.openxmlformats.org/presentationml/2006/main">
-  <p:cSld>
-    <p:spTree>
-      <p:nvGrpSpPr>
-        <p:cNvPr id="1" name=""/>
-        <p:cNvGrpSpPr/>
-        <p:nvPr/>
-      </p:nvGrpSpPr>
-      <p:grpSpPr>
-        <a:xfrm>
-          <a:off x="0" y="0"/>
-          <a:ext cx="0" cy="0"/>
-          <a:chOff x="0" y="0"/>
-          <a:chExt cx="0" cy="0"/>
-        </a:xfrm>
-      </p:grpSpPr>
-      <p:sp>
-        <p:nvSpPr>
-          <p:cNvPr id="4" name="직사각형 3">
-            <a:extLst>
-              <a:ext uri="{FF2B5EF4-FFF2-40B4-BE49-F238E27FC236}">
-                <a16:creationId xmlns:a16="http://schemas.microsoft.com/office/drawing/2014/main" id="{5C4C4846-BCE3-4812-B577-130490F12A55}"/>
-              </a:ext>
-            </a:extLst>
-          </p:cNvPr>
-          <p:cNvSpPr/>
-          <p:nvPr/>
-        </p:nvSpPr>
-        <p:spPr>
-          <a:xfrm>
-            <a:off x="1151868" y="224845"/>
-            <a:ext cx="2015852" cy="1425495"/>
-          </a:xfrm>
-          <a:prstGeom prst="rect">
-            <a:avLst/>
-          </a:prstGeom>
-          <a:solidFill>
-            <a:schemeClr val="bg1"/>
-          </a:solidFill>
-        </p:spPr>
-        <p:style>
-          <a:lnRef idx="2">
-            <a:schemeClr val="accent1">
-              <a:shade val="50000"/>
-            </a:schemeClr>
-          </a:lnRef>
-          <a:fillRef idx="1">
-            <a:schemeClr val="accent1"/>
-          </a:fillRef>
-          <a:effectRef idx="0">
-            <a:schemeClr val="accent1"/>
-          </a:effectRef>
-          <a:fontRef idx="minor">
-            <a:schemeClr val="lt1"/>
-          </a:fontRef>
-        </p:style>
-        <p:txBody>
-          <a:bodyPr rot="0" spcFirstLastPara="0" vertOverflow="overflow" horzOverflow="overflow" vert="horz" wrap="square" lIns="12191" tIns="6096" rIns="12191" bIns="6096" numCol="1" spcCol="0" rtlCol="0" fromWordArt="0" anchor="ctr" anchorCtr="0" forceAA="0" compatLnSpc="1">
-            <a:prstTxWarp prst="textNoShape">
-              <a:avLst/>
-            </a:prstTxWarp>
-            <a:noAutofit/>
-          </a:bodyPr>
-          <a:lstStyle/>
-          <a:p>
-            <a:pPr algn="ctr"/>
-            <a:endParaRPr lang="ko-KR" altLang="en-US" sz="100" dirty="0"/>
-          </a:p>
-        </p:txBody>
-      </p:sp>
-      <p:sp>
-        <p:nvSpPr>
-          <p:cNvPr id="5" name="직사각형 4">
-            <a:extLst>
-              <a:ext uri="{FF2B5EF4-FFF2-40B4-BE49-F238E27FC236}">
-                <a16:creationId xmlns:a16="http://schemas.microsoft.com/office/drawing/2014/main" id="{F0FF1930-1A5A-4A92-B5DB-6E4B93E842B3}"/>
-              </a:ext>
-            </a:extLst>
-          </p:cNvPr>
-          <p:cNvSpPr/>
-          <p:nvPr/>
-        </p:nvSpPr>
-        <p:spPr>
-          <a:xfrm>
-            <a:off x="95993" y="2249439"/>
-            <a:ext cx="2015852" cy="1425495"/>
-          </a:xfrm>
-          <a:prstGeom prst="rect">
-            <a:avLst/>
-          </a:prstGeom>
-          <a:solidFill>
-            <a:schemeClr val="bg1"/>
-          </a:solidFill>
-        </p:spPr>
-        <p:style>
-          <a:lnRef idx="2">
-            <a:schemeClr val="accent1">
-              <a:shade val="50000"/>
-            </a:schemeClr>
-          </a:lnRef>
-          <a:fillRef idx="1">
-            <a:schemeClr val="accent1"/>
-          </a:fillRef>
-          <a:effectRef idx="0">
-            <a:schemeClr val="accent1"/>
-          </a:effectRef>
-          <a:fontRef idx="minor">
-            <a:schemeClr val="lt1"/>
-          </a:fontRef>
-        </p:style>
-        <p:txBody>
-          <a:bodyPr rot="0" spcFirstLastPara="0" vertOverflow="overflow" horzOverflow="overflow" vert="horz" wrap="square" lIns="12191" tIns="6096" rIns="12191" bIns="6096" numCol="1" spcCol="0" rtlCol="0" fromWordArt="0" anchor="ctr" anchorCtr="0" forceAA="0" compatLnSpc="1">
-            <a:prstTxWarp prst="textNoShape">
-              <a:avLst/>
-            </a:prstTxWarp>
-            <a:noAutofit/>
-          </a:bodyPr>
-          <a:lstStyle/>
-          <a:p>
-            <a:pPr algn="ctr"/>
-            <a:endParaRPr lang="ko-KR" altLang="en-US" sz="100" dirty="0"/>
-          </a:p>
-        </p:txBody>
-      </p:sp>
-      <p:sp>
-        <p:nvSpPr>
-          <p:cNvPr id="6" name="직사각형 5">
-            <a:extLst>
-              <a:ext uri="{FF2B5EF4-FFF2-40B4-BE49-F238E27FC236}">
-                <a16:creationId xmlns:a16="http://schemas.microsoft.com/office/drawing/2014/main" id="{C3247D69-BDDB-473E-ACE6-5FCCE58EBFE6}"/>
-              </a:ext>
-            </a:extLst>
-          </p:cNvPr>
-          <p:cNvSpPr/>
-          <p:nvPr/>
-        </p:nvSpPr>
-        <p:spPr>
-          <a:xfrm>
-            <a:off x="2207743" y="2249439"/>
-            <a:ext cx="2015852" cy="1425495"/>
-          </a:xfrm>
-          <a:prstGeom prst="rect">
-            <a:avLst/>
-          </a:prstGeom>
-          <a:solidFill>
-            <a:schemeClr val="bg1"/>
-          </a:solidFill>
-        </p:spPr>
-        <p:style>
-          <a:lnRef idx="2">
-            <a:schemeClr val="accent1">
-              <a:shade val="50000"/>
-            </a:schemeClr>
-          </a:lnRef>
-          <a:fillRef idx="1">
-            <a:schemeClr val="accent1"/>
-          </a:fillRef>
-          <a:effectRef idx="0">
-            <a:schemeClr val="accent1"/>
-          </a:effectRef>
-          <a:fontRef idx="minor">
-            <a:schemeClr val="lt1"/>
-          </a:fontRef>
-        </p:style>
-        <p:txBody>
-          <a:bodyPr rot="0" spcFirstLastPara="0" vertOverflow="overflow" horzOverflow="overflow" vert="horz" wrap="square" lIns="12191" tIns="6096" rIns="12191" bIns="6096" numCol="1" spcCol="0" rtlCol="0" fromWordArt="0" anchor="ctr" anchorCtr="0" forceAA="0" compatLnSpc="1">
-            <a:prstTxWarp prst="textNoShape">
-              <a:avLst/>
-            </a:prstTxWarp>
-            <a:noAutofit/>
-          </a:bodyPr>
-          <a:lstStyle/>
-          <a:p>
-            <a:pPr algn="ctr"/>
-            <a:endParaRPr lang="ko-KR" altLang="en-US" sz="100"/>
-          </a:p>
-        </p:txBody>
-      </p:sp>
-      <p:sp>
-        <p:nvSpPr>
-          <p:cNvPr id="12" name="직사각형 11">
-            <a:extLst>
-              <a:ext uri="{FF2B5EF4-FFF2-40B4-BE49-F238E27FC236}">
-                <a16:creationId xmlns:a16="http://schemas.microsoft.com/office/drawing/2014/main" id="{C1E9305F-EA4B-4EF5-A45E-A50C48CC089B}"/>
-              </a:ext>
-            </a:extLst>
-          </p:cNvPr>
-          <p:cNvSpPr/>
-          <p:nvPr/>
-        </p:nvSpPr>
-        <p:spPr>
-          <a:xfrm>
-            <a:off x="95993" y="4098423"/>
-            <a:ext cx="2015852" cy="1425495"/>
-          </a:xfrm>
-          <a:prstGeom prst="rect">
-            <a:avLst/>
-          </a:prstGeom>
-          <a:solidFill>
-            <a:schemeClr val="bg1"/>
-          </a:solidFill>
-        </p:spPr>
-        <p:style>
-          <a:lnRef idx="2">
-            <a:schemeClr val="accent1">
-              <a:shade val="50000"/>
-            </a:schemeClr>
-          </a:lnRef>
-          <a:fillRef idx="1">
-            <a:schemeClr val="accent1"/>
-          </a:fillRef>
-          <a:effectRef idx="0">
-            <a:schemeClr val="accent1"/>
-          </a:effectRef>
-          <a:fontRef idx="minor">
-            <a:schemeClr val="lt1"/>
-          </a:fontRef>
-        </p:style>
-        <p:txBody>
-          <a:bodyPr rot="0" spcFirstLastPara="0" vertOverflow="overflow" horzOverflow="overflow" vert="horz" wrap="square" lIns="12191" tIns="6096" rIns="12191" bIns="6096" numCol="1" spcCol="0" rtlCol="0" fromWordArt="0" anchor="ctr" anchorCtr="0" forceAA="0" compatLnSpc="1">
-            <a:prstTxWarp prst="textNoShape">
-              <a:avLst/>
-            </a:prstTxWarp>
-            <a:noAutofit/>
-          </a:bodyPr>
-          <a:lstStyle/>
-          <a:p>
-            <a:pPr algn="ctr"/>
-            <a:endParaRPr lang="ko-KR" altLang="en-US" sz="100"/>
-          </a:p>
-        </p:txBody>
-      </p:sp>
-      <p:sp>
-        <p:nvSpPr>
-          <p:cNvPr id="13" name="직사각형 12">
-            <a:extLst>
-              <a:ext uri="{FF2B5EF4-FFF2-40B4-BE49-F238E27FC236}">
-                <a16:creationId xmlns:a16="http://schemas.microsoft.com/office/drawing/2014/main" id="{B8DCA31A-DBF5-4905-81D8-C8B58A9A15EF}"/>
-              </a:ext>
-            </a:extLst>
-          </p:cNvPr>
-          <p:cNvSpPr/>
-          <p:nvPr/>
-        </p:nvSpPr>
-        <p:spPr>
-          <a:xfrm>
-            <a:off x="2207743" y="4098423"/>
-            <a:ext cx="2015852" cy="1425495"/>
-          </a:xfrm>
-          <a:prstGeom prst="rect">
-            <a:avLst/>
-          </a:prstGeom>
-          <a:solidFill>
-            <a:schemeClr val="bg1"/>
-          </a:solidFill>
-        </p:spPr>
-        <p:style>
-          <a:lnRef idx="2">
-            <a:schemeClr val="accent1">
-              <a:shade val="50000"/>
-            </a:schemeClr>
-          </a:lnRef>
-          <a:fillRef idx="1">
-            <a:schemeClr val="accent1"/>
-          </a:fillRef>
-          <a:effectRef idx="0">
-            <a:schemeClr val="accent1"/>
-          </a:effectRef>
-          <a:fontRef idx="minor">
-            <a:schemeClr val="lt1"/>
-          </a:fontRef>
-        </p:style>
-        <p:txBody>
-          <a:bodyPr rot="0" spcFirstLastPara="0" vertOverflow="overflow" horzOverflow="overflow" vert="horz" wrap="square" lIns="12191" tIns="6096" rIns="12191" bIns="6096" numCol="1" spcCol="0" rtlCol="0" fromWordArt="0" anchor="ctr" anchorCtr="0" forceAA="0" compatLnSpc="1">
-            <a:prstTxWarp prst="textNoShape">
-              <a:avLst/>
-            </a:prstTxWarp>
-            <a:noAutofit/>
-          </a:bodyPr>
-          <a:lstStyle/>
-          <a:p>
-            <a:pPr algn="ctr"/>
-            <a:endParaRPr lang="ko-KR" altLang="en-US" sz="100"/>
-          </a:p>
-        </p:txBody>
-      </p:sp>
-      <p:sp>
-        <p:nvSpPr>
-          <p:cNvPr id="7" name="TextBox 6">
-            <a:extLst>
-              <a:ext uri="{FF2B5EF4-FFF2-40B4-BE49-F238E27FC236}">
-                <a16:creationId xmlns:a16="http://schemas.microsoft.com/office/drawing/2014/main" id="{5E3EA41C-42BD-4891-9F23-D8BA425E1C0B}"/>
-              </a:ext>
-            </a:extLst>
-          </p:cNvPr>
-          <p:cNvSpPr txBox="1"/>
-          <p:nvPr/>
-        </p:nvSpPr>
-        <p:spPr>
-          <a:xfrm>
-            <a:off x="1094438" y="270707"/>
-            <a:ext cx="2130713" cy="638188"/>
-          </a:xfrm>
-          <a:prstGeom prst="rect">
-            <a:avLst/>
-          </a:prstGeom>
-          <a:noFill/>
-        </p:spPr>
-        <p:txBody>
-          <a:bodyPr wrap="none" rtlCol="0">
-            <a:spAutoFit/>
-          </a:bodyPr>
-          <a:lstStyle/>
-          <a:p>
-            <a:pPr algn="ctr"/>
-            <a:r>
-              <a:rPr lang="ko-KR" altLang="en-US" sz="960" b="1" dirty="0"/>
-              <a:t>트래픽 분석을 통한 네트워크 장비 </a:t>
-            </a:r>
-            <a:endParaRPr lang="en-US" altLang="ko-KR" sz="960" b="1" dirty="0"/>
-          </a:p>
-          <a:p>
-            <a:pPr algn="ctr"/>
-            <a:r>
-              <a:rPr lang="ko-KR" altLang="en-US" sz="960" b="1" dirty="0"/>
-              <a:t>이상 행위 탐지 기술</a:t>
-            </a:r>
-            <a:br>
-              <a:rPr lang="en-US" altLang="ko-KR" sz="960" b="1" dirty="0"/>
-            </a:br>
-            <a:r>
-              <a:rPr lang="ko-KR" altLang="en-US" sz="427" b="1" dirty="0"/>
-              <a:t> </a:t>
-            </a:r>
-            <a:endParaRPr lang="en-US" altLang="ko-KR" sz="427" b="1" dirty="0"/>
-          </a:p>
-          <a:p>
-            <a:pPr algn="ctr"/>
-            <a:r>
-              <a:rPr lang="ko-KR" altLang="en-US" sz="720" dirty="0"/>
-              <a:t>정동호</a:t>
-            </a:r>
-            <a:r>
-              <a:rPr lang="en-US" altLang="ko-KR" sz="720" dirty="0"/>
-              <a:t>( </a:t>
-            </a:r>
-            <a:r>
-              <a:rPr lang="ko-KR" altLang="en-US" sz="720" dirty="0"/>
-              <a:t>광운대학교 컴퓨터 공학과</a:t>
-            </a:r>
-            <a:r>
-              <a:rPr lang="en-US" altLang="ko-KR" sz="720" dirty="0"/>
-              <a:t> ), </a:t>
-            </a:r>
-            <a:r>
-              <a:rPr lang="ko-KR" altLang="en-US" sz="720" dirty="0" err="1"/>
-              <a:t>신영주</a:t>
-            </a:r>
-            <a:r>
-              <a:rPr lang="en-US" altLang="ko-KR" sz="720" dirty="0"/>
-              <a:t>()</a:t>
-            </a:r>
-            <a:br>
-              <a:rPr lang="en-US" altLang="ko-KR" sz="720" dirty="0"/>
-            </a:br>
-            <a:r>
-              <a:rPr lang="en-US" altLang="ko-KR" sz="480" dirty="0"/>
-              <a:t>dongho971220@gmail.com, yjshin@kw.ac.kr</a:t>
-            </a:r>
-            <a:endParaRPr lang="ko-KR" altLang="en-US" sz="427" dirty="0"/>
-          </a:p>
-        </p:txBody>
-      </p:sp>
-      <p:sp>
-        <p:nvSpPr>
-          <p:cNvPr id="2" name="직사각형 1">
-            <a:extLst>
-              <a:ext uri="{FF2B5EF4-FFF2-40B4-BE49-F238E27FC236}">
-                <a16:creationId xmlns:a16="http://schemas.microsoft.com/office/drawing/2014/main" id="{15C9FEB3-0375-4D9A-B192-641EF8FF5D10}"/>
-              </a:ext>
-            </a:extLst>
-          </p:cNvPr>
-          <p:cNvSpPr/>
-          <p:nvPr/>
-        </p:nvSpPr>
-        <p:spPr>
-          <a:xfrm>
-            <a:off x="1179983" y="991299"/>
-            <a:ext cx="1928749" cy="666401"/>
-          </a:xfrm>
-          <a:prstGeom prst="rect">
-            <a:avLst/>
-          </a:prstGeom>
-        </p:spPr>
-        <p:txBody>
-          <a:bodyPr wrap="square">
-            <a:spAutoFit/>
-          </a:bodyPr>
-          <a:lstStyle/>
-          <a:p>
-            <a:pPr fontAlgn="base" latinLnBrk="1"/>
-            <a:r>
-              <a:rPr lang="en-US" altLang="ko-KR" sz="533" dirty="0"/>
-              <a:t>	</a:t>
-            </a:r>
-            <a:r>
-              <a:rPr lang="ko-KR" altLang="en-US" sz="533" dirty="0"/>
-              <a:t>네트워크 장비는 한번 공격이 이루어지면 장비를 경유하는 모든 패킷을 도청할 수 있게 되는 점에서 커다란 위험을 가지고 있다</a:t>
-            </a:r>
-            <a:r>
-              <a:rPr lang="en-US" altLang="ko-KR" sz="533" dirty="0"/>
-              <a:t>. </a:t>
-            </a:r>
-            <a:r>
-              <a:rPr lang="ko-KR" altLang="en-US" sz="533" dirty="0"/>
-              <a:t>본 논문에서는 이러한 도청 행위가 반드시 네트워크 장비의 인풋</a:t>
-            </a:r>
-            <a:r>
-              <a:rPr lang="en-US" altLang="ko-KR" sz="533" dirty="0"/>
-              <a:t>/</a:t>
-            </a:r>
-            <a:r>
-              <a:rPr lang="ko-KR" altLang="en-US" sz="533" dirty="0"/>
-              <a:t>아웃풋 트래픽에 영향을 줄 것이라 가정하고 </a:t>
-            </a:r>
-            <a:r>
-              <a:rPr lang="en-US" altLang="ko-KR" sz="533" dirty="0"/>
-              <a:t>SNMP (Simple Network Management Protocol)</a:t>
-            </a:r>
-            <a:r>
-              <a:rPr lang="ko-KR" altLang="en-US" sz="533" dirty="0"/>
-              <a:t>를 이용하여 동적 분석을 통한 해결책을 제시한다</a:t>
-            </a:r>
-            <a:r>
-              <a:rPr lang="en-US" altLang="ko-KR" sz="533" dirty="0"/>
-              <a:t>. </a:t>
-            </a:r>
-            <a:endParaRPr lang="ko-KR" altLang="en-US" sz="533" dirty="0"/>
-          </a:p>
-        </p:txBody>
-      </p:sp>
-      <p:sp>
-        <p:nvSpPr>
-          <p:cNvPr id="9" name="TextBox 8">
-            <a:extLst>
-              <a:ext uri="{FF2B5EF4-FFF2-40B4-BE49-F238E27FC236}">
-                <a16:creationId xmlns:a16="http://schemas.microsoft.com/office/drawing/2014/main" id="{A86208C8-641E-4524-B1C8-FB0181EBD872}"/>
-              </a:ext>
-            </a:extLst>
-          </p:cNvPr>
-          <p:cNvSpPr txBox="1"/>
-          <p:nvPr/>
-        </p:nvSpPr>
-        <p:spPr>
-          <a:xfrm>
-            <a:off x="771937" y="2299405"/>
-            <a:ext cx="663964" cy="227755"/>
-          </a:xfrm>
-          <a:prstGeom prst="rect">
-            <a:avLst/>
-          </a:prstGeom>
-          <a:noFill/>
-        </p:spPr>
-        <p:txBody>
-          <a:bodyPr wrap="none" rtlCol="0">
-            <a:spAutoFit/>
-          </a:bodyPr>
-          <a:lstStyle/>
-          <a:p>
-            <a:pPr algn="ctr"/>
-            <a:r>
-              <a:rPr lang="ko-KR" altLang="en-US" sz="880" b="1" dirty="0"/>
-              <a:t>환경 구성</a:t>
-            </a:r>
-            <a:endParaRPr lang="ko-KR" altLang="en-US" sz="373" dirty="0"/>
-          </a:p>
-        </p:txBody>
-      </p:sp>
-      <p:sp>
-        <p:nvSpPr>
-          <p:cNvPr id="3" name="TextBox 2">
-            <a:extLst>
-              <a:ext uri="{FF2B5EF4-FFF2-40B4-BE49-F238E27FC236}">
-                <a16:creationId xmlns:a16="http://schemas.microsoft.com/office/drawing/2014/main" id="{59779192-457E-4D76-AA0B-44E87845805F}"/>
-              </a:ext>
-            </a:extLst>
-          </p:cNvPr>
-          <p:cNvSpPr txBox="1"/>
-          <p:nvPr/>
-        </p:nvSpPr>
-        <p:spPr>
-          <a:xfrm>
-            <a:off x="123175" y="2493724"/>
-            <a:ext cx="1961488" cy="535531"/>
-          </a:xfrm>
-          <a:prstGeom prst="rect">
-            <a:avLst/>
-          </a:prstGeom>
-          <a:noFill/>
-        </p:spPr>
-        <p:txBody>
-          <a:bodyPr wrap="square" rtlCol="0">
-            <a:spAutoFit/>
-          </a:bodyPr>
-          <a:lstStyle/>
-          <a:p>
-            <a:pPr fontAlgn="base" latinLnBrk="1"/>
-            <a:r>
-              <a:rPr lang="en-US" altLang="ko-KR" sz="480" dirty="0"/>
-              <a:t>SNMP</a:t>
-            </a:r>
-            <a:r>
-              <a:rPr lang="ko-KR" altLang="en-US" sz="480" dirty="0"/>
-              <a:t>는 네트워크를 관리하기 위한 프로토콜로 상태 모니터링</a:t>
-            </a:r>
-            <a:r>
-              <a:rPr lang="en-US" altLang="ko-KR" sz="480" dirty="0"/>
-              <a:t>, </a:t>
-            </a:r>
-            <a:r>
-              <a:rPr lang="ko-KR" altLang="en-US" sz="480" dirty="0"/>
-              <a:t>제어 등 다양한 기능을 </a:t>
-            </a:r>
-            <a:r>
-              <a:rPr lang="en-US" altLang="ko-KR" sz="480" dirty="0"/>
-              <a:t>MIB (Management Information Base)</a:t>
-            </a:r>
-            <a:r>
-              <a:rPr lang="ko-KR" altLang="en-US" sz="480" dirty="0"/>
-              <a:t>을 통해 제공한다</a:t>
-            </a:r>
-            <a:r>
-              <a:rPr lang="en-US" altLang="ko-KR" sz="480" dirty="0"/>
-              <a:t>. </a:t>
-            </a:r>
-            <a:r>
-              <a:rPr lang="ko-KR" altLang="en-US" sz="480" dirty="0"/>
-              <a:t>본 논문에서는 트래픽을 모니터링 하기 위한 </a:t>
-            </a:r>
-            <a:r>
-              <a:rPr lang="en-US" altLang="ko-KR" sz="480" dirty="0"/>
-              <a:t>IF-MIB</a:t>
-            </a:r>
-            <a:r>
-              <a:rPr lang="ko-KR" altLang="en-US" sz="480" dirty="0"/>
-              <a:t>을 사용하며 네트워크 인터페이스별로 확인하기 위해 </a:t>
-            </a:r>
-            <a:r>
-              <a:rPr lang="en-US" altLang="ko-KR" sz="480" dirty="0"/>
-              <a:t>OID(Object Identifiers) 1.3.6.1.2.1.2.2.1 </a:t>
-            </a:r>
-            <a:r>
-              <a:rPr lang="ko-KR" altLang="en-US" sz="480" dirty="0"/>
-              <a:t>밑의 </a:t>
-            </a:r>
-            <a:r>
-              <a:rPr lang="en-US" altLang="ko-KR" sz="480" dirty="0" err="1"/>
-              <a:t>ifInUcastPkts</a:t>
-            </a:r>
-            <a:r>
-              <a:rPr lang="en-US" altLang="ko-KR" sz="480" dirty="0"/>
-              <a:t>/ </a:t>
-            </a:r>
-            <a:r>
-              <a:rPr lang="en-US" altLang="ko-KR" sz="480" dirty="0" err="1"/>
-              <a:t>ifOutUcastPkts</a:t>
-            </a:r>
-            <a:r>
-              <a:rPr lang="en-US" altLang="ko-KR" sz="480" dirty="0"/>
-              <a:t> (</a:t>
-            </a:r>
-            <a:r>
-              <a:rPr lang="ko-KR" altLang="en-US" sz="480" dirty="0"/>
-              <a:t>이하 </a:t>
-            </a:r>
-            <a:r>
-              <a:rPr lang="en-US" altLang="ko-KR" sz="480" i="1" dirty="0" err="1"/>
-              <a:t>InUpkt</a:t>
-            </a:r>
-            <a:r>
-              <a:rPr lang="en-US" altLang="ko-KR" sz="480" i="1" dirty="0"/>
-              <a:t>, </a:t>
-            </a:r>
-            <a:r>
-              <a:rPr lang="en-US" altLang="ko-KR" sz="480" i="1" dirty="0" err="1"/>
-              <a:t>OutUpkt</a:t>
-            </a:r>
-            <a:r>
-              <a:rPr lang="en-US" altLang="ko-KR" sz="480" dirty="0"/>
-              <a:t>)</a:t>
-            </a:r>
-            <a:r>
-              <a:rPr lang="ko-KR" altLang="en-US" sz="480" dirty="0"/>
-              <a:t>를 대상으로 하였다</a:t>
-            </a:r>
-            <a:r>
-              <a:rPr lang="en-US" altLang="ko-KR" sz="480" dirty="0"/>
-              <a:t>.</a:t>
-            </a:r>
-            <a:endParaRPr lang="ko-KR" altLang="en-US" sz="480" dirty="0"/>
-          </a:p>
-        </p:txBody>
-      </p:sp>
-      <p:sp>
-        <p:nvSpPr>
-          <p:cNvPr id="8" name="Rectangle 2">
-            <a:extLst>
-              <a:ext uri="{FF2B5EF4-FFF2-40B4-BE49-F238E27FC236}">
-                <a16:creationId xmlns:a16="http://schemas.microsoft.com/office/drawing/2014/main" id="{E0AEAB48-EF12-4190-BC99-668B299B34E5}"/>
+                <a16:creationId xmlns:a16="http://schemas.microsoft.com/office/drawing/2014/main" id="{CCD3B934-9F08-4CDF-B772-054A222553A9}"/>
               </a:ext>
             </a:extLst>
           </p:cNvPr>
@@ -5651,8 +4961,8 @@
         </p:nvSpPr>
         <p:spPr bwMode="auto">
           <a:xfrm>
-            <a:off x="191945" y="2297502"/>
-            <a:ext cx="8297503" cy="27700"/>
+            <a:off x="0" y="0"/>
+            <a:ext cx="15119350" cy="457200"/>
           </a:xfrm>
           <a:prstGeom prst="rect">
             <a:avLst/>
@@ -5692,7 +5002,7 @@
           </a:extLst>
         </p:spPr>
         <p:txBody>
-          <a:bodyPr vert="horz" wrap="square" lIns="12191" tIns="6096" rIns="12191" bIns="6096" numCol="1" anchor="ctr" anchorCtr="0" compatLnSpc="1">
+          <a:bodyPr vert="horz" wrap="none" lIns="91440" tIns="45720" rIns="91440" bIns="45720" numCol="1" anchor="ctr" anchorCtr="0" compatLnSpc="1">
             <a:prstTxWarp prst="textNoShape">
               <a:avLst/>
             </a:prstTxWarp>
@@ -5700,16 +5010,16 @@
           </a:bodyPr>
           <a:lstStyle/>
           <a:p>
-            <a:endParaRPr lang="ko-KR" altLang="en-US" sz="100"/>
+            <a:endParaRPr lang="ko-KR" altLang="en-US"/>
           </a:p>
         </p:txBody>
       </p:sp>
       <p:pic>
         <p:nvPicPr>
-          <p:cNvPr id="1025" name="_x291184488" descr="EMB00001b983521">
+          <p:cNvPr id="3073" name="_x328103624" descr="EMB00004f4c3d44">
             <a:extLst>
               <a:ext uri="{FF2B5EF4-FFF2-40B4-BE49-F238E27FC236}">
-                <a16:creationId xmlns:a16="http://schemas.microsoft.com/office/drawing/2014/main" id="{16240D70-9E0A-4D24-892A-872A4D75502E}"/>
+                <a16:creationId xmlns:a16="http://schemas.microsoft.com/office/drawing/2014/main" id="{22C403BD-5CBC-4614-BD45-2B5AEBAD0BDC}"/>
               </a:ext>
             </a:extLst>
           </p:cNvPr>
@@ -5733,8 +5043,2947 @@
         </p:blipFill>
         <p:spPr bwMode="auto">
           <a:xfrm>
-            <a:off x="154908" y="2949199"/>
-            <a:ext cx="728947" cy="688068"/>
+            <a:off x="9076434" y="2389188"/>
+            <a:ext cx="5500254" cy="6604783"/>
+          </a:xfrm>
+          <a:prstGeom prst="rect">
+            <a:avLst/>
+          </a:prstGeom>
+          <a:ln w="38100" cap="sq">
+            <a:solidFill>
+              <a:srgbClr val="000000"/>
+            </a:solidFill>
+            <a:prstDash val="solid"/>
+            <a:miter lim="800000"/>
+          </a:ln>
+          <a:effectLst>
+            <a:outerShdw blurRad="50800" dist="38100" dir="2700000" algn="tl" rotWithShape="0">
+              <a:srgbClr val="000000">
+                <a:alpha val="43000"/>
+              </a:srgbClr>
+            </a:outerShdw>
+          </a:effectLst>
+          <a:extLst>
+            <a:ext uri="{909E8E84-426E-40DD-AFC4-6F175D3DCCD1}">
+              <a14:hiddenFill xmlns:a14="http://schemas.microsoft.com/office/drawing/2010/main">
+                <a:solidFill>
+                  <a:srgbClr val="FFFFFF"/>
+                </a:solidFill>
+              </a14:hiddenFill>
+            </a:ext>
+          </a:extLst>
+        </p:spPr>
+      </p:pic>
+      <p:sp>
+        <p:nvSpPr>
+          <p:cNvPr id="7" name="제목 3">
+            <a:extLst>
+              <a:ext uri="{FF2B5EF4-FFF2-40B4-BE49-F238E27FC236}">
+                <a16:creationId xmlns:a16="http://schemas.microsoft.com/office/drawing/2014/main" id="{6B1FF5AD-1651-4DEE-8E0E-8895904DD0A9}"/>
+              </a:ext>
+            </a:extLst>
+          </p:cNvPr>
+          <p:cNvSpPr>
+            <a:spLocks noGrp="1"/>
+          </p:cNvSpPr>
+          <p:nvPr>
+            <p:ph type="title"/>
+          </p:nvPr>
+        </p:nvSpPr>
+        <p:spPr>
+          <a:xfrm>
+            <a:off x="540000" y="0"/>
+            <a:ext cx="4876384" cy="2494756"/>
+          </a:xfrm>
+        </p:spPr>
+        <p:txBody>
+          <a:bodyPr>
+            <a:normAutofit/>
+          </a:bodyPr>
+          <a:lstStyle/>
+          <a:p>
+            <a:r>
+              <a:rPr lang="en-US" altLang="ko-KR" sz="6600" dirty="0"/>
+              <a:t>4.</a:t>
+            </a:r>
+            <a:r>
+              <a:rPr lang="ko-KR" altLang="en-US" sz="6600" dirty="0"/>
+              <a:t> 실험 환경</a:t>
+            </a:r>
+          </a:p>
+        </p:txBody>
+      </p:sp>
+      <p:sp>
+        <p:nvSpPr>
+          <p:cNvPr id="6" name="TextBox 5">
+            <a:extLst>
+              <a:ext uri="{FF2B5EF4-FFF2-40B4-BE49-F238E27FC236}">
+                <a16:creationId xmlns:a16="http://schemas.microsoft.com/office/drawing/2014/main" id="{C5399326-35AD-4435-960E-C23EB1E9B3F9}"/>
+              </a:ext>
+            </a:extLst>
+          </p:cNvPr>
+          <p:cNvSpPr txBox="1"/>
+          <p:nvPr/>
+        </p:nvSpPr>
+        <p:spPr>
+          <a:xfrm>
+            <a:off x="1565564" y="4294909"/>
+            <a:ext cx="184731" cy="369332"/>
+          </a:xfrm>
+          <a:prstGeom prst="rect">
+            <a:avLst/>
+          </a:prstGeom>
+          <a:noFill/>
+        </p:spPr>
+        <p:txBody>
+          <a:bodyPr wrap="none" rtlCol="0">
+            <a:spAutoFit/>
+          </a:bodyPr>
+          <a:lstStyle/>
+          <a:p>
+            <a:endParaRPr lang="ko-KR" altLang="en-US" dirty="0"/>
+          </a:p>
+        </p:txBody>
+      </p:sp>
+      <p:sp>
+        <p:nvSpPr>
+          <p:cNvPr id="14" name="TextBox 13">
+            <a:extLst>
+              <a:ext uri="{FF2B5EF4-FFF2-40B4-BE49-F238E27FC236}">
+                <a16:creationId xmlns:a16="http://schemas.microsoft.com/office/drawing/2014/main" id="{627E3BB9-2871-42E1-B6DA-6AF1DA5C9516}"/>
+              </a:ext>
+            </a:extLst>
+          </p:cNvPr>
+          <p:cNvSpPr txBox="1"/>
+          <p:nvPr/>
+        </p:nvSpPr>
+        <p:spPr>
+          <a:xfrm>
+            <a:off x="833607" y="2494756"/>
+            <a:ext cx="8604176" cy="6863417"/>
+          </a:xfrm>
+          <a:prstGeom prst="rect">
+            <a:avLst/>
+          </a:prstGeom>
+          <a:noFill/>
+        </p:spPr>
+        <p:txBody>
+          <a:bodyPr wrap="square" rtlCol="0">
+            <a:spAutoFit/>
+          </a:bodyPr>
+          <a:lstStyle/>
+          <a:p>
+            <a:r>
+              <a:rPr lang="ko-KR" altLang="en-US" sz="4000" dirty="0"/>
+              <a:t>실제 환경에서 백도어를 심는 대신</a:t>
+            </a:r>
+            <a:endParaRPr lang="en-US" altLang="ko-KR" sz="4000" dirty="0"/>
+          </a:p>
+          <a:p>
+            <a:r>
+              <a:rPr lang="ko-KR" altLang="en-US" sz="4000" dirty="0"/>
+              <a:t> 네트워크 에뮬레이터인 </a:t>
+            </a:r>
+            <a:r>
+              <a:rPr lang="en-US" altLang="ko-KR" sz="4000" dirty="0"/>
+              <a:t>GNS3</a:t>
+            </a:r>
+            <a:r>
+              <a:rPr lang="ko-KR" altLang="en-US" sz="4000" dirty="0"/>
+              <a:t>에서</a:t>
+            </a:r>
+            <a:endParaRPr lang="en-US" altLang="ko-KR" sz="4000" dirty="0"/>
+          </a:p>
+          <a:p>
+            <a:r>
+              <a:rPr lang="ko-KR" altLang="en-US" sz="4000" dirty="0"/>
+              <a:t>오른쪽 그림과 같은 모의 시나리오를</a:t>
+            </a:r>
+            <a:endParaRPr lang="en-US" altLang="ko-KR" sz="4000" dirty="0"/>
+          </a:p>
+          <a:p>
+            <a:r>
+              <a:rPr lang="ko-KR" altLang="en-US" sz="4000" dirty="0"/>
+              <a:t>구축하여 실험을 진행하였다</a:t>
+            </a:r>
+            <a:r>
+              <a:rPr lang="en-US" altLang="ko-KR" sz="4000" dirty="0"/>
+              <a:t>.</a:t>
+            </a:r>
+          </a:p>
+          <a:p>
+            <a:endParaRPr lang="en-US" altLang="ko-KR" sz="4000" dirty="0"/>
+          </a:p>
+          <a:p>
+            <a:r>
+              <a:rPr lang="en-US" altLang="ko-KR" sz="4000" dirty="0"/>
+              <a:t>Alice</a:t>
+            </a:r>
+            <a:r>
+              <a:rPr lang="ko-KR" altLang="en-US" sz="4000" dirty="0"/>
+              <a:t>와 </a:t>
+            </a:r>
+            <a:r>
+              <a:rPr lang="en-US" altLang="ko-KR" sz="4000" dirty="0"/>
+              <a:t>Bob</a:t>
+            </a:r>
+            <a:r>
+              <a:rPr lang="ko-KR" altLang="en-US" sz="4000" dirty="0"/>
+              <a:t>은 데이터를 주고 받는</a:t>
+            </a:r>
+            <a:endParaRPr lang="en-US" altLang="ko-KR" sz="4000" dirty="0"/>
+          </a:p>
+          <a:p>
+            <a:r>
+              <a:rPr lang="ko-KR" altLang="en-US" sz="4000" dirty="0"/>
+              <a:t>평범한 상황이며</a:t>
+            </a:r>
+            <a:r>
+              <a:rPr lang="en-US" altLang="ko-KR" sz="4000" dirty="0"/>
+              <a:t>, </a:t>
+            </a:r>
+            <a:r>
+              <a:rPr lang="en-US" altLang="ko-KR" sz="4000" dirty="0">
+                <a:solidFill>
+                  <a:srgbClr val="FF0000"/>
+                </a:solidFill>
+              </a:rPr>
+              <a:t>Cloud1</a:t>
+            </a:r>
+            <a:r>
+              <a:rPr lang="ko-KR" altLang="en-US" sz="4000" dirty="0">
+                <a:solidFill>
+                  <a:srgbClr val="FF0000"/>
+                </a:solidFill>
+              </a:rPr>
+              <a:t>은 </a:t>
+            </a:r>
+            <a:r>
+              <a:rPr lang="en-US" altLang="ko-KR" sz="4000" dirty="0">
+                <a:solidFill>
+                  <a:srgbClr val="FF0000"/>
+                </a:solidFill>
+              </a:rPr>
+              <a:t>SNMP Manager</a:t>
+            </a:r>
+            <a:r>
+              <a:rPr lang="ko-KR" altLang="en-US" sz="4000" dirty="0"/>
+              <a:t>의 역할을 한다</a:t>
+            </a:r>
+            <a:r>
+              <a:rPr lang="en-US" altLang="ko-KR" sz="4000" dirty="0"/>
+              <a:t>.</a:t>
+            </a:r>
+          </a:p>
+          <a:p>
+            <a:r>
+              <a:rPr lang="ko-KR" altLang="en-US" sz="4000" dirty="0"/>
+              <a:t>이때 </a:t>
+            </a:r>
+            <a:r>
+              <a:rPr lang="en-US" altLang="ko-KR" sz="4000" dirty="0">
+                <a:solidFill>
+                  <a:srgbClr val="FF0000"/>
+                </a:solidFill>
+              </a:rPr>
+              <a:t>R2</a:t>
+            </a:r>
+            <a:r>
+              <a:rPr lang="ko-KR" altLang="en-US" sz="4000" dirty="0">
+                <a:solidFill>
+                  <a:srgbClr val="FF0000"/>
+                </a:solidFill>
+              </a:rPr>
+              <a:t>가 공격받은 라우터</a:t>
+            </a:r>
+            <a:r>
+              <a:rPr lang="ko-KR" altLang="en-US" sz="4000" dirty="0"/>
+              <a:t>이며 주기적으로 </a:t>
+            </a:r>
+            <a:r>
+              <a:rPr lang="en-US" altLang="ko-KR" sz="4000" dirty="0"/>
+              <a:t>Eve</a:t>
+            </a:r>
+            <a:r>
+              <a:rPr lang="ko-KR" altLang="en-US" sz="4000" dirty="0"/>
+              <a:t>에게 데이터를 전송하게끔 설정하였다</a:t>
+            </a:r>
+            <a:r>
+              <a:rPr lang="en-US" altLang="ko-KR" sz="4000" dirty="0"/>
+              <a:t>.</a:t>
+            </a:r>
+            <a:endParaRPr lang="ko-KR" altLang="en-US" sz="4000" dirty="0"/>
+          </a:p>
+        </p:txBody>
+      </p:sp>
+      <p:sp>
+        <p:nvSpPr>
+          <p:cNvPr id="17" name="TextBox 16">
+            <a:extLst>
+              <a:ext uri="{FF2B5EF4-FFF2-40B4-BE49-F238E27FC236}">
+                <a16:creationId xmlns:a16="http://schemas.microsoft.com/office/drawing/2014/main" id="{43090EEA-690F-4FF7-9A1D-15FAA5193423}"/>
+              </a:ext>
+            </a:extLst>
+          </p:cNvPr>
+          <p:cNvSpPr txBox="1"/>
+          <p:nvPr/>
+        </p:nvSpPr>
+        <p:spPr>
+          <a:xfrm>
+            <a:off x="9650324" y="9173507"/>
+            <a:ext cx="4544834" cy="400110"/>
+          </a:xfrm>
+          <a:prstGeom prst="rect">
+            <a:avLst/>
+          </a:prstGeom>
+          <a:noFill/>
+        </p:spPr>
+        <p:txBody>
+          <a:bodyPr wrap="none" rtlCol="0">
+            <a:spAutoFit/>
+          </a:bodyPr>
+          <a:lstStyle/>
+          <a:p>
+            <a:pPr fontAlgn="base"/>
+            <a:r>
+              <a:rPr lang="en-US" altLang="ko-KR" sz="2000" dirty="0"/>
+              <a:t>[</a:t>
+            </a:r>
+            <a:r>
+              <a:rPr lang="ko-KR" altLang="en-US" sz="2000" dirty="0"/>
+              <a:t>그림 </a:t>
+            </a:r>
+            <a:r>
+              <a:rPr lang="en-US" altLang="ko-KR" sz="2000" dirty="0"/>
+              <a:t>1] GNS3 </a:t>
+            </a:r>
+            <a:r>
+              <a:rPr lang="ko-KR" altLang="en-US" sz="2000" dirty="0"/>
+              <a:t>모의 시나리오 토폴로지</a:t>
+            </a:r>
+          </a:p>
+        </p:txBody>
+      </p:sp>
+    </p:spTree>
+    <p:extLst>
+      <p:ext uri="{BB962C8B-B14F-4D97-AF65-F5344CB8AC3E}">
+        <p14:creationId xmlns:p14="http://schemas.microsoft.com/office/powerpoint/2010/main" val="2435607907"/>
+      </p:ext>
+    </p:extLst>
+  </p:cSld>
+  <p:clrMapOvr>
+    <a:masterClrMapping/>
+  </p:clrMapOvr>
+</p:sld>
+</file>
+
+<file path=ppt/slides/slide6.xml><?xml version="1.0" encoding="utf-8"?>
+<p:sld xmlns:a="http://schemas.openxmlformats.org/drawingml/2006/main" xmlns:r="http://schemas.openxmlformats.org/officeDocument/2006/relationships" xmlns:p="http://schemas.openxmlformats.org/presentationml/2006/main">
+  <p:cSld>
+    <p:spTree>
+      <p:nvGrpSpPr>
+        <p:cNvPr id="1" name=""/>
+        <p:cNvGrpSpPr/>
+        <p:nvPr/>
+      </p:nvGrpSpPr>
+      <p:grpSpPr>
+        <a:xfrm>
+          <a:off x="0" y="0"/>
+          <a:ext cx="0" cy="0"/>
+          <a:chOff x="0" y="0"/>
+          <a:chExt cx="0" cy="0"/>
+        </a:xfrm>
+      </p:grpSpPr>
+      <p:sp>
+        <p:nvSpPr>
+          <p:cNvPr id="5" name="제목 3">
+            <a:extLst>
+              <a:ext uri="{FF2B5EF4-FFF2-40B4-BE49-F238E27FC236}">
+                <a16:creationId xmlns:a16="http://schemas.microsoft.com/office/drawing/2014/main" id="{F924C449-29B7-4135-AE7C-7A06C60D98A2}"/>
+              </a:ext>
+            </a:extLst>
+          </p:cNvPr>
+          <p:cNvSpPr>
+            <a:spLocks noGrp="1"/>
+          </p:cNvSpPr>
+          <p:nvPr>
+            <p:ph type="title"/>
+          </p:nvPr>
+        </p:nvSpPr>
+        <p:spPr>
+          <a:xfrm>
+            <a:off x="540000" y="0"/>
+            <a:ext cx="4876384" cy="2494756"/>
+          </a:xfrm>
+        </p:spPr>
+        <p:txBody>
+          <a:bodyPr>
+            <a:normAutofit/>
+          </a:bodyPr>
+          <a:lstStyle/>
+          <a:p>
+            <a:r>
+              <a:rPr lang="en-US" altLang="ko-KR" sz="6600" dirty="0"/>
+              <a:t>5.</a:t>
+            </a:r>
+            <a:r>
+              <a:rPr lang="ko-KR" altLang="en-US" sz="6600" dirty="0"/>
+              <a:t> 실험 방법</a:t>
+            </a:r>
+          </a:p>
+        </p:txBody>
+      </p:sp>
+      <p:sp>
+        <p:nvSpPr>
+          <p:cNvPr id="12" name="TextBox 11">
+            <a:extLst>
+              <a:ext uri="{FF2B5EF4-FFF2-40B4-BE49-F238E27FC236}">
+                <a16:creationId xmlns:a16="http://schemas.microsoft.com/office/drawing/2014/main" id="{C10A8FFF-AF3E-46C0-96E2-E972233DEB18}"/>
+              </a:ext>
+            </a:extLst>
+          </p:cNvPr>
+          <p:cNvSpPr txBox="1"/>
+          <p:nvPr/>
+        </p:nvSpPr>
+        <p:spPr>
+          <a:xfrm>
+            <a:off x="440332" y="2064329"/>
+            <a:ext cx="14533146" cy="2677656"/>
+          </a:xfrm>
+          <a:prstGeom prst="rect">
+            <a:avLst/>
+          </a:prstGeom>
+          <a:noFill/>
+        </p:spPr>
+        <p:txBody>
+          <a:bodyPr wrap="none" rtlCol="0">
+            <a:spAutoFit/>
+          </a:bodyPr>
+          <a:lstStyle/>
+          <a:p>
+            <a:pPr marL="342900" indent="-342900">
+              <a:buFont typeface="+mj-ea"/>
+              <a:buAutoNum type="circleNumDbPlain"/>
+            </a:pPr>
+            <a:r>
+              <a:rPr lang="ko-KR" altLang="en-US" sz="2400" dirty="0"/>
+              <a:t>네트워크를 </a:t>
+            </a:r>
+            <a:r>
+              <a:rPr lang="ko-KR" altLang="en-US" sz="2400" dirty="0">
+                <a:solidFill>
+                  <a:srgbClr val="FF0000"/>
+                </a:solidFill>
+              </a:rPr>
+              <a:t>그림</a:t>
+            </a:r>
+            <a:r>
+              <a:rPr lang="en-US" altLang="ko-KR" sz="2400" dirty="0">
+                <a:solidFill>
+                  <a:srgbClr val="FF0000"/>
+                </a:solidFill>
+              </a:rPr>
+              <a:t>1</a:t>
+            </a:r>
+            <a:r>
+              <a:rPr lang="ko-KR" altLang="en-US" sz="2400" dirty="0">
+                <a:solidFill>
+                  <a:srgbClr val="FF0000"/>
+                </a:solidFill>
+              </a:rPr>
+              <a:t>과 같이 구성</a:t>
+            </a:r>
+            <a:r>
+              <a:rPr lang="ko-KR" altLang="en-US" sz="2400" dirty="0"/>
+              <a:t>한다</a:t>
+            </a:r>
+            <a:r>
+              <a:rPr lang="en-US" altLang="ko-KR" sz="2400" dirty="0"/>
+              <a:t>.</a:t>
+            </a:r>
+          </a:p>
+          <a:p>
+            <a:pPr marL="342900" indent="-342900">
+              <a:buFont typeface="+mj-ea"/>
+              <a:buAutoNum type="circleNumDbPlain"/>
+            </a:pPr>
+            <a:r>
+              <a:rPr lang="ko-KR" altLang="en-US" sz="2400" dirty="0"/>
+              <a:t>다양한 네트워크 상황을 실험하기 위해 </a:t>
+            </a:r>
+            <a:r>
+              <a:rPr lang="en-US" altLang="ko-KR" sz="2400" dirty="0">
+                <a:solidFill>
+                  <a:srgbClr val="FF0000"/>
+                </a:solidFill>
+              </a:rPr>
+              <a:t>5</a:t>
+            </a:r>
+            <a:r>
+              <a:rPr lang="ko-KR" altLang="en-US" sz="2400" dirty="0">
+                <a:solidFill>
+                  <a:srgbClr val="FF0000"/>
+                </a:solidFill>
+              </a:rPr>
+              <a:t>가지 종류의 트래픽 환경을 구성</a:t>
+            </a:r>
+            <a:r>
+              <a:rPr lang="ko-KR" altLang="en-US" sz="2400" dirty="0"/>
+              <a:t>한다</a:t>
+            </a:r>
+            <a:r>
+              <a:rPr lang="en-US" altLang="ko-KR" sz="2400" dirty="0"/>
+              <a:t>.</a:t>
+            </a:r>
+          </a:p>
+          <a:p>
+            <a:pPr marL="342900" indent="-342900">
+              <a:buFont typeface="+mj-ea"/>
+              <a:buAutoNum type="circleNumDbPlain"/>
+            </a:pPr>
+            <a:r>
+              <a:rPr lang="ko-KR" altLang="en-US" sz="2400" dirty="0"/>
+              <a:t>여기서는 패킷 내용이 아닌 패킷의 흐름만을 모니터링 하므로 도청 행위는 </a:t>
+            </a:r>
+            <a:r>
+              <a:rPr lang="en-US" altLang="ko-KR" sz="2400" dirty="0">
+                <a:solidFill>
+                  <a:srgbClr val="FF0000"/>
+                </a:solidFill>
+              </a:rPr>
+              <a:t>ping</a:t>
+            </a:r>
+            <a:r>
+              <a:rPr lang="ko-KR" altLang="en-US" sz="2400" dirty="0">
+                <a:solidFill>
+                  <a:srgbClr val="FF0000"/>
+                </a:solidFill>
+              </a:rPr>
+              <a:t>을 날리는 것으로 대신</a:t>
+            </a:r>
+            <a:r>
+              <a:rPr lang="ko-KR" altLang="en-US" sz="2400" dirty="0"/>
+              <a:t>한다</a:t>
+            </a:r>
+            <a:r>
+              <a:rPr lang="en-US" altLang="ko-KR" sz="2400" dirty="0"/>
+              <a:t>.</a:t>
+            </a:r>
+          </a:p>
+          <a:p>
+            <a:pPr marL="342900" indent="-342900">
+              <a:buFont typeface="+mj-ea"/>
+              <a:buAutoNum type="circleNumDbPlain"/>
+            </a:pPr>
+            <a:r>
+              <a:rPr lang="ko-KR" altLang="en-US" sz="2400" dirty="0"/>
+              <a:t>라우터가 </a:t>
+            </a:r>
+            <a:r>
+              <a:rPr lang="ko-KR" altLang="en-US" sz="2400" dirty="0">
+                <a:solidFill>
+                  <a:srgbClr val="FF0000"/>
+                </a:solidFill>
+              </a:rPr>
+              <a:t>실시간으로 도청되는 경우</a:t>
+            </a:r>
+            <a:r>
+              <a:rPr lang="ko-KR" altLang="en-US" sz="2400" dirty="0"/>
+              <a:t>와 </a:t>
+            </a:r>
+            <a:r>
+              <a:rPr lang="ko-KR" altLang="en-US" sz="2400" dirty="0">
+                <a:solidFill>
+                  <a:srgbClr val="FF0000"/>
+                </a:solidFill>
+              </a:rPr>
+              <a:t>일정 주기마다 도청되는 경우</a:t>
+            </a:r>
+            <a:r>
+              <a:rPr lang="ko-KR" altLang="en-US" sz="2400" dirty="0"/>
+              <a:t>를 가정하여</a:t>
+            </a:r>
+            <a:r>
+              <a:rPr lang="en-US" altLang="ko-KR" sz="2400" dirty="0"/>
+              <a:t> </a:t>
+            </a:r>
+            <a:r>
+              <a:rPr lang="ko-KR" altLang="en-US" sz="2400" dirty="0"/>
+              <a:t>두 종류의 패킷을 보낸다</a:t>
+            </a:r>
+            <a:r>
+              <a:rPr lang="en-US" altLang="ko-KR" sz="2400" dirty="0"/>
+              <a:t>.</a:t>
+            </a:r>
+          </a:p>
+          <a:p>
+            <a:pPr marL="342900" indent="-342900">
+              <a:buFont typeface="+mj-ea"/>
+              <a:buAutoNum type="circleNumDbPlain"/>
+            </a:pPr>
+            <a:r>
+              <a:rPr lang="ko-KR" altLang="en-US" sz="2400" dirty="0">
+                <a:solidFill>
+                  <a:srgbClr val="FF0000"/>
+                </a:solidFill>
+              </a:rPr>
+              <a:t>③과 ④의 자동화</a:t>
+            </a:r>
+            <a:r>
+              <a:rPr lang="ko-KR" altLang="en-US" sz="2400" dirty="0"/>
+              <a:t>를</a:t>
+            </a:r>
+            <a:r>
+              <a:rPr lang="ko-KR" altLang="en-US" sz="2400" dirty="0">
+                <a:solidFill>
+                  <a:srgbClr val="FF0000"/>
+                </a:solidFill>
+              </a:rPr>
+              <a:t> </a:t>
+            </a:r>
+            <a:r>
+              <a:rPr lang="ko-KR" altLang="en-US" sz="2400" dirty="0"/>
+              <a:t>위해 </a:t>
+            </a:r>
+            <a:r>
+              <a:rPr lang="en-US" altLang="ko-KR" sz="2400" dirty="0"/>
+              <a:t>R2 f0/0 </a:t>
+            </a:r>
+            <a:r>
+              <a:rPr lang="ko-KR" altLang="en-US" sz="2400" dirty="0"/>
+              <a:t>인터페이스는 제어 목적으로 사용하므로 모니터링에서 제외한다</a:t>
+            </a:r>
+            <a:r>
+              <a:rPr lang="en-US" altLang="ko-KR" sz="2400" dirty="0"/>
+              <a:t>.</a:t>
+            </a:r>
+            <a:br>
+              <a:rPr lang="en-US" altLang="ko-KR" sz="2400" dirty="0"/>
+            </a:br>
+            <a:r>
+              <a:rPr lang="ko-KR" altLang="en-US" sz="2400" dirty="0"/>
+              <a:t>이 때 자동화는 </a:t>
+            </a:r>
+            <a:r>
+              <a:rPr lang="en-US" altLang="ko-KR" sz="2400" dirty="0"/>
+              <a:t>Python</a:t>
+            </a:r>
+            <a:r>
+              <a:rPr lang="ko-KR" altLang="en-US" sz="2400" dirty="0"/>
+              <a:t>을 통해 작업했으며 필요한 클래스는 따로 직접 작성하였다</a:t>
+            </a:r>
+            <a:r>
+              <a:rPr lang="en-US" altLang="ko-KR" sz="2400" dirty="0"/>
+              <a:t>.</a:t>
+            </a:r>
+          </a:p>
+          <a:p>
+            <a:pPr marL="342900" indent="-342900">
+              <a:buFont typeface="+mj-ea"/>
+              <a:buAutoNum type="circleNumDbPlain"/>
+            </a:pPr>
+            <a:r>
+              <a:rPr lang="en-US" altLang="ko-KR" sz="2400" dirty="0">
+                <a:solidFill>
+                  <a:srgbClr val="FF0000"/>
+                </a:solidFill>
+              </a:rPr>
+              <a:t>10</a:t>
+            </a:r>
+            <a:r>
+              <a:rPr lang="ko-KR" altLang="en-US" sz="2400" dirty="0">
+                <a:solidFill>
+                  <a:srgbClr val="FF0000"/>
+                </a:solidFill>
+              </a:rPr>
+              <a:t>초 주기로 </a:t>
+            </a:r>
+            <a:r>
+              <a:rPr lang="en-US" altLang="ko-KR" sz="2400" dirty="0">
+                <a:solidFill>
+                  <a:srgbClr val="FF0000"/>
+                </a:solidFill>
+              </a:rPr>
+              <a:t>SNMP </a:t>
+            </a:r>
+            <a:r>
+              <a:rPr lang="ko-KR" altLang="en-US" sz="2400" dirty="0">
+                <a:solidFill>
+                  <a:srgbClr val="FF0000"/>
+                </a:solidFill>
+              </a:rPr>
+              <a:t>모니터링을 진행</a:t>
+            </a:r>
+            <a:r>
+              <a:rPr lang="ko-KR" altLang="en-US" sz="2400" dirty="0"/>
+              <a:t>한다</a:t>
+            </a:r>
+            <a:r>
+              <a:rPr lang="en-US" altLang="ko-KR" sz="2400" dirty="0"/>
+              <a:t>. </a:t>
+            </a:r>
+            <a:r>
+              <a:rPr lang="ko-KR" altLang="en-US" sz="2400" dirty="0"/>
+              <a:t>왜냐하면 </a:t>
+            </a:r>
+            <a:r>
+              <a:rPr lang="en-US" altLang="ko-KR" sz="2400" dirty="0"/>
+              <a:t>IF-MIB</a:t>
+            </a:r>
+            <a:r>
+              <a:rPr lang="ko-KR" altLang="en-US" sz="2400" dirty="0"/>
+              <a:t>의 최소 업데이트 주기가 </a:t>
+            </a:r>
+            <a:r>
+              <a:rPr lang="en-US" altLang="ko-KR" sz="2400" dirty="0"/>
+              <a:t>10</a:t>
+            </a:r>
+            <a:r>
+              <a:rPr lang="ko-KR" altLang="en-US" sz="2400" dirty="0"/>
+              <a:t>초이기 때문이다</a:t>
+            </a:r>
+            <a:r>
+              <a:rPr lang="en-US" altLang="ko-KR" sz="2400" dirty="0"/>
+              <a:t>.</a:t>
+            </a:r>
+            <a:endParaRPr lang="ko-KR" altLang="en-US" sz="2400" dirty="0"/>
+          </a:p>
+        </p:txBody>
+      </p:sp>
+      <p:pic>
+        <p:nvPicPr>
+          <p:cNvPr id="14" name="그림 13">
+            <a:extLst>
+              <a:ext uri="{FF2B5EF4-FFF2-40B4-BE49-F238E27FC236}">
+                <a16:creationId xmlns:a16="http://schemas.microsoft.com/office/drawing/2014/main" id="{C2CC7A89-D140-4A45-B948-3274D8B1B2D3}"/>
+              </a:ext>
+            </a:extLst>
+          </p:cNvPr>
+          <p:cNvPicPr>
+            <a:picLocks noChangeAspect="1"/>
+          </p:cNvPicPr>
+          <p:nvPr/>
+        </p:nvPicPr>
+        <p:blipFill>
+          <a:blip r:embed="rId2"/>
+          <a:stretch>
+            <a:fillRect/>
+          </a:stretch>
+        </p:blipFill>
+        <p:spPr>
+          <a:xfrm>
+            <a:off x="577851" y="5569877"/>
+            <a:ext cx="7342803" cy="3636341"/>
+          </a:xfrm>
+          <a:prstGeom prst="rect">
+            <a:avLst/>
+          </a:prstGeom>
+          <a:ln w="38100" cap="sq">
+            <a:solidFill>
+              <a:srgbClr val="000000"/>
+            </a:solidFill>
+            <a:prstDash val="solid"/>
+            <a:miter lim="800000"/>
+          </a:ln>
+          <a:effectLst>
+            <a:outerShdw blurRad="50800" dist="38100" dir="2700000" algn="tl" rotWithShape="0">
+              <a:srgbClr val="000000">
+                <a:alpha val="43000"/>
+              </a:srgbClr>
+            </a:outerShdw>
+          </a:effectLst>
+        </p:spPr>
+      </p:pic>
+      <p:graphicFrame>
+        <p:nvGraphicFramePr>
+          <p:cNvPr id="16" name="표 15">
+            <a:extLst>
+              <a:ext uri="{FF2B5EF4-FFF2-40B4-BE49-F238E27FC236}">
+                <a16:creationId xmlns:a16="http://schemas.microsoft.com/office/drawing/2014/main" id="{81B8C1A7-2592-432B-8360-3FADA8FDFAC0}"/>
+              </a:ext>
+            </a:extLst>
+          </p:cNvPr>
+          <p:cNvGraphicFramePr>
+            <a:graphicFrameLocks noGrp="1"/>
+          </p:cNvGraphicFramePr>
+          <p:nvPr>
+            <p:extLst>
+              <p:ext uri="{D42A27DB-BD31-4B8C-83A1-F6EECF244321}">
+                <p14:modId xmlns:p14="http://schemas.microsoft.com/office/powerpoint/2010/main" val="1377982923"/>
+              </p:ext>
+            </p:extLst>
+          </p:nvPr>
+        </p:nvGraphicFramePr>
+        <p:xfrm>
+          <a:off x="8143875" y="4991142"/>
+          <a:ext cx="6685634" cy="2917000"/>
+        </p:xfrm>
+        <a:graphic>
+          <a:graphicData uri="http://schemas.openxmlformats.org/drawingml/2006/table">
+            <a:tbl>
+              <a:tblPr firstRow="1" bandRow="1">
+                <a:tableStyleId>{073A0DAA-6AF3-43AB-8588-CEC1D06C72B9}</a:tableStyleId>
+              </a:tblPr>
+              <a:tblGrid>
+                <a:gridCol w="699183">
+                  <a:extLst>
+                    <a:ext uri="{9D8B030D-6E8A-4147-A177-3AD203B41FA5}">
+                      <a16:colId xmlns:a16="http://schemas.microsoft.com/office/drawing/2014/main" val="1614351169"/>
+                    </a:ext>
+                  </a:extLst>
+                </a:gridCol>
+                <a:gridCol w="3854370">
+                  <a:extLst>
+                    <a:ext uri="{9D8B030D-6E8A-4147-A177-3AD203B41FA5}">
+                      <a16:colId xmlns:a16="http://schemas.microsoft.com/office/drawing/2014/main" val="4166617116"/>
+                    </a:ext>
+                  </a:extLst>
+                </a:gridCol>
+                <a:gridCol w="2132081">
+                  <a:extLst>
+                    <a:ext uri="{9D8B030D-6E8A-4147-A177-3AD203B41FA5}">
+                      <a16:colId xmlns:a16="http://schemas.microsoft.com/office/drawing/2014/main" val="949321290"/>
+                    </a:ext>
+                  </a:extLst>
+                </a:gridCol>
+              </a:tblGrid>
+              <a:tr h="421328">
+                <a:tc gridSpan="3">
+                  <a:txBody>
+                    <a:bodyPr/>
+                    <a:lstStyle/>
+                    <a:p>
+                      <a:pPr algn="ctr" latinLnBrk="1"/>
+                      <a:r>
+                        <a:rPr lang="ko-KR" altLang="en-US" sz="2000" dirty="0"/>
+                        <a:t>트래픽 환경</a:t>
+                      </a:r>
+                    </a:p>
+                  </a:txBody>
+                  <a:tcPr marL="114713" marR="114713" marT="57356" marB="57356" anchor="ctr"/>
+                </a:tc>
+                <a:tc hMerge="1">
+                  <a:txBody>
+                    <a:bodyPr/>
+                    <a:lstStyle/>
+                    <a:p>
+                      <a:pPr algn="ctr" latinLnBrk="1"/>
+                      <a:endParaRPr lang="ko-KR" altLang="en-US" sz="2000" dirty="0"/>
+                    </a:p>
+                  </a:txBody>
+                  <a:tcPr marL="114713" marR="114713" marT="57356" marB="57356"/>
+                </a:tc>
+                <a:tc hMerge="1">
+                  <a:txBody>
+                    <a:bodyPr/>
+                    <a:lstStyle/>
+                    <a:p>
+                      <a:pPr latinLnBrk="1"/>
+                      <a:endParaRPr lang="ko-KR" altLang="en-US" dirty="0"/>
+                    </a:p>
+                  </a:txBody>
+                  <a:tcPr/>
+                </a:tc>
+                <a:extLst>
+                  <a:ext uri="{0D108BD9-81ED-4DB2-BD59-A6C34878D82A}">
+                    <a16:rowId xmlns:a16="http://schemas.microsoft.com/office/drawing/2014/main" val="4248835839"/>
+                  </a:ext>
+                </a:extLst>
+              </a:tr>
+              <a:tr h="421328">
+                <a:tc>
+                  <a:txBody>
+                    <a:bodyPr/>
+                    <a:lstStyle/>
+                    <a:p>
+                      <a:pPr algn="ctr" latinLnBrk="1"/>
+                      <a:r>
+                        <a:rPr lang="ko-KR" altLang="en-US" sz="1800" b="1" dirty="0"/>
+                        <a:t>주석</a:t>
+                      </a:r>
+                    </a:p>
+                  </a:txBody>
+                  <a:tcPr marL="114713" marR="114713" marT="57356" marB="57356" anchor="ctr"/>
+                </a:tc>
+                <a:tc>
+                  <a:txBody>
+                    <a:bodyPr/>
+                    <a:lstStyle/>
+                    <a:p>
+                      <a:pPr algn="ctr" latinLnBrk="1"/>
+                      <a:r>
+                        <a:rPr lang="en-US" altLang="ko-KR" sz="1800" b="1" dirty="0"/>
+                        <a:t>SSH </a:t>
+                      </a:r>
+                      <a:r>
+                        <a:rPr lang="ko-KR" altLang="en-US" sz="1800" b="1" dirty="0"/>
+                        <a:t>명령어</a:t>
+                      </a:r>
+                    </a:p>
+                  </a:txBody>
+                  <a:tcPr marL="114713" marR="114713" marT="57356" marB="57356" anchor="ctr"/>
+                </a:tc>
+                <a:tc>
+                  <a:txBody>
+                    <a:bodyPr/>
+                    <a:lstStyle/>
+                    <a:p>
+                      <a:pPr algn="ctr" latinLnBrk="1"/>
+                      <a:r>
+                        <a:rPr lang="ko-KR" altLang="en-US" sz="1800" b="1" dirty="0"/>
+                        <a:t>비고</a:t>
+                      </a:r>
+                    </a:p>
+                  </a:txBody>
+                  <a:tcPr marL="114713" marR="114713" marT="57356" marB="57356" anchor="ctr"/>
+                </a:tc>
+                <a:extLst>
+                  <a:ext uri="{0D108BD9-81ED-4DB2-BD59-A6C34878D82A}">
+                    <a16:rowId xmlns:a16="http://schemas.microsoft.com/office/drawing/2014/main" val="2476304529"/>
+                  </a:ext>
+                </a:extLst>
+              </a:tr>
+              <a:tr h="377980">
+                <a:tc>
+                  <a:txBody>
+                    <a:bodyPr/>
+                    <a:lstStyle/>
+                    <a:p>
+                      <a:pPr algn="ctr" latinLnBrk="1"/>
+                      <a:r>
+                        <a:rPr lang="ko-KR" altLang="en-US" sz="1800" dirty="0"/>
+                        <a:t>ⓐ</a:t>
+                      </a:r>
+                    </a:p>
+                  </a:txBody>
+                  <a:tcPr marL="114713" marR="114713" marT="57356" marB="57356" anchor="ctr"/>
+                </a:tc>
+                <a:tc>
+                  <a:txBody>
+                    <a:bodyPr/>
+                    <a:lstStyle/>
+                    <a:p>
+                      <a:pPr algn="ctr" latinLnBrk="1"/>
+                      <a:r>
+                        <a:rPr lang="en-US" altLang="ko-KR" sz="1800" dirty="0"/>
+                        <a:t>ping 30.0.0.101 -s 512 -</a:t>
+                      </a:r>
+                      <a:r>
+                        <a:rPr lang="en-US" altLang="ko-KR" sz="1800" dirty="0" err="1"/>
+                        <a:t>i</a:t>
+                      </a:r>
+                      <a:r>
+                        <a:rPr lang="en-US" altLang="ko-KR" sz="1800" dirty="0"/>
+                        <a:t> 1</a:t>
+                      </a:r>
+                      <a:endParaRPr lang="ko-KR" altLang="en-US" sz="1800" dirty="0"/>
+                    </a:p>
+                  </a:txBody>
+                  <a:tcPr marL="114713" marR="114713" marT="57356" marB="57356" anchor="ctr"/>
+                </a:tc>
+                <a:tc>
+                  <a:txBody>
+                    <a:bodyPr/>
+                    <a:lstStyle/>
+                    <a:p>
+                      <a:pPr algn="ctr" latinLnBrk="1"/>
+                      <a:r>
+                        <a:rPr lang="en-US" altLang="ko-KR" sz="1800" dirty="0"/>
+                        <a:t>Size</a:t>
+                      </a:r>
+                      <a:r>
+                        <a:rPr lang="ko-KR" altLang="en-US" sz="1800" dirty="0"/>
+                        <a:t>↓</a:t>
+                      </a:r>
+                      <a:r>
+                        <a:rPr lang="en-US" altLang="ko-KR" sz="1800" dirty="0"/>
+                        <a:t> &amp; </a:t>
+                      </a:r>
+                      <a:r>
+                        <a:rPr lang="en-US" altLang="ko-KR" sz="1800" dirty="0" err="1"/>
+                        <a:t>Pkts</a:t>
+                      </a:r>
+                      <a:r>
+                        <a:rPr lang="ko-KR" altLang="en-US" sz="1800" dirty="0"/>
+                        <a:t>↓</a:t>
+                      </a:r>
+                    </a:p>
+                  </a:txBody>
+                  <a:tcPr marL="114713" marR="114713" marT="57356" marB="57356" anchor="ctr"/>
+                </a:tc>
+                <a:extLst>
+                  <a:ext uri="{0D108BD9-81ED-4DB2-BD59-A6C34878D82A}">
+                    <a16:rowId xmlns:a16="http://schemas.microsoft.com/office/drawing/2014/main" val="223443967"/>
+                  </a:ext>
+                </a:extLst>
+              </a:tr>
+              <a:tr h="421328">
+                <a:tc>
+                  <a:txBody>
+                    <a:bodyPr/>
+                    <a:lstStyle/>
+                    <a:p>
+                      <a:pPr algn="ctr" latinLnBrk="1"/>
+                      <a:r>
+                        <a:rPr lang="ko-KR" altLang="en-US" sz="1800" dirty="0"/>
+                        <a:t>ⓑ</a:t>
+                      </a:r>
+                    </a:p>
+                  </a:txBody>
+                  <a:tcPr marL="114713" marR="114713" marT="57356" marB="57356" anchor="ctr"/>
+                </a:tc>
+                <a:tc>
+                  <a:txBody>
+                    <a:bodyPr/>
+                    <a:lstStyle/>
+                    <a:p>
+                      <a:pPr algn="ctr" latinLnBrk="1"/>
+                      <a:r>
+                        <a:rPr lang="en-US" altLang="ko-KR" sz="1800" dirty="0"/>
+                        <a:t>ping 30.0.0.101 -s 2048 -</a:t>
+                      </a:r>
+                      <a:r>
+                        <a:rPr lang="en-US" altLang="ko-KR" sz="1800" dirty="0" err="1"/>
+                        <a:t>i</a:t>
+                      </a:r>
+                      <a:r>
+                        <a:rPr lang="en-US" altLang="ko-KR" sz="1800" dirty="0"/>
+                        <a:t> 1</a:t>
+                      </a:r>
+                      <a:endParaRPr lang="ko-KR" altLang="en-US" sz="1800" dirty="0"/>
+                    </a:p>
+                  </a:txBody>
+                  <a:tcPr marL="114713" marR="114713" marT="57356" marB="57356" anchor="ctr"/>
+                </a:tc>
+                <a:tc>
+                  <a:txBody>
+                    <a:bodyPr/>
+                    <a:lstStyle/>
+                    <a:p>
+                      <a:pPr algn="ctr" latinLnBrk="1"/>
+                      <a:r>
+                        <a:rPr lang="en-US" altLang="ko-KR" sz="1800" dirty="0"/>
+                        <a:t>Size</a:t>
+                      </a:r>
+                      <a:r>
+                        <a:rPr lang="ko-KR" altLang="en-US" sz="1800" dirty="0"/>
+                        <a:t>↑</a:t>
+                      </a:r>
+                      <a:r>
+                        <a:rPr lang="en-US" altLang="ko-KR" sz="1800" dirty="0"/>
+                        <a:t> &amp; </a:t>
+                      </a:r>
+                      <a:r>
+                        <a:rPr lang="en-US" altLang="ko-KR" sz="1800" dirty="0" err="1"/>
+                        <a:t>Pkts</a:t>
+                      </a:r>
+                      <a:r>
+                        <a:rPr lang="ko-KR" altLang="en-US" sz="1800" dirty="0"/>
+                        <a:t>↓</a:t>
+                      </a:r>
+                    </a:p>
+                  </a:txBody>
+                  <a:tcPr marL="114713" marR="114713" marT="57356" marB="57356" anchor="ctr"/>
+                </a:tc>
+                <a:extLst>
+                  <a:ext uri="{0D108BD9-81ED-4DB2-BD59-A6C34878D82A}">
+                    <a16:rowId xmlns:a16="http://schemas.microsoft.com/office/drawing/2014/main" val="3594835564"/>
+                  </a:ext>
+                </a:extLst>
+              </a:tr>
+              <a:tr h="421328">
+                <a:tc>
+                  <a:txBody>
+                    <a:bodyPr/>
+                    <a:lstStyle/>
+                    <a:p>
+                      <a:pPr algn="ctr" latinLnBrk="1"/>
+                      <a:r>
+                        <a:rPr lang="ko-KR" altLang="en-US" sz="1800" dirty="0"/>
+                        <a:t>ⓒ</a:t>
+                      </a:r>
+                    </a:p>
+                  </a:txBody>
+                  <a:tcPr marL="114713" marR="114713" marT="57356" marB="57356" anchor="ctr"/>
+                </a:tc>
+                <a:tc>
+                  <a:txBody>
+                    <a:bodyPr/>
+                    <a:lstStyle/>
+                    <a:p>
+                      <a:pPr algn="ctr" latinLnBrk="1"/>
+                      <a:r>
+                        <a:rPr lang="en-US" altLang="ko-KR" sz="1800" dirty="0"/>
+                        <a:t>ping 30.0.0.101 -s 512 -</a:t>
+                      </a:r>
+                      <a:r>
+                        <a:rPr lang="en-US" altLang="ko-KR" sz="1800" dirty="0" err="1"/>
+                        <a:t>i</a:t>
+                      </a:r>
+                      <a:r>
+                        <a:rPr lang="en-US" altLang="ko-KR" sz="1800" dirty="0"/>
+                        <a:t> 0.5</a:t>
+                      </a:r>
+                      <a:endParaRPr lang="ko-KR" altLang="en-US" sz="1800" dirty="0"/>
+                    </a:p>
+                  </a:txBody>
+                  <a:tcPr marL="114713" marR="114713" marT="57356" marB="57356" anchor="ctr"/>
+                </a:tc>
+                <a:tc>
+                  <a:txBody>
+                    <a:bodyPr/>
+                    <a:lstStyle/>
+                    <a:p>
+                      <a:pPr algn="ctr" latinLnBrk="1"/>
+                      <a:r>
+                        <a:rPr lang="en-US" altLang="ko-KR" sz="1800" dirty="0"/>
+                        <a:t>Size</a:t>
+                      </a:r>
+                      <a:r>
+                        <a:rPr lang="ko-KR" altLang="en-US" sz="1800" dirty="0"/>
+                        <a:t>↓</a:t>
+                      </a:r>
+                      <a:r>
+                        <a:rPr lang="en-US" altLang="ko-KR" sz="1800" dirty="0"/>
+                        <a:t> &amp; </a:t>
+                      </a:r>
+                      <a:r>
+                        <a:rPr lang="en-US" altLang="ko-KR" sz="1800" dirty="0" err="1"/>
+                        <a:t>Pkts</a:t>
+                      </a:r>
+                      <a:r>
+                        <a:rPr lang="ko-KR" altLang="en-US" sz="1800" dirty="0"/>
+                        <a:t>↑</a:t>
+                      </a:r>
+                    </a:p>
+                  </a:txBody>
+                  <a:tcPr marL="114713" marR="114713" marT="57356" marB="57356" anchor="ctr"/>
+                </a:tc>
+                <a:extLst>
+                  <a:ext uri="{0D108BD9-81ED-4DB2-BD59-A6C34878D82A}">
+                    <a16:rowId xmlns:a16="http://schemas.microsoft.com/office/drawing/2014/main" val="3782149274"/>
+                  </a:ext>
+                </a:extLst>
+              </a:tr>
+              <a:tr h="421328">
+                <a:tc>
+                  <a:txBody>
+                    <a:bodyPr/>
+                    <a:lstStyle/>
+                    <a:p>
+                      <a:pPr algn="ctr" latinLnBrk="1"/>
+                      <a:r>
+                        <a:rPr lang="ko-KR" altLang="en-US" sz="1800" dirty="0"/>
+                        <a:t>Ⓓ</a:t>
+                      </a:r>
+                    </a:p>
+                  </a:txBody>
+                  <a:tcPr marL="114713" marR="114713" marT="57356" marB="57356" anchor="ctr"/>
+                </a:tc>
+                <a:tc>
+                  <a:txBody>
+                    <a:bodyPr/>
+                    <a:lstStyle/>
+                    <a:p>
+                      <a:pPr algn="ctr" latinLnBrk="1"/>
+                      <a:r>
+                        <a:rPr lang="en-US" altLang="ko-KR" sz="1800" dirty="0"/>
+                        <a:t>ping 30.0.0.101 -s 2048 -</a:t>
+                      </a:r>
+                      <a:r>
+                        <a:rPr lang="en-US" altLang="ko-KR" sz="1800" dirty="0" err="1"/>
+                        <a:t>i</a:t>
+                      </a:r>
+                      <a:r>
+                        <a:rPr lang="en-US" altLang="ko-KR" sz="1800" dirty="0"/>
+                        <a:t> 0.5</a:t>
+                      </a:r>
+                      <a:endParaRPr lang="ko-KR" altLang="en-US" sz="1800" dirty="0"/>
+                    </a:p>
+                  </a:txBody>
+                  <a:tcPr marL="114713" marR="114713" marT="57356" marB="57356" anchor="ctr"/>
+                </a:tc>
+                <a:tc>
+                  <a:txBody>
+                    <a:bodyPr/>
+                    <a:lstStyle/>
+                    <a:p>
+                      <a:pPr algn="ctr" latinLnBrk="1"/>
+                      <a:r>
+                        <a:rPr lang="en-US" altLang="ko-KR" sz="1800" dirty="0"/>
+                        <a:t>Size</a:t>
+                      </a:r>
+                      <a:r>
+                        <a:rPr lang="ko-KR" altLang="en-US" sz="1800" dirty="0"/>
+                        <a:t>↑</a:t>
+                      </a:r>
+                      <a:r>
+                        <a:rPr lang="en-US" altLang="ko-KR" sz="1800" dirty="0"/>
+                        <a:t> &amp; </a:t>
+                      </a:r>
+                      <a:r>
+                        <a:rPr lang="en-US" altLang="ko-KR" sz="1800" dirty="0" err="1"/>
+                        <a:t>Pkts</a:t>
+                      </a:r>
+                      <a:r>
+                        <a:rPr lang="ko-KR" altLang="en-US" sz="1800" dirty="0"/>
+                        <a:t>↑</a:t>
+                      </a:r>
+                    </a:p>
+                  </a:txBody>
+                  <a:tcPr marL="114713" marR="114713" marT="57356" marB="57356" anchor="ctr"/>
+                </a:tc>
+                <a:extLst>
+                  <a:ext uri="{0D108BD9-81ED-4DB2-BD59-A6C34878D82A}">
+                    <a16:rowId xmlns:a16="http://schemas.microsoft.com/office/drawing/2014/main" val="2267235369"/>
+                  </a:ext>
+                </a:extLst>
+              </a:tr>
+              <a:tr h="421328">
+                <a:tc>
+                  <a:txBody>
+                    <a:bodyPr/>
+                    <a:lstStyle/>
+                    <a:p>
+                      <a:pPr algn="ctr" latinLnBrk="1"/>
+                      <a:r>
+                        <a:rPr lang="ko-KR" altLang="en-US" sz="1800" dirty="0"/>
+                        <a:t>Ⓩ</a:t>
+                      </a:r>
+                    </a:p>
+                  </a:txBody>
+                  <a:tcPr marL="114713" marR="114713" marT="57356" marB="57356" anchor="ctr"/>
+                </a:tc>
+                <a:tc>
+                  <a:txBody>
+                    <a:bodyPr/>
+                    <a:lstStyle/>
+                    <a:p>
+                      <a:pPr algn="ctr" latinLnBrk="1"/>
+                      <a:r>
+                        <a:rPr lang="en-US" altLang="ko-KR" sz="1800" dirty="0"/>
+                        <a:t>\x03</a:t>
+                      </a:r>
+                      <a:endParaRPr lang="ko-KR" altLang="en-US" sz="1800" dirty="0"/>
+                    </a:p>
+                  </a:txBody>
+                  <a:tcPr marL="114713" marR="114713" marT="57356" marB="57356" anchor="ctr"/>
+                </a:tc>
+                <a:tc>
+                  <a:txBody>
+                    <a:bodyPr/>
+                    <a:lstStyle/>
+                    <a:p>
+                      <a:pPr algn="ctr" latinLnBrk="1"/>
+                      <a:r>
+                        <a:rPr lang="en-US" altLang="ko-KR" sz="1800" dirty="0"/>
+                        <a:t>No traffic</a:t>
+                      </a:r>
+                      <a:endParaRPr lang="ko-KR" altLang="en-US" sz="1800" dirty="0"/>
+                    </a:p>
+                  </a:txBody>
+                  <a:tcPr marL="114713" marR="114713" marT="57356" marB="57356" anchor="ctr"/>
+                </a:tc>
+                <a:extLst>
+                  <a:ext uri="{0D108BD9-81ED-4DB2-BD59-A6C34878D82A}">
+                    <a16:rowId xmlns:a16="http://schemas.microsoft.com/office/drawing/2014/main" val="1611454980"/>
+                  </a:ext>
+                </a:extLst>
+              </a:tr>
+            </a:tbl>
+          </a:graphicData>
+        </a:graphic>
+      </p:graphicFrame>
+      <p:graphicFrame>
+        <p:nvGraphicFramePr>
+          <p:cNvPr id="18" name="표 17">
+            <a:extLst>
+              <a:ext uri="{FF2B5EF4-FFF2-40B4-BE49-F238E27FC236}">
+                <a16:creationId xmlns:a16="http://schemas.microsoft.com/office/drawing/2014/main" id="{32FF56E8-7E62-4C8B-BA4F-782DE3C1EF44}"/>
+              </a:ext>
+            </a:extLst>
+          </p:cNvPr>
+          <p:cNvGraphicFramePr>
+            <a:graphicFrameLocks noGrp="1"/>
+          </p:cNvGraphicFramePr>
+          <p:nvPr>
+            <p:extLst>
+              <p:ext uri="{D42A27DB-BD31-4B8C-83A1-F6EECF244321}">
+                <p14:modId xmlns:p14="http://schemas.microsoft.com/office/powerpoint/2010/main" val="3354981528"/>
+              </p:ext>
+            </p:extLst>
+          </p:nvPr>
+        </p:nvGraphicFramePr>
+        <p:xfrm>
+          <a:off x="8143875" y="8157299"/>
+          <a:ext cx="6685634" cy="2302884"/>
+        </p:xfrm>
+        <a:graphic>
+          <a:graphicData uri="http://schemas.openxmlformats.org/drawingml/2006/table">
+            <a:tbl>
+              <a:tblPr firstRow="1" bandRow="1">
+                <a:tableStyleId>{073A0DAA-6AF3-43AB-8588-CEC1D06C72B9}</a:tableStyleId>
+              </a:tblPr>
+              <a:tblGrid>
+                <a:gridCol w="710758">
+                  <a:extLst>
+                    <a:ext uri="{9D8B030D-6E8A-4147-A177-3AD203B41FA5}">
+                      <a16:colId xmlns:a16="http://schemas.microsoft.com/office/drawing/2014/main" val="4196294324"/>
+                    </a:ext>
+                  </a:extLst>
+                </a:gridCol>
+                <a:gridCol w="5076082">
+                  <a:extLst>
+                    <a:ext uri="{9D8B030D-6E8A-4147-A177-3AD203B41FA5}">
+                      <a16:colId xmlns:a16="http://schemas.microsoft.com/office/drawing/2014/main" val="4166617116"/>
+                    </a:ext>
+                  </a:extLst>
+                </a:gridCol>
+                <a:gridCol w="898794">
+                  <a:extLst>
+                    <a:ext uri="{9D8B030D-6E8A-4147-A177-3AD203B41FA5}">
+                      <a16:colId xmlns:a16="http://schemas.microsoft.com/office/drawing/2014/main" val="949321290"/>
+                    </a:ext>
+                  </a:extLst>
+                </a:gridCol>
+              </a:tblGrid>
+              <a:tr h="448897">
+                <a:tc gridSpan="3">
+                  <a:txBody>
+                    <a:bodyPr/>
+                    <a:lstStyle/>
+                    <a:p>
+                      <a:pPr algn="ctr" latinLnBrk="1"/>
+                      <a:r>
+                        <a:rPr lang="ko-KR" altLang="en-US" sz="2000" dirty="0"/>
+                        <a:t>패킷 종류</a:t>
+                      </a:r>
+                    </a:p>
+                  </a:txBody>
+                  <a:tcPr marL="114713" marR="114713" marT="57356" marB="57356"/>
+                </a:tc>
+                <a:tc hMerge="1">
+                  <a:txBody>
+                    <a:bodyPr/>
+                    <a:lstStyle/>
+                    <a:p>
+                      <a:pPr algn="ctr" latinLnBrk="1"/>
+                      <a:endParaRPr lang="ko-KR" altLang="en-US" sz="2000" dirty="0"/>
+                    </a:p>
+                  </a:txBody>
+                  <a:tcPr marL="114713" marR="114713" marT="57356" marB="57356"/>
+                </a:tc>
+                <a:tc hMerge="1">
+                  <a:txBody>
+                    <a:bodyPr/>
+                    <a:lstStyle/>
+                    <a:p>
+                      <a:pPr latinLnBrk="1"/>
+                      <a:endParaRPr lang="ko-KR" altLang="en-US" dirty="0"/>
+                    </a:p>
+                  </a:txBody>
+                  <a:tcPr/>
+                </a:tc>
+                <a:extLst>
+                  <a:ext uri="{0D108BD9-81ED-4DB2-BD59-A6C34878D82A}">
+                    <a16:rowId xmlns:a16="http://schemas.microsoft.com/office/drawing/2014/main" val="4248835839"/>
+                  </a:ext>
+                </a:extLst>
+              </a:tr>
+              <a:tr h="434353">
+                <a:tc>
+                  <a:txBody>
+                    <a:bodyPr/>
+                    <a:lstStyle/>
+                    <a:p>
+                      <a:pPr algn="ctr" latinLnBrk="1"/>
+                      <a:r>
+                        <a:rPr lang="ko-KR" altLang="en-US" sz="1800" b="1" dirty="0"/>
+                        <a:t>주석</a:t>
+                      </a:r>
+                    </a:p>
+                  </a:txBody>
+                  <a:tcPr marL="114713" marR="114713" marT="57356" marB="57356" anchor="ctr"/>
+                </a:tc>
+                <a:tc>
+                  <a:txBody>
+                    <a:bodyPr/>
+                    <a:lstStyle/>
+                    <a:p>
+                      <a:pPr algn="ctr" latinLnBrk="1"/>
+                      <a:r>
+                        <a:rPr lang="en-US" altLang="ko-KR" sz="1800" b="1" dirty="0"/>
+                        <a:t>SSH</a:t>
+                      </a:r>
+                      <a:r>
+                        <a:rPr lang="ko-KR" altLang="en-US" sz="1800" b="1" dirty="0"/>
+                        <a:t> 명령어</a:t>
+                      </a:r>
+                    </a:p>
+                  </a:txBody>
+                  <a:tcPr marL="114713" marR="114713" marT="57356" marB="57356" anchor="ctr"/>
+                </a:tc>
+                <a:tc>
+                  <a:txBody>
+                    <a:bodyPr/>
+                    <a:lstStyle/>
+                    <a:p>
+                      <a:pPr algn="ctr" latinLnBrk="1"/>
+                      <a:r>
+                        <a:rPr lang="ko-KR" altLang="en-US" sz="1800" b="1" dirty="0"/>
+                        <a:t>비고</a:t>
+                      </a:r>
+                    </a:p>
+                  </a:txBody>
+                  <a:tcPr marL="114713" marR="114713" marT="57356" marB="57356" anchor="ctr"/>
+                </a:tc>
+                <a:extLst>
+                  <a:ext uri="{0D108BD9-81ED-4DB2-BD59-A6C34878D82A}">
+                    <a16:rowId xmlns:a16="http://schemas.microsoft.com/office/drawing/2014/main" val="1870470509"/>
+                  </a:ext>
+                </a:extLst>
+              </a:tr>
+              <a:tr h="709817">
+                <a:tc>
+                  <a:txBody>
+                    <a:bodyPr/>
+                    <a:lstStyle/>
+                    <a:p>
+                      <a:pPr algn="ctr" latinLnBrk="1"/>
+                      <a:r>
+                        <a:rPr lang="ko-KR" altLang="en-US" sz="1800" dirty="0"/>
+                        <a:t>①</a:t>
+                      </a:r>
+                    </a:p>
+                  </a:txBody>
+                  <a:tcPr marL="114713" marR="114713" marT="57356" marB="57356" anchor="ctr"/>
+                </a:tc>
+                <a:tc>
+                  <a:txBody>
+                    <a:bodyPr/>
+                    <a:lstStyle/>
+                    <a:p>
+                      <a:pPr algn="ctr" latinLnBrk="1"/>
+                      <a:r>
+                        <a:rPr lang="en-US" altLang="ko-KR" sz="1800" dirty="0"/>
+                        <a:t>ping 40.0.0.101 size 15000 repeat 1</a:t>
+                      </a:r>
+                      <a:endParaRPr lang="ko-KR" altLang="en-US" sz="1800" dirty="0"/>
+                    </a:p>
+                  </a:txBody>
+                  <a:tcPr marL="114713" marR="114713" marT="57356" marB="57356" anchor="ctr"/>
+                </a:tc>
+                <a:tc>
+                  <a:txBody>
+                    <a:bodyPr/>
+                    <a:lstStyle/>
+                    <a:p>
+                      <a:pPr algn="ctr" latinLnBrk="1"/>
+                      <a:r>
+                        <a:rPr lang="en-US" altLang="ko-KR" sz="1800" dirty="0"/>
+                        <a:t>Pull model</a:t>
+                      </a:r>
+                      <a:endParaRPr lang="ko-KR" altLang="en-US" sz="1800" dirty="0"/>
+                    </a:p>
+                  </a:txBody>
+                  <a:tcPr marL="114713" marR="114713" marT="57356" marB="57356" anchor="ctr"/>
+                </a:tc>
+                <a:extLst>
+                  <a:ext uri="{0D108BD9-81ED-4DB2-BD59-A6C34878D82A}">
+                    <a16:rowId xmlns:a16="http://schemas.microsoft.com/office/drawing/2014/main" val="223443967"/>
+                  </a:ext>
+                </a:extLst>
+              </a:tr>
+              <a:tr h="709817">
+                <a:tc>
+                  <a:txBody>
+                    <a:bodyPr/>
+                    <a:lstStyle/>
+                    <a:p>
+                      <a:pPr algn="ctr" latinLnBrk="1"/>
+                      <a:r>
+                        <a:rPr lang="ko-KR" altLang="en-US" sz="1800" dirty="0"/>
+                        <a:t>②</a:t>
+                      </a:r>
+                    </a:p>
+                  </a:txBody>
+                  <a:tcPr marL="114713" marR="114713" marT="57356" marB="57356" anchor="ctr"/>
+                </a:tc>
+                <a:tc>
+                  <a:txBody>
+                    <a:bodyPr/>
+                    <a:lstStyle/>
+                    <a:p>
+                      <a:pPr algn="ctr" latinLnBrk="1"/>
+                      <a:r>
+                        <a:rPr lang="en-US" altLang="ko-KR" sz="1800" dirty="0"/>
+                        <a:t>ping 40.0.0.101 size 2000 timeout 1 repeat 9</a:t>
+                      </a:r>
+                      <a:endParaRPr lang="ko-KR" altLang="en-US" sz="1800" dirty="0"/>
+                    </a:p>
+                  </a:txBody>
+                  <a:tcPr marL="114713" marR="114713" marT="57356" marB="57356" anchor="ctr"/>
+                </a:tc>
+                <a:tc>
+                  <a:txBody>
+                    <a:bodyPr/>
+                    <a:lstStyle/>
+                    <a:p>
+                      <a:pPr algn="ctr" latinLnBrk="1"/>
+                      <a:r>
+                        <a:rPr lang="en-US" altLang="ko-KR" sz="1800" dirty="0"/>
+                        <a:t>Push model </a:t>
+                      </a:r>
+                      <a:endParaRPr lang="ko-KR" altLang="en-US" sz="1800" dirty="0"/>
+                    </a:p>
+                  </a:txBody>
+                  <a:tcPr marL="114713" marR="114713" marT="57356" marB="57356" anchor="ctr"/>
+                </a:tc>
+                <a:extLst>
+                  <a:ext uri="{0D108BD9-81ED-4DB2-BD59-A6C34878D82A}">
+                    <a16:rowId xmlns:a16="http://schemas.microsoft.com/office/drawing/2014/main" val="3594835564"/>
+                  </a:ext>
+                </a:extLst>
+              </a:tr>
+            </a:tbl>
+          </a:graphicData>
+        </a:graphic>
+      </p:graphicFrame>
+      <p:sp>
+        <p:nvSpPr>
+          <p:cNvPr id="17" name="TextBox 16">
+            <a:extLst>
+              <a:ext uri="{FF2B5EF4-FFF2-40B4-BE49-F238E27FC236}">
+                <a16:creationId xmlns:a16="http://schemas.microsoft.com/office/drawing/2014/main" id="{760F3463-B336-41D3-8A53-34C8F7AE8855}"/>
+              </a:ext>
+            </a:extLst>
+          </p:cNvPr>
+          <p:cNvSpPr txBox="1"/>
+          <p:nvPr/>
+        </p:nvSpPr>
+        <p:spPr>
+          <a:xfrm>
+            <a:off x="2218037" y="9437400"/>
+            <a:ext cx="4058996" cy="400110"/>
+          </a:xfrm>
+          <a:prstGeom prst="rect">
+            <a:avLst/>
+          </a:prstGeom>
+          <a:noFill/>
+        </p:spPr>
+        <p:txBody>
+          <a:bodyPr wrap="none" rtlCol="0">
+            <a:spAutoFit/>
+          </a:bodyPr>
+          <a:lstStyle/>
+          <a:p>
+            <a:r>
+              <a:rPr lang="en-US" altLang="ko-KR" sz="2000" dirty="0"/>
+              <a:t>[</a:t>
+            </a:r>
+            <a:r>
+              <a:rPr lang="ko-KR" altLang="en-US" sz="2000" dirty="0"/>
+              <a:t>그림 </a:t>
+            </a:r>
+            <a:r>
+              <a:rPr lang="en-US" altLang="ko-KR" sz="2000" dirty="0"/>
+              <a:t>2] </a:t>
+            </a:r>
+            <a:r>
+              <a:rPr lang="ko-KR" altLang="en-US" sz="2000" dirty="0"/>
+              <a:t>메인 </a:t>
+            </a:r>
+            <a:r>
+              <a:rPr lang="en-US" altLang="ko-KR" sz="2000" dirty="0"/>
+              <a:t>Python </a:t>
+            </a:r>
+            <a:r>
+              <a:rPr lang="ko-KR" altLang="en-US" sz="2000" dirty="0"/>
+              <a:t>코드 일부분</a:t>
+            </a:r>
+          </a:p>
+        </p:txBody>
+      </p:sp>
+    </p:spTree>
+    <p:extLst>
+      <p:ext uri="{BB962C8B-B14F-4D97-AF65-F5344CB8AC3E}">
+        <p14:creationId xmlns:p14="http://schemas.microsoft.com/office/powerpoint/2010/main" val="4021706405"/>
+      </p:ext>
+    </p:extLst>
+  </p:cSld>
+  <p:clrMapOvr>
+    <a:masterClrMapping/>
+  </p:clrMapOvr>
+</p:sld>
+</file>
+
+<file path=ppt/slides/slide7.xml><?xml version="1.0" encoding="utf-8"?>
+<p:sld xmlns:a="http://schemas.openxmlformats.org/drawingml/2006/main" xmlns:r="http://schemas.openxmlformats.org/officeDocument/2006/relationships" xmlns:p="http://schemas.openxmlformats.org/presentationml/2006/main">
+  <p:cSld>
+    <p:spTree>
+      <p:nvGrpSpPr>
+        <p:cNvPr id="1" name=""/>
+        <p:cNvGrpSpPr/>
+        <p:nvPr/>
+      </p:nvGrpSpPr>
+      <p:grpSpPr>
+        <a:xfrm>
+          <a:off x="0" y="0"/>
+          <a:ext cx="0" cy="0"/>
+          <a:chOff x="0" y="0"/>
+          <a:chExt cx="0" cy="0"/>
+        </a:xfrm>
+      </p:grpSpPr>
+      <p:sp>
+        <p:nvSpPr>
+          <p:cNvPr id="5" name="제목 3">
+            <a:extLst>
+              <a:ext uri="{FF2B5EF4-FFF2-40B4-BE49-F238E27FC236}">
+                <a16:creationId xmlns:a16="http://schemas.microsoft.com/office/drawing/2014/main" id="{F875DA72-5349-4308-9250-1341A5054AD8}"/>
+              </a:ext>
+            </a:extLst>
+          </p:cNvPr>
+          <p:cNvSpPr>
+            <a:spLocks noGrp="1"/>
+          </p:cNvSpPr>
+          <p:nvPr>
+            <p:ph type="title"/>
+          </p:nvPr>
+        </p:nvSpPr>
+        <p:spPr>
+          <a:xfrm>
+            <a:off x="540000" y="0"/>
+            <a:ext cx="5629306" cy="2494756"/>
+          </a:xfrm>
+        </p:spPr>
+        <p:txBody>
+          <a:bodyPr>
+            <a:normAutofit/>
+          </a:bodyPr>
+          <a:lstStyle/>
+          <a:p>
+            <a:r>
+              <a:rPr lang="en-US" altLang="ko-KR" sz="6600" dirty="0"/>
+              <a:t>6.</a:t>
+            </a:r>
+            <a:r>
+              <a:rPr lang="ko-KR" altLang="en-US" sz="6600" dirty="0"/>
+              <a:t> 실험 결과 </a:t>
+            </a:r>
+            <a:r>
+              <a:rPr lang="en-US" altLang="ko-KR" sz="6600" dirty="0"/>
+              <a:t>0</a:t>
+            </a:r>
+            <a:endParaRPr lang="ko-KR" altLang="en-US" sz="6600" dirty="0"/>
+          </a:p>
+        </p:txBody>
+      </p:sp>
+      <p:pic>
+        <p:nvPicPr>
+          <p:cNvPr id="8" name="그림 7">
+            <a:extLst>
+              <a:ext uri="{FF2B5EF4-FFF2-40B4-BE49-F238E27FC236}">
+                <a16:creationId xmlns:a16="http://schemas.microsoft.com/office/drawing/2014/main" id="{9FDD3DB1-8C4E-426B-9CFA-FF7F8263FDCC}"/>
+              </a:ext>
+            </a:extLst>
+          </p:cNvPr>
+          <p:cNvPicPr>
+            <a:picLocks noChangeAspect="1"/>
+          </p:cNvPicPr>
+          <p:nvPr/>
+        </p:nvPicPr>
+        <p:blipFill>
+          <a:blip r:embed="rId2"/>
+          <a:stretch>
+            <a:fillRect/>
+          </a:stretch>
+        </p:blipFill>
+        <p:spPr>
+          <a:xfrm>
+            <a:off x="8107867" y="810156"/>
+            <a:ext cx="6866907" cy="3272802"/>
+          </a:xfrm>
+          <a:prstGeom prst="rect">
+            <a:avLst/>
+          </a:prstGeom>
+        </p:spPr>
+      </p:pic>
+      <p:sp>
+        <p:nvSpPr>
+          <p:cNvPr id="10" name="TextBox 9">
+            <a:extLst>
+              <a:ext uri="{FF2B5EF4-FFF2-40B4-BE49-F238E27FC236}">
+                <a16:creationId xmlns:a16="http://schemas.microsoft.com/office/drawing/2014/main" id="{C6285098-1276-49A2-99E8-257D1032B4DA}"/>
+              </a:ext>
+            </a:extLst>
+          </p:cNvPr>
+          <p:cNvSpPr txBox="1"/>
+          <p:nvPr/>
+        </p:nvSpPr>
+        <p:spPr>
+          <a:xfrm>
+            <a:off x="540000" y="2294815"/>
+            <a:ext cx="7657866" cy="1938992"/>
+          </a:xfrm>
+          <a:prstGeom prst="rect">
+            <a:avLst/>
+          </a:prstGeom>
+          <a:noFill/>
+        </p:spPr>
+        <p:txBody>
+          <a:bodyPr wrap="none" rtlCol="0">
+            <a:spAutoFit/>
+          </a:bodyPr>
+          <a:lstStyle/>
+          <a:p>
+            <a:r>
+              <a:rPr lang="ko-KR" altLang="en-US" sz="2400" dirty="0"/>
+              <a:t>처음은 </a:t>
+            </a:r>
+            <a:r>
+              <a:rPr lang="ko-KR" altLang="en-US" sz="2400" dirty="0" err="1">
+                <a:solidFill>
+                  <a:srgbClr val="FF0000"/>
+                </a:solidFill>
+              </a:rPr>
+              <a:t>트래픽량을</a:t>
+            </a:r>
+            <a:r>
+              <a:rPr lang="ko-KR" altLang="en-US" sz="2400" dirty="0">
+                <a:solidFill>
+                  <a:srgbClr val="FF0000"/>
+                </a:solidFill>
+              </a:rPr>
+              <a:t> 모니터링</a:t>
+            </a:r>
+            <a:r>
+              <a:rPr lang="ko-KR" altLang="en-US" sz="2400" dirty="0"/>
+              <a:t>하였다</a:t>
+            </a:r>
+            <a:r>
+              <a:rPr lang="en-US" altLang="ko-KR" sz="2400" dirty="0"/>
+              <a:t>.</a:t>
+            </a:r>
+          </a:p>
+          <a:p>
+            <a:r>
+              <a:rPr lang="ko-KR" altLang="en-US" sz="2400" dirty="0">
+                <a:solidFill>
+                  <a:srgbClr val="FF0000"/>
+                </a:solidFill>
+              </a:rPr>
+              <a:t>약 </a:t>
+            </a:r>
+            <a:r>
+              <a:rPr lang="en-US" altLang="ko-KR" sz="2400" dirty="0">
+                <a:solidFill>
+                  <a:srgbClr val="FF0000"/>
+                </a:solidFill>
+              </a:rPr>
+              <a:t>20</a:t>
+            </a:r>
+            <a:r>
+              <a:rPr lang="ko-KR" altLang="en-US" sz="2400" dirty="0">
+                <a:solidFill>
+                  <a:srgbClr val="FF0000"/>
+                </a:solidFill>
+              </a:rPr>
+              <a:t>분간 다양한 상황에서 실험을 진행한 결과</a:t>
+            </a:r>
+            <a:r>
+              <a:rPr lang="ko-KR" altLang="en-US" sz="2400" dirty="0"/>
+              <a:t>의 </a:t>
+            </a:r>
+            <a:endParaRPr lang="en-US" altLang="ko-KR" sz="2400" dirty="0"/>
+          </a:p>
+          <a:p>
+            <a:r>
+              <a:rPr lang="ko-KR" altLang="en-US" sz="2400" dirty="0"/>
+              <a:t>전체적인 그래프는 그림 </a:t>
+            </a:r>
+            <a:r>
+              <a:rPr lang="en-US" altLang="ko-KR" sz="2400" dirty="0"/>
+              <a:t>3</a:t>
+            </a:r>
+            <a:r>
+              <a:rPr lang="ko-KR" altLang="en-US" sz="2400" dirty="0"/>
+              <a:t>과 같다</a:t>
+            </a:r>
+            <a:r>
+              <a:rPr lang="en-US" altLang="ko-KR" sz="2400" dirty="0"/>
+              <a:t>. </a:t>
+            </a:r>
+            <a:r>
+              <a:rPr lang="ko-KR" altLang="en-US" sz="2400" dirty="0"/>
+              <a:t>다만 누적되는 값인</a:t>
+            </a:r>
+            <a:endParaRPr lang="en-US" altLang="ko-KR" sz="2400" dirty="0"/>
+          </a:p>
+          <a:p>
+            <a:r>
+              <a:rPr lang="en-US" altLang="ko-KR" sz="2400" dirty="0"/>
+              <a:t>Octet</a:t>
+            </a:r>
+            <a:r>
+              <a:rPr lang="ko-KR" altLang="en-US" sz="2400" dirty="0"/>
+              <a:t>값에 비해 실제 보고자 하는 미분 값이 보이지 않아</a:t>
+            </a:r>
+            <a:endParaRPr lang="en-US" altLang="ko-KR" sz="2400" dirty="0"/>
+          </a:p>
+          <a:p>
+            <a:r>
+              <a:rPr lang="ko-KR" altLang="en-US" sz="2400" dirty="0">
+                <a:solidFill>
+                  <a:srgbClr val="FF0000"/>
+                </a:solidFill>
+              </a:rPr>
+              <a:t>나머지 값들은 생략</a:t>
+            </a:r>
+            <a:r>
+              <a:rPr lang="ko-KR" altLang="en-US" sz="2400" dirty="0"/>
+              <a:t>하고 다시 보자</a:t>
+            </a:r>
+            <a:r>
+              <a:rPr lang="en-US" altLang="ko-KR" sz="2400" dirty="0"/>
+              <a:t>.</a:t>
+            </a:r>
+          </a:p>
+        </p:txBody>
+      </p:sp>
+      <p:sp>
+        <p:nvSpPr>
+          <p:cNvPr id="11" name="직사각형 10">
+            <a:extLst>
+              <a:ext uri="{FF2B5EF4-FFF2-40B4-BE49-F238E27FC236}">
+                <a16:creationId xmlns:a16="http://schemas.microsoft.com/office/drawing/2014/main" id="{653F3653-C07F-4F42-B173-28C127FD8E2F}"/>
+              </a:ext>
+            </a:extLst>
+          </p:cNvPr>
+          <p:cNvSpPr/>
+          <p:nvPr/>
+        </p:nvSpPr>
+        <p:spPr>
+          <a:xfrm>
+            <a:off x="8670983" y="4082958"/>
+            <a:ext cx="5740674" cy="400110"/>
+          </a:xfrm>
+          <a:prstGeom prst="rect">
+            <a:avLst/>
+          </a:prstGeom>
+        </p:spPr>
+        <p:txBody>
+          <a:bodyPr wrap="none">
+            <a:spAutoFit/>
+          </a:bodyPr>
+          <a:lstStyle/>
+          <a:p>
+            <a:r>
+              <a:rPr lang="en-US" altLang="ko-KR" sz="2000" dirty="0"/>
+              <a:t>[</a:t>
+            </a:r>
+            <a:r>
+              <a:rPr lang="ko-KR" altLang="en-US" sz="2000" dirty="0"/>
+              <a:t>그림 </a:t>
+            </a:r>
+            <a:r>
+              <a:rPr lang="en-US" altLang="ko-KR" sz="2000" dirty="0"/>
+              <a:t>3] </a:t>
+            </a:r>
+            <a:r>
+              <a:rPr lang="ko-KR" altLang="en-US" sz="2000" dirty="0" err="1"/>
+              <a:t>트래픽량</a:t>
+            </a:r>
+            <a:r>
+              <a:rPr lang="ko-KR" altLang="en-US" sz="2000" dirty="0"/>
+              <a:t> 모니터링</a:t>
+            </a:r>
+            <a:r>
+              <a:rPr lang="en-US" altLang="ko-KR" sz="2000" dirty="0"/>
+              <a:t> </a:t>
+            </a:r>
+            <a:r>
+              <a:rPr lang="ko-KR" altLang="en-US" sz="2000" dirty="0"/>
+              <a:t>실험 결과 전체 그래프</a:t>
+            </a:r>
+          </a:p>
+        </p:txBody>
+      </p:sp>
+      <p:sp>
+        <p:nvSpPr>
+          <p:cNvPr id="12" name="직사각형 11">
+            <a:extLst>
+              <a:ext uri="{FF2B5EF4-FFF2-40B4-BE49-F238E27FC236}">
+                <a16:creationId xmlns:a16="http://schemas.microsoft.com/office/drawing/2014/main" id="{FDDA91C8-9B99-47E9-BE52-0099964A236D}"/>
+              </a:ext>
+            </a:extLst>
+          </p:cNvPr>
+          <p:cNvSpPr/>
+          <p:nvPr/>
+        </p:nvSpPr>
+        <p:spPr>
+          <a:xfrm>
+            <a:off x="15602989" y="374074"/>
+            <a:ext cx="2014207" cy="3079644"/>
+          </a:xfrm>
+          <a:prstGeom prst="rect">
+            <a:avLst/>
+          </a:prstGeom>
+        </p:spPr>
+        <p:style>
+          <a:lnRef idx="2">
+            <a:schemeClr val="accent1">
+              <a:shade val="50000"/>
+            </a:schemeClr>
+          </a:lnRef>
+          <a:fillRef idx="1">
+            <a:schemeClr val="accent1"/>
+          </a:fillRef>
+          <a:effectRef idx="0">
+            <a:schemeClr val="accent1"/>
+          </a:effectRef>
+          <a:fontRef idx="minor">
+            <a:schemeClr val="lt1"/>
+          </a:fontRef>
+        </p:style>
+        <p:txBody>
+          <a:bodyPr rtlCol="0" anchor="ctr"/>
+          <a:lstStyle/>
+          <a:p>
+            <a:pPr algn="ctr"/>
+            <a:r>
+              <a:rPr lang="en-US" altLang="ko-KR" dirty="0"/>
+              <a:t>50cm </a:t>
+            </a:r>
+            <a:r>
+              <a:rPr lang="ko-KR" altLang="en-US" dirty="0"/>
+              <a:t>거리</a:t>
+            </a:r>
+          </a:p>
+        </p:txBody>
+      </p:sp>
+      <p:pic>
+        <p:nvPicPr>
+          <p:cNvPr id="15" name="그림 14">
+            <a:extLst>
+              <a:ext uri="{FF2B5EF4-FFF2-40B4-BE49-F238E27FC236}">
+                <a16:creationId xmlns:a16="http://schemas.microsoft.com/office/drawing/2014/main" id="{D72FA8A6-614C-4B89-9EEC-08B2818B411C}"/>
+              </a:ext>
+            </a:extLst>
+          </p:cNvPr>
+          <p:cNvPicPr>
+            <a:picLocks noChangeAspect="1"/>
+          </p:cNvPicPr>
+          <p:nvPr/>
+        </p:nvPicPr>
+        <p:blipFill>
+          <a:blip r:embed="rId3"/>
+          <a:stretch>
+            <a:fillRect/>
+          </a:stretch>
+        </p:blipFill>
+        <p:spPr>
+          <a:xfrm>
+            <a:off x="230830" y="5038205"/>
+            <a:ext cx="8776720" cy="4746980"/>
+          </a:xfrm>
+          <a:prstGeom prst="rect">
+            <a:avLst/>
+          </a:prstGeom>
+        </p:spPr>
+      </p:pic>
+      <p:sp>
+        <p:nvSpPr>
+          <p:cNvPr id="16" name="직사각형 15">
+            <a:extLst>
+              <a:ext uri="{FF2B5EF4-FFF2-40B4-BE49-F238E27FC236}">
+                <a16:creationId xmlns:a16="http://schemas.microsoft.com/office/drawing/2014/main" id="{43D87C13-4E3E-4BE4-8AD3-33D12D04606D}"/>
+              </a:ext>
+            </a:extLst>
+          </p:cNvPr>
+          <p:cNvSpPr/>
+          <p:nvPr/>
+        </p:nvSpPr>
+        <p:spPr>
+          <a:xfrm>
+            <a:off x="1748853" y="9785185"/>
+            <a:ext cx="5740674" cy="400110"/>
+          </a:xfrm>
+          <a:prstGeom prst="rect">
+            <a:avLst/>
+          </a:prstGeom>
+        </p:spPr>
+        <p:txBody>
+          <a:bodyPr wrap="none">
+            <a:spAutoFit/>
+          </a:bodyPr>
+          <a:lstStyle/>
+          <a:p>
+            <a:r>
+              <a:rPr lang="en-US" altLang="ko-KR" sz="2000" dirty="0"/>
+              <a:t>[</a:t>
+            </a:r>
+            <a:r>
+              <a:rPr lang="ko-KR" altLang="en-US" sz="2000" dirty="0"/>
+              <a:t>그림 </a:t>
+            </a:r>
+            <a:r>
+              <a:rPr lang="en-US" altLang="ko-KR" sz="2000" dirty="0"/>
+              <a:t>4] </a:t>
+            </a:r>
+            <a:r>
+              <a:rPr lang="ko-KR" altLang="en-US" sz="2000" dirty="0" err="1"/>
+              <a:t>트래픽량</a:t>
+            </a:r>
+            <a:r>
+              <a:rPr lang="ko-KR" altLang="en-US" sz="2000" dirty="0"/>
+              <a:t> 모니터링</a:t>
+            </a:r>
+            <a:r>
+              <a:rPr lang="en-US" altLang="ko-KR" sz="2000" dirty="0"/>
+              <a:t> </a:t>
+            </a:r>
+            <a:r>
+              <a:rPr lang="ko-KR" altLang="en-US" sz="2000" dirty="0"/>
+              <a:t>실험 결과 미분 그래프</a:t>
+            </a:r>
+          </a:p>
+        </p:txBody>
+      </p:sp>
+      <p:sp>
+        <p:nvSpPr>
+          <p:cNvPr id="17" name="TextBox 16">
+            <a:extLst>
+              <a:ext uri="{FF2B5EF4-FFF2-40B4-BE49-F238E27FC236}">
+                <a16:creationId xmlns:a16="http://schemas.microsoft.com/office/drawing/2014/main" id="{58B6629A-E855-4041-A2E5-ED2C9D4E9CC7}"/>
+              </a:ext>
+            </a:extLst>
+          </p:cNvPr>
+          <p:cNvSpPr txBox="1"/>
+          <p:nvPr/>
+        </p:nvSpPr>
+        <p:spPr>
+          <a:xfrm>
+            <a:off x="9007549" y="5684156"/>
+            <a:ext cx="6111801" cy="3600986"/>
+          </a:xfrm>
+          <a:prstGeom prst="rect">
+            <a:avLst/>
+          </a:prstGeom>
+          <a:noFill/>
+        </p:spPr>
+        <p:txBody>
+          <a:bodyPr wrap="none" rtlCol="0">
+            <a:spAutoFit/>
+          </a:bodyPr>
+          <a:lstStyle/>
+          <a:p>
+            <a:r>
+              <a:rPr lang="ko-KR" altLang="en-US" sz="2400" dirty="0"/>
+              <a:t>미분 값 만을 보니 그 값이 뚜렷이 보인다</a:t>
+            </a:r>
+            <a:r>
+              <a:rPr lang="en-US" altLang="ko-KR" sz="2400" dirty="0"/>
+              <a:t>.</a:t>
+            </a:r>
+            <a:r>
+              <a:rPr lang="ko-KR" altLang="en-US" sz="2400" dirty="0"/>
+              <a:t> </a:t>
+            </a:r>
+            <a:endParaRPr lang="en-US" altLang="ko-KR" sz="2400" dirty="0"/>
+          </a:p>
+          <a:p>
+            <a:endParaRPr lang="en-US" altLang="ko-KR" dirty="0"/>
+          </a:p>
+          <a:p>
+            <a:r>
+              <a:rPr lang="ko-KR" altLang="en-US" sz="2400" dirty="0">
+                <a:solidFill>
+                  <a:srgbClr val="FF0000"/>
+                </a:solidFill>
+              </a:rPr>
+              <a:t>패킷 크기는 크지만 개수는 작은 환경</a:t>
+            </a:r>
+            <a:r>
+              <a:rPr lang="ko-KR" altLang="en-US" sz="2400" dirty="0"/>
+              <a:t>과</a:t>
+            </a:r>
+            <a:endParaRPr lang="en-US" altLang="ko-KR" sz="2400" dirty="0"/>
+          </a:p>
+          <a:p>
+            <a:r>
+              <a:rPr lang="ko-KR" altLang="en-US" sz="2400" dirty="0">
+                <a:solidFill>
+                  <a:srgbClr val="FF0000"/>
+                </a:solidFill>
+              </a:rPr>
+              <a:t>패킷 크기가 작고 개수가 많은 환경</a:t>
+            </a:r>
+            <a:r>
+              <a:rPr lang="ko-KR" altLang="en-US" sz="2400" dirty="0"/>
+              <a:t>에서</a:t>
+            </a:r>
+            <a:endParaRPr lang="en-US" altLang="ko-KR" dirty="0"/>
+          </a:p>
+          <a:p>
+            <a:r>
+              <a:rPr lang="ko-KR" altLang="en-US" sz="2400" dirty="0" err="1">
+                <a:solidFill>
+                  <a:srgbClr val="FF0000"/>
+                </a:solidFill>
+              </a:rPr>
+              <a:t>쌓아둔</a:t>
+            </a:r>
+            <a:r>
+              <a:rPr lang="ko-KR" altLang="en-US" sz="2400" dirty="0">
+                <a:solidFill>
+                  <a:srgbClr val="FF0000"/>
+                </a:solidFill>
+              </a:rPr>
+              <a:t> 데이터를 한번에 전송하는 상황</a:t>
+            </a:r>
+            <a:r>
+              <a:rPr lang="ko-KR" altLang="en-US" sz="2400" dirty="0"/>
+              <a:t>의</a:t>
+            </a:r>
+            <a:endParaRPr lang="en-US" altLang="ko-KR" sz="2400" dirty="0"/>
+          </a:p>
+          <a:p>
+            <a:endParaRPr lang="en-US" altLang="ko-KR" dirty="0"/>
+          </a:p>
+          <a:p>
+            <a:r>
+              <a:rPr lang="en-US" altLang="ko-KR" sz="2400" dirty="0">
+                <a:solidFill>
+                  <a:srgbClr val="FF0000"/>
+                </a:solidFill>
+              </a:rPr>
+              <a:t>Peak</a:t>
+            </a:r>
+            <a:r>
+              <a:rPr lang="ko-KR" altLang="en-US" sz="2400" dirty="0">
+                <a:solidFill>
+                  <a:srgbClr val="FF0000"/>
+                </a:solidFill>
+              </a:rPr>
+              <a:t>값이 조금 낮게 나온다는 점</a:t>
+            </a:r>
+            <a:r>
+              <a:rPr lang="ko-KR" altLang="en-US" sz="2400" dirty="0"/>
+              <a:t>을 주의하면</a:t>
+            </a:r>
+            <a:endParaRPr lang="en-US" altLang="ko-KR" sz="2400" dirty="0"/>
+          </a:p>
+          <a:p>
+            <a:endParaRPr lang="en-US" altLang="ko-KR" sz="2400" dirty="0">
+              <a:solidFill>
+                <a:srgbClr val="FF0000"/>
+              </a:solidFill>
+            </a:endParaRPr>
+          </a:p>
+          <a:p>
+            <a:r>
+              <a:rPr lang="en-US" altLang="ko-KR" sz="2400" dirty="0">
+                <a:solidFill>
+                  <a:srgbClr val="FF0000"/>
+                </a:solidFill>
+              </a:rPr>
+              <a:t>Octet</a:t>
+            </a:r>
+            <a:r>
+              <a:rPr lang="ko-KR" altLang="en-US" sz="2400" dirty="0">
+                <a:solidFill>
+                  <a:srgbClr val="FF0000"/>
+                </a:solidFill>
+              </a:rPr>
+              <a:t>값으로도 식별가능한 이상행위 패턴이</a:t>
+            </a:r>
+            <a:endParaRPr lang="en-US" altLang="ko-KR" sz="2400" dirty="0">
+              <a:solidFill>
+                <a:srgbClr val="FF0000"/>
+              </a:solidFill>
+            </a:endParaRPr>
+          </a:p>
+          <a:p>
+            <a:r>
+              <a:rPr lang="ko-KR" altLang="en-US" sz="2400" dirty="0">
+                <a:solidFill>
+                  <a:srgbClr val="FF0000"/>
+                </a:solidFill>
+              </a:rPr>
+              <a:t>나온다는 것</a:t>
+            </a:r>
+            <a:r>
+              <a:rPr lang="ko-KR" altLang="en-US" sz="2400" dirty="0"/>
+              <a:t>을 볼 수 있다</a:t>
+            </a:r>
+            <a:r>
+              <a:rPr lang="en-US" altLang="ko-KR" sz="2400" dirty="0"/>
+              <a:t>.</a:t>
+            </a:r>
+            <a:endParaRPr lang="ko-KR" altLang="en-US" sz="2400" dirty="0"/>
+          </a:p>
+        </p:txBody>
+      </p:sp>
+    </p:spTree>
+    <p:extLst>
+      <p:ext uri="{BB962C8B-B14F-4D97-AF65-F5344CB8AC3E}">
+        <p14:creationId xmlns:p14="http://schemas.microsoft.com/office/powerpoint/2010/main" val="3521733879"/>
+      </p:ext>
+    </p:extLst>
+  </p:cSld>
+  <p:clrMapOvr>
+    <a:masterClrMapping/>
+  </p:clrMapOvr>
+</p:sld>
+</file>
+
+<file path=ppt/slides/slide8.xml><?xml version="1.0" encoding="utf-8"?>
+<p:sld xmlns:a="http://schemas.openxmlformats.org/drawingml/2006/main" xmlns:r="http://schemas.openxmlformats.org/officeDocument/2006/relationships" xmlns:p="http://schemas.openxmlformats.org/presentationml/2006/main">
+  <p:cSld>
+    <p:spTree>
+      <p:nvGrpSpPr>
+        <p:cNvPr id="1" name=""/>
+        <p:cNvGrpSpPr/>
+        <p:nvPr/>
+      </p:nvGrpSpPr>
+      <p:grpSpPr>
+        <a:xfrm>
+          <a:off x="0" y="0"/>
+          <a:ext cx="0" cy="0"/>
+          <a:chOff x="0" y="0"/>
+          <a:chExt cx="0" cy="0"/>
+        </a:xfrm>
+      </p:grpSpPr>
+      <p:sp>
+        <p:nvSpPr>
+          <p:cNvPr id="5" name="제목 3">
+            <a:extLst>
+              <a:ext uri="{FF2B5EF4-FFF2-40B4-BE49-F238E27FC236}">
+                <a16:creationId xmlns:a16="http://schemas.microsoft.com/office/drawing/2014/main" id="{AB669EA6-12C9-4034-9E61-A5EE8507FD98}"/>
+              </a:ext>
+            </a:extLst>
+          </p:cNvPr>
+          <p:cNvSpPr>
+            <a:spLocks noGrp="1"/>
+          </p:cNvSpPr>
+          <p:nvPr>
+            <p:ph type="title"/>
+          </p:nvPr>
+        </p:nvSpPr>
+        <p:spPr>
+          <a:xfrm>
+            <a:off x="540000" y="0"/>
+            <a:ext cx="5629306" cy="2494756"/>
+          </a:xfrm>
+        </p:spPr>
+        <p:txBody>
+          <a:bodyPr>
+            <a:normAutofit/>
+          </a:bodyPr>
+          <a:lstStyle/>
+          <a:p>
+            <a:r>
+              <a:rPr lang="en-US" altLang="ko-KR" sz="6600" dirty="0"/>
+              <a:t>7.</a:t>
+            </a:r>
+            <a:r>
+              <a:rPr lang="ko-KR" altLang="en-US" sz="6600" dirty="0"/>
+              <a:t> 실험 결과 </a:t>
+            </a:r>
+            <a:r>
+              <a:rPr lang="en-US" altLang="ko-KR" sz="6600" dirty="0"/>
+              <a:t>1</a:t>
+            </a:r>
+            <a:endParaRPr lang="ko-KR" altLang="en-US" sz="6600" dirty="0"/>
+          </a:p>
+        </p:txBody>
+      </p:sp>
+      <p:pic>
+        <p:nvPicPr>
+          <p:cNvPr id="6" name="그림 5">
+            <a:extLst>
+              <a:ext uri="{FF2B5EF4-FFF2-40B4-BE49-F238E27FC236}">
+                <a16:creationId xmlns:a16="http://schemas.microsoft.com/office/drawing/2014/main" id="{B8E777F6-DF6F-41A3-81DA-427713FAAB9A}"/>
+              </a:ext>
+            </a:extLst>
+          </p:cNvPr>
+          <p:cNvPicPr>
+            <a:picLocks noChangeAspect="1"/>
+          </p:cNvPicPr>
+          <p:nvPr/>
+        </p:nvPicPr>
+        <p:blipFill>
+          <a:blip r:embed="rId2"/>
+          <a:stretch>
+            <a:fillRect/>
+          </a:stretch>
+        </p:blipFill>
+        <p:spPr>
+          <a:xfrm>
+            <a:off x="2972357" y="2159436"/>
+            <a:ext cx="9174638" cy="4352200"/>
+          </a:xfrm>
+          <a:prstGeom prst="rect">
+            <a:avLst/>
+          </a:prstGeom>
+        </p:spPr>
+      </p:pic>
+      <p:sp>
+        <p:nvSpPr>
+          <p:cNvPr id="7" name="TextBox 6">
+            <a:extLst>
+              <a:ext uri="{FF2B5EF4-FFF2-40B4-BE49-F238E27FC236}">
+                <a16:creationId xmlns:a16="http://schemas.microsoft.com/office/drawing/2014/main" id="{3B9B6BBD-72B8-4E26-862C-5D6CD257EAF5}"/>
+              </a:ext>
+            </a:extLst>
+          </p:cNvPr>
+          <p:cNvSpPr txBox="1"/>
+          <p:nvPr/>
+        </p:nvSpPr>
+        <p:spPr>
+          <a:xfrm>
+            <a:off x="540000" y="7147382"/>
+            <a:ext cx="14123418" cy="3108543"/>
+          </a:xfrm>
+          <a:prstGeom prst="rect">
+            <a:avLst/>
+          </a:prstGeom>
+          <a:noFill/>
+        </p:spPr>
+        <p:txBody>
+          <a:bodyPr wrap="none" rtlCol="0">
+            <a:spAutoFit/>
+          </a:bodyPr>
+          <a:lstStyle/>
+          <a:p>
+            <a:r>
+              <a:rPr lang="ko-KR" altLang="en-US" sz="2800" dirty="0"/>
+              <a:t>앞서 탐지 배경에서 소개한 </a:t>
+            </a:r>
+            <a:r>
+              <a:rPr lang="en-US" altLang="ko-KR" sz="2800" dirty="0"/>
+              <a:t>MIB</a:t>
+            </a:r>
+            <a:r>
+              <a:rPr lang="ko-KR" altLang="en-US" sz="2800" dirty="0"/>
+              <a:t>중에서 두 번째인 </a:t>
+            </a:r>
+            <a:r>
+              <a:rPr lang="ko-KR" altLang="en-US" sz="2800" dirty="0">
+                <a:solidFill>
+                  <a:srgbClr val="FF0000"/>
+                </a:solidFill>
+              </a:rPr>
+              <a:t>패킷 개수를 모니터링한 결과</a:t>
+            </a:r>
+            <a:r>
+              <a:rPr lang="ko-KR" altLang="en-US" sz="2800" dirty="0"/>
+              <a:t>이다</a:t>
+            </a:r>
+            <a:r>
+              <a:rPr lang="en-US" altLang="ko-KR" sz="2800" dirty="0"/>
+              <a:t>.</a:t>
+            </a:r>
+          </a:p>
+          <a:p>
+            <a:r>
+              <a:rPr lang="ko-KR" altLang="en-US" sz="2800" dirty="0"/>
+              <a:t>행위 기반의 문제점인 </a:t>
+            </a:r>
+            <a:r>
+              <a:rPr lang="ko-KR" altLang="en-US" sz="2800" dirty="0" err="1"/>
+              <a:t>오미탐율을</a:t>
+            </a:r>
+            <a:r>
+              <a:rPr lang="ko-KR" altLang="en-US" sz="2800" dirty="0"/>
+              <a:t> 줄이기 위해 두 방법을 </a:t>
+            </a:r>
+            <a:r>
+              <a:rPr lang="ko-KR" altLang="en-US" sz="2800" dirty="0">
+                <a:solidFill>
+                  <a:srgbClr val="FF0000"/>
+                </a:solidFill>
+              </a:rPr>
+              <a:t>교차 검증하여 패턴 식별</a:t>
+            </a:r>
+            <a:endParaRPr lang="en-US" altLang="ko-KR" sz="2800" dirty="0">
+              <a:solidFill>
+                <a:srgbClr val="FF0000"/>
+              </a:solidFill>
+            </a:endParaRPr>
+          </a:p>
+          <a:p>
+            <a:r>
+              <a:rPr lang="ko-KR" altLang="en-US" sz="2800" dirty="0"/>
+              <a:t>하는 것을 제안하는 바이다</a:t>
+            </a:r>
+            <a:r>
+              <a:rPr lang="en-US" altLang="ko-KR" sz="2800" dirty="0"/>
+              <a:t>.</a:t>
+            </a:r>
+          </a:p>
+          <a:p>
+            <a:endParaRPr lang="en-US" altLang="ko-KR" sz="2800" dirty="0"/>
+          </a:p>
+          <a:p>
+            <a:r>
+              <a:rPr lang="ko-KR" altLang="en-US" sz="2800" dirty="0"/>
+              <a:t>추가로 패킷 개수를 모니터링 하는 실험에서도 ①의 패킷이 ②에 준하는 </a:t>
+            </a:r>
+            <a:r>
+              <a:rPr lang="en-US" altLang="ko-KR" sz="2800" dirty="0"/>
+              <a:t>peak</a:t>
+            </a:r>
+            <a:r>
+              <a:rPr lang="ko-KR" altLang="en-US" sz="2800" dirty="0"/>
+              <a:t>값을</a:t>
+            </a:r>
+            <a:endParaRPr lang="en-US" altLang="ko-KR" sz="2800" dirty="0"/>
+          </a:p>
+          <a:p>
+            <a:r>
+              <a:rPr lang="ko-KR" altLang="en-US" sz="2800" dirty="0"/>
+              <a:t>가질 수 있었던 것은 </a:t>
+            </a:r>
+            <a:r>
+              <a:rPr lang="en-US" altLang="ko-KR" sz="2800" dirty="0"/>
+              <a:t>IP Fragmentation </a:t>
+            </a:r>
+            <a:r>
+              <a:rPr lang="ko-KR" altLang="en-US" sz="2800" dirty="0"/>
+              <a:t>때문이다</a:t>
+            </a:r>
+            <a:r>
+              <a:rPr lang="en-US" altLang="ko-KR" sz="2800" dirty="0"/>
+              <a:t>. </a:t>
+            </a:r>
+            <a:r>
+              <a:rPr lang="ko-KR" altLang="en-US" sz="2800" dirty="0"/>
+              <a:t>따라서 </a:t>
+            </a:r>
+            <a:r>
+              <a:rPr lang="en-US" altLang="ko-KR" sz="2800" dirty="0"/>
+              <a:t>MTU(</a:t>
+            </a:r>
+            <a:r>
+              <a:rPr lang="en-US" altLang="ko-KR" sz="2000" dirty="0"/>
+              <a:t>Maximum</a:t>
+            </a:r>
+            <a:r>
+              <a:rPr lang="ko-KR" altLang="en-US" sz="2000" dirty="0"/>
+              <a:t> </a:t>
+            </a:r>
+            <a:r>
+              <a:rPr lang="en-US" altLang="ko-KR" sz="2000" dirty="0"/>
+              <a:t>Transfer Unit</a:t>
+            </a:r>
+            <a:r>
+              <a:rPr lang="en-US" altLang="ko-KR" sz="2800" dirty="0"/>
+              <a:t>) </a:t>
+            </a:r>
+            <a:r>
+              <a:rPr lang="ko-KR" altLang="en-US" sz="2800" dirty="0"/>
+              <a:t>값이</a:t>
+            </a:r>
+            <a:endParaRPr lang="en-US" altLang="ko-KR" sz="2800" dirty="0"/>
+          </a:p>
+          <a:p>
+            <a:r>
+              <a:rPr lang="ko-KR" altLang="en-US" sz="2800" dirty="0" err="1"/>
+              <a:t>임계값</a:t>
+            </a:r>
+            <a:r>
+              <a:rPr lang="ko-KR" altLang="en-US" sz="2800" dirty="0"/>
+              <a:t> 기준에 영향을 미친다</a:t>
+            </a:r>
+            <a:r>
+              <a:rPr lang="en-US" altLang="ko-KR" sz="2800" dirty="0"/>
+              <a:t>.</a:t>
+            </a:r>
+            <a:endParaRPr lang="ko-KR" altLang="en-US" sz="2800" dirty="0"/>
+          </a:p>
+        </p:txBody>
+      </p:sp>
+      <p:sp>
+        <p:nvSpPr>
+          <p:cNvPr id="8" name="직사각형 7">
+            <a:extLst>
+              <a:ext uri="{FF2B5EF4-FFF2-40B4-BE49-F238E27FC236}">
+                <a16:creationId xmlns:a16="http://schemas.microsoft.com/office/drawing/2014/main" id="{10B4C8CA-8C1A-4550-989E-30B7D7EEB2F0}"/>
+              </a:ext>
+            </a:extLst>
+          </p:cNvPr>
+          <p:cNvSpPr/>
+          <p:nvPr/>
+        </p:nvSpPr>
+        <p:spPr>
+          <a:xfrm>
+            <a:off x="4649116" y="6511636"/>
+            <a:ext cx="5821116" cy="400110"/>
+          </a:xfrm>
+          <a:prstGeom prst="rect">
+            <a:avLst/>
+          </a:prstGeom>
+        </p:spPr>
+        <p:txBody>
+          <a:bodyPr wrap="square">
+            <a:spAutoFit/>
+          </a:bodyPr>
+          <a:lstStyle/>
+          <a:p>
+            <a:r>
+              <a:rPr lang="en-US" altLang="ko-KR" sz="2000" dirty="0"/>
+              <a:t>[</a:t>
+            </a:r>
+            <a:r>
+              <a:rPr lang="ko-KR" altLang="en-US" sz="2000" dirty="0"/>
+              <a:t>그림 </a:t>
+            </a:r>
+            <a:r>
+              <a:rPr lang="en-US" altLang="ko-KR" sz="2000" dirty="0"/>
+              <a:t>5] </a:t>
+            </a:r>
+            <a:r>
+              <a:rPr lang="ko-KR" altLang="en-US" sz="2000" dirty="0"/>
+              <a:t>패킷 개수 모니터링 실험 결과 미분 그래프</a:t>
+            </a:r>
+          </a:p>
+        </p:txBody>
+      </p:sp>
+    </p:spTree>
+    <p:extLst>
+      <p:ext uri="{BB962C8B-B14F-4D97-AF65-F5344CB8AC3E}">
+        <p14:creationId xmlns:p14="http://schemas.microsoft.com/office/powerpoint/2010/main" val="231128906"/>
+      </p:ext>
+    </p:extLst>
+  </p:cSld>
+  <p:clrMapOvr>
+    <a:masterClrMapping/>
+  </p:clrMapOvr>
+</p:sld>
+</file>
+
+<file path=ppt/slides/slide9.xml><?xml version="1.0" encoding="utf-8"?>
+<p:sld xmlns:a="http://schemas.openxmlformats.org/drawingml/2006/main" xmlns:r="http://schemas.openxmlformats.org/officeDocument/2006/relationships" xmlns:p="http://schemas.openxmlformats.org/presentationml/2006/main">
+  <p:cSld>
+    <p:spTree>
+      <p:nvGrpSpPr>
+        <p:cNvPr id="1" name=""/>
+        <p:cNvGrpSpPr/>
+        <p:nvPr/>
+      </p:nvGrpSpPr>
+      <p:grpSpPr>
+        <a:xfrm>
+          <a:off x="0" y="0"/>
+          <a:ext cx="0" cy="0"/>
+          <a:chOff x="0" y="0"/>
+          <a:chExt cx="0" cy="0"/>
+        </a:xfrm>
+      </p:grpSpPr>
+      <p:sp>
+        <p:nvSpPr>
+          <p:cNvPr id="5" name="제목 3">
+            <a:extLst>
+              <a:ext uri="{FF2B5EF4-FFF2-40B4-BE49-F238E27FC236}">
+                <a16:creationId xmlns:a16="http://schemas.microsoft.com/office/drawing/2014/main" id="{D4BB69F7-F6EC-44E3-BC62-E9B7A0F08688}"/>
+              </a:ext>
+            </a:extLst>
+          </p:cNvPr>
+          <p:cNvSpPr>
+            <a:spLocks noGrp="1"/>
+          </p:cNvSpPr>
+          <p:nvPr>
+            <p:ph type="title"/>
+          </p:nvPr>
+        </p:nvSpPr>
+        <p:spPr>
+          <a:xfrm>
+            <a:off x="539999" y="0"/>
+            <a:ext cx="10824687" cy="2494756"/>
+          </a:xfrm>
+        </p:spPr>
+        <p:txBody>
+          <a:bodyPr>
+            <a:normAutofit/>
+          </a:bodyPr>
+          <a:lstStyle/>
+          <a:p>
+            <a:r>
+              <a:rPr lang="en-US" altLang="ko-KR" sz="6600" dirty="0"/>
+              <a:t>8.</a:t>
+            </a:r>
+            <a:r>
+              <a:rPr lang="ko-KR" altLang="en-US" sz="6600" dirty="0"/>
+              <a:t> 결론 </a:t>
+            </a:r>
+            <a:r>
+              <a:rPr lang="en-US" altLang="ko-KR" sz="6600" dirty="0"/>
+              <a:t>&amp; </a:t>
+            </a:r>
+            <a:r>
+              <a:rPr lang="ko-KR" altLang="en-US" sz="6600" dirty="0"/>
+              <a:t>한계 </a:t>
+            </a:r>
+            <a:r>
+              <a:rPr lang="en-US" altLang="ko-KR" sz="6600" dirty="0"/>
+              <a:t>&amp; </a:t>
+            </a:r>
+            <a:r>
+              <a:rPr lang="ko-KR" altLang="en-US" sz="6600" dirty="0"/>
+              <a:t>향후 연구</a:t>
+            </a:r>
+          </a:p>
+        </p:txBody>
+      </p:sp>
+      <p:sp>
+        <p:nvSpPr>
+          <p:cNvPr id="6" name="TextBox 5">
+            <a:extLst>
+              <a:ext uri="{FF2B5EF4-FFF2-40B4-BE49-F238E27FC236}">
+                <a16:creationId xmlns:a16="http://schemas.microsoft.com/office/drawing/2014/main" id="{040F441C-0EC2-4639-9296-EF7F9015A4A6}"/>
+              </a:ext>
+            </a:extLst>
+          </p:cNvPr>
+          <p:cNvSpPr txBox="1"/>
+          <p:nvPr/>
+        </p:nvSpPr>
+        <p:spPr>
+          <a:xfrm>
+            <a:off x="217514" y="2233146"/>
+            <a:ext cx="14901836" cy="6247864"/>
+          </a:xfrm>
+          <a:prstGeom prst="rect">
+            <a:avLst/>
+          </a:prstGeom>
+          <a:noFill/>
+        </p:spPr>
+        <p:txBody>
+          <a:bodyPr wrap="none" rtlCol="0">
+            <a:spAutoFit/>
+          </a:bodyPr>
+          <a:lstStyle/>
+          <a:p>
+            <a:pPr marL="457200" indent="-457200">
+              <a:buFont typeface="Arial" panose="020B0604020202020204" pitchFamily="34" charset="0"/>
+              <a:buChar char="•"/>
+            </a:pPr>
+            <a:r>
+              <a:rPr lang="ko-KR" altLang="en-US" sz="4000" b="1" dirty="0"/>
+              <a:t>결론</a:t>
+            </a:r>
+            <a:r>
+              <a:rPr lang="ko-KR" altLang="en-US" sz="4000" dirty="0"/>
+              <a:t> </a:t>
+            </a:r>
+            <a:r>
+              <a:rPr lang="en-US" altLang="ko-KR" sz="4000" dirty="0"/>
+              <a:t>: </a:t>
+            </a:r>
+            <a:r>
+              <a:rPr lang="ko-KR" altLang="en-US" sz="4000" dirty="0"/>
+              <a:t>트래픽 모니터링 분석을 통해 </a:t>
+            </a:r>
+            <a:br>
+              <a:rPr lang="en-US" altLang="ko-KR" sz="4000" dirty="0"/>
+            </a:br>
+            <a:r>
+              <a:rPr lang="en-US" altLang="ko-KR" sz="4000" dirty="0"/>
+              <a:t>         </a:t>
+            </a:r>
+            <a:r>
+              <a:rPr lang="ko-KR" altLang="en-US" sz="4000" dirty="0"/>
+              <a:t>구분 가능한 라우터 </a:t>
+            </a:r>
+            <a:r>
+              <a:rPr lang="ko-KR" altLang="en-US" sz="4000" dirty="0">
+                <a:solidFill>
+                  <a:srgbClr val="FF0000"/>
+                </a:solidFill>
+              </a:rPr>
+              <a:t>이상행위 패턴이 식별 가능</a:t>
+            </a:r>
+            <a:r>
+              <a:rPr lang="ko-KR" altLang="en-US" sz="4000" dirty="0"/>
+              <a:t>하다</a:t>
+            </a:r>
+            <a:r>
+              <a:rPr lang="en-US" altLang="ko-KR" sz="4000" dirty="0"/>
+              <a:t>.</a:t>
+            </a:r>
+          </a:p>
+          <a:p>
+            <a:pPr marL="457200" indent="-457200">
+              <a:buFont typeface="Arial" panose="020B0604020202020204" pitchFamily="34" charset="0"/>
+              <a:buChar char="•"/>
+            </a:pPr>
+            <a:endParaRPr lang="en-US" altLang="ko-KR" sz="4000" dirty="0"/>
+          </a:p>
+          <a:p>
+            <a:pPr marL="457200" indent="-457200">
+              <a:buFont typeface="Arial" panose="020B0604020202020204" pitchFamily="34" charset="0"/>
+              <a:buChar char="•"/>
+            </a:pPr>
+            <a:r>
+              <a:rPr lang="ko-KR" altLang="en-US" sz="4000" b="1" dirty="0"/>
+              <a:t>한계</a:t>
+            </a:r>
+            <a:r>
+              <a:rPr lang="ko-KR" altLang="en-US" sz="4000" dirty="0"/>
+              <a:t> </a:t>
+            </a:r>
+            <a:r>
+              <a:rPr lang="en-US" altLang="ko-KR" sz="4000" dirty="0"/>
+              <a:t>: </a:t>
+            </a:r>
+            <a:r>
+              <a:rPr lang="ko-KR" altLang="en-US" sz="4000" dirty="0"/>
+              <a:t>구분하기 위한 </a:t>
+            </a:r>
+            <a:r>
+              <a:rPr lang="ko-KR" altLang="en-US" sz="4000" dirty="0">
+                <a:solidFill>
+                  <a:srgbClr val="FF0000"/>
+                </a:solidFill>
+              </a:rPr>
+              <a:t>임계치 기준을 초반에 특정하기가 어렵다</a:t>
+            </a:r>
+            <a:r>
+              <a:rPr lang="en-US" altLang="ko-KR" sz="4000" dirty="0">
+                <a:solidFill>
+                  <a:srgbClr val="FF0000"/>
+                </a:solidFill>
+              </a:rPr>
+              <a:t>.</a:t>
+            </a:r>
+            <a:br>
+              <a:rPr lang="en-US" altLang="ko-KR" sz="4000" dirty="0"/>
+            </a:br>
+            <a:r>
+              <a:rPr lang="en-US" altLang="ko-KR" sz="4000" dirty="0"/>
+              <a:t>         </a:t>
+            </a:r>
+            <a:r>
+              <a:rPr lang="ko-KR" altLang="en-US" sz="4000" dirty="0"/>
+              <a:t>특정하더라도 그 값이 앞으로도 </a:t>
+            </a:r>
+            <a:r>
+              <a:rPr lang="ko-KR" altLang="en-US" sz="4000" dirty="0">
+                <a:solidFill>
+                  <a:srgbClr val="FF0000"/>
+                </a:solidFill>
+              </a:rPr>
+              <a:t>유효함을 보장할 수 없다</a:t>
+            </a:r>
+            <a:r>
+              <a:rPr lang="en-US" altLang="ko-KR" sz="4000" dirty="0">
+                <a:solidFill>
+                  <a:srgbClr val="FF0000"/>
+                </a:solidFill>
+              </a:rPr>
+              <a:t>.</a:t>
+            </a:r>
+          </a:p>
+          <a:p>
+            <a:pPr marL="457200" indent="-457200">
+              <a:buFont typeface="Arial" panose="020B0604020202020204" pitchFamily="34" charset="0"/>
+              <a:buChar char="•"/>
+            </a:pPr>
+            <a:endParaRPr lang="en-US" altLang="ko-KR" sz="4000" dirty="0"/>
+          </a:p>
+          <a:p>
+            <a:pPr marL="457200" indent="-457200">
+              <a:buFont typeface="Arial" panose="020B0604020202020204" pitchFamily="34" charset="0"/>
+              <a:buChar char="•"/>
+            </a:pPr>
+            <a:r>
+              <a:rPr lang="ko-KR" altLang="en-US" sz="4000" b="1" dirty="0"/>
+              <a:t>향후 연구 </a:t>
+            </a:r>
+            <a:r>
+              <a:rPr lang="en-US" altLang="ko-KR" sz="4000" dirty="0"/>
+              <a:t>: </a:t>
+            </a:r>
+            <a:r>
+              <a:rPr lang="ko-KR" altLang="en-US" sz="4000" dirty="0"/>
+              <a:t>한계의 문제점들을 극복하기 위해 실제 네트워크 백본</a:t>
+            </a:r>
+            <a:br>
+              <a:rPr lang="en-US" altLang="ko-KR" sz="4000" dirty="0"/>
+            </a:br>
+            <a:r>
+              <a:rPr lang="en-US" altLang="ko-KR" sz="4000" dirty="0"/>
+              <a:t>                </a:t>
+            </a:r>
+            <a:r>
+              <a:rPr lang="ko-KR" altLang="en-US" sz="4000" dirty="0" err="1"/>
+              <a:t>망에서와</a:t>
+            </a:r>
+            <a:r>
+              <a:rPr lang="ko-KR" altLang="en-US" sz="4000" dirty="0"/>
+              <a:t> 같이 </a:t>
+            </a:r>
+            <a:r>
+              <a:rPr lang="ko-KR" altLang="en-US" sz="4000" dirty="0">
+                <a:solidFill>
+                  <a:srgbClr val="FF0000"/>
+                </a:solidFill>
+              </a:rPr>
+              <a:t>다중 라우터들을 대상</a:t>
+            </a:r>
+            <a:r>
+              <a:rPr lang="ko-KR" altLang="en-US" sz="4000" dirty="0"/>
+              <a:t>으로 </a:t>
+            </a:r>
+            <a:r>
+              <a:rPr lang="en-US" altLang="ko-KR" sz="4000" dirty="0"/>
+              <a:t>Peak</a:t>
+            </a:r>
+            <a:r>
+              <a:rPr lang="ko-KR" altLang="en-US" sz="4000" dirty="0"/>
+              <a:t>값이</a:t>
+            </a:r>
+            <a:br>
+              <a:rPr lang="en-US" altLang="ko-KR" sz="4000" dirty="0"/>
+            </a:br>
+            <a:r>
+              <a:rPr lang="en-US" altLang="ko-KR" sz="4000" dirty="0"/>
+              <a:t>                </a:t>
+            </a:r>
+            <a:r>
+              <a:rPr lang="ko-KR" altLang="en-US" sz="4000" dirty="0"/>
+              <a:t>아닌 </a:t>
+            </a:r>
+            <a:r>
+              <a:rPr lang="ko-KR" altLang="en-US" sz="4000" dirty="0">
+                <a:solidFill>
+                  <a:srgbClr val="FF0000"/>
+                </a:solidFill>
+              </a:rPr>
+              <a:t>주고받은 트래픽을 분석</a:t>
+            </a:r>
+            <a:r>
+              <a:rPr lang="ko-KR" altLang="en-US" sz="4000" dirty="0"/>
+              <a:t>하는</a:t>
+            </a:r>
+            <a:br>
+              <a:rPr lang="en-US" altLang="ko-KR" sz="4000" dirty="0"/>
+            </a:br>
+            <a:r>
+              <a:rPr lang="en-US" altLang="ko-KR" sz="4000" dirty="0"/>
+              <a:t>                </a:t>
+            </a:r>
+            <a:r>
+              <a:rPr lang="ko-KR" altLang="en-US" sz="4000" dirty="0"/>
+              <a:t>방향으로 발전시킬 것이다</a:t>
+            </a:r>
+            <a:r>
+              <a:rPr lang="en-US" altLang="ko-KR" sz="4000" dirty="0"/>
+              <a:t>.</a:t>
+            </a:r>
+            <a:endParaRPr lang="ko-KR" altLang="en-US" sz="4000" dirty="0"/>
+          </a:p>
+        </p:txBody>
+      </p:sp>
+      <p:sp>
+        <p:nvSpPr>
+          <p:cNvPr id="8" name="Rectangle 4">
+            <a:extLst>
+              <a:ext uri="{FF2B5EF4-FFF2-40B4-BE49-F238E27FC236}">
+                <a16:creationId xmlns:a16="http://schemas.microsoft.com/office/drawing/2014/main" id="{78CC3B67-7430-46F6-AF8D-A5CAA8DF82F8}"/>
+              </a:ext>
+            </a:extLst>
+          </p:cNvPr>
+          <p:cNvSpPr>
+            <a:spLocks noChangeArrowheads="1"/>
+          </p:cNvSpPr>
+          <p:nvPr/>
+        </p:nvSpPr>
+        <p:spPr bwMode="auto">
+          <a:xfrm>
+            <a:off x="10913222" y="6954980"/>
+            <a:ext cx="17610107" cy="532519"/>
+          </a:xfrm>
+          <a:prstGeom prst="rect">
+            <a:avLst/>
+          </a:prstGeom>
+          <a:noFill/>
+          <a:ln>
+            <a:noFill/>
+          </a:ln>
+          <a:effectLst/>
+          <a:extLst>
+            <a:ext uri="{909E8E84-426E-40DD-AFC4-6F175D3DCCD1}">
+              <a14:hiddenFill xmlns:a14="http://schemas.microsoft.com/office/drawing/2010/main">
+                <a:solidFill>
+                  <a:schemeClr val="accent1"/>
+                </a:solidFill>
+              </a14:hiddenFill>
+            </a:ext>
+            <a:ext uri="{91240B29-F687-4F45-9708-019B960494DF}">
+              <a14:hiddenLine xmlns:a14="http://schemas.microsoft.com/office/drawing/2010/main" w="9525">
+                <a:solidFill>
+                  <a:schemeClr val="tx1"/>
+                </a:solidFill>
+                <a:miter lim="800000"/>
+                <a:headEnd/>
+                <a:tailEnd/>
+              </a14:hiddenLine>
+            </a:ext>
+            <a:ext uri="{AF507438-7753-43E0-B8FC-AC1667EBCBE1}">
+              <a14:hiddenEffects xmlns:a14="http://schemas.microsoft.com/office/drawing/2010/main">
+                <a:effectLst>
+                  <a:outerShdw dist="35921" dir="2700000" algn="ctr" rotWithShape="0">
+                    <a:schemeClr val="bg2"/>
+                  </a:outerShdw>
+                </a:effectLst>
+              </a14:hiddenEffects>
+            </a:ext>
+          </a:extLst>
+        </p:spPr>
+        <p:txBody>
+          <a:bodyPr vert="horz" wrap="square" lIns="91440" tIns="45720" rIns="91440" bIns="45720" numCol="1" anchor="ctr" anchorCtr="0" compatLnSpc="1">
+            <a:prstTxWarp prst="textNoShape">
+              <a:avLst/>
+            </a:prstTxWarp>
+            <a:spAutoFit/>
+          </a:bodyPr>
+          <a:lstStyle/>
+          <a:p>
+            <a:endParaRPr lang="ko-KR" altLang="en-US"/>
+          </a:p>
+        </p:txBody>
+      </p:sp>
+      <p:pic>
+        <p:nvPicPr>
+          <p:cNvPr id="5123" name="_x303927672" descr="EMB0000242484d5">
+            <a:extLst>
+              <a:ext uri="{FF2B5EF4-FFF2-40B4-BE49-F238E27FC236}">
+                <a16:creationId xmlns:a16="http://schemas.microsoft.com/office/drawing/2014/main" id="{AAC4B1E0-E1FB-4F38-BFDC-763385D54F34}"/>
+              </a:ext>
+            </a:extLst>
+          </p:cNvPr>
+          <p:cNvPicPr>
+            <a:picLocks noChangeAspect="1" noChangeArrowheads="1"/>
+          </p:cNvPicPr>
+          <p:nvPr/>
+        </p:nvPicPr>
+        <p:blipFill>
+          <a:blip r:embed="rId2">
+            <a:extLst>
+              <a:ext uri="{28A0092B-C50C-407E-A947-70E740481C1C}">
+                <a14:useLocalDpi xmlns:a14="http://schemas.microsoft.com/office/drawing/2010/main" val="0"/>
+              </a:ext>
+            </a:extLst>
+          </a:blip>
+          <a:srcRect/>
+          <a:stretch>
+            <a:fillRect/>
+          </a:stretch>
+        </p:blipFill>
+        <p:spPr bwMode="auto">
+          <a:xfrm>
+            <a:off x="10913223" y="7412181"/>
+            <a:ext cx="3772012" cy="2923310"/>
           </a:xfrm>
           <a:prstGeom prst="rect">
             <a:avLst/>
@@ -5753,10 +8002,67 @@
       </p:pic>
       <p:sp>
         <p:nvSpPr>
+          <p:cNvPr id="9" name="직사각형 8">
+            <a:extLst>
+              <a:ext uri="{FF2B5EF4-FFF2-40B4-BE49-F238E27FC236}">
+                <a16:creationId xmlns:a16="http://schemas.microsoft.com/office/drawing/2014/main" id="{1C6ED2F9-D7A0-42D7-B0FE-082F520140FA}"/>
+              </a:ext>
+            </a:extLst>
+          </p:cNvPr>
+          <p:cNvSpPr/>
+          <p:nvPr/>
+        </p:nvSpPr>
+        <p:spPr>
+          <a:xfrm>
+            <a:off x="15430500" y="7487499"/>
+            <a:ext cx="1585913" cy="2899514"/>
+          </a:xfrm>
+          <a:prstGeom prst="rect">
+            <a:avLst/>
+          </a:prstGeom>
+        </p:spPr>
+        <p:style>
+          <a:lnRef idx="2">
+            <a:schemeClr val="accent1">
+              <a:shade val="50000"/>
+            </a:schemeClr>
+          </a:lnRef>
+          <a:fillRef idx="1">
+            <a:schemeClr val="accent1"/>
+          </a:fillRef>
+          <a:effectRef idx="0">
+            <a:schemeClr val="accent1"/>
+          </a:effectRef>
+          <a:fontRef idx="minor">
+            <a:schemeClr val="lt1"/>
+          </a:fontRef>
+        </p:style>
+        <p:txBody>
+          <a:bodyPr rtlCol="0" anchor="ctr"/>
+          <a:lstStyle/>
+          <a:p>
+            <a:pPr algn="ctr"/>
+            <a:r>
+              <a:rPr lang="en-US" altLang="ko-KR" dirty="0"/>
+              <a:t>30cm</a:t>
+            </a:r>
+          </a:p>
+          <a:p>
+            <a:pPr algn="ctr"/>
+            <a:r>
+              <a:rPr lang="ko-KR" altLang="en-US" dirty="0"/>
+              <a:t>거리에서</a:t>
+            </a:r>
+            <a:endParaRPr lang="en-US" altLang="ko-KR" dirty="0"/>
+          </a:p>
+        </p:txBody>
+      </p:sp>
+      <p:sp>
+        <p:nvSpPr>
           <p:cNvPr id="10" name="TextBox 9">
             <a:extLst>
               <a:ext uri="{FF2B5EF4-FFF2-40B4-BE49-F238E27FC236}">
-                <a16:creationId xmlns:a16="http://schemas.microsoft.com/office/drawing/2014/main" id="{71F04DB8-1DA0-4F9E-BAFA-5D12ADB8B913}"/>
+                <a16:creationId xmlns:a16="http://schemas.microsoft.com/office/drawing/2014/main" id="{130A3CF0-0EDE-41E2-8A92-76FB183845FA}"/>
               </a:ext>
             </a:extLst>
           </p:cNvPr>
@@ -5765,8 +8071,8 @@
         </p:nvSpPr>
         <p:spPr>
           <a:xfrm>
-            <a:off x="668854" y="3479259"/>
-            <a:ext cx="601447" cy="153888"/>
+            <a:off x="11744325" y="10277606"/>
+            <a:ext cx="2566728" cy="307777"/>
           </a:xfrm>
           <a:prstGeom prst="rect">
             <a:avLst/>
@@ -5780,159 +8086,21 @@
           <a:lstStyle/>
           <a:p>
             <a:r>
-              <a:rPr lang="ko-KR" altLang="en-US" sz="100" dirty="0"/>
-              <a:t>가</a:t>
-            </a:r>
-            <a:r>
-              <a:rPr lang="en-US" altLang="ko-KR" sz="100" dirty="0"/>
-              <a:t>. R1~3 images : c3745-adventerprisek.124-25d.bin</a:t>
-            </a:r>
-          </a:p>
-          <a:p>
-            <a:r>
-              <a:rPr lang="ko-KR" altLang="en-US" sz="100" dirty="0"/>
-              <a:t>나</a:t>
-            </a:r>
-            <a:r>
-              <a:rPr lang="en-US" altLang="ko-KR" sz="100" dirty="0"/>
-              <a:t>. Alice, Bob, Eve : GNS VM</a:t>
-            </a:r>
-          </a:p>
-          <a:p>
-            <a:r>
-              <a:rPr lang="ko-KR" altLang="en-US" sz="100" dirty="0"/>
-              <a:t>다</a:t>
-            </a:r>
-            <a:r>
-              <a:rPr lang="en-US" altLang="ko-KR" sz="100" dirty="0"/>
-              <a:t>. R2( </a:t>
-            </a:r>
-            <a:r>
-              <a:rPr lang="ko-KR" altLang="en-US" sz="100" dirty="0"/>
-              <a:t>백도어가 심겨졌다고 가정된 라우터 </a:t>
-            </a:r>
-            <a:r>
-              <a:rPr lang="en-US" altLang="ko-KR" sz="100" dirty="0"/>
-              <a:t>)</a:t>
-            </a:r>
-          </a:p>
-          <a:p>
-            <a:r>
-              <a:rPr lang="en-US" altLang="ko-KR" sz="100" dirty="0"/>
-              <a:t>1) SNMP </a:t>
-            </a:r>
-            <a:r>
-              <a:rPr lang="ko-KR" altLang="en-US" sz="100" dirty="0"/>
-              <a:t>버전은 </a:t>
-            </a:r>
-            <a:r>
-              <a:rPr lang="en-US" altLang="ko-KR" sz="100" dirty="0"/>
-              <a:t>v3, </a:t>
-            </a:r>
-            <a:r>
-              <a:rPr lang="ko-KR" altLang="en-US" sz="100" dirty="0"/>
-              <a:t>보안레벨은 </a:t>
-            </a:r>
-            <a:r>
-              <a:rPr lang="en-US" altLang="ko-KR" sz="100" dirty="0" err="1"/>
-              <a:t>authPriv</a:t>
-            </a:r>
-            <a:r>
-              <a:rPr lang="en-US" altLang="ko-KR" sz="100" dirty="0"/>
-              <a:t>, </a:t>
-            </a:r>
-            <a:r>
-              <a:rPr lang="ko-KR" altLang="en-US" sz="100" dirty="0"/>
-              <a:t>암호화는 </a:t>
-            </a:r>
-            <a:r>
-              <a:rPr lang="en-US" altLang="ko-KR" sz="100" dirty="0"/>
-              <a:t>SHA</a:t>
-            </a:r>
-            <a:r>
-              <a:rPr lang="ko-KR" altLang="en-US" sz="100" dirty="0"/>
-              <a:t>와 </a:t>
-            </a:r>
-            <a:r>
-              <a:rPr lang="en-US" altLang="ko-KR" sz="100" dirty="0"/>
-              <a:t>DES </a:t>
-            </a:r>
-            <a:r>
-              <a:rPr lang="ko-KR" altLang="en-US" sz="100" dirty="0"/>
-              <a:t>사용</a:t>
-            </a:r>
-          </a:p>
-        </p:txBody>
-      </p:sp>
-      <p:sp>
-        <p:nvSpPr>
-          <p:cNvPr id="14" name="TextBox 13">
-            <a:extLst>
-              <a:ext uri="{FF2B5EF4-FFF2-40B4-BE49-F238E27FC236}">
-                <a16:creationId xmlns:a16="http://schemas.microsoft.com/office/drawing/2014/main" id="{F110FB9F-7763-40AC-BC93-7B61FAB5A6DD}"/>
-              </a:ext>
-            </a:extLst>
-          </p:cNvPr>
-          <p:cNvSpPr txBox="1"/>
-          <p:nvPr/>
-        </p:nvSpPr>
-        <p:spPr>
-          <a:xfrm>
-            <a:off x="944638" y="3001212"/>
-            <a:ext cx="1099717" cy="494046"/>
-          </a:xfrm>
-          <a:prstGeom prst="rect">
-            <a:avLst/>
-          </a:prstGeom>
-          <a:noFill/>
-        </p:spPr>
-        <p:txBody>
-          <a:bodyPr wrap="square" rtlCol="0">
-            <a:spAutoFit/>
-          </a:bodyPr>
-          <a:lstStyle/>
-          <a:p>
-            <a:pPr fontAlgn="base" latinLnBrk="1"/>
-            <a:r>
-              <a:rPr lang="ko-KR" altLang="en-US" sz="373" dirty="0"/>
-              <a:t>정상적인 라우터라면 인풋과 아웃풋이 크게 차이 나지 않겠지만 도청을 위한 라우터의 경우 모든 트래픽을 수용할 수 없으므로 주기적으로 이를 어딘가로 내보내거나 실시간으로 </a:t>
-            </a:r>
-            <a:r>
-              <a:rPr lang="ko-KR" altLang="en-US" sz="373" dirty="0" err="1"/>
-              <a:t>미러링</a:t>
-            </a:r>
-            <a:r>
-              <a:rPr lang="ko-KR" altLang="en-US" sz="373" dirty="0"/>
-              <a:t> 해야 한다</a:t>
-            </a:r>
-            <a:r>
-              <a:rPr lang="en-US" altLang="ko-KR" sz="373" dirty="0"/>
-              <a:t>. </a:t>
-            </a:r>
-            <a:r>
-              <a:rPr lang="ko-KR" altLang="en-US" sz="373" dirty="0"/>
-              <a:t>이 때 인풋과 </a:t>
-            </a:r>
-            <a:r>
-              <a:rPr lang="ko-KR" altLang="en-US" sz="373" dirty="0" err="1"/>
-              <a:t>아웃풋값에</a:t>
-            </a:r>
-            <a:r>
-              <a:rPr lang="ko-KR" altLang="en-US" sz="373" dirty="0"/>
-              <a:t> 특정 패턴이 나타날 것이라 예상하고 실험을 진행하였다</a:t>
-            </a:r>
-            <a:r>
-              <a:rPr lang="en-US" altLang="ko-KR" sz="373" dirty="0"/>
-              <a:t>.</a:t>
-            </a:r>
-            <a:endParaRPr lang="ko-KR" altLang="en-US" sz="373" dirty="0"/>
+              <a:rPr lang="ko-KR" altLang="en-US" sz="1400" dirty="0"/>
+              <a:t>현재 진행중인 다음 논문 일부</a:t>
+            </a:r>
+            <a:r>
+              <a:rPr lang="en-US" altLang="ko-KR" sz="1400" dirty="0"/>
+              <a:t>..</a:t>
+            </a:r>
+            <a:endParaRPr lang="ko-KR" altLang="en-US" sz="1400" dirty="0"/>
           </a:p>
         </p:txBody>
       </p:sp>
     </p:spTree>
     <p:extLst>
       <p:ext uri="{BB962C8B-B14F-4D97-AF65-F5344CB8AC3E}">
-        <p14:creationId xmlns:p14="http://schemas.microsoft.com/office/powerpoint/2010/main" val="3243713794"/>
+        <p14:creationId xmlns:p14="http://schemas.microsoft.com/office/powerpoint/2010/main" val="3512157801"/>
       </p:ext>
     </p:extLst>
   </p:cSld>
@@ -5983,76 +8151,16 @@
         <a:srgbClr val="954F72"/>
       </a:folHlink>
     </a:clrScheme>
-    <a:fontScheme name="Office 테마">
+    <a:fontScheme name="사용자 지정 3">
       <a:majorFont>
-        <a:latin typeface="Calibri Light" panose="020F0302020204030204"/>
-        <a:ea typeface=""/>
+        <a:latin typeface="a옛날사진관3"/>
+        <a:ea typeface="a옛날사진관3"/>
         <a:cs typeface=""/>
-        <a:font script="Jpan" typeface="游ゴシック Light"/>
-        <a:font script="Hang" typeface="맑은 고딕"/>
-        <a:font script="Hans" typeface="等线 Light"/>
-        <a:font script="Hant" typeface="新細明體"/>
-        <a:font script="Arab" typeface="Times New Roman"/>
-        <a:font script="Hebr" typeface="Times New Roman"/>
-        <a:font script="Thai" typeface="Angsana New"/>
-        <a:font script="Ethi" typeface="Nyala"/>
-        <a:font script="Beng" typeface="Vrinda"/>
-        <a:font script="Gujr" typeface="Shruti"/>
-        <a:font script="Khmr" typeface="MoolBoran"/>
-        <a:font script="Knda" typeface="Tunga"/>
-        <a:font script="Guru" typeface="Raavi"/>
-        <a:font script="Cans" typeface="Euphemia"/>
-        <a:font script="Cher" typeface="Plantagenet Cherokee"/>
-        <a:font script="Yiii" typeface="Microsoft Yi Baiti"/>
-        <a:font script="Tibt" typeface="Microsoft Himalaya"/>
-        <a:font script="Thaa" typeface="MV Boli"/>
-        <a:font script="Deva" typeface="Mangal"/>
-        <a:font script="Telu" typeface="Gautami"/>
-        <a:font script="Taml" typeface="Latha"/>
-        <a:font script="Syrc" typeface="Estrangelo Edessa"/>
-        <a:font script="Orya" typeface="Kalinga"/>
-        <a:font script="Mlym" typeface="Kartika"/>
-        <a:font script="Laoo" typeface="DokChampa"/>
-        <a:font script="Sinh" typeface="Iskoola Pota"/>
-        <a:font script="Mong" typeface="Mongolian Baiti"/>
-        <a:font script="Viet" typeface="Times New Roman"/>
-        <a:font script="Uigh" typeface="Microsoft Uighur"/>
-        <a:font script="Geor" typeface="Sylfaen"/>
       </a:majorFont>
       <a:minorFont>
-        <a:latin typeface="Calibri" panose="020F0502020204030204"/>
-        <a:ea typeface=""/>
+        <a:latin typeface="a옛날사진관3"/>
+        <a:ea typeface="a옛날사진관3"/>
         <a:cs typeface=""/>
-        <a:font script="Jpan" typeface="游ゴシック"/>
-        <a:font script="Hang" typeface="맑은 고딕"/>
-        <a:font script="Hans" typeface="等线"/>
-        <a:font script="Hant" typeface="新細明體"/>
-        <a:font script="Arab" typeface="Arial"/>
-        <a:font script="Hebr" typeface="Arial"/>
-        <a:font script="Thai" typeface="Cordia New"/>
-        <a:font script="Ethi" typeface="Nyala"/>
-        <a:font script="Beng" typeface="Vrinda"/>
-        <a:font script="Gujr" typeface="Shruti"/>
-        <a:font script="Khmr" typeface="DaunPenh"/>
-        <a:font script="Knda" typeface="Tunga"/>
-        <a:font script="Guru" typeface="Raavi"/>
-        <a:font script="Cans" typeface="Euphemia"/>
-        <a:font script="Cher" typeface="Plantagenet Cherokee"/>
-        <a:font script="Yiii" typeface="Microsoft Yi Baiti"/>
-        <a:font script="Tibt" typeface="Microsoft Himalaya"/>
-        <a:font script="Thaa" typeface="MV Boli"/>
-        <a:font script="Deva" typeface="Mangal"/>
-        <a:font script="Telu" typeface="Gautami"/>
-        <a:font script="Taml" typeface="Latha"/>
-        <a:font script="Syrc" typeface="Estrangelo Edessa"/>
-        <a:font script="Orya" typeface="Kalinga"/>
-        <a:font script="Mlym" typeface="Kartika"/>
-        <a:font script="Laoo" typeface="DokChampa"/>
-        <a:font script="Sinh" typeface="Iskoola Pota"/>
-        <a:font script="Mong" typeface="Mongolian Baiti"/>
-        <a:font script="Viet" typeface="Arial"/>
-        <a:font script="Uigh" typeface="Microsoft Uighur"/>
-        <a:font script="Geor" typeface="Sylfaen"/>
       </a:minorFont>
     </a:fontScheme>
     <a:fmtScheme name="Office 테마">
@@ -6201,4 +8309,299 @@
     </a:ext>
   </a:extLst>
 </a:theme>
+</file>
+
+<file path=ppt/theme/theme2.xml><?xml version="1.0" encoding="utf-8"?>
+<a:theme xmlns:a="http://schemas.openxmlformats.org/drawingml/2006/main" name="Office 테마">
+  <a:themeElements>
+    <a:clrScheme name="Office">
+      <a:dk1>
+        <a:sysClr val="windowText" lastClr="000000"/>
+      </a:dk1>
+      <a:lt1>
+        <a:sysClr val="window" lastClr="FFFFFF"/>
+      </a:lt1>
+      <a:dk2>
+        <a:srgbClr val="44546A"/>
+      </a:dk2>
+      <a:lt2>
+        <a:srgbClr val="E7E6E6"/>
+      </a:lt2>
+      <a:accent1>
+        <a:srgbClr val="4472C4"/>
+      </a:accent1>
+      <a:accent2>
+        <a:srgbClr val="ED7D31"/>
+      </a:accent2>
+      <a:accent3>
+        <a:srgbClr val="A5A5A5"/>
+      </a:accent3>
+      <a:accent4>
+        <a:srgbClr val="FFC000"/>
+      </a:accent4>
+      <a:accent5>
+        <a:srgbClr val="5B9BD5"/>
+      </a:accent5>
+      <a:accent6>
+        <a:srgbClr val="70AD47"/>
+      </a:accent6>
+      <a:hlink>
+        <a:srgbClr val="0563C1"/>
+      </a:hlink>
+      <a:folHlink>
+        <a:srgbClr val="954F72"/>
+      </a:folHlink>
+    </a:clrScheme>
+    <a:fontScheme name="Office">
+      <a:majorFont>
+        <a:latin typeface="맑은 고딕" panose="020F0302020204030204"/>
+        <a:ea typeface=""/>
+        <a:cs typeface=""/>
+        <a:font script="Jpan" typeface="游ゴシック Light"/>
+        <a:font script="Hang" typeface="맑은 고딕"/>
+        <a:font script="Hans" typeface="等线 Light"/>
+        <a:font script="Hant" typeface="新細明體"/>
+        <a:font script="Arab" typeface="Times New Roman"/>
+        <a:font script="Hebr" typeface="Times New Roman"/>
+        <a:font script="Thai" typeface="Angsana New"/>
+        <a:font script="Ethi" typeface="Nyala"/>
+        <a:font script="Beng" typeface="Vrinda"/>
+        <a:font script="Gujr" typeface="Shruti"/>
+        <a:font script="Khmr" typeface="MoolBoran"/>
+        <a:font script="Knda" typeface="Tunga"/>
+        <a:font script="Guru" typeface="Raavi"/>
+        <a:font script="Cans" typeface="Euphemia"/>
+        <a:font script="Cher" typeface="Plantagenet Cherokee"/>
+        <a:font script="Yiii" typeface="Microsoft Yi Baiti"/>
+        <a:font script="Tibt" typeface="Microsoft Himalaya"/>
+        <a:font script="Thaa" typeface="MV Boli"/>
+        <a:font script="Deva" typeface="Mangal"/>
+        <a:font script="Telu" typeface="Gautami"/>
+        <a:font script="Taml" typeface="Latha"/>
+        <a:font script="Syrc" typeface="Estrangelo Edessa"/>
+        <a:font script="Orya" typeface="Kalinga"/>
+        <a:font script="Mlym" typeface="Kartika"/>
+        <a:font script="Laoo" typeface="DokChampa"/>
+        <a:font script="Sinh" typeface="Iskoola Pota"/>
+        <a:font script="Mong" typeface="Mongolian Baiti"/>
+        <a:font script="Viet" typeface="Times New Roman"/>
+        <a:font script="Uigh" typeface="Microsoft Uighur"/>
+        <a:font script="Geor" typeface="Sylfaen"/>
+        <a:font script="Armn" typeface="Arial"/>
+        <a:font script="Bugi" typeface="Leelawadee UI"/>
+        <a:font script="Bopo" typeface="Microsoft JhengHei"/>
+        <a:font script="Java" typeface="Javanese Text"/>
+        <a:font script="Lisu" typeface="Segoe UI"/>
+        <a:font script="Mymr" typeface="Myanmar Text"/>
+        <a:font script="Nkoo" typeface="Ebrima"/>
+        <a:font script="Olck" typeface="Nirmala UI"/>
+        <a:font script="Osma" typeface="Ebrima"/>
+        <a:font script="Phag" typeface="Phagspa"/>
+        <a:font script="Syrn" typeface="Estrangelo Edessa"/>
+        <a:font script="Syrj" typeface="Estrangelo Edessa"/>
+        <a:font script="Syre" typeface="Estrangelo Edessa"/>
+        <a:font script="Sora" typeface="Nirmala UI"/>
+        <a:font script="Tale" typeface="Microsoft Tai Le"/>
+        <a:font script="Talu" typeface="Microsoft New Tai Lue"/>
+        <a:font script="Tfng" typeface="Ebrima"/>
+      </a:majorFont>
+      <a:minorFont>
+        <a:latin typeface="맑은 고딕" panose="020F0502020204030204"/>
+        <a:ea typeface=""/>
+        <a:cs typeface=""/>
+        <a:font script="Jpan" typeface="游ゴシック"/>
+        <a:font script="Hang" typeface="맑은 고딕"/>
+        <a:font script="Hans" typeface="等线"/>
+        <a:font script="Hant" typeface="新細明體"/>
+        <a:font script="Arab" typeface="Arial"/>
+        <a:font script="Hebr" typeface="Arial"/>
+        <a:font script="Thai" typeface="Cordia New"/>
+        <a:font script="Ethi" typeface="Nyala"/>
+        <a:font script="Beng" typeface="Vrinda"/>
+        <a:font script="Gujr" typeface="Shruti"/>
+        <a:font script="Khmr" typeface="DaunPenh"/>
+        <a:font script="Knda" typeface="Tunga"/>
+        <a:font script="Guru" typeface="Raavi"/>
+        <a:font script="Cans" typeface="Euphemia"/>
+        <a:font script="Cher" typeface="Plantagenet Cherokee"/>
+        <a:font script="Yiii" typeface="Microsoft Yi Baiti"/>
+        <a:font script="Tibt" typeface="Microsoft Himalaya"/>
+        <a:font script="Thaa" typeface="MV Boli"/>
+        <a:font script="Deva" typeface="Mangal"/>
+        <a:font script="Telu" typeface="Gautami"/>
+        <a:font script="Taml" typeface="Latha"/>
+        <a:font script="Syrc" typeface="Estrangelo Edessa"/>
+        <a:font script="Orya" typeface="Kalinga"/>
+        <a:font script="Mlym" typeface="Kartika"/>
+        <a:font script="Laoo" typeface="DokChampa"/>
+        <a:font script="Sinh" typeface="Iskoola Pota"/>
+        <a:font script="Mong" typeface="Mongolian Baiti"/>
+        <a:font script="Viet" typeface="Arial"/>
+        <a:font script="Uigh" typeface="Microsoft Uighur"/>
+        <a:font script="Geor" typeface="Sylfaen"/>
+        <a:font script="Armn" typeface="Arial"/>
+        <a:font script="Bugi" typeface="Leelawadee UI"/>
+        <a:font script="Bopo" typeface="Microsoft JhengHei"/>
+        <a:font script="Java" typeface="Javanese Text"/>
+        <a:font script="Lisu" typeface="Segoe UI"/>
+        <a:font script="Mymr" typeface="Myanmar Text"/>
+        <a:font script="Nkoo" typeface="Ebrima"/>
+        <a:font script="Olck" typeface="Nirmala UI"/>
+        <a:font script="Osma" typeface="Ebrima"/>
+        <a:font script="Phag" typeface="Phagspa"/>
+        <a:font script="Syrn" typeface="Estrangelo Edessa"/>
+        <a:font script="Syrj" typeface="Estrangelo Edessa"/>
+        <a:font script="Syre" typeface="Estrangelo Edessa"/>
+        <a:font script="Sora" typeface="Nirmala UI"/>
+        <a:font script="Tale" typeface="Microsoft Tai Le"/>
+        <a:font script="Talu" typeface="Microsoft New Tai Lue"/>
+        <a:font script="Tfng" typeface="Ebrima"/>
+      </a:minorFont>
+    </a:fontScheme>
+    <a:fmtScheme name="Office">
+      <a:fillStyleLst>
+        <a:solidFill>
+          <a:schemeClr val="phClr"/>
+        </a:solidFill>
+        <a:gradFill rotWithShape="1">
+          <a:gsLst>
+            <a:gs pos="0">
+              <a:schemeClr val="phClr">
+                <a:lumMod val="110000"/>
+                <a:satMod val="105000"/>
+                <a:tint val="67000"/>
+              </a:schemeClr>
+            </a:gs>
+            <a:gs pos="50000">
+              <a:schemeClr val="phClr">
+                <a:lumMod val="105000"/>
+                <a:satMod val="103000"/>
+                <a:tint val="73000"/>
+              </a:schemeClr>
+            </a:gs>
+            <a:gs pos="100000">
+              <a:schemeClr val="phClr">
+                <a:lumMod val="105000"/>
+                <a:satMod val="109000"/>
+                <a:tint val="81000"/>
+              </a:schemeClr>
+            </a:gs>
+          </a:gsLst>
+          <a:lin ang="5400000" scaled="0"/>
+        </a:gradFill>
+        <a:gradFill rotWithShape="1">
+          <a:gsLst>
+            <a:gs pos="0">
+              <a:schemeClr val="phClr">
+                <a:satMod val="103000"/>
+                <a:lumMod val="102000"/>
+                <a:tint val="94000"/>
+              </a:schemeClr>
+            </a:gs>
+            <a:gs pos="50000">
+              <a:schemeClr val="phClr">
+                <a:satMod val="110000"/>
+                <a:lumMod val="100000"/>
+                <a:shade val="100000"/>
+              </a:schemeClr>
+            </a:gs>
+            <a:gs pos="100000">
+              <a:schemeClr val="phClr">
+                <a:lumMod val="99000"/>
+                <a:satMod val="120000"/>
+                <a:shade val="78000"/>
+              </a:schemeClr>
+            </a:gs>
+          </a:gsLst>
+          <a:lin ang="5400000" scaled="0"/>
+        </a:gradFill>
+      </a:fillStyleLst>
+      <a:lnStyleLst>
+        <a:ln w="6350" cap="flat" cmpd="sng" algn="ctr">
+          <a:solidFill>
+            <a:schemeClr val="phClr"/>
+          </a:solidFill>
+          <a:prstDash val="solid"/>
+          <a:miter lim="800000"/>
+        </a:ln>
+        <a:ln w="12700" cap="flat" cmpd="sng" algn="ctr">
+          <a:solidFill>
+            <a:schemeClr val="phClr"/>
+          </a:solidFill>
+          <a:prstDash val="solid"/>
+          <a:miter lim="800000"/>
+        </a:ln>
+        <a:ln w="19050" cap="flat" cmpd="sng" algn="ctr">
+          <a:solidFill>
+            <a:schemeClr val="phClr"/>
+          </a:solidFill>
+          <a:prstDash val="solid"/>
+          <a:miter lim="800000"/>
+        </a:ln>
+      </a:lnStyleLst>
+      <a:effectStyleLst>
+        <a:effectStyle>
+          <a:effectLst/>
+        </a:effectStyle>
+        <a:effectStyle>
+          <a:effectLst/>
+        </a:effectStyle>
+        <a:effectStyle>
+          <a:effectLst>
+            <a:outerShdw blurRad="57150" dist="19050" dir="5400000" algn="ctr" rotWithShape="0">
+              <a:srgbClr val="000000">
+                <a:alpha val="63000"/>
+              </a:srgbClr>
+            </a:outerShdw>
+          </a:effectLst>
+        </a:effectStyle>
+      </a:effectStyleLst>
+      <a:bgFillStyleLst>
+        <a:solidFill>
+          <a:schemeClr val="phClr"/>
+        </a:solidFill>
+        <a:solidFill>
+          <a:schemeClr val="phClr">
+            <a:tint val="95000"/>
+            <a:satMod val="170000"/>
+          </a:schemeClr>
+        </a:solidFill>
+        <a:gradFill rotWithShape="1">
+          <a:gsLst>
+            <a:gs pos="0">
+              <a:schemeClr val="phClr">
+                <a:tint val="93000"/>
+                <a:satMod val="150000"/>
+                <a:shade val="98000"/>
+                <a:lumMod val="102000"/>
+              </a:schemeClr>
+            </a:gs>
+            <a:gs pos="50000">
+              <a:schemeClr val="phClr">
+                <a:tint val="98000"/>
+                <a:satMod val="130000"/>
+                <a:shade val="90000"/>
+                <a:lumMod val="103000"/>
+              </a:schemeClr>
+            </a:gs>
+            <a:gs pos="100000">
+              <a:schemeClr val="phClr">
+                <a:shade val="63000"/>
+                <a:satMod val="120000"/>
+              </a:schemeClr>
+            </a:gs>
+          </a:gsLst>
+          <a:lin ang="5400000" scaled="0"/>
+        </a:gradFill>
+      </a:bgFillStyleLst>
+    </a:fmtScheme>
+  </a:themeElements>
+  <a:objectDefaults/>
+  <a:extraClrSchemeLst/>
+  <a:extLst>
+    <a:ext uri="{05A4C25C-085E-4340-85A3-A5531E510DB2}">
+      <thm15:themeFamily xmlns:thm15="http://schemas.microsoft.com/office/thememl/2012/main" name="Office Theme" id="{62F939B6-93AF-4DB8-9C6B-D6C7DFDC589F}" vid="{4A3C46E8-61CC-4603-A589-7422A47A8E4A}"/>
+    </a:ext>
+  </a:extLst>
+</a:theme>
 </file>